--- a/_teaching/csci112-fall-2023/lectures/ppts/Chapter13.pptx
+++ b/_teaching/csci112-fall-2023/lectures/ppts/Chapter13.pptx
@@ -199,6 +199,33 @@
     </p:ext>
   </p:extLst>
 </p:presentation>
+</file>
+
+<file path=ppt/ink/ink1.xml><?xml version="1.0" encoding="utf-8"?>
+<inkml:ink xmlns:inkml="http://www.w3.org/2003/InkML">
+  <inkml:definitions>
+    <inkml:context xml:id="ctx0">
+      <inkml:inkSource xml:id="inkSrc0">
+        <inkml:traceFormat>
+          <inkml:channel name="X" type="integer" min="-2.14748E9" max="2.14748E9" units="cm"/>
+          <inkml:channel name="Y" type="integer" min="-2.14748E9" max="2.14748E9" units="cm"/>
+          <inkml:channel name="F" type="integer" max="32767" units="dev"/>
+        </inkml:traceFormat>
+        <inkml:channelProperties>
+          <inkml:channelProperty channel="X" name="resolution" value="1000" units="1/cm"/>
+          <inkml:channelProperty channel="Y" name="resolution" value="1000" units="1/cm"/>
+          <inkml:channelProperty channel="F" name="resolution" value="0" units="1/dev"/>
+        </inkml:channelProperties>
+      </inkml:inkSource>
+      <inkml:timestamp xml:id="ts0" timeString="2023-11-10T23:58:17.843"/>
+    </inkml:context>
+    <inkml:brush xml:id="br0">
+      <inkml:brushProperty name="width" value="0.05" units="cm"/>
+      <inkml:brushProperty name="height" value="0.05" units="cm"/>
+    </inkml:brush>
+  </inkml:definitions>
+  <inkml:trace contextRef="#ctx0" brushRef="#br0">0 46 24575,'29'-1'0,"18"-2"0,25-1 0,22 0 0,3 0 0,-4 2 0,-8 0 0,-20 1 0,-17 0 0,-17 0 0,-11 0 0,0 1 0,9-1 0,10-1 0,5-1 0,4 0 0,0 0 0,6 0 0,10 1 0,9 1 0,6 0 0,-4 0 0,-4 0 0,3 1 0,22 0 0,-35 1 0,3 1 0,5-1 0,1 1 0,-2 0 0,-2-1 0,-9 0 0,-3 0 0,35 0 0,-6-1 0,2 1 0,12 2 0,-44-1 0,0 0 0,-2 0 0,-1 0 0,34 2 0,-23-2 0,-14-1 0,2-1 0,12 0 0,10 1 0,0 1 0,-14-1 0,-11-1 0,-9 1 0,7-2 0,14 0 0,7 1 0,-3-1 0,-16 1 0,-18-1 0,-12 0 0,-3 0 0,2 0 0,2 0 0,4 1 0,4-1 0,4 1 0,4 0 0,1 0 0,5 0 0,8 0 0,5 0 0,-1 0 0,-15 0 0,-17 0 0,-12 0 0</inkml:trace>
+</inkml:ink>
 </file>
 
 <file path=ppt/notesMasters/notesMaster1.xml><?xml version="1.0" encoding="utf-8"?>
@@ -17014,6 +17041,57 @@
           </a:extLst>
         </p:spPr>
       </p:pic>
+      <mc:AlternateContent xmlns:mc="http://schemas.openxmlformats.org/markup-compatibility/2006">
+        <mc:Choice xmlns:p14="http://schemas.microsoft.com/office/powerpoint/2010/main" Requires="p14">
+          <p:contentPart p14:bwMode="auto" r:id="rId5">
+            <p14:nvContentPartPr>
+              <p14:cNvPr id="5" name="Ink 4">
+                <a:extLst>
+                  <a:ext uri="{FF2B5EF4-FFF2-40B4-BE49-F238E27FC236}">
+                    <a16:creationId xmlns:a16="http://schemas.microsoft.com/office/drawing/2014/main" id="{EFC53C91-F063-1A43-8679-9B4553BC4F77}"/>
+                  </a:ext>
+                </a:extLst>
+              </p14:cNvPr>
+              <p14:cNvContentPartPr/>
+              <p14:nvPr/>
+            </p14:nvContentPartPr>
+            <p14:xfrm>
+              <a:off x="1619023" y="4585320"/>
+              <a:ext cx="1406520" cy="16560"/>
+            </p14:xfrm>
+          </p:contentPart>
+        </mc:Choice>
+        <mc:Fallback>
+          <p:pic>
+            <p:nvPicPr>
+              <p:cNvPr id="5" name="Ink 4">
+                <a:extLst>
+                  <a:ext uri="{FF2B5EF4-FFF2-40B4-BE49-F238E27FC236}">
+                    <a16:creationId xmlns:a16="http://schemas.microsoft.com/office/drawing/2014/main" id="{EFC53C91-F063-1A43-8679-9B4553BC4F77}"/>
+                  </a:ext>
+                </a:extLst>
+              </p:cNvPr>
+              <p:cNvPicPr/>
+              <p:nvPr/>
+            </p:nvPicPr>
+            <p:blipFill>
+              <a:blip r:embed="rId6"/>
+              <a:stretch>
+                <a:fillRect/>
+              </a:stretch>
+            </p:blipFill>
+            <p:spPr>
+              <a:xfrm>
+                <a:off x="1610023" y="4576680"/>
+                <a:ext cx="1424160" cy="34200"/>
+              </a:xfrm>
+              <a:prstGeom prst="rect">
+                <a:avLst/>
+              </a:prstGeom>
+            </p:spPr>
+          </p:pic>
+        </mc:Fallback>
+      </mc:AlternateContent>
     </p:spTree>
     <p:extLst>
       <p:ext uri="{BB962C8B-B14F-4D97-AF65-F5344CB8AC3E}">

--- a/_teaching/csci112-fall-2023/lectures/ppts/Chapter13.pptx
+++ b/_teaching/csci112-fall-2023/lectures/ppts/Chapter13.pptx
@@ -37,7 +37,7 @@
     <p:sldId id="324" r:id="rId28"/>
     <p:sldId id="325" r:id="rId29"/>
     <p:sldId id="326" r:id="rId30"/>
-    <p:sldId id="327" r:id="rId31"/>
+    <p:sldId id="373" r:id="rId31"/>
     <p:sldId id="328" r:id="rId32"/>
     <p:sldId id="329" r:id="rId33"/>
     <p:sldId id="330" r:id="rId34"/>
@@ -225,6 +225,60 @@
     </inkml:brush>
   </inkml:definitions>
   <inkml:trace contextRef="#ctx0" brushRef="#br0">0 46 24575,'29'-1'0,"18"-2"0,25-1 0,22 0 0,3 0 0,-4 2 0,-8 0 0,-20 1 0,-17 0 0,-17 0 0,-11 0 0,0 1 0,9-1 0,10-1 0,5-1 0,4 0 0,0 0 0,6 0 0,10 1 0,9 1 0,6 0 0,-4 0 0,-4 0 0,3 1 0,22 0 0,-35 1 0,3 1 0,5-1 0,1 1 0,-2 0 0,-2-1 0,-9 0 0,-3 0 0,35 0 0,-6-1 0,2 1 0,12 2 0,-44-1 0,0 0 0,-2 0 0,-1 0 0,34 2 0,-23-2 0,-14-1 0,2-1 0,12 0 0,10 1 0,0 1 0,-14-1 0,-11-1 0,-9 1 0,7-2 0,14 0 0,7 1 0,-3-1 0,-16 1 0,-18-1 0,-12 0 0,-3 0 0,2 0 0,2 0 0,4 1 0,4-1 0,4 1 0,4 0 0,1 0 0,5 0 0,8 0 0,5 0 0,-1 0 0,-15 0 0,-17 0 0,-12 0 0</inkml:trace>
+</inkml:ink>
+</file>
+
+<file path=ppt/ink/ink2.xml><?xml version="1.0" encoding="utf-8"?>
+<inkml:ink xmlns:inkml="http://www.w3.org/2003/InkML">
+  <inkml:definitions>
+    <inkml:context xml:id="ctx0">
+      <inkml:inkSource xml:id="inkSrc0">
+        <inkml:traceFormat>
+          <inkml:channel name="X" type="integer" min="-2.14748E9" max="2.14748E9" units="cm"/>
+          <inkml:channel name="Y" type="integer" min="-2.14748E9" max="2.14748E9" units="cm"/>
+          <inkml:channel name="F" type="integer" max="32767" units="dev"/>
+        </inkml:traceFormat>
+        <inkml:channelProperties>
+          <inkml:channelProperty channel="X" name="resolution" value="1000" units="1/cm"/>
+          <inkml:channelProperty channel="Y" name="resolution" value="1000" units="1/cm"/>
+          <inkml:channelProperty channel="F" name="resolution" value="0" units="1/dev"/>
+        </inkml:channelProperties>
+      </inkml:inkSource>
+      <inkml:timestamp xml:id="ts0" timeString="2023-11-11T23:34:51.956"/>
+    </inkml:context>
+    <inkml:brush xml:id="br0">
+      <inkml:brushProperty name="width" value="0.05" units="cm"/>
+      <inkml:brushProperty name="height" value="0.05" units="cm"/>
+    </inkml:brush>
+  </inkml:definitions>
+  <inkml:trace contextRef="#ctx0" brushRef="#br0">1 87 24575,'64'-2'0,"-7"0"0,8-1 0,1 1 0,8 0 0,1-1-711,12 1 0,3-1 1,2 1 710,5-1 0,1 1 0,-3 0 0,-9 1 0,-2-1 0,-6 1 342,12 0 1,-9 0-343,-23 1 0,-8-1 352,-4 1-352,-29-1 0,-8 1 0,5-1 1095,13-1-1095,8-1 0,1 0 0,-1-1 0,1-1 0,13-1 0,25-2 0,10 0 0,-7 2 0,-20 2 0,-22 3 0,-8 3 0,3 0 0,8 1 0,7 0 0,9-1 0,11-1 0,4-1 0,2 0 0,-7 0 0,-11 0 0,-11-1 0,-6 0 0,-5 0 0,-5 0 0,-6 0 0,-5 1 0,6-1 0,6 1 0,3 0 0,-2 0 0,-7 1 0,-5-1 0,0 1 0,0 0 0,-1 0 0,-1 0 0,-5 0 0,-2-1 0,0 0 0,0 0 0,1-1 0,-1 1 0,-3-1 0,-1 1 0</inkml:trace>
+</inkml:ink>
+</file>
+
+<file path=ppt/ink/ink3.xml><?xml version="1.0" encoding="utf-8"?>
+<inkml:ink xmlns:inkml="http://www.w3.org/2003/InkML">
+  <inkml:definitions>
+    <inkml:context xml:id="ctx0">
+      <inkml:inkSource xml:id="inkSrc0">
+        <inkml:traceFormat>
+          <inkml:channel name="X" type="integer" min="-2.14748E9" max="2.14748E9" units="cm"/>
+          <inkml:channel name="Y" type="integer" min="-2.14748E9" max="2.14748E9" units="cm"/>
+          <inkml:channel name="F" type="integer" max="32767" units="dev"/>
+        </inkml:traceFormat>
+        <inkml:channelProperties>
+          <inkml:channelProperty channel="X" name="resolution" value="1000" units="1/cm"/>
+          <inkml:channelProperty channel="Y" name="resolution" value="1000" units="1/cm"/>
+          <inkml:channelProperty channel="F" name="resolution" value="0" units="1/dev"/>
+        </inkml:channelProperties>
+      </inkml:inkSource>
+      <inkml:timestamp xml:id="ts0" timeString="2023-11-11T23:35:00.074"/>
+    </inkml:context>
+    <inkml:brush xml:id="br0">
+      <inkml:brushProperty name="width" value="0.05" units="cm"/>
+      <inkml:brushProperty name="height" value="0.05" units="cm"/>
+    </inkml:brush>
+  </inkml:definitions>
+  <inkml:trace contextRef="#ctx0" brushRef="#br0">3120 1 24575,'-19'0'0,"-19"1"0,-35 0 0,21 0 0,-4 1 0,-7 1 0,-1-1 0,2 1 0,1 0 0,-35 3 0,31-2 0,25-2 0,12 0 0,2 0 0,-4 0 0,-7 1 0,-7-1 0,-2-1 0,0 0 0,-5-1 0,-3 1 0,-10-1 0,-7 1 0,2-1 0,-2 0 0,-2 0 0,-4 0 0,-2 0 0,8 1 0,9-1 0,5 1 0,0-1 0,5 1 0,7 0 0,13 2 0,9-1 0,6 0 0,5-1 0,0 0 0,-7-1 0,-19 1 0,-28 1 0,-27-2 0,38 1 0,1-1 0,1-1 0,2 1 0,-35-1 0,21-1 0,18 1 0,6 0 0,6 1 0,5-1 0,5 2 0,4-1 0,3 1 0,-2-1 0,-3 0 0,0 1 0,4-1 0,5 1 0,-1-1 0,-1 0 0,-2 0 0,1 0 0,3 0 0,-1 0 0,-2 0 0,-1 0 0,2 0 0,5 0 0,5 0 0,2 0 0,-6 1 0,-6 0 0,-1 0 0,4 0 0,8-1 0,4 0 0</inkml:trace>
 </inkml:ink>
 </file>
 
@@ -13584,7 +13638,7 @@
         <p:spPr>
           <a:xfrm>
             <a:off x="381000" y="1715294"/>
-            <a:ext cx="5317481" cy="4832092"/>
+            <a:ext cx="5317481" cy="3970318"/>
           </a:xfrm>
           <a:prstGeom prst="rect">
             <a:avLst/>
@@ -13682,31 +13736,7 @@
           </a:p>
           <a:p>
             <a:r>
-              <a:rPr lang="en-US" sz="2800" b="1" dirty="0"/>
-              <a:t>    </a:t>
-            </a:r>
-            <a:r>
-              <a:rPr lang="en-US" sz="2800" b="1" dirty="0" err="1"/>
-              <a:t>strcpy</a:t>
-            </a:r>
-            <a:r>
-              <a:rPr lang="en-US" sz="2800" b="1" dirty="0"/>
-              <a:t>(string1, “hello”);</a:t>
-            </a:r>
-          </a:p>
-          <a:p>
-            <a:r>
-              <a:rPr lang="en-US" sz="2800" b="1" dirty="0"/>
-              <a:t>    </a:t>
-            </a:r>
-            <a:r>
               <a:rPr lang="en-US" sz="2800" dirty="0"/>
-              <a:t>char string2[10] = “hi”;</a:t>
-            </a:r>
-          </a:p>
-          <a:p>
-            <a:r>
-              <a:rPr lang="en-US" sz="2800" b="1" dirty="0"/>
               <a:t>    </a:t>
             </a:r>
             <a:r>
@@ -13715,9 +13745,8 @@
             </a:r>
             <a:r>
               <a:rPr lang="en-US" sz="2800" dirty="0"/>
-              <a:t>(string2, “aloha”);</a:t>
-            </a:r>
-            <a:endParaRPr lang="en-US" sz="2800" b="1" dirty="0"/>
+              <a:t>(string1, “hello”);</a:t>
+            </a:r>
           </a:p>
           <a:p>
             <a:r>
@@ -13991,23 +14020,842 @@
       </p:sp>
       <p:graphicFrame>
         <p:nvGraphicFramePr>
-          <p:cNvPr id="2" name="Table 2">
-            <a:extLst>
-              <a:ext uri="{FF2B5EF4-FFF2-40B4-BE49-F238E27FC236}">
-                <a16:creationId xmlns:a16="http://schemas.microsoft.com/office/drawing/2014/main" id="{EC403D05-45CE-BA4C-8B95-8C379526B3FF}"/>
+          <p:cNvPr id="20" name="Table 2">
+            <a:extLst>
+              <a:ext uri="{FF2B5EF4-FFF2-40B4-BE49-F238E27FC236}">
+                <a16:creationId xmlns:a16="http://schemas.microsoft.com/office/drawing/2014/main" id="{F6EEC04F-444A-3A4B-813C-4E9365293F80}"/>
               </a:ext>
             </a:extLst>
           </p:cNvPr>
           <p:cNvGraphicFramePr>
             <a:graphicFrameLocks noGrp="1"/>
           </p:cNvGraphicFramePr>
+          <p:nvPr/>
+        </p:nvGraphicFramePr>
+        <p:xfrm>
+          <a:off x="4991100" y="5462494"/>
+          <a:ext cx="4038599" cy="365760"/>
+        </p:xfrm>
+        <a:graphic>
+          <a:graphicData uri="http://schemas.openxmlformats.org/drawingml/2006/table">
+            <a:tbl>
+              <a:tblPr firstRow="1" bandRow="1">
+                <a:tableStyleId>{00A15C55-8517-42AA-B614-E9B94910E393}</a:tableStyleId>
+              </a:tblPr>
+              <a:tblGrid>
+                <a:gridCol w="319007">
+                  <a:extLst>
+                    <a:ext uri="{9D8B030D-6E8A-4147-A177-3AD203B41FA5}">
+                      <a16:colId xmlns:a16="http://schemas.microsoft.com/office/drawing/2014/main" val="4232320010"/>
+                    </a:ext>
+                  </a:extLst>
+                </a:gridCol>
+                <a:gridCol w="413288">
+                  <a:extLst>
+                    <a:ext uri="{9D8B030D-6E8A-4147-A177-3AD203B41FA5}">
+                      <a16:colId xmlns:a16="http://schemas.microsoft.com/office/drawing/2014/main" val="2607063622"/>
+                    </a:ext>
+                  </a:extLst>
+                </a:gridCol>
+                <a:gridCol w="413288">
+                  <a:extLst>
+                    <a:ext uri="{9D8B030D-6E8A-4147-A177-3AD203B41FA5}">
+                      <a16:colId xmlns:a16="http://schemas.microsoft.com/office/drawing/2014/main" val="1938765617"/>
+                    </a:ext>
+                  </a:extLst>
+                </a:gridCol>
+                <a:gridCol w="413288">
+                  <a:extLst>
+                    <a:ext uri="{9D8B030D-6E8A-4147-A177-3AD203B41FA5}">
+                      <a16:colId xmlns:a16="http://schemas.microsoft.com/office/drawing/2014/main" val="4079097220"/>
+                    </a:ext>
+                  </a:extLst>
+                </a:gridCol>
+                <a:gridCol w="413288">
+                  <a:extLst>
+                    <a:ext uri="{9D8B030D-6E8A-4147-A177-3AD203B41FA5}">
+                      <a16:colId xmlns:a16="http://schemas.microsoft.com/office/drawing/2014/main" val="2798790000"/>
+                    </a:ext>
+                  </a:extLst>
+                </a:gridCol>
+                <a:gridCol w="413288">
+                  <a:extLst>
+                    <a:ext uri="{9D8B030D-6E8A-4147-A177-3AD203B41FA5}">
+                      <a16:colId xmlns:a16="http://schemas.microsoft.com/office/drawing/2014/main" val="1182726909"/>
+                    </a:ext>
+                  </a:extLst>
+                </a:gridCol>
+                <a:gridCol w="413288">
+                  <a:extLst>
+                    <a:ext uri="{9D8B030D-6E8A-4147-A177-3AD203B41FA5}">
+                      <a16:colId xmlns:a16="http://schemas.microsoft.com/office/drawing/2014/main" val="4123172624"/>
+                    </a:ext>
+                  </a:extLst>
+                </a:gridCol>
+                <a:gridCol w="413288">
+                  <a:extLst>
+                    <a:ext uri="{9D8B030D-6E8A-4147-A177-3AD203B41FA5}">
+                      <a16:colId xmlns:a16="http://schemas.microsoft.com/office/drawing/2014/main" val="1828627230"/>
+                    </a:ext>
+                  </a:extLst>
+                </a:gridCol>
+                <a:gridCol w="413288">
+                  <a:extLst>
+                    <a:ext uri="{9D8B030D-6E8A-4147-A177-3AD203B41FA5}">
+                      <a16:colId xmlns:a16="http://schemas.microsoft.com/office/drawing/2014/main" val="1871535828"/>
+                    </a:ext>
+                  </a:extLst>
+                </a:gridCol>
+                <a:gridCol w="413288">
+                  <a:extLst>
+                    <a:ext uri="{9D8B030D-6E8A-4147-A177-3AD203B41FA5}">
+                      <a16:colId xmlns:a16="http://schemas.microsoft.com/office/drawing/2014/main" val="1480337906"/>
+                    </a:ext>
+                  </a:extLst>
+                </a:gridCol>
+              </a:tblGrid>
+              <a:tr h="365125">
+                <a:tc>
+                  <a:txBody>
+                    <a:bodyPr/>
+                    <a:lstStyle/>
+                    <a:p>
+                      <a:r>
+                        <a:rPr lang="en-US" dirty="0"/>
+                        <a:t>?</a:t>
+                      </a:r>
+                    </a:p>
+                  </a:txBody>
+                  <a:tcPr/>
+                </a:tc>
+                <a:tc>
+                  <a:txBody>
+                    <a:bodyPr/>
+                    <a:lstStyle/>
+                    <a:p>
+                      <a:r>
+                        <a:rPr lang="en-US" dirty="0"/>
+                        <a:t>?</a:t>
+                      </a:r>
+                    </a:p>
+                  </a:txBody>
+                  <a:tcPr/>
+                </a:tc>
+                <a:tc>
+                  <a:txBody>
+                    <a:bodyPr/>
+                    <a:lstStyle/>
+                    <a:p>
+                      <a:r>
+                        <a:rPr lang="en-US" dirty="0"/>
+                        <a:t>?</a:t>
+                      </a:r>
+                    </a:p>
+                  </a:txBody>
+                  <a:tcPr/>
+                </a:tc>
+                <a:tc>
+                  <a:txBody>
+                    <a:bodyPr/>
+                    <a:lstStyle/>
+                    <a:p>
+                      <a:r>
+                        <a:rPr lang="en-US" dirty="0"/>
+                        <a:t>?</a:t>
+                      </a:r>
+                    </a:p>
+                  </a:txBody>
+                  <a:tcPr/>
+                </a:tc>
+                <a:tc>
+                  <a:txBody>
+                    <a:bodyPr/>
+                    <a:lstStyle/>
+                    <a:p>
+                      <a:r>
+                        <a:rPr lang="en-US" dirty="0"/>
+                        <a:t>?</a:t>
+                      </a:r>
+                    </a:p>
+                  </a:txBody>
+                  <a:tcPr/>
+                </a:tc>
+                <a:tc>
+                  <a:txBody>
+                    <a:bodyPr/>
+                    <a:lstStyle/>
+                    <a:p>
+                      <a:r>
+                        <a:rPr lang="en-US" dirty="0"/>
+                        <a:t>?</a:t>
+                      </a:r>
+                    </a:p>
+                  </a:txBody>
+                  <a:tcPr/>
+                </a:tc>
+                <a:tc>
+                  <a:txBody>
+                    <a:bodyPr/>
+                    <a:lstStyle/>
+                    <a:p>
+                      <a:r>
+                        <a:rPr lang="en-US" dirty="0"/>
+                        <a:t>?</a:t>
+                      </a:r>
+                    </a:p>
+                  </a:txBody>
+                  <a:tcPr/>
+                </a:tc>
+                <a:tc>
+                  <a:txBody>
+                    <a:bodyPr/>
+                    <a:lstStyle/>
+                    <a:p>
+                      <a:r>
+                        <a:rPr lang="en-US" dirty="0"/>
+                        <a:t>?</a:t>
+                      </a:r>
+                    </a:p>
+                  </a:txBody>
+                  <a:tcPr/>
+                </a:tc>
+                <a:tc>
+                  <a:txBody>
+                    <a:bodyPr/>
+                    <a:lstStyle/>
+                    <a:p>
+                      <a:r>
+                        <a:rPr lang="en-US" dirty="0"/>
+                        <a:t>?</a:t>
+                      </a:r>
+                    </a:p>
+                  </a:txBody>
+                  <a:tcPr/>
+                </a:tc>
+                <a:tc>
+                  <a:txBody>
+                    <a:bodyPr/>
+                    <a:lstStyle/>
+                    <a:p>
+                      <a:r>
+                        <a:rPr lang="en-US" dirty="0"/>
+                        <a:t>?</a:t>
+                      </a:r>
+                    </a:p>
+                  </a:txBody>
+                  <a:tcPr/>
+                </a:tc>
+                <a:extLst>
+                  <a:ext uri="{0D108BD9-81ED-4DB2-BD59-A6C34878D82A}">
+                    <a16:rowId xmlns:a16="http://schemas.microsoft.com/office/drawing/2014/main" val="802059045"/>
+                  </a:ext>
+                </a:extLst>
+              </a:tr>
+            </a:tbl>
+          </a:graphicData>
+        </a:graphic>
+      </p:graphicFrame>
+      <p:cxnSp>
+        <p:nvCxnSpPr>
+          <p:cNvPr id="21" name="Straight Arrow Connector 20">
+            <a:extLst>
+              <a:ext uri="{FF2B5EF4-FFF2-40B4-BE49-F238E27FC236}">
+                <a16:creationId xmlns:a16="http://schemas.microsoft.com/office/drawing/2014/main" id="{7456457F-5105-844A-BEC9-90252F270970}"/>
+              </a:ext>
+            </a:extLst>
+          </p:cNvPr>
+          <p:cNvCxnSpPr>
+            <a:cxnSpLocks/>
+          </p:cNvCxnSpPr>
+          <p:nvPr/>
+        </p:nvCxnSpPr>
+        <p:spPr>
+          <a:xfrm flipH="1">
+            <a:off x="5155878" y="3505200"/>
+            <a:ext cx="2371886" cy="1943014"/>
+          </a:xfrm>
+          <a:prstGeom prst="straightConnector1">
+            <a:avLst/>
+          </a:prstGeom>
+          <a:ln w="47625">
+            <a:tailEnd type="triangle"/>
+          </a:ln>
+        </p:spPr>
+        <p:style>
+          <a:lnRef idx="1">
+            <a:schemeClr val="dk1"/>
+          </a:lnRef>
+          <a:fillRef idx="0">
+            <a:schemeClr val="dk1"/>
+          </a:fillRef>
+          <a:effectRef idx="0">
+            <a:schemeClr val="dk1"/>
+          </a:effectRef>
+          <a:fontRef idx="minor">
+            <a:schemeClr val="tx1"/>
+          </a:fontRef>
+        </p:style>
+      </p:cxnSp>
+    </p:spTree>
+    <p:extLst>
+      <p:ext uri="{BB962C8B-B14F-4D97-AF65-F5344CB8AC3E}">
+        <p14:creationId xmlns:p14="http://schemas.microsoft.com/office/powerpoint/2010/main" val="1106258054"/>
+      </p:ext>
+    </p:extLst>
+  </p:cSld>
+  <p:clrMapOvr>
+    <a:masterClrMapping/>
+  </p:clrMapOvr>
+</p:sld>
+</file>
+
+<file path=ppt/slides/slide31.xml><?xml version="1.0" encoding="utf-8"?>
+<p:sld xmlns:a="http://schemas.openxmlformats.org/drawingml/2006/main" xmlns:r="http://schemas.openxmlformats.org/officeDocument/2006/relationships" xmlns:p="http://schemas.openxmlformats.org/presentationml/2006/main">
+  <p:cSld>
+    <p:spTree>
+      <p:nvGrpSpPr>
+        <p:cNvPr id="1" name=""/>
+        <p:cNvGrpSpPr/>
+        <p:nvPr/>
+      </p:nvGrpSpPr>
+      <p:grpSpPr>
+        <a:xfrm>
+          <a:off x="0" y="0"/>
+          <a:ext cx="0" cy="0"/>
+          <a:chOff x="0" y="0"/>
+          <a:chExt cx="0" cy="0"/>
+        </a:xfrm>
+      </p:grpSpPr>
+      <p:sp>
+        <p:nvSpPr>
+          <p:cNvPr id="4" name="Footer Placeholder 3">
+            <a:extLst>
+              <a:ext uri="{FF2B5EF4-FFF2-40B4-BE49-F238E27FC236}">
+                <a16:creationId xmlns:a16="http://schemas.microsoft.com/office/drawing/2014/main" id="{EC46FAB2-42F5-EA47-B9F9-FA24D3A6BABC}"/>
+              </a:ext>
+            </a:extLst>
+          </p:cNvPr>
+          <p:cNvSpPr>
+            <a:spLocks noGrp="1"/>
+          </p:cNvSpPr>
           <p:nvPr>
-            <p:extLst>
-              <p:ext uri="{D42A27DB-BD31-4B8C-83A1-F6EECF244321}">
-                <p14:modId xmlns:p14="http://schemas.microsoft.com/office/powerpoint/2010/main" val="1464969036"/>
-              </p:ext>
-            </p:extLst>
+            <p:ph type="ftr" sz="quarter" idx="11"/>
           </p:nvPr>
+        </p:nvSpPr>
+        <p:spPr/>
+        <p:txBody>
+          <a:bodyPr/>
+          <a:lstStyle/>
+          <a:p>
+            <a:r>
+              <a:rPr lang="en-US"/>
+              <a:t>© 2016 Pearson Education, Inc., Hoboken, NJ.  All rights reserved.</a:t>
+            </a:r>
+          </a:p>
+        </p:txBody>
+      </p:sp>
+      <p:sp>
+        <p:nvSpPr>
+          <p:cNvPr id="5" name="Slide Number Placeholder 4">
+            <a:extLst>
+              <a:ext uri="{FF2B5EF4-FFF2-40B4-BE49-F238E27FC236}">
+                <a16:creationId xmlns:a16="http://schemas.microsoft.com/office/drawing/2014/main" id="{CF225639-41CB-C84A-A45E-6B54E69D6EA2}"/>
+              </a:ext>
+            </a:extLst>
+          </p:cNvPr>
+          <p:cNvSpPr>
+            <a:spLocks noGrp="1"/>
+          </p:cNvSpPr>
+          <p:nvPr>
+            <p:ph type="sldNum" sz="quarter" idx="12"/>
+          </p:nvPr>
+        </p:nvSpPr>
+        <p:spPr/>
+        <p:txBody>
+          <a:bodyPr/>
+          <a:lstStyle/>
+          <a:p>
+            <a:fld id="{85A8DA42-601D-40A8-83CA-2F2CBDE5F9F0}" type="slidenum">
+              <a:rPr lang="en-US" smtClean="0"/>
+              <a:t>31</a:t>
+            </a:fld>
+            <a:endParaRPr lang="en-US"/>
+          </a:p>
+        </p:txBody>
+      </p:sp>
+      <p:sp>
+        <p:nvSpPr>
+          <p:cNvPr id="7" name="TextBox 6">
+            <a:extLst>
+              <a:ext uri="{FF2B5EF4-FFF2-40B4-BE49-F238E27FC236}">
+                <a16:creationId xmlns:a16="http://schemas.microsoft.com/office/drawing/2014/main" id="{DE1BB2FB-D147-E247-9CFF-CD1154B9318A}"/>
+              </a:ext>
+            </a:extLst>
+          </p:cNvPr>
+          <p:cNvSpPr txBox="1"/>
+          <p:nvPr/>
+        </p:nvSpPr>
+        <p:spPr>
+          <a:xfrm>
+            <a:off x="5193556" y="1652232"/>
+            <a:ext cx="3226011" cy="707886"/>
+          </a:xfrm>
+          <a:prstGeom prst="rect">
+            <a:avLst/>
+          </a:prstGeom>
+          <a:noFill/>
+        </p:spPr>
+        <p:txBody>
+          <a:bodyPr wrap="none" rtlCol="0">
+            <a:spAutoFit/>
+          </a:bodyPr>
+          <a:lstStyle/>
+          <a:p>
+            <a:r>
+              <a:rPr lang="en-US" sz="4000" b="1" dirty="0"/>
+              <a:t>Stack memory</a:t>
+            </a:r>
+          </a:p>
+        </p:txBody>
+      </p:sp>
+      <p:sp>
+        <p:nvSpPr>
+          <p:cNvPr id="10" name="Title 1">
+            <a:extLst>
+              <a:ext uri="{FF2B5EF4-FFF2-40B4-BE49-F238E27FC236}">
+                <a16:creationId xmlns:a16="http://schemas.microsoft.com/office/drawing/2014/main" id="{E6B78022-A42C-F947-A3FD-E146192B730D}"/>
+              </a:ext>
+            </a:extLst>
+          </p:cNvPr>
+          <p:cNvSpPr txBox="1">
+            <a:spLocks/>
+          </p:cNvSpPr>
+          <p:nvPr/>
+        </p:nvSpPr>
+        <p:spPr>
+          <a:xfrm>
+            <a:off x="152400" y="228600"/>
+            <a:ext cx="5791200" cy="1143000"/>
+          </a:xfrm>
+          <a:prstGeom prst="rect">
+            <a:avLst/>
+          </a:prstGeom>
+        </p:spPr>
+        <p:txBody>
+          <a:bodyPr vert="horz" lIns="91440" tIns="45720" rIns="91440" bIns="45720" rtlCol="0" anchor="ctr">
+            <a:normAutofit fontScale="90000" lnSpcReduction="20000"/>
+          </a:bodyPr>
+          <a:lstStyle>
+            <a:lvl1pPr algn="ctr" defTabSz="914400" rtl="0" eaLnBrk="1" latinLnBrk="0" hangingPunct="1">
+              <a:spcBef>
+                <a:spcPct val="0"/>
+              </a:spcBef>
+              <a:buNone/>
+              <a:defRPr sz="4400" kern="1200">
+                <a:solidFill>
+                  <a:schemeClr val="tx1"/>
+                </a:solidFill>
+                <a:latin typeface="+mj-lt"/>
+                <a:ea typeface="+mj-ea"/>
+                <a:cs typeface="+mj-cs"/>
+              </a:defRPr>
+            </a:lvl1pPr>
+          </a:lstStyle>
+          <a:p>
+            <a:pPr algn="l"/>
+            <a:r>
+              <a:rPr lang="en-US"/>
+              <a:t>What happens when we run our executable file?</a:t>
+            </a:r>
+            <a:endParaRPr lang="en-US" dirty="0"/>
+          </a:p>
+        </p:txBody>
+      </p:sp>
+      <p:pic>
+        <p:nvPicPr>
+          <p:cNvPr id="11" name="Picture 10">
+            <a:extLst>
+              <a:ext uri="{FF2B5EF4-FFF2-40B4-BE49-F238E27FC236}">
+                <a16:creationId xmlns:a16="http://schemas.microsoft.com/office/drawing/2014/main" id="{036EC221-D32F-A044-AD5D-673E9DEFC5AA}"/>
+              </a:ext>
+            </a:extLst>
+          </p:cNvPr>
+          <p:cNvPicPr>
+            <a:picLocks noChangeAspect="1"/>
+          </p:cNvPicPr>
+          <p:nvPr/>
+        </p:nvPicPr>
+        <p:blipFill>
+          <a:blip r:embed="rId2"/>
+          <a:stretch>
+            <a:fillRect/>
+          </a:stretch>
+        </p:blipFill>
+        <p:spPr>
+          <a:xfrm>
+            <a:off x="5410200" y="178341"/>
+            <a:ext cx="3340100" cy="1358900"/>
+          </a:xfrm>
+          <a:prstGeom prst="rect">
+            <a:avLst/>
+          </a:prstGeom>
+        </p:spPr>
+      </p:pic>
+      <p:sp>
+        <p:nvSpPr>
+          <p:cNvPr id="12" name="TextBox 11">
+            <a:extLst>
+              <a:ext uri="{FF2B5EF4-FFF2-40B4-BE49-F238E27FC236}">
+                <a16:creationId xmlns:a16="http://schemas.microsoft.com/office/drawing/2014/main" id="{B5AB25F5-24D4-6742-91BE-4B8BB68CFAD0}"/>
+              </a:ext>
+            </a:extLst>
+          </p:cNvPr>
+          <p:cNvSpPr txBox="1"/>
+          <p:nvPr/>
+        </p:nvSpPr>
+        <p:spPr>
+          <a:xfrm>
+            <a:off x="381000" y="1715294"/>
+            <a:ext cx="5317481" cy="3970318"/>
+          </a:xfrm>
+          <a:prstGeom prst="rect">
+            <a:avLst/>
+          </a:prstGeom>
+          <a:noFill/>
+        </p:spPr>
+        <p:txBody>
+          <a:bodyPr wrap="none" lIns="91440" tIns="45720" rIns="91440" bIns="45720" rtlCol="0" anchor="t">
+            <a:spAutoFit/>
+          </a:bodyPr>
+          <a:lstStyle/>
+          <a:p>
+            <a:r>
+              <a:rPr lang="en-US" sz="2800" b="1" dirty="0"/>
+              <a:t>int main(void) {</a:t>
+            </a:r>
+          </a:p>
+          <a:p>
+            <a:r>
+              <a:rPr lang="en-US" sz="2800" b="1" dirty="0"/>
+              <a:t>    int* </a:t>
+            </a:r>
+            <a:r>
+              <a:rPr lang="en-US" sz="2800" b="1" dirty="0" err="1"/>
+              <a:t>nump</a:t>
+            </a:r>
+            <a:r>
+              <a:rPr lang="en-US" sz="2800" b="1" dirty="0"/>
+              <a:t>;</a:t>
+            </a:r>
+          </a:p>
+          <a:p>
+            <a:r>
+              <a:rPr lang="en-US" sz="2800" b="1" dirty="0"/>
+              <a:t>    </a:t>
+            </a:r>
+            <a:r>
+              <a:rPr lang="en-US" sz="2800" b="1" dirty="0" err="1"/>
+              <a:t>nump</a:t>
+            </a:r>
+            <a:r>
+              <a:rPr lang="en-US" sz="2800" b="1" dirty="0"/>
+              <a:t> = malloc(</a:t>
+            </a:r>
+            <a:r>
+              <a:rPr lang="en-US" sz="2800" b="1" dirty="0" err="1"/>
+              <a:t>sizeof</a:t>
+            </a:r>
+            <a:r>
+              <a:rPr lang="en-US" sz="2800" b="1" dirty="0"/>
+              <a:t>(int));</a:t>
+            </a:r>
+          </a:p>
+          <a:p>
+            <a:r>
+              <a:rPr lang="en-US" sz="2800" b="1" dirty="0"/>
+              <a:t>    *</a:t>
+            </a:r>
+            <a:r>
+              <a:rPr lang="en-US" sz="2800" b="1" dirty="0" err="1"/>
+              <a:t>nump</a:t>
+            </a:r>
+            <a:r>
+              <a:rPr lang="en-US" sz="2800" b="1" dirty="0"/>
+              <a:t> = 10;</a:t>
+            </a:r>
+          </a:p>
+          <a:p>
+            <a:r>
+              <a:rPr lang="en-US" sz="2800" b="1" dirty="0"/>
+              <a:t>    char* string1;</a:t>
+            </a:r>
+          </a:p>
+          <a:p>
+            <a:r>
+              <a:rPr lang="en-US" sz="2800" b="1" dirty="0"/>
+              <a:t>    string1 = </a:t>
+            </a:r>
+            <a:r>
+              <a:rPr lang="en-US" sz="2800" b="1" dirty="0" err="1"/>
+              <a:t>calloc</a:t>
+            </a:r>
+            <a:r>
+              <a:rPr lang="en-US" sz="2800" b="1" dirty="0"/>
+              <a:t>(10, </a:t>
+            </a:r>
+            <a:r>
+              <a:rPr lang="en-US" sz="2800" b="1" dirty="0" err="1"/>
+              <a:t>sizeof</a:t>
+            </a:r>
+            <a:r>
+              <a:rPr lang="en-US" sz="2800" b="1" dirty="0"/>
+              <a:t>(char));</a:t>
+            </a:r>
+          </a:p>
+          <a:p>
+            <a:r>
+              <a:rPr lang="en-US" sz="2800" b="1" dirty="0"/>
+              <a:t>    </a:t>
+            </a:r>
+            <a:r>
+              <a:rPr lang="en-US" sz="2800" b="1" dirty="0" err="1"/>
+              <a:t>strcpy</a:t>
+            </a:r>
+            <a:r>
+              <a:rPr lang="en-US" sz="2800" b="1" dirty="0"/>
+              <a:t>(string1, “hello”);</a:t>
+            </a:r>
+          </a:p>
+          <a:p>
+            <a:r>
+              <a:rPr lang="en-US" sz="2800" dirty="0"/>
+              <a:t>    free(</a:t>
+            </a:r>
+            <a:r>
+              <a:rPr lang="en-US" sz="2800" dirty="0" err="1"/>
+              <a:t>nump</a:t>
+            </a:r>
+            <a:r>
+              <a:rPr lang="en-US" sz="2800" dirty="0"/>
+              <a:t>);</a:t>
+            </a:r>
+          </a:p>
+          <a:p>
+            <a:r>
+              <a:rPr lang="en-US" sz="2800" dirty="0"/>
+              <a:t>}</a:t>
+            </a:r>
+          </a:p>
+        </p:txBody>
+      </p:sp>
+      <p:sp>
+        <p:nvSpPr>
+          <p:cNvPr id="9" name="TextBox 8">
+            <a:extLst>
+              <a:ext uri="{FF2B5EF4-FFF2-40B4-BE49-F238E27FC236}">
+                <a16:creationId xmlns:a16="http://schemas.microsoft.com/office/drawing/2014/main" id="{161DA280-05E9-E740-AE87-4AEB9A204BA7}"/>
+              </a:ext>
+            </a:extLst>
+          </p:cNvPr>
+          <p:cNvSpPr txBox="1"/>
+          <p:nvPr/>
+        </p:nvSpPr>
+        <p:spPr>
+          <a:xfrm>
+            <a:off x="5406916" y="5692914"/>
+            <a:ext cx="3206968" cy="707886"/>
+          </a:xfrm>
+          <a:prstGeom prst="rect">
+            <a:avLst/>
+          </a:prstGeom>
+          <a:noFill/>
+        </p:spPr>
+        <p:txBody>
+          <a:bodyPr wrap="none" rtlCol="0">
+            <a:spAutoFit/>
+          </a:bodyPr>
+          <a:lstStyle/>
+          <a:p>
+            <a:r>
+              <a:rPr lang="en-US" sz="4000" b="1" dirty="0"/>
+              <a:t>Heap memory</a:t>
+            </a:r>
+          </a:p>
+        </p:txBody>
+      </p:sp>
+      <p:sp>
+        <p:nvSpPr>
+          <p:cNvPr id="15" name="Rectangle 14">
+            <a:extLst>
+              <a:ext uri="{FF2B5EF4-FFF2-40B4-BE49-F238E27FC236}">
+                <a16:creationId xmlns:a16="http://schemas.microsoft.com/office/drawing/2014/main" id="{AFAC4D32-9625-0649-8328-2F35A41C4F84}"/>
+              </a:ext>
+            </a:extLst>
+          </p:cNvPr>
+          <p:cNvSpPr/>
+          <p:nvPr/>
+        </p:nvSpPr>
+        <p:spPr>
+          <a:xfrm>
+            <a:off x="5406916" y="2244516"/>
+            <a:ext cx="3206968" cy="1641684"/>
+          </a:xfrm>
+          <a:prstGeom prst="rect">
+            <a:avLst/>
+          </a:prstGeom>
+          <a:solidFill>
+            <a:srgbClr val="3A92FC">
+              <a:alpha val="36863"/>
+            </a:srgbClr>
+          </a:solidFill>
+        </p:spPr>
+        <p:style>
+          <a:lnRef idx="2">
+            <a:schemeClr val="accent1">
+              <a:shade val="50000"/>
+            </a:schemeClr>
+          </a:lnRef>
+          <a:fillRef idx="1">
+            <a:schemeClr val="accent1"/>
+          </a:fillRef>
+          <a:effectRef idx="0">
+            <a:schemeClr val="accent1"/>
+          </a:effectRef>
+          <a:fontRef idx="minor">
+            <a:schemeClr val="lt1"/>
+          </a:fontRef>
+        </p:style>
+        <p:txBody>
+          <a:bodyPr rtlCol="0" anchor="ctr"/>
+          <a:lstStyle/>
+          <a:p>
+            <a:pPr algn="ctr"/>
+            <a:endParaRPr lang="en-US"/>
+          </a:p>
+        </p:txBody>
+      </p:sp>
+      <p:sp>
+        <p:nvSpPr>
+          <p:cNvPr id="16" name="Rectangle 15">
+            <a:extLst>
+              <a:ext uri="{FF2B5EF4-FFF2-40B4-BE49-F238E27FC236}">
+                <a16:creationId xmlns:a16="http://schemas.microsoft.com/office/drawing/2014/main" id="{58C73631-C282-6C4D-A6E0-006913CC25F6}"/>
+              </a:ext>
+            </a:extLst>
+          </p:cNvPr>
+          <p:cNvSpPr/>
+          <p:nvPr/>
+        </p:nvSpPr>
+        <p:spPr>
+          <a:xfrm>
+            <a:off x="5562600" y="2360118"/>
+            <a:ext cx="2895600" cy="1297482"/>
+          </a:xfrm>
+          <a:prstGeom prst="rect">
+            <a:avLst/>
+          </a:prstGeom>
+        </p:spPr>
+        <p:style>
+          <a:lnRef idx="2">
+            <a:schemeClr val="accent1">
+              <a:shade val="50000"/>
+            </a:schemeClr>
+          </a:lnRef>
+          <a:fillRef idx="1">
+            <a:schemeClr val="accent1"/>
+          </a:fillRef>
+          <a:effectRef idx="0">
+            <a:schemeClr val="accent1"/>
+          </a:effectRef>
+          <a:fontRef idx="minor">
+            <a:schemeClr val="lt1"/>
+          </a:fontRef>
+        </p:style>
+        <p:txBody>
+          <a:bodyPr rtlCol="0" anchor="ctr"/>
+          <a:lstStyle/>
+          <a:p>
+            <a:r>
+              <a:rPr lang="en-US" sz="3200" dirty="0"/>
+              <a:t>main</a:t>
+            </a:r>
+          </a:p>
+          <a:p>
+            <a:r>
+              <a:rPr lang="en-US" sz="3200" dirty="0"/>
+              <a:t>   int* </a:t>
+            </a:r>
+            <a:r>
+              <a:rPr lang="en-US" sz="3200" dirty="0" err="1"/>
+              <a:t>nump</a:t>
+            </a:r>
+            <a:r>
+              <a:rPr lang="en-US" sz="3200" dirty="0"/>
+              <a:t>: </a:t>
+            </a:r>
+          </a:p>
+          <a:p>
+            <a:r>
+              <a:rPr lang="en-US" sz="3200" dirty="0"/>
+              <a:t>   char* s1:</a:t>
+            </a:r>
+          </a:p>
+        </p:txBody>
+      </p:sp>
+      <p:cxnSp>
+        <p:nvCxnSpPr>
+          <p:cNvPr id="13" name="Straight Arrow Connector 12">
+            <a:extLst>
+              <a:ext uri="{FF2B5EF4-FFF2-40B4-BE49-F238E27FC236}">
+                <a16:creationId xmlns:a16="http://schemas.microsoft.com/office/drawing/2014/main" id="{D63A80FA-5668-6942-9E44-87C44A46E61E}"/>
+              </a:ext>
+            </a:extLst>
+          </p:cNvPr>
+          <p:cNvCxnSpPr>
+            <a:cxnSpLocks/>
+          </p:cNvCxnSpPr>
+          <p:nvPr/>
+        </p:nvCxnSpPr>
+        <p:spPr>
+          <a:xfrm>
+            <a:off x="7924800" y="3005529"/>
+            <a:ext cx="415925" cy="1686144"/>
+          </a:xfrm>
+          <a:prstGeom prst="straightConnector1">
+            <a:avLst/>
+          </a:prstGeom>
+          <a:ln w="47625">
+            <a:tailEnd type="triangle"/>
+          </a:ln>
+        </p:spPr>
+        <p:style>
+          <a:lnRef idx="1">
+            <a:schemeClr val="dk1"/>
+          </a:lnRef>
+          <a:fillRef idx="0">
+            <a:schemeClr val="dk1"/>
+          </a:fillRef>
+          <a:effectRef idx="0">
+            <a:schemeClr val="dk1"/>
+          </a:effectRef>
+          <a:fontRef idx="minor">
+            <a:schemeClr val="tx1"/>
+          </a:fontRef>
+        </p:style>
+      </p:cxnSp>
+      <p:graphicFrame>
+        <p:nvGraphicFramePr>
+          <p:cNvPr id="2" name="Table 2">
+            <a:extLst>
+              <a:ext uri="{FF2B5EF4-FFF2-40B4-BE49-F238E27FC236}">
+                <a16:creationId xmlns:a16="http://schemas.microsoft.com/office/drawing/2014/main" id="{EC403D05-45CE-BA4C-8B95-8C379526B3FF}"/>
+              </a:ext>
+            </a:extLst>
+          </p:cNvPr>
+          <p:cNvGraphicFramePr>
+            <a:graphicFrameLocks noGrp="1"/>
+          </p:cNvGraphicFramePr>
+          <p:nvPr/>
         </p:nvGraphicFramePr>
         <p:xfrm>
           <a:off x="4991100" y="5462494"/>
@@ -14273,421 +15121,28 @@
           </a:fontRef>
         </p:style>
       </p:cxnSp>
-    </p:spTree>
-    <p:extLst>
-      <p:ext uri="{BB962C8B-B14F-4D97-AF65-F5344CB8AC3E}">
-        <p14:creationId xmlns:p14="http://schemas.microsoft.com/office/powerpoint/2010/main" val="182392861"/>
-      </p:ext>
-    </p:extLst>
-  </p:cSld>
-  <p:clrMapOvr>
-    <a:masterClrMapping/>
-  </p:clrMapOvr>
-</p:sld>
-</file>
-
-<file path=ppt/slides/slide31.xml><?xml version="1.0" encoding="utf-8"?>
-<p:sld xmlns:a="http://schemas.openxmlformats.org/drawingml/2006/main" xmlns:r="http://schemas.openxmlformats.org/officeDocument/2006/relationships" xmlns:p="http://schemas.openxmlformats.org/presentationml/2006/main">
-  <p:cSld>
-    <p:spTree>
-      <p:nvGrpSpPr>
-        <p:cNvPr id="1" name=""/>
-        <p:cNvGrpSpPr/>
-        <p:nvPr/>
-      </p:nvGrpSpPr>
-      <p:grpSpPr>
-        <a:xfrm>
-          <a:off x="0" y="0"/>
-          <a:ext cx="0" cy="0"/>
-          <a:chOff x="0" y="0"/>
-          <a:chExt cx="0" cy="0"/>
-        </a:xfrm>
-      </p:grpSpPr>
-      <p:sp>
-        <p:nvSpPr>
-          <p:cNvPr id="4" name="Footer Placeholder 3">
-            <a:extLst>
-              <a:ext uri="{FF2B5EF4-FFF2-40B4-BE49-F238E27FC236}">
-                <a16:creationId xmlns:a16="http://schemas.microsoft.com/office/drawing/2014/main" id="{EC46FAB2-42F5-EA47-B9F9-FA24D3A6BABC}"/>
-              </a:ext>
-            </a:extLst>
-          </p:cNvPr>
-          <p:cNvSpPr>
-            <a:spLocks noGrp="1"/>
-          </p:cNvSpPr>
-          <p:nvPr>
-            <p:ph type="ftr" sz="quarter" idx="11"/>
-          </p:nvPr>
-        </p:nvSpPr>
-        <p:spPr/>
-        <p:txBody>
-          <a:bodyPr/>
-          <a:lstStyle/>
-          <a:p>
-            <a:r>
-              <a:rPr lang="en-US"/>
-              <a:t>© 2016 Pearson Education, Inc., Hoboken, NJ.  All rights reserved.</a:t>
-            </a:r>
-          </a:p>
-        </p:txBody>
-      </p:sp>
-      <p:sp>
-        <p:nvSpPr>
-          <p:cNvPr id="5" name="Slide Number Placeholder 4">
-            <a:extLst>
-              <a:ext uri="{FF2B5EF4-FFF2-40B4-BE49-F238E27FC236}">
-                <a16:creationId xmlns:a16="http://schemas.microsoft.com/office/drawing/2014/main" id="{CF225639-41CB-C84A-A45E-6B54E69D6EA2}"/>
-              </a:ext>
-            </a:extLst>
-          </p:cNvPr>
-          <p:cNvSpPr>
-            <a:spLocks noGrp="1"/>
-          </p:cNvSpPr>
-          <p:nvPr>
-            <p:ph type="sldNum" sz="quarter" idx="12"/>
-          </p:nvPr>
-        </p:nvSpPr>
-        <p:spPr/>
-        <p:txBody>
-          <a:bodyPr/>
-          <a:lstStyle/>
-          <a:p>
-            <a:fld id="{85A8DA42-601D-40A8-83CA-2F2CBDE5F9F0}" type="slidenum">
-              <a:rPr lang="en-US" smtClean="0"/>
-              <a:t>31</a:t>
-            </a:fld>
-            <a:endParaRPr lang="en-US"/>
-          </a:p>
-        </p:txBody>
-      </p:sp>
-      <p:sp>
-        <p:nvSpPr>
-          <p:cNvPr id="7" name="TextBox 6">
-            <a:extLst>
-              <a:ext uri="{FF2B5EF4-FFF2-40B4-BE49-F238E27FC236}">
-                <a16:creationId xmlns:a16="http://schemas.microsoft.com/office/drawing/2014/main" id="{DE1BB2FB-D147-E247-9CFF-CD1154B9318A}"/>
-              </a:ext>
-            </a:extLst>
-          </p:cNvPr>
-          <p:cNvSpPr txBox="1"/>
-          <p:nvPr/>
-        </p:nvSpPr>
-        <p:spPr>
-          <a:xfrm>
-            <a:off x="5193556" y="1652232"/>
-            <a:ext cx="3226011" cy="707886"/>
+      <p:sp>
+        <p:nvSpPr>
+          <p:cNvPr id="20" name="Rectangle 19">
+            <a:extLst>
+              <a:ext uri="{FF2B5EF4-FFF2-40B4-BE49-F238E27FC236}">
+                <a16:creationId xmlns:a16="http://schemas.microsoft.com/office/drawing/2014/main" id="{D2334039-975C-8C4B-8A22-7D5E4D6F9F5D}"/>
+              </a:ext>
+            </a:extLst>
+          </p:cNvPr>
+          <p:cNvSpPr/>
+          <p:nvPr/>
+        </p:nvSpPr>
+        <p:spPr>
+          <a:xfrm>
+            <a:off x="7620000" y="4698497"/>
+            <a:ext cx="1441450" cy="691718"/>
           </a:xfrm>
           <a:prstGeom prst="rect">
             <a:avLst/>
           </a:prstGeom>
-          <a:noFill/>
-        </p:spPr>
-        <p:txBody>
-          <a:bodyPr wrap="none" rtlCol="0">
-            <a:spAutoFit/>
-          </a:bodyPr>
-          <a:lstStyle/>
-          <a:p>
-            <a:r>
-              <a:rPr lang="en-US" sz="4000" b="1" dirty="0"/>
-              <a:t>Stack memory</a:t>
-            </a:r>
-          </a:p>
-        </p:txBody>
-      </p:sp>
-      <p:sp>
-        <p:nvSpPr>
-          <p:cNvPr id="10" name="Title 1">
-            <a:extLst>
-              <a:ext uri="{FF2B5EF4-FFF2-40B4-BE49-F238E27FC236}">
-                <a16:creationId xmlns:a16="http://schemas.microsoft.com/office/drawing/2014/main" id="{E6B78022-A42C-F947-A3FD-E146192B730D}"/>
-              </a:ext>
-            </a:extLst>
-          </p:cNvPr>
-          <p:cNvSpPr txBox="1">
-            <a:spLocks/>
-          </p:cNvSpPr>
-          <p:nvPr/>
-        </p:nvSpPr>
-        <p:spPr>
-          <a:xfrm>
-            <a:off x="152400" y="228600"/>
-            <a:ext cx="5791200" cy="1143000"/>
-          </a:xfrm>
-          <a:prstGeom prst="rect">
-            <a:avLst/>
-          </a:prstGeom>
-        </p:spPr>
-        <p:txBody>
-          <a:bodyPr vert="horz" lIns="91440" tIns="45720" rIns="91440" bIns="45720" rtlCol="0" anchor="ctr">
-            <a:normAutofit fontScale="90000" lnSpcReduction="20000"/>
-          </a:bodyPr>
-          <a:lstStyle>
-            <a:lvl1pPr algn="ctr" defTabSz="914400" rtl="0" eaLnBrk="1" latinLnBrk="0" hangingPunct="1">
-              <a:spcBef>
-                <a:spcPct val="0"/>
-              </a:spcBef>
-              <a:buNone/>
-              <a:defRPr sz="4400" kern="1200">
-                <a:solidFill>
-                  <a:schemeClr val="tx1"/>
-                </a:solidFill>
-                <a:latin typeface="+mj-lt"/>
-                <a:ea typeface="+mj-ea"/>
-                <a:cs typeface="+mj-cs"/>
-              </a:defRPr>
-            </a:lvl1pPr>
-          </a:lstStyle>
-          <a:p>
-            <a:pPr algn="l"/>
-            <a:r>
-              <a:rPr lang="en-US"/>
-              <a:t>What happens when we run our executable file?</a:t>
-            </a:r>
-            <a:endParaRPr lang="en-US" dirty="0"/>
-          </a:p>
-        </p:txBody>
-      </p:sp>
-      <p:pic>
-        <p:nvPicPr>
-          <p:cNvPr id="11" name="Picture 10">
-            <a:extLst>
-              <a:ext uri="{FF2B5EF4-FFF2-40B4-BE49-F238E27FC236}">
-                <a16:creationId xmlns:a16="http://schemas.microsoft.com/office/drawing/2014/main" id="{036EC221-D32F-A044-AD5D-673E9DEFC5AA}"/>
-              </a:ext>
-            </a:extLst>
-          </p:cNvPr>
-          <p:cNvPicPr>
-            <a:picLocks noChangeAspect="1"/>
-          </p:cNvPicPr>
-          <p:nvPr/>
-        </p:nvPicPr>
-        <p:blipFill>
-          <a:blip r:embed="rId2"/>
-          <a:stretch>
-            <a:fillRect/>
-          </a:stretch>
-        </p:blipFill>
-        <p:spPr>
-          <a:xfrm>
-            <a:off x="5410200" y="178341"/>
-            <a:ext cx="3340100" cy="1358900"/>
-          </a:xfrm>
-          <a:prstGeom prst="rect">
-            <a:avLst/>
-          </a:prstGeom>
-        </p:spPr>
-      </p:pic>
-      <p:sp>
-        <p:nvSpPr>
-          <p:cNvPr id="12" name="TextBox 11">
-            <a:extLst>
-              <a:ext uri="{FF2B5EF4-FFF2-40B4-BE49-F238E27FC236}">
-                <a16:creationId xmlns:a16="http://schemas.microsoft.com/office/drawing/2014/main" id="{B5AB25F5-24D4-6742-91BE-4B8BB68CFAD0}"/>
-              </a:ext>
-            </a:extLst>
-          </p:cNvPr>
-          <p:cNvSpPr txBox="1"/>
-          <p:nvPr/>
-        </p:nvSpPr>
-        <p:spPr>
-          <a:xfrm>
-            <a:off x="381000" y="1715294"/>
-            <a:ext cx="5317481" cy="3970318"/>
-          </a:xfrm>
-          <a:prstGeom prst="rect">
-            <a:avLst/>
-          </a:prstGeom>
-          <a:noFill/>
-        </p:spPr>
-        <p:txBody>
-          <a:bodyPr wrap="none" lIns="91440" tIns="45720" rIns="91440" bIns="45720" rtlCol="0" anchor="t">
-            <a:spAutoFit/>
-          </a:bodyPr>
-          <a:lstStyle/>
-          <a:p>
-            <a:r>
-              <a:rPr lang="en-US" sz="2800" b="1" dirty="0"/>
-              <a:t>int main(void) {</a:t>
-            </a:r>
-          </a:p>
-          <a:p>
-            <a:r>
-              <a:rPr lang="en-US" sz="2800" b="1" dirty="0"/>
-              <a:t>    int* </a:t>
-            </a:r>
-            <a:r>
-              <a:rPr lang="en-US" sz="2800" b="1" dirty="0" err="1"/>
-              <a:t>nump</a:t>
-            </a:r>
-            <a:r>
-              <a:rPr lang="en-US" sz="2800" b="1" dirty="0"/>
-              <a:t>;</a:t>
-            </a:r>
-          </a:p>
-          <a:p>
-            <a:r>
-              <a:rPr lang="en-US" sz="2800" b="1" dirty="0"/>
-              <a:t>    </a:t>
-            </a:r>
-            <a:r>
-              <a:rPr lang="en-US" sz="2800" b="1" dirty="0" err="1"/>
-              <a:t>nump</a:t>
-            </a:r>
-            <a:r>
-              <a:rPr lang="en-US" sz="2800" b="1" dirty="0"/>
-              <a:t> = malloc(</a:t>
-            </a:r>
-            <a:r>
-              <a:rPr lang="en-US" sz="2800" b="1" dirty="0" err="1"/>
-              <a:t>sizeof</a:t>
-            </a:r>
-            <a:r>
-              <a:rPr lang="en-US" sz="2800" b="1" dirty="0"/>
-              <a:t>(int));</a:t>
-            </a:r>
-          </a:p>
-          <a:p>
-            <a:r>
-              <a:rPr lang="en-US" sz="2800" b="1" dirty="0"/>
-              <a:t>    *</a:t>
-            </a:r>
-            <a:r>
-              <a:rPr lang="en-US" sz="2800" b="1" dirty="0" err="1"/>
-              <a:t>nump</a:t>
-            </a:r>
-            <a:r>
-              <a:rPr lang="en-US" sz="2800" b="1" dirty="0"/>
-              <a:t> = 10;</a:t>
-            </a:r>
-          </a:p>
-          <a:p>
-            <a:r>
-              <a:rPr lang="en-US" sz="2800" b="1" dirty="0"/>
-              <a:t>    char* string1;</a:t>
-            </a:r>
-          </a:p>
-          <a:p>
-            <a:r>
-              <a:rPr lang="en-US" sz="2800" b="1" dirty="0"/>
-              <a:t>    string1 = </a:t>
-            </a:r>
-            <a:r>
-              <a:rPr lang="en-US" sz="2800" b="1" dirty="0" err="1"/>
-              <a:t>calloc</a:t>
-            </a:r>
-            <a:r>
-              <a:rPr lang="en-US" sz="2800" b="1" dirty="0"/>
-              <a:t>(10, </a:t>
-            </a:r>
-            <a:r>
-              <a:rPr lang="en-US" sz="2800" b="1" dirty="0" err="1"/>
-              <a:t>sizeof</a:t>
-            </a:r>
-            <a:r>
-              <a:rPr lang="en-US" sz="2800" b="1" dirty="0"/>
-              <a:t>(char));</a:t>
-            </a:r>
-          </a:p>
-          <a:p>
-            <a:r>
-              <a:rPr lang="en-US" sz="2800" b="1" dirty="0"/>
-              <a:t>    </a:t>
-            </a:r>
-            <a:r>
-              <a:rPr lang="en-US" sz="2800" b="1" dirty="0" err="1"/>
-              <a:t>strcpy</a:t>
-            </a:r>
-            <a:r>
-              <a:rPr lang="en-US" sz="2800" b="1" dirty="0"/>
-              <a:t>(string1, “hello”);</a:t>
-            </a:r>
-          </a:p>
-          <a:p>
-            <a:r>
-              <a:rPr lang="en-US" sz="2800" dirty="0"/>
-              <a:t>    </a:t>
-            </a:r>
-            <a:r>
-              <a:rPr lang="en-US" sz="2800" b="1" dirty="0"/>
-              <a:t>free(</a:t>
-            </a:r>
-            <a:r>
-              <a:rPr lang="en-US" sz="2800" b="1" dirty="0" err="1"/>
-              <a:t>nump</a:t>
-            </a:r>
-            <a:r>
-              <a:rPr lang="en-US" sz="2800" b="1" dirty="0"/>
-              <a:t>);</a:t>
-            </a:r>
-          </a:p>
-          <a:p>
-            <a:r>
-              <a:rPr lang="en-US" sz="2800" dirty="0"/>
-              <a:t>}</a:t>
-            </a:r>
-          </a:p>
-        </p:txBody>
-      </p:sp>
-      <p:sp>
-        <p:nvSpPr>
-          <p:cNvPr id="9" name="TextBox 8">
-            <a:extLst>
-              <a:ext uri="{FF2B5EF4-FFF2-40B4-BE49-F238E27FC236}">
-                <a16:creationId xmlns:a16="http://schemas.microsoft.com/office/drawing/2014/main" id="{161DA280-05E9-E740-AE87-4AEB9A204BA7}"/>
-              </a:ext>
-            </a:extLst>
-          </p:cNvPr>
-          <p:cNvSpPr txBox="1"/>
-          <p:nvPr/>
-        </p:nvSpPr>
-        <p:spPr>
-          <a:xfrm>
-            <a:off x="5406916" y="5692914"/>
-            <a:ext cx="3206968" cy="707886"/>
-          </a:xfrm>
-          <a:prstGeom prst="rect">
-            <a:avLst/>
-          </a:prstGeom>
-          <a:noFill/>
-        </p:spPr>
-        <p:txBody>
-          <a:bodyPr wrap="none" rtlCol="0">
-            <a:spAutoFit/>
-          </a:bodyPr>
-          <a:lstStyle/>
-          <a:p>
-            <a:r>
-              <a:rPr lang="en-US" sz="4000" b="1" dirty="0"/>
-              <a:t>Heap memory</a:t>
-            </a:r>
-          </a:p>
-        </p:txBody>
-      </p:sp>
-      <p:sp>
-        <p:nvSpPr>
-          <p:cNvPr id="15" name="Rectangle 14">
-            <a:extLst>
-              <a:ext uri="{FF2B5EF4-FFF2-40B4-BE49-F238E27FC236}">
-                <a16:creationId xmlns:a16="http://schemas.microsoft.com/office/drawing/2014/main" id="{AFAC4D32-9625-0649-8328-2F35A41C4F84}"/>
-              </a:ext>
-            </a:extLst>
-          </p:cNvPr>
-          <p:cNvSpPr/>
-          <p:nvPr/>
-        </p:nvSpPr>
-        <p:spPr>
-          <a:xfrm>
-            <a:off x="5406916" y="2244516"/>
-            <a:ext cx="3206968" cy="1641684"/>
-          </a:xfrm>
-          <a:prstGeom prst="rect">
-            <a:avLst/>
-          </a:prstGeom>
           <a:solidFill>
-            <a:srgbClr val="3A92FC">
-              <a:alpha val="36863"/>
-            </a:srgbClr>
+            <a:schemeClr val="accent4"/>
           </a:solidFill>
         </p:spPr>
         <p:style>
@@ -14711,397 +15166,13 @@
           <a:lstStyle/>
           <a:p>
             <a:pPr algn="ctr"/>
-            <a:endParaRPr lang="en-US"/>
-          </a:p>
-        </p:txBody>
-      </p:sp>
-      <p:sp>
-        <p:nvSpPr>
-          <p:cNvPr id="16" name="Rectangle 15">
-            <a:extLst>
-              <a:ext uri="{FF2B5EF4-FFF2-40B4-BE49-F238E27FC236}">
-                <a16:creationId xmlns:a16="http://schemas.microsoft.com/office/drawing/2014/main" id="{58C73631-C282-6C4D-A6E0-006913CC25F6}"/>
-              </a:ext>
-            </a:extLst>
-          </p:cNvPr>
-          <p:cNvSpPr/>
-          <p:nvPr/>
-        </p:nvSpPr>
-        <p:spPr>
-          <a:xfrm>
-            <a:off x="5562600" y="2360118"/>
-            <a:ext cx="2895600" cy="1297482"/>
-          </a:xfrm>
-          <a:prstGeom prst="rect">
-            <a:avLst/>
-          </a:prstGeom>
-        </p:spPr>
-        <p:style>
-          <a:lnRef idx="2">
-            <a:schemeClr val="accent1">
-              <a:shade val="50000"/>
-            </a:schemeClr>
-          </a:lnRef>
-          <a:fillRef idx="1">
-            <a:schemeClr val="accent1"/>
-          </a:fillRef>
-          <a:effectRef idx="0">
-            <a:schemeClr val="accent1"/>
-          </a:effectRef>
-          <a:fontRef idx="minor">
-            <a:schemeClr val="lt1"/>
-          </a:fontRef>
-        </p:style>
-        <p:txBody>
-          <a:bodyPr rtlCol="0" anchor="ctr"/>
-          <a:lstStyle/>
-          <a:p>
             <a:r>
               <a:rPr lang="en-US" sz="3200" dirty="0"/>
-              <a:t>main</a:t>
-            </a:r>
-          </a:p>
-          <a:p>
-            <a:r>
-              <a:rPr lang="en-US" sz="3200" dirty="0"/>
-              <a:t>   int* </a:t>
-            </a:r>
-            <a:r>
-              <a:rPr lang="en-US" sz="3200" dirty="0" err="1"/>
-              <a:t>nump</a:t>
-            </a:r>
-            <a:r>
-              <a:rPr lang="en-US" sz="3200" dirty="0"/>
-              <a:t>: </a:t>
-            </a:r>
-          </a:p>
-          <a:p>
-            <a:r>
-              <a:rPr lang="en-US" sz="3200" dirty="0"/>
-              <a:t>   char* s1:</a:t>
-            </a:r>
-          </a:p>
-        </p:txBody>
-      </p:sp>
-      <p:cxnSp>
-        <p:nvCxnSpPr>
-          <p:cNvPr id="13" name="Straight Arrow Connector 12">
-            <a:extLst>
-              <a:ext uri="{FF2B5EF4-FFF2-40B4-BE49-F238E27FC236}">
-                <a16:creationId xmlns:a16="http://schemas.microsoft.com/office/drawing/2014/main" id="{D63A80FA-5668-6942-9E44-87C44A46E61E}"/>
-              </a:ext>
-            </a:extLst>
-          </p:cNvPr>
-          <p:cNvCxnSpPr>
-            <a:cxnSpLocks/>
-          </p:cNvCxnSpPr>
-          <p:nvPr/>
-        </p:nvCxnSpPr>
-        <p:spPr>
-          <a:xfrm>
-            <a:off x="7924800" y="3005529"/>
-            <a:ext cx="415925" cy="1686144"/>
-          </a:xfrm>
-          <a:prstGeom prst="straightConnector1">
-            <a:avLst/>
-          </a:prstGeom>
-          <a:ln w="47625">
-            <a:tailEnd type="triangle"/>
-          </a:ln>
-        </p:spPr>
-        <p:style>
-          <a:lnRef idx="1">
-            <a:schemeClr val="dk1"/>
-          </a:lnRef>
-          <a:fillRef idx="0">
-            <a:schemeClr val="dk1"/>
-          </a:fillRef>
-          <a:effectRef idx="0">
-            <a:schemeClr val="dk1"/>
-          </a:effectRef>
-          <a:fontRef idx="minor">
-            <a:schemeClr val="tx1"/>
-          </a:fontRef>
-        </p:style>
-      </p:cxnSp>
-      <p:graphicFrame>
-        <p:nvGraphicFramePr>
-          <p:cNvPr id="2" name="Table 2">
-            <a:extLst>
-              <a:ext uri="{FF2B5EF4-FFF2-40B4-BE49-F238E27FC236}">
-                <a16:creationId xmlns:a16="http://schemas.microsoft.com/office/drawing/2014/main" id="{EC403D05-45CE-BA4C-8B95-8C379526B3FF}"/>
-              </a:ext>
-            </a:extLst>
-          </p:cNvPr>
-          <p:cNvGraphicFramePr>
-            <a:graphicFrameLocks noGrp="1"/>
-          </p:cNvGraphicFramePr>
-          <p:nvPr/>
-        </p:nvGraphicFramePr>
-        <p:xfrm>
-          <a:off x="4991100" y="5462494"/>
-          <a:ext cx="4038599" cy="365760"/>
-        </p:xfrm>
-        <a:graphic>
-          <a:graphicData uri="http://schemas.openxmlformats.org/drawingml/2006/table">
-            <a:tbl>
-              <a:tblPr firstRow="1" bandRow="1">
-                <a:tableStyleId>{00A15C55-8517-42AA-B614-E9B94910E393}</a:tableStyleId>
-              </a:tblPr>
-              <a:tblGrid>
-                <a:gridCol w="319007">
-                  <a:extLst>
-                    <a:ext uri="{9D8B030D-6E8A-4147-A177-3AD203B41FA5}">
-                      <a16:colId xmlns:a16="http://schemas.microsoft.com/office/drawing/2014/main" val="4232320010"/>
-                    </a:ext>
-                  </a:extLst>
-                </a:gridCol>
-                <a:gridCol w="413288">
-                  <a:extLst>
-                    <a:ext uri="{9D8B030D-6E8A-4147-A177-3AD203B41FA5}">
-                      <a16:colId xmlns:a16="http://schemas.microsoft.com/office/drawing/2014/main" val="2607063622"/>
-                    </a:ext>
-                  </a:extLst>
-                </a:gridCol>
-                <a:gridCol w="413288">
-                  <a:extLst>
-                    <a:ext uri="{9D8B030D-6E8A-4147-A177-3AD203B41FA5}">
-                      <a16:colId xmlns:a16="http://schemas.microsoft.com/office/drawing/2014/main" val="1938765617"/>
-                    </a:ext>
-                  </a:extLst>
-                </a:gridCol>
-                <a:gridCol w="413288">
-                  <a:extLst>
-                    <a:ext uri="{9D8B030D-6E8A-4147-A177-3AD203B41FA5}">
-                      <a16:colId xmlns:a16="http://schemas.microsoft.com/office/drawing/2014/main" val="4079097220"/>
-                    </a:ext>
-                  </a:extLst>
-                </a:gridCol>
-                <a:gridCol w="413288">
-                  <a:extLst>
-                    <a:ext uri="{9D8B030D-6E8A-4147-A177-3AD203B41FA5}">
-                      <a16:colId xmlns:a16="http://schemas.microsoft.com/office/drawing/2014/main" val="2798790000"/>
-                    </a:ext>
-                  </a:extLst>
-                </a:gridCol>
-                <a:gridCol w="413288">
-                  <a:extLst>
-                    <a:ext uri="{9D8B030D-6E8A-4147-A177-3AD203B41FA5}">
-                      <a16:colId xmlns:a16="http://schemas.microsoft.com/office/drawing/2014/main" val="1182726909"/>
-                    </a:ext>
-                  </a:extLst>
-                </a:gridCol>
-                <a:gridCol w="413288">
-                  <a:extLst>
-                    <a:ext uri="{9D8B030D-6E8A-4147-A177-3AD203B41FA5}">
-                      <a16:colId xmlns:a16="http://schemas.microsoft.com/office/drawing/2014/main" val="4123172624"/>
-                    </a:ext>
-                  </a:extLst>
-                </a:gridCol>
-                <a:gridCol w="413288">
-                  <a:extLst>
-                    <a:ext uri="{9D8B030D-6E8A-4147-A177-3AD203B41FA5}">
-                      <a16:colId xmlns:a16="http://schemas.microsoft.com/office/drawing/2014/main" val="1828627230"/>
-                    </a:ext>
-                  </a:extLst>
-                </a:gridCol>
-                <a:gridCol w="413288">
-                  <a:extLst>
-                    <a:ext uri="{9D8B030D-6E8A-4147-A177-3AD203B41FA5}">
-                      <a16:colId xmlns:a16="http://schemas.microsoft.com/office/drawing/2014/main" val="1871535828"/>
-                    </a:ext>
-                  </a:extLst>
-                </a:gridCol>
-                <a:gridCol w="413288">
-                  <a:extLst>
-                    <a:ext uri="{9D8B030D-6E8A-4147-A177-3AD203B41FA5}">
-                      <a16:colId xmlns:a16="http://schemas.microsoft.com/office/drawing/2014/main" val="1480337906"/>
-                    </a:ext>
-                  </a:extLst>
-                </a:gridCol>
-              </a:tblGrid>
-              <a:tr h="365125">
-                <a:tc>
-                  <a:txBody>
-                    <a:bodyPr/>
-                    <a:lstStyle/>
-                    <a:p>
-                      <a:r>
-                        <a:rPr lang="en-US" dirty="0"/>
-                        <a:t>h</a:t>
-                      </a:r>
-                    </a:p>
-                  </a:txBody>
-                  <a:tcPr/>
-                </a:tc>
-                <a:tc>
-                  <a:txBody>
-                    <a:bodyPr/>
-                    <a:lstStyle/>
-                    <a:p>
-                      <a:r>
-                        <a:rPr lang="en-US" dirty="0"/>
-                        <a:t>e</a:t>
-                      </a:r>
-                    </a:p>
-                  </a:txBody>
-                  <a:tcPr/>
-                </a:tc>
-                <a:tc>
-                  <a:txBody>
-                    <a:bodyPr/>
-                    <a:lstStyle/>
-                    <a:p>
-                      <a:r>
-                        <a:rPr lang="en-US" dirty="0"/>
-                        <a:t>l</a:t>
-                      </a:r>
-                    </a:p>
-                  </a:txBody>
-                  <a:tcPr/>
-                </a:tc>
-                <a:tc>
-                  <a:txBody>
-                    <a:bodyPr/>
-                    <a:lstStyle/>
-                    <a:p>
-                      <a:r>
-                        <a:rPr lang="en-US" dirty="0"/>
-                        <a:t>l</a:t>
-                      </a:r>
-                    </a:p>
-                  </a:txBody>
-                  <a:tcPr/>
-                </a:tc>
-                <a:tc>
-                  <a:txBody>
-                    <a:bodyPr/>
-                    <a:lstStyle/>
-                    <a:p>
-                      <a:r>
-                        <a:rPr lang="en-US" dirty="0"/>
-                        <a:t>o</a:t>
-                      </a:r>
-                    </a:p>
-                  </a:txBody>
-                  <a:tcPr/>
-                </a:tc>
-                <a:tc>
-                  <a:txBody>
-                    <a:bodyPr/>
-                    <a:lstStyle/>
-                    <a:p>
-                      <a:r>
-                        <a:rPr lang="en-US" dirty="0"/>
-                        <a:t>/0</a:t>
-                      </a:r>
-                    </a:p>
-                  </a:txBody>
-                  <a:tcPr/>
-                </a:tc>
-                <a:tc>
-                  <a:txBody>
-                    <a:bodyPr/>
-                    <a:lstStyle/>
-                    <a:p>
-                      <a:r>
-                        <a:rPr lang="en-US" dirty="0"/>
-                        <a:t>?</a:t>
-                      </a:r>
-                    </a:p>
-                  </a:txBody>
-                  <a:tcPr/>
-                </a:tc>
-                <a:tc>
-                  <a:txBody>
-                    <a:bodyPr/>
-                    <a:lstStyle/>
-                    <a:p>
-                      <a:r>
-                        <a:rPr lang="en-US" dirty="0"/>
-                        <a:t>?</a:t>
-                      </a:r>
-                    </a:p>
-                  </a:txBody>
-                  <a:tcPr/>
-                </a:tc>
-                <a:tc>
-                  <a:txBody>
-                    <a:bodyPr/>
-                    <a:lstStyle/>
-                    <a:p>
-                      <a:r>
-                        <a:rPr lang="en-US" dirty="0"/>
-                        <a:t>?</a:t>
-                      </a:r>
-                    </a:p>
-                  </a:txBody>
-                  <a:tcPr/>
-                </a:tc>
-                <a:tc>
-                  <a:txBody>
-                    <a:bodyPr/>
-                    <a:lstStyle/>
-                    <a:p>
-                      <a:r>
-                        <a:rPr lang="en-US" dirty="0"/>
-                        <a:t>?</a:t>
-                      </a:r>
-                    </a:p>
-                  </a:txBody>
-                  <a:tcPr/>
-                </a:tc>
-                <a:extLst>
-                  <a:ext uri="{0D108BD9-81ED-4DB2-BD59-A6C34878D82A}">
-                    <a16:rowId xmlns:a16="http://schemas.microsoft.com/office/drawing/2014/main" val="802059045"/>
-                  </a:ext>
-                </a:extLst>
-              </a:tr>
-            </a:tbl>
-          </a:graphicData>
-        </a:graphic>
-      </p:graphicFrame>
-      <p:cxnSp>
-        <p:nvCxnSpPr>
-          <p:cNvPr id="18" name="Straight Arrow Connector 17">
-            <a:extLst>
-              <a:ext uri="{FF2B5EF4-FFF2-40B4-BE49-F238E27FC236}">
-                <a16:creationId xmlns:a16="http://schemas.microsoft.com/office/drawing/2014/main" id="{846E7ADC-AF30-714F-B59B-5A9B0D958344}"/>
-              </a:ext>
-            </a:extLst>
-          </p:cNvPr>
-          <p:cNvCxnSpPr>
-            <a:cxnSpLocks/>
-          </p:cNvCxnSpPr>
-          <p:nvPr/>
-        </p:nvCxnSpPr>
-        <p:spPr>
-          <a:xfrm flipH="1">
-            <a:off x="5155878" y="3505200"/>
-            <a:ext cx="2371886" cy="1943014"/>
-          </a:xfrm>
-          <a:prstGeom prst="straightConnector1">
-            <a:avLst/>
-          </a:prstGeom>
-          <a:ln w="47625">
-            <a:tailEnd type="triangle"/>
-          </a:ln>
-        </p:spPr>
-        <p:style>
-          <a:lnRef idx="1">
-            <a:schemeClr val="dk1"/>
-          </a:lnRef>
-          <a:fillRef idx="0">
-            <a:schemeClr val="dk1"/>
-          </a:fillRef>
-          <a:effectRef idx="0">
-            <a:schemeClr val="dk1"/>
-          </a:effectRef>
-          <a:fontRef idx="minor">
-            <a:schemeClr val="tx1"/>
-          </a:fontRef>
-        </p:style>
-      </p:cxnSp>
+              <a:t>int: 10</a:t>
+            </a:r>
+          </a:p>
+        </p:txBody>
+      </p:sp>
     </p:spTree>
     <p:extLst>
       <p:ext uri="{BB962C8B-B14F-4D97-AF65-F5344CB8AC3E}">
@@ -17732,6 +17803,108 @@
           </a:extLst>
         </p:spPr>
       </p:pic>
+      <mc:AlternateContent xmlns:mc="http://schemas.openxmlformats.org/markup-compatibility/2006">
+        <mc:Choice xmlns:p14="http://schemas.microsoft.com/office/powerpoint/2010/main" Requires="p14">
+          <p:contentPart p14:bwMode="auto" r:id="rId6">
+            <p14:nvContentPartPr>
+              <p14:cNvPr id="4" name="Ink 3">
+                <a:extLst>
+                  <a:ext uri="{FF2B5EF4-FFF2-40B4-BE49-F238E27FC236}">
+                    <a16:creationId xmlns:a16="http://schemas.microsoft.com/office/drawing/2014/main" id="{FFA43EC0-1ED4-3D4C-B3F8-7BC2261268D4}"/>
+                  </a:ext>
+                </a:extLst>
+              </p14:cNvPr>
+              <p14:cNvContentPartPr/>
+              <p14:nvPr/>
+            </p14:nvContentPartPr>
+            <p14:xfrm>
+              <a:off x="2790463" y="3804480"/>
+              <a:ext cx="1101960" cy="31680"/>
+            </p14:xfrm>
+          </p:contentPart>
+        </mc:Choice>
+        <mc:Fallback>
+          <p:pic>
+            <p:nvPicPr>
+              <p:cNvPr id="4" name="Ink 3">
+                <a:extLst>
+                  <a:ext uri="{FF2B5EF4-FFF2-40B4-BE49-F238E27FC236}">
+                    <a16:creationId xmlns:a16="http://schemas.microsoft.com/office/drawing/2014/main" id="{FFA43EC0-1ED4-3D4C-B3F8-7BC2261268D4}"/>
+                  </a:ext>
+                </a:extLst>
+              </p:cNvPr>
+              <p:cNvPicPr/>
+              <p:nvPr/>
+            </p:nvPicPr>
+            <p:blipFill>
+              <a:blip r:embed="rId7"/>
+              <a:stretch>
+                <a:fillRect/>
+              </a:stretch>
+            </p:blipFill>
+            <p:spPr>
+              <a:xfrm>
+                <a:off x="2781823" y="3795480"/>
+                <a:ext cx="1119600" cy="49320"/>
+              </a:xfrm>
+              <a:prstGeom prst="rect">
+                <a:avLst/>
+              </a:prstGeom>
+            </p:spPr>
+          </p:pic>
+        </mc:Fallback>
+      </mc:AlternateContent>
+      <mc:AlternateContent xmlns:mc="http://schemas.openxmlformats.org/markup-compatibility/2006">
+        <mc:Choice xmlns:p14="http://schemas.microsoft.com/office/powerpoint/2010/main" Requires="p14">
+          <p:contentPart p14:bwMode="auto" r:id="rId8">
+            <p14:nvContentPartPr>
+              <p14:cNvPr id="6" name="Ink 5">
+                <a:extLst>
+                  <a:ext uri="{FF2B5EF4-FFF2-40B4-BE49-F238E27FC236}">
+                    <a16:creationId xmlns:a16="http://schemas.microsoft.com/office/drawing/2014/main" id="{F1C6D1F3-A877-2040-9FFF-FB7D7FC1C2AA}"/>
+                  </a:ext>
+                </a:extLst>
+              </p14:cNvPr>
+              <p14:cNvContentPartPr/>
+              <p14:nvPr/>
+            </p14:nvContentPartPr>
+            <p14:xfrm>
+              <a:off x="2795863" y="4564080"/>
+              <a:ext cx="1123560" cy="22680"/>
+            </p14:xfrm>
+          </p:contentPart>
+        </mc:Choice>
+        <mc:Fallback>
+          <p:pic>
+            <p:nvPicPr>
+              <p:cNvPr id="6" name="Ink 5">
+                <a:extLst>
+                  <a:ext uri="{FF2B5EF4-FFF2-40B4-BE49-F238E27FC236}">
+                    <a16:creationId xmlns:a16="http://schemas.microsoft.com/office/drawing/2014/main" id="{F1C6D1F3-A877-2040-9FFF-FB7D7FC1C2AA}"/>
+                  </a:ext>
+                </a:extLst>
+              </p:cNvPr>
+              <p:cNvPicPr/>
+              <p:nvPr/>
+            </p:nvPicPr>
+            <p:blipFill>
+              <a:blip r:embed="rId9"/>
+              <a:stretch>
+                <a:fillRect/>
+              </a:stretch>
+            </p:blipFill>
+            <p:spPr>
+              <a:xfrm>
+                <a:off x="2786863" y="4555440"/>
+                <a:ext cx="1141200" cy="40320"/>
+              </a:xfrm>
+              <a:prstGeom prst="rect">
+                <a:avLst/>
+              </a:prstGeom>
+            </p:spPr>
+          </p:pic>
+        </mc:Fallback>
+      </mc:AlternateContent>
     </p:spTree>
     <p:extLst>
       <p:ext uri="{BB962C8B-B14F-4D97-AF65-F5344CB8AC3E}">

--- a/_teaching/csci112-fall-2023/lectures/ppts/Chapter13.pptx
+++ b/_teaching/csci112-fall-2023/lectures/ppts/Chapter13.pptx
@@ -5,7 +5,7 @@
     <p:sldMasterId id="2147483696" r:id="rId1"/>
   </p:sldMasterIdLst>
   <p:notesMasterIdLst>
-    <p:notesMasterId r:id="rId78"/>
+    <p:notesMasterId r:id="rId77"/>
   </p:notesMasterIdLst>
   <p:sldIdLst>
     <p:sldId id="256" r:id="rId2"/>
@@ -42,48 +42,47 @@
     <p:sldId id="329" r:id="rId33"/>
     <p:sldId id="330" r:id="rId34"/>
     <p:sldId id="319" r:id="rId35"/>
-    <p:sldId id="280" r:id="rId36"/>
-    <p:sldId id="281" r:id="rId37"/>
-    <p:sldId id="283" r:id="rId38"/>
-    <p:sldId id="282" r:id="rId39"/>
-    <p:sldId id="284" r:id="rId40"/>
-    <p:sldId id="285" r:id="rId41"/>
-    <p:sldId id="286" r:id="rId42"/>
-    <p:sldId id="287" r:id="rId43"/>
-    <p:sldId id="288" r:id="rId44"/>
-    <p:sldId id="349" r:id="rId45"/>
-    <p:sldId id="350" r:id="rId46"/>
-    <p:sldId id="348" r:id="rId47"/>
-    <p:sldId id="335" r:id="rId48"/>
-    <p:sldId id="337" r:id="rId49"/>
-    <p:sldId id="338" r:id="rId50"/>
-    <p:sldId id="351" r:id="rId51"/>
-    <p:sldId id="340" r:id="rId52"/>
-    <p:sldId id="341" r:id="rId53"/>
-    <p:sldId id="342" r:id="rId54"/>
-    <p:sldId id="343" r:id="rId55"/>
-    <p:sldId id="344" r:id="rId56"/>
-    <p:sldId id="345" r:id="rId57"/>
-    <p:sldId id="346" r:id="rId58"/>
-    <p:sldId id="347" r:id="rId59"/>
-    <p:sldId id="352" r:id="rId60"/>
-    <p:sldId id="353" r:id="rId61"/>
-    <p:sldId id="358" r:id="rId62"/>
-    <p:sldId id="354" r:id="rId63"/>
-    <p:sldId id="359" r:id="rId64"/>
-    <p:sldId id="355" r:id="rId65"/>
-    <p:sldId id="356" r:id="rId66"/>
-    <p:sldId id="357" r:id="rId67"/>
-    <p:sldId id="360" r:id="rId68"/>
-    <p:sldId id="361" r:id="rId69"/>
-    <p:sldId id="362" r:id="rId70"/>
-    <p:sldId id="363" r:id="rId71"/>
-    <p:sldId id="364" r:id="rId72"/>
-    <p:sldId id="365" r:id="rId73"/>
-    <p:sldId id="366" r:id="rId74"/>
-    <p:sldId id="367" r:id="rId75"/>
-    <p:sldId id="299" r:id="rId76"/>
-    <p:sldId id="368" r:id="rId77"/>
+    <p:sldId id="281" r:id="rId36"/>
+    <p:sldId id="283" r:id="rId37"/>
+    <p:sldId id="282" r:id="rId38"/>
+    <p:sldId id="284" r:id="rId39"/>
+    <p:sldId id="285" r:id="rId40"/>
+    <p:sldId id="286" r:id="rId41"/>
+    <p:sldId id="287" r:id="rId42"/>
+    <p:sldId id="288" r:id="rId43"/>
+    <p:sldId id="349" r:id="rId44"/>
+    <p:sldId id="350" r:id="rId45"/>
+    <p:sldId id="348" r:id="rId46"/>
+    <p:sldId id="335" r:id="rId47"/>
+    <p:sldId id="337" r:id="rId48"/>
+    <p:sldId id="338" r:id="rId49"/>
+    <p:sldId id="351" r:id="rId50"/>
+    <p:sldId id="340" r:id="rId51"/>
+    <p:sldId id="341" r:id="rId52"/>
+    <p:sldId id="342" r:id="rId53"/>
+    <p:sldId id="343" r:id="rId54"/>
+    <p:sldId id="344" r:id="rId55"/>
+    <p:sldId id="345" r:id="rId56"/>
+    <p:sldId id="346" r:id="rId57"/>
+    <p:sldId id="347" r:id="rId58"/>
+    <p:sldId id="352" r:id="rId59"/>
+    <p:sldId id="353" r:id="rId60"/>
+    <p:sldId id="358" r:id="rId61"/>
+    <p:sldId id="354" r:id="rId62"/>
+    <p:sldId id="359" r:id="rId63"/>
+    <p:sldId id="355" r:id="rId64"/>
+    <p:sldId id="356" r:id="rId65"/>
+    <p:sldId id="357" r:id="rId66"/>
+    <p:sldId id="360" r:id="rId67"/>
+    <p:sldId id="361" r:id="rId68"/>
+    <p:sldId id="362" r:id="rId69"/>
+    <p:sldId id="363" r:id="rId70"/>
+    <p:sldId id="364" r:id="rId71"/>
+    <p:sldId id="365" r:id="rId72"/>
+    <p:sldId id="366" r:id="rId73"/>
+    <p:sldId id="367" r:id="rId74"/>
+    <p:sldId id="299" r:id="rId75"/>
+    <p:sldId id="368" r:id="rId76"/>
   </p:sldIdLst>
   <p:sldSz cx="9144000" cy="6858000" type="screen4x3"/>
   <p:notesSz cx="6858000" cy="9144000"/>
@@ -16654,8 +16653,12 @@
           </a:p>
           <a:p>
             <a:r>
+              <a:rPr lang="en-US"/>
+              <a:t>If time, </a:t>
+            </a:r>
+            <a:r>
               <a:rPr lang="en-US" dirty="0"/>
-              <a:t>Next time, we’ll see a program (</a:t>
+              <a:t>we’ll see a program (</a:t>
             </a:r>
             <a:r>
               <a:rPr lang="en-US" dirty="0" err="1"/>
@@ -16816,135 +16819,6 @@
             <a:fld id="{85A8DA42-601D-40A8-83CA-2F2CBDE5F9F0}" type="slidenum">
               <a:rPr lang="en-US" smtClean="0"/>
               <a:t>35</a:t>
-            </a:fld>
-            <a:endParaRPr lang="en-US"/>
-          </a:p>
-        </p:txBody>
-      </p:sp>
-      <p:pic>
-        <p:nvPicPr>
-          <p:cNvPr id="9218" name="Picture 2"/>
-          <p:cNvPicPr>
-            <a:picLocks noChangeAspect="1" noChangeArrowheads="1"/>
-          </p:cNvPicPr>
-          <p:nvPr/>
-        </p:nvPicPr>
-        <p:blipFill>
-          <a:blip r:embed="rId2">
-            <a:extLst>
-              <a:ext uri="{28A0092B-C50C-407E-A947-70E740481C1C}">
-                <a14:useLocalDpi xmlns:a14="http://schemas.microsoft.com/office/drawing/2010/main" val="0"/>
-              </a:ext>
-            </a:extLst>
-          </a:blip>
-          <a:srcRect/>
-          <a:stretch>
-            <a:fillRect/>
-          </a:stretch>
-        </p:blipFill>
-        <p:spPr bwMode="auto">
-          <a:xfrm>
-            <a:off x="1380887" y="63344"/>
-            <a:ext cx="5676215" cy="6718456"/>
-          </a:xfrm>
-          <a:prstGeom prst="rect">
-            <a:avLst/>
-          </a:prstGeom>
-          <a:noFill/>
-          <a:ln>
-            <a:noFill/>
-          </a:ln>
-          <a:extLst>
-            <a:ext uri="{909E8E84-426E-40DD-AFC4-6F175D3DCCD1}">
-              <a14:hiddenFill xmlns:a14="http://schemas.microsoft.com/office/drawing/2010/main">
-                <a:solidFill>
-                  <a:schemeClr val="accent1"/>
-                </a:solidFill>
-              </a14:hiddenFill>
-            </a:ext>
-            <a:ext uri="{91240B29-F687-4F45-9708-019B960494DF}">
-              <a14:hiddenLine xmlns:a14="http://schemas.microsoft.com/office/drawing/2010/main" w="9525">
-                <a:solidFill>
-                  <a:schemeClr val="tx1"/>
-                </a:solidFill>
-                <a:miter lim="800000"/>
-                <a:headEnd/>
-                <a:tailEnd/>
-              </a14:hiddenLine>
-            </a:ext>
-          </a:extLst>
-        </p:spPr>
-      </p:pic>
-    </p:spTree>
-    <p:extLst>
-      <p:ext uri="{BB962C8B-B14F-4D97-AF65-F5344CB8AC3E}">
-        <p14:creationId xmlns:p14="http://schemas.microsoft.com/office/powerpoint/2010/main" val="3971770477"/>
-      </p:ext>
-    </p:extLst>
-  </p:cSld>
-  <p:clrMapOvr>
-    <a:masterClrMapping/>
-  </p:clrMapOvr>
-</p:sld>
-</file>
-
-<file path=ppt/slides/slide36.xml><?xml version="1.0" encoding="utf-8"?>
-<p:sld xmlns:a="http://schemas.openxmlformats.org/drawingml/2006/main" xmlns:r="http://schemas.openxmlformats.org/officeDocument/2006/relationships" xmlns:p="http://schemas.openxmlformats.org/presentationml/2006/main">
-  <p:cSld>
-    <p:spTree>
-      <p:nvGrpSpPr>
-        <p:cNvPr id="1" name=""/>
-        <p:cNvGrpSpPr/>
-        <p:nvPr/>
-      </p:nvGrpSpPr>
-      <p:grpSpPr>
-        <a:xfrm>
-          <a:off x="0" y="0"/>
-          <a:ext cx="0" cy="0"/>
-          <a:chOff x="0" y="0"/>
-          <a:chExt cx="0" cy="0"/>
-        </a:xfrm>
-      </p:grpSpPr>
-      <p:sp>
-        <p:nvSpPr>
-          <p:cNvPr id="2" name="Footer Placeholder 1"/>
-          <p:cNvSpPr>
-            <a:spLocks noGrp="1"/>
-          </p:cNvSpPr>
-          <p:nvPr>
-            <p:ph type="ftr" sz="quarter" idx="11"/>
-          </p:nvPr>
-        </p:nvSpPr>
-        <p:spPr/>
-        <p:txBody>
-          <a:bodyPr/>
-          <a:lstStyle/>
-          <a:p>
-            <a:r>
-              <a:rPr lang="en-US"/>
-              <a:t>© 2016 Pearson Education, Inc., Hoboken, NJ.  All rights reserved.</a:t>
-            </a:r>
-          </a:p>
-        </p:txBody>
-      </p:sp>
-      <p:sp>
-        <p:nvSpPr>
-          <p:cNvPr id="3" name="Slide Number Placeholder 2"/>
-          <p:cNvSpPr>
-            <a:spLocks noGrp="1"/>
-          </p:cNvSpPr>
-          <p:nvPr>
-            <p:ph type="sldNum" sz="quarter" idx="12"/>
-          </p:nvPr>
-        </p:nvSpPr>
-        <p:spPr/>
-        <p:txBody>
-          <a:bodyPr/>
-          <a:lstStyle/>
-          <a:p>
-            <a:fld id="{85A8DA42-601D-40A8-83CA-2F2CBDE5F9F0}" type="slidenum">
-              <a:rPr lang="en-US" smtClean="0"/>
-              <a:t>36</a:t>
             </a:fld>
             <a:endParaRPr lang="en-US"/>
           </a:p>
@@ -17176,6 +17050,172 @@
 </p:sld>
 </file>
 
+<file path=ppt/slides/slide36.xml><?xml version="1.0" encoding="utf-8"?>
+<p:sld xmlns:a="http://schemas.openxmlformats.org/drawingml/2006/main" xmlns:r="http://schemas.openxmlformats.org/officeDocument/2006/relationships" xmlns:p="http://schemas.openxmlformats.org/presentationml/2006/main">
+  <p:cSld>
+    <p:spTree>
+      <p:nvGrpSpPr>
+        <p:cNvPr id="1" name=""/>
+        <p:cNvGrpSpPr/>
+        <p:nvPr/>
+      </p:nvGrpSpPr>
+      <p:grpSpPr>
+        <a:xfrm>
+          <a:off x="0" y="0"/>
+          <a:ext cx="0" cy="0"/>
+          <a:chOff x="0" y="0"/>
+          <a:chExt cx="0" cy="0"/>
+        </a:xfrm>
+      </p:grpSpPr>
+      <p:sp>
+        <p:nvSpPr>
+          <p:cNvPr id="2" name="Title 1"/>
+          <p:cNvSpPr>
+            <a:spLocks noGrp="1"/>
+          </p:cNvSpPr>
+          <p:nvPr>
+            <p:ph type="title"/>
+          </p:nvPr>
+        </p:nvSpPr>
+        <p:spPr/>
+        <p:txBody>
+          <a:bodyPr/>
+          <a:lstStyle/>
+          <a:p>
+            <a:r>
+              <a:rPr lang="en-US" dirty="0"/>
+              <a:t>Linked Lists</a:t>
+            </a:r>
+          </a:p>
+        </p:txBody>
+      </p:sp>
+      <p:sp>
+        <p:nvSpPr>
+          <p:cNvPr id="3" name="Content Placeholder 2"/>
+          <p:cNvSpPr>
+            <a:spLocks noGrp="1"/>
+          </p:cNvSpPr>
+          <p:nvPr>
+            <p:ph idx="1"/>
+          </p:nvPr>
+        </p:nvSpPr>
+        <p:spPr>
+          <a:xfrm>
+            <a:off x="457200" y="1447800"/>
+            <a:ext cx="8229600" cy="4525963"/>
+          </a:xfrm>
+        </p:spPr>
+        <p:txBody>
+          <a:bodyPr>
+            <a:normAutofit lnSpcReduction="10000"/>
+          </a:bodyPr>
+          <a:lstStyle/>
+          <a:p>
+            <a:r>
+              <a:rPr lang="en-US" dirty="0"/>
+              <a:t>linked list</a:t>
+            </a:r>
+          </a:p>
+          <a:p>
+            <a:pPr lvl="1"/>
+            <a:r>
+              <a:rPr lang="en-US" dirty="0"/>
+              <a:t>a sequence of nodes in which each node but the last contains the address of the next node</a:t>
+            </a:r>
+          </a:p>
+          <a:p>
+            <a:r>
+              <a:rPr lang="en-US" dirty="0"/>
+              <a:t>empty list</a:t>
+            </a:r>
+          </a:p>
+          <a:p>
+            <a:pPr lvl="1"/>
+            <a:r>
+              <a:rPr lang="en-US" dirty="0"/>
+              <a:t>a list of no nodes</a:t>
+            </a:r>
+          </a:p>
+          <a:p>
+            <a:pPr lvl="1"/>
+            <a:r>
+              <a:rPr lang="en-US" dirty="0"/>
+              <a:t>represented in C by the pointer NULL, whose value is zero</a:t>
+            </a:r>
+          </a:p>
+          <a:p>
+            <a:r>
+              <a:rPr lang="en-US" dirty="0"/>
+              <a:t>list head</a:t>
+            </a:r>
+          </a:p>
+          <a:p>
+            <a:pPr lvl="1"/>
+            <a:r>
+              <a:rPr lang="en-US" dirty="0"/>
+              <a:t>the first element in a linked list</a:t>
+            </a:r>
+          </a:p>
+        </p:txBody>
+      </p:sp>
+      <p:sp>
+        <p:nvSpPr>
+          <p:cNvPr id="4" name="Footer Placeholder 3"/>
+          <p:cNvSpPr>
+            <a:spLocks noGrp="1"/>
+          </p:cNvSpPr>
+          <p:nvPr>
+            <p:ph type="ftr" sz="quarter" idx="11"/>
+          </p:nvPr>
+        </p:nvSpPr>
+        <p:spPr/>
+        <p:txBody>
+          <a:bodyPr/>
+          <a:lstStyle/>
+          <a:p>
+            <a:r>
+              <a:rPr lang="en-US"/>
+              <a:t>© 2016 Pearson Education, Inc., Hoboken, NJ.  All rights reserved.</a:t>
+            </a:r>
+          </a:p>
+        </p:txBody>
+      </p:sp>
+      <p:sp>
+        <p:nvSpPr>
+          <p:cNvPr id="5" name="Slide Number Placeholder 4"/>
+          <p:cNvSpPr>
+            <a:spLocks noGrp="1"/>
+          </p:cNvSpPr>
+          <p:nvPr>
+            <p:ph type="sldNum" sz="quarter" idx="12"/>
+          </p:nvPr>
+        </p:nvSpPr>
+        <p:spPr/>
+        <p:txBody>
+          <a:bodyPr/>
+          <a:lstStyle/>
+          <a:p>
+            <a:fld id="{85A8DA42-601D-40A8-83CA-2F2CBDE5F9F0}" type="slidenum">
+              <a:rPr lang="en-US" smtClean="0"/>
+              <a:t>36</a:t>
+            </a:fld>
+            <a:endParaRPr lang="en-US"/>
+          </a:p>
+        </p:txBody>
+      </p:sp>
+    </p:spTree>
+    <p:extLst>
+      <p:ext uri="{BB962C8B-B14F-4D97-AF65-F5344CB8AC3E}">
+        <p14:creationId xmlns:p14="http://schemas.microsoft.com/office/powerpoint/2010/main" val="1643689016"/>
+      </p:ext>
+    </p:extLst>
+  </p:cSld>
+  <p:clrMapOvr>
+    <a:masterClrMapping/>
+  </p:clrMapOvr>
+</p:sld>
+</file>
+
 <file path=ppt/slides/slide37.xml><?xml version="1.0" encoding="utf-8"?>
 <p:sld xmlns:a="http://schemas.openxmlformats.org/drawingml/2006/main" xmlns:r="http://schemas.openxmlformats.org/officeDocument/2006/relationships" xmlns:p="http://schemas.openxmlformats.org/presentationml/2006/main">
   <p:cSld>
@@ -17195,98 +17235,7 @@
       </p:grpSpPr>
       <p:sp>
         <p:nvSpPr>
-          <p:cNvPr id="2" name="Title 1"/>
-          <p:cNvSpPr>
-            <a:spLocks noGrp="1"/>
-          </p:cNvSpPr>
-          <p:nvPr>
-            <p:ph type="title"/>
-          </p:nvPr>
-        </p:nvSpPr>
-        <p:spPr/>
-        <p:txBody>
-          <a:bodyPr/>
-          <a:lstStyle/>
-          <a:p>
-            <a:r>
-              <a:rPr lang="en-US" dirty="0"/>
-              <a:t>Linked Lists</a:t>
-            </a:r>
-          </a:p>
-        </p:txBody>
-      </p:sp>
-      <p:sp>
-        <p:nvSpPr>
-          <p:cNvPr id="3" name="Content Placeholder 2"/>
-          <p:cNvSpPr>
-            <a:spLocks noGrp="1"/>
-          </p:cNvSpPr>
-          <p:nvPr>
-            <p:ph idx="1"/>
-          </p:nvPr>
-        </p:nvSpPr>
-        <p:spPr>
-          <a:xfrm>
-            <a:off x="457200" y="1447800"/>
-            <a:ext cx="8229600" cy="4525963"/>
-          </a:xfrm>
-        </p:spPr>
-        <p:txBody>
-          <a:bodyPr>
-            <a:normAutofit lnSpcReduction="10000"/>
-          </a:bodyPr>
-          <a:lstStyle/>
-          <a:p>
-            <a:r>
-              <a:rPr lang="en-US" dirty="0"/>
-              <a:t>linked list</a:t>
-            </a:r>
-          </a:p>
-          <a:p>
-            <a:pPr lvl="1"/>
-            <a:r>
-              <a:rPr lang="en-US" dirty="0"/>
-              <a:t>a sequence of nodes in which each node but the last contains the address of the next node</a:t>
-            </a:r>
-          </a:p>
-          <a:p>
-            <a:r>
-              <a:rPr lang="en-US" dirty="0"/>
-              <a:t>empty list</a:t>
-            </a:r>
-          </a:p>
-          <a:p>
-            <a:pPr lvl="1"/>
-            <a:r>
-              <a:rPr lang="en-US" dirty="0"/>
-              <a:t>a list of no nodes</a:t>
-            </a:r>
-          </a:p>
-          <a:p>
-            <a:pPr lvl="1"/>
-            <a:r>
-              <a:rPr lang="en-US" dirty="0"/>
-              <a:t>represented in C by the pointer NULL, whose value is zero</a:t>
-            </a:r>
-          </a:p>
-          <a:p>
-            <a:r>
-              <a:rPr lang="en-US" dirty="0"/>
-              <a:t>list head</a:t>
-            </a:r>
-          </a:p>
-          <a:p>
-            <a:pPr lvl="1"/>
-            <a:r>
-              <a:rPr lang="en-US" dirty="0"/>
-              <a:t>the first element in a linked list</a:t>
-            </a:r>
-          </a:p>
-        </p:txBody>
-      </p:sp>
-      <p:sp>
-        <p:nvSpPr>
-          <p:cNvPr id="4" name="Footer Placeholder 3"/>
+          <p:cNvPr id="2" name="Footer Placeholder 1"/>
           <p:cNvSpPr>
             <a:spLocks noGrp="1"/>
           </p:cNvSpPr>
@@ -17308,7 +17257,7 @@
       </p:sp>
       <p:sp>
         <p:nvSpPr>
-          <p:cNvPr id="5" name="Slide Number Placeholder 4"/>
+          <p:cNvPr id="3" name="Slide Number Placeholder 2"/>
           <p:cNvSpPr>
             <a:spLocks noGrp="1"/>
           </p:cNvSpPr>
@@ -17329,10 +17278,118 @@
           </a:p>
         </p:txBody>
       </p:sp>
+      <p:pic>
+        <p:nvPicPr>
+          <p:cNvPr id="11266" name="Picture 2"/>
+          <p:cNvPicPr>
+            <a:picLocks noChangeAspect="1" noChangeArrowheads="1"/>
+          </p:cNvPicPr>
+          <p:nvPr/>
+        </p:nvPicPr>
+        <p:blipFill>
+          <a:blip r:embed="rId2">
+            <a:extLst>
+              <a:ext uri="{28A0092B-C50C-407E-A947-70E740481C1C}">
+                <a14:useLocalDpi xmlns:a14="http://schemas.microsoft.com/office/drawing/2010/main" val="0"/>
+              </a:ext>
+            </a:extLst>
+          </a:blip>
+          <a:srcRect/>
+          <a:stretch>
+            <a:fillRect/>
+          </a:stretch>
+        </p:blipFill>
+        <p:spPr bwMode="auto">
+          <a:xfrm>
+            <a:off x="247649" y="1295400"/>
+            <a:ext cx="8647113" cy="1866900"/>
+          </a:xfrm>
+          <a:prstGeom prst="rect">
+            <a:avLst/>
+          </a:prstGeom>
+          <a:noFill/>
+          <a:ln>
+            <a:noFill/>
+          </a:ln>
+          <a:extLst>
+            <a:ext uri="{909E8E84-426E-40DD-AFC4-6F175D3DCCD1}">
+              <a14:hiddenFill xmlns:a14="http://schemas.microsoft.com/office/drawing/2010/main">
+                <a:solidFill>
+                  <a:schemeClr val="accent1"/>
+                </a:solidFill>
+              </a14:hiddenFill>
+            </a:ext>
+            <a:ext uri="{91240B29-F687-4F45-9708-019B960494DF}">
+              <a14:hiddenLine xmlns:a14="http://schemas.microsoft.com/office/drawing/2010/main" w="9525">
+                <a:solidFill>
+                  <a:schemeClr val="tx1"/>
+                </a:solidFill>
+                <a:miter lim="800000"/>
+                <a:headEnd/>
+                <a:tailEnd/>
+              </a14:hiddenLine>
+            </a:ext>
+          </a:extLst>
+        </p:spPr>
+      </p:pic>
+      <p:pic>
+        <p:nvPicPr>
+          <p:cNvPr id="11267" name="Picture 3"/>
+          <p:cNvPicPr>
+            <a:picLocks noChangeAspect="1" noChangeArrowheads="1"/>
+          </p:cNvPicPr>
+          <p:nvPr/>
+        </p:nvPicPr>
+        <p:blipFill>
+          <a:blip r:embed="rId3">
+            <a:extLst>
+              <a:ext uri="{28A0092B-C50C-407E-A947-70E740481C1C}">
+                <a14:useLocalDpi xmlns:a14="http://schemas.microsoft.com/office/drawing/2010/main" val="0"/>
+              </a:ext>
+            </a:extLst>
+          </a:blip>
+          <a:srcRect/>
+          <a:stretch>
+            <a:fillRect/>
+          </a:stretch>
+        </p:blipFill>
+        <p:spPr bwMode="auto">
+          <a:xfrm>
+            <a:off x="381000" y="3432748"/>
+            <a:ext cx="8282725" cy="1866900"/>
+          </a:xfrm>
+          <a:prstGeom prst="rect">
+            <a:avLst/>
+          </a:prstGeom>
+          <a:noFill/>
+          <a:ln>
+            <a:noFill/>
+          </a:ln>
+          <a:extLst>
+            <a:ext uri="{909E8E84-426E-40DD-AFC4-6F175D3DCCD1}">
+              <a14:hiddenFill xmlns:a14="http://schemas.microsoft.com/office/drawing/2010/main">
+                <a:solidFill>
+                  <a:schemeClr val="accent1"/>
+                </a:solidFill>
+              </a14:hiddenFill>
+            </a:ext>
+            <a:ext uri="{91240B29-F687-4F45-9708-019B960494DF}">
+              <a14:hiddenLine xmlns:a14="http://schemas.microsoft.com/office/drawing/2010/main" w="9525">
+                <a:solidFill>
+                  <a:schemeClr val="tx1"/>
+                </a:solidFill>
+                <a:miter lim="800000"/>
+                <a:headEnd/>
+                <a:tailEnd/>
+              </a14:hiddenLine>
+            </a:ext>
+          </a:extLst>
+        </p:spPr>
+      </p:pic>
     </p:spTree>
     <p:extLst>
       <p:ext uri="{BB962C8B-B14F-4D97-AF65-F5344CB8AC3E}">
-        <p14:creationId xmlns:p14="http://schemas.microsoft.com/office/powerpoint/2010/main" val="1643689016"/>
+        <p14:creationId xmlns:p14="http://schemas.microsoft.com/office/powerpoint/2010/main" val="1575792268"/>
       </p:ext>
     </p:extLst>
   </p:cSld>
@@ -17399,189 +17456,6 @@
             <a:fld id="{85A8DA42-601D-40A8-83CA-2F2CBDE5F9F0}" type="slidenum">
               <a:rPr lang="en-US" smtClean="0"/>
               <a:t>38</a:t>
-            </a:fld>
-            <a:endParaRPr lang="en-US"/>
-          </a:p>
-        </p:txBody>
-      </p:sp>
-      <p:pic>
-        <p:nvPicPr>
-          <p:cNvPr id="11266" name="Picture 2"/>
-          <p:cNvPicPr>
-            <a:picLocks noChangeAspect="1" noChangeArrowheads="1"/>
-          </p:cNvPicPr>
-          <p:nvPr/>
-        </p:nvPicPr>
-        <p:blipFill>
-          <a:blip r:embed="rId2">
-            <a:extLst>
-              <a:ext uri="{28A0092B-C50C-407E-A947-70E740481C1C}">
-                <a14:useLocalDpi xmlns:a14="http://schemas.microsoft.com/office/drawing/2010/main" val="0"/>
-              </a:ext>
-            </a:extLst>
-          </a:blip>
-          <a:srcRect/>
-          <a:stretch>
-            <a:fillRect/>
-          </a:stretch>
-        </p:blipFill>
-        <p:spPr bwMode="auto">
-          <a:xfrm>
-            <a:off x="247649" y="1295400"/>
-            <a:ext cx="8647113" cy="1866900"/>
-          </a:xfrm>
-          <a:prstGeom prst="rect">
-            <a:avLst/>
-          </a:prstGeom>
-          <a:noFill/>
-          <a:ln>
-            <a:noFill/>
-          </a:ln>
-          <a:extLst>
-            <a:ext uri="{909E8E84-426E-40DD-AFC4-6F175D3DCCD1}">
-              <a14:hiddenFill xmlns:a14="http://schemas.microsoft.com/office/drawing/2010/main">
-                <a:solidFill>
-                  <a:schemeClr val="accent1"/>
-                </a:solidFill>
-              </a14:hiddenFill>
-            </a:ext>
-            <a:ext uri="{91240B29-F687-4F45-9708-019B960494DF}">
-              <a14:hiddenLine xmlns:a14="http://schemas.microsoft.com/office/drawing/2010/main" w="9525">
-                <a:solidFill>
-                  <a:schemeClr val="tx1"/>
-                </a:solidFill>
-                <a:miter lim="800000"/>
-                <a:headEnd/>
-                <a:tailEnd/>
-              </a14:hiddenLine>
-            </a:ext>
-          </a:extLst>
-        </p:spPr>
-      </p:pic>
-      <p:pic>
-        <p:nvPicPr>
-          <p:cNvPr id="11267" name="Picture 3"/>
-          <p:cNvPicPr>
-            <a:picLocks noChangeAspect="1" noChangeArrowheads="1"/>
-          </p:cNvPicPr>
-          <p:nvPr/>
-        </p:nvPicPr>
-        <p:blipFill>
-          <a:blip r:embed="rId3">
-            <a:extLst>
-              <a:ext uri="{28A0092B-C50C-407E-A947-70E740481C1C}">
-                <a14:useLocalDpi xmlns:a14="http://schemas.microsoft.com/office/drawing/2010/main" val="0"/>
-              </a:ext>
-            </a:extLst>
-          </a:blip>
-          <a:srcRect/>
-          <a:stretch>
-            <a:fillRect/>
-          </a:stretch>
-        </p:blipFill>
-        <p:spPr bwMode="auto">
-          <a:xfrm>
-            <a:off x="381000" y="3432748"/>
-            <a:ext cx="8282725" cy="1866900"/>
-          </a:xfrm>
-          <a:prstGeom prst="rect">
-            <a:avLst/>
-          </a:prstGeom>
-          <a:noFill/>
-          <a:ln>
-            <a:noFill/>
-          </a:ln>
-          <a:extLst>
-            <a:ext uri="{909E8E84-426E-40DD-AFC4-6F175D3DCCD1}">
-              <a14:hiddenFill xmlns:a14="http://schemas.microsoft.com/office/drawing/2010/main">
-                <a:solidFill>
-                  <a:schemeClr val="accent1"/>
-                </a:solidFill>
-              </a14:hiddenFill>
-            </a:ext>
-            <a:ext uri="{91240B29-F687-4F45-9708-019B960494DF}">
-              <a14:hiddenLine xmlns:a14="http://schemas.microsoft.com/office/drawing/2010/main" w="9525">
-                <a:solidFill>
-                  <a:schemeClr val="tx1"/>
-                </a:solidFill>
-                <a:miter lim="800000"/>
-                <a:headEnd/>
-                <a:tailEnd/>
-              </a14:hiddenLine>
-            </a:ext>
-          </a:extLst>
-        </p:spPr>
-      </p:pic>
-    </p:spTree>
-    <p:extLst>
-      <p:ext uri="{BB962C8B-B14F-4D97-AF65-F5344CB8AC3E}">
-        <p14:creationId xmlns:p14="http://schemas.microsoft.com/office/powerpoint/2010/main" val="1575792268"/>
-      </p:ext>
-    </p:extLst>
-  </p:cSld>
-  <p:clrMapOvr>
-    <a:masterClrMapping/>
-  </p:clrMapOvr>
-</p:sld>
-</file>
-
-<file path=ppt/slides/slide39.xml><?xml version="1.0" encoding="utf-8"?>
-<p:sld xmlns:a="http://schemas.openxmlformats.org/drawingml/2006/main" xmlns:r="http://schemas.openxmlformats.org/officeDocument/2006/relationships" xmlns:p="http://schemas.openxmlformats.org/presentationml/2006/main">
-  <p:cSld>
-    <p:spTree>
-      <p:nvGrpSpPr>
-        <p:cNvPr id="1" name=""/>
-        <p:cNvGrpSpPr/>
-        <p:nvPr/>
-      </p:nvGrpSpPr>
-      <p:grpSpPr>
-        <a:xfrm>
-          <a:off x="0" y="0"/>
-          <a:ext cx="0" cy="0"/>
-          <a:chOff x="0" y="0"/>
-          <a:chExt cx="0" cy="0"/>
-        </a:xfrm>
-      </p:grpSpPr>
-      <p:sp>
-        <p:nvSpPr>
-          <p:cNvPr id="2" name="Footer Placeholder 1"/>
-          <p:cNvSpPr>
-            <a:spLocks noGrp="1"/>
-          </p:cNvSpPr>
-          <p:nvPr>
-            <p:ph type="ftr" sz="quarter" idx="11"/>
-          </p:nvPr>
-        </p:nvSpPr>
-        <p:spPr/>
-        <p:txBody>
-          <a:bodyPr/>
-          <a:lstStyle/>
-          <a:p>
-            <a:r>
-              <a:rPr lang="en-US"/>
-              <a:t>© 2016 Pearson Education, Inc., Hoboken, NJ.  All rights reserved.</a:t>
-            </a:r>
-          </a:p>
-        </p:txBody>
-      </p:sp>
-      <p:sp>
-        <p:nvSpPr>
-          <p:cNvPr id="3" name="Slide Number Placeholder 2"/>
-          <p:cNvSpPr>
-            <a:spLocks noGrp="1"/>
-          </p:cNvSpPr>
-          <p:nvPr>
-            <p:ph type="sldNum" sz="quarter" idx="12"/>
-          </p:nvPr>
-        </p:nvSpPr>
-        <p:spPr/>
-        <p:txBody>
-          <a:bodyPr/>
-          <a:lstStyle/>
-          <a:p>
-            <a:fld id="{85A8DA42-601D-40A8-83CA-2F2CBDE5F9F0}" type="slidenum">
-              <a:rPr lang="en-US" smtClean="0"/>
-              <a:t>39</a:t>
             </a:fld>
             <a:endParaRPr lang="en-US"/>
           </a:p>
@@ -17918,6 +17792,135 @@
 </p:sld>
 </file>
 
+<file path=ppt/slides/slide39.xml><?xml version="1.0" encoding="utf-8"?>
+<p:sld xmlns:a="http://schemas.openxmlformats.org/drawingml/2006/main" xmlns:r="http://schemas.openxmlformats.org/officeDocument/2006/relationships" xmlns:p="http://schemas.openxmlformats.org/presentationml/2006/main">
+  <p:cSld>
+    <p:spTree>
+      <p:nvGrpSpPr>
+        <p:cNvPr id="1" name=""/>
+        <p:cNvGrpSpPr/>
+        <p:nvPr/>
+      </p:nvGrpSpPr>
+      <p:grpSpPr>
+        <a:xfrm>
+          <a:off x="0" y="0"/>
+          <a:ext cx="0" cy="0"/>
+          <a:chOff x="0" y="0"/>
+          <a:chExt cx="0" cy="0"/>
+        </a:xfrm>
+      </p:grpSpPr>
+      <p:sp>
+        <p:nvSpPr>
+          <p:cNvPr id="2" name="Footer Placeholder 1"/>
+          <p:cNvSpPr>
+            <a:spLocks noGrp="1"/>
+          </p:cNvSpPr>
+          <p:nvPr>
+            <p:ph type="ftr" sz="quarter" idx="11"/>
+          </p:nvPr>
+        </p:nvSpPr>
+        <p:spPr/>
+        <p:txBody>
+          <a:bodyPr/>
+          <a:lstStyle/>
+          <a:p>
+            <a:r>
+              <a:rPr lang="en-US"/>
+              <a:t>© 2016 Pearson Education, Inc., Hoboken, NJ.  All rights reserved.</a:t>
+            </a:r>
+          </a:p>
+        </p:txBody>
+      </p:sp>
+      <p:sp>
+        <p:nvSpPr>
+          <p:cNvPr id="3" name="Slide Number Placeholder 2"/>
+          <p:cNvSpPr>
+            <a:spLocks noGrp="1"/>
+          </p:cNvSpPr>
+          <p:nvPr>
+            <p:ph type="sldNum" sz="quarter" idx="12"/>
+          </p:nvPr>
+        </p:nvSpPr>
+        <p:spPr/>
+        <p:txBody>
+          <a:bodyPr/>
+          <a:lstStyle/>
+          <a:p>
+            <a:fld id="{85A8DA42-601D-40A8-83CA-2F2CBDE5F9F0}" type="slidenum">
+              <a:rPr lang="en-US" smtClean="0"/>
+              <a:t>39</a:t>
+            </a:fld>
+            <a:endParaRPr lang="en-US"/>
+          </a:p>
+        </p:txBody>
+      </p:sp>
+      <p:pic>
+        <p:nvPicPr>
+          <p:cNvPr id="13314" name="Picture 2"/>
+          <p:cNvPicPr>
+            <a:picLocks noChangeAspect="1" noChangeArrowheads="1"/>
+          </p:cNvPicPr>
+          <p:nvPr/>
+        </p:nvPicPr>
+        <p:blipFill>
+          <a:blip r:embed="rId2">
+            <a:extLst>
+              <a:ext uri="{28A0092B-C50C-407E-A947-70E740481C1C}">
+                <a14:useLocalDpi xmlns:a14="http://schemas.microsoft.com/office/drawing/2010/main" val="0"/>
+              </a:ext>
+            </a:extLst>
+          </a:blip>
+          <a:srcRect/>
+          <a:stretch>
+            <a:fillRect/>
+          </a:stretch>
+        </p:blipFill>
+        <p:spPr bwMode="auto">
+          <a:xfrm>
+            <a:off x="-76200" y="1143000"/>
+            <a:ext cx="8942387" cy="3044358"/>
+          </a:xfrm>
+          <a:prstGeom prst="rect">
+            <a:avLst/>
+          </a:prstGeom>
+          <a:noFill/>
+          <a:ln>
+            <a:noFill/>
+          </a:ln>
+          <a:extLst>
+            <a:ext uri="{909E8E84-426E-40DD-AFC4-6F175D3DCCD1}">
+              <a14:hiddenFill xmlns:a14="http://schemas.microsoft.com/office/drawing/2010/main">
+                <a:solidFill>
+                  <a:schemeClr val="accent1"/>
+                </a:solidFill>
+              </a14:hiddenFill>
+            </a:ext>
+            <a:ext uri="{91240B29-F687-4F45-9708-019B960494DF}">
+              <a14:hiddenLine xmlns:a14="http://schemas.microsoft.com/office/drawing/2010/main" w="9525">
+                <a:solidFill>
+                  <a:schemeClr val="tx1"/>
+                </a:solidFill>
+                <a:miter lim="800000"/>
+                <a:headEnd/>
+                <a:tailEnd/>
+              </a14:hiddenLine>
+            </a:ext>
+          </a:extLst>
+        </p:spPr>
+      </p:pic>
+    </p:spTree>
+    <p:extLst>
+      <p:ext uri="{BB962C8B-B14F-4D97-AF65-F5344CB8AC3E}">
+        <p14:creationId xmlns:p14="http://schemas.microsoft.com/office/powerpoint/2010/main" val="1306801232"/>
+      </p:ext>
+    </p:extLst>
+  </p:cSld>
+  <p:clrMapOvr>
+    <a:masterClrMapping/>
+  </p:clrMapOvr>
+</p:sld>
+</file>
+
 <file path=ppt/slides/slide4.xml><?xml version="1.0" encoding="utf-8"?>
 <p:sld xmlns:a="http://schemas.openxmlformats.org/drawingml/2006/main" xmlns:r="http://schemas.openxmlformats.org/officeDocument/2006/relationships" xmlns:p="http://schemas.openxmlformats.org/presentationml/2006/main">
   <p:cSld>
@@ -18179,7 +18182,7 @@
       </p:sp>
       <p:pic>
         <p:nvPicPr>
-          <p:cNvPr id="13314" name="Picture 2"/>
+          <p:cNvPr id="14338" name="Picture 2"/>
           <p:cNvPicPr>
             <a:picLocks noChangeAspect="1" noChangeArrowheads="1"/>
           </p:cNvPicPr>
@@ -18200,8 +18203,8 @@
         </p:blipFill>
         <p:spPr bwMode="auto">
           <a:xfrm>
-            <a:off x="-76200" y="1143000"/>
-            <a:ext cx="8942387" cy="3044358"/>
+            <a:off x="403225" y="1207558"/>
+            <a:ext cx="8285163" cy="2314575"/>
           </a:xfrm>
           <a:prstGeom prst="rect">
             <a:avLst/>
@@ -18234,7 +18237,7 @@
     </p:spTree>
     <p:extLst>
       <p:ext uri="{BB962C8B-B14F-4D97-AF65-F5344CB8AC3E}">
-        <p14:creationId xmlns:p14="http://schemas.microsoft.com/office/powerpoint/2010/main" val="1306801232"/>
+        <p14:creationId xmlns:p14="http://schemas.microsoft.com/office/powerpoint/2010/main" val="3604287056"/>
       </p:ext>
     </p:extLst>
   </p:cSld>
@@ -18308,7 +18311,7 @@
       </p:sp>
       <p:pic>
         <p:nvPicPr>
-          <p:cNvPr id="14338" name="Picture 2"/>
+          <p:cNvPr id="15362" name="Picture 2"/>
           <p:cNvPicPr>
             <a:picLocks noChangeAspect="1" noChangeArrowheads="1"/>
           </p:cNvPicPr>
@@ -18329,8 +18332,8 @@
         </p:blipFill>
         <p:spPr bwMode="auto">
           <a:xfrm>
-            <a:off x="403225" y="1207558"/>
-            <a:ext cx="8285163" cy="2314575"/>
+            <a:off x="280987" y="1066800"/>
+            <a:ext cx="8580437" cy="2971800"/>
           </a:xfrm>
           <a:prstGeom prst="rect">
             <a:avLst/>
@@ -18363,7 +18366,7 @@
     </p:spTree>
     <p:extLst>
       <p:ext uri="{BB962C8B-B14F-4D97-AF65-F5344CB8AC3E}">
-        <p14:creationId xmlns:p14="http://schemas.microsoft.com/office/powerpoint/2010/main" val="3604287056"/>
+        <p14:creationId xmlns:p14="http://schemas.microsoft.com/office/powerpoint/2010/main" val="2854531547"/>
       </p:ext>
     </p:extLst>
   </p:cSld>
@@ -18437,7 +18440,7 @@
       </p:sp>
       <p:pic>
         <p:nvPicPr>
-          <p:cNvPr id="15362" name="Picture 2"/>
+          <p:cNvPr id="16386" name="Picture 2"/>
           <p:cNvPicPr>
             <a:picLocks noChangeAspect="1" noChangeArrowheads="1"/>
           </p:cNvPicPr>
@@ -18458,8 +18461,8 @@
         </p:blipFill>
         <p:spPr bwMode="auto">
           <a:xfrm>
-            <a:off x="280987" y="1066800"/>
-            <a:ext cx="8580437" cy="2971800"/>
+            <a:off x="803805" y="838200"/>
+            <a:ext cx="7551737" cy="2790825"/>
           </a:xfrm>
           <a:prstGeom prst="rect">
             <a:avLst/>
@@ -18489,10 +18492,64 @@
           </a:extLst>
         </p:spPr>
       </p:pic>
+      <p:pic>
+        <p:nvPicPr>
+          <p:cNvPr id="16387" name="Picture 3"/>
+          <p:cNvPicPr>
+            <a:picLocks noChangeAspect="1" noChangeArrowheads="1"/>
+          </p:cNvPicPr>
+          <p:nvPr/>
+        </p:nvPicPr>
+        <p:blipFill>
+          <a:blip r:embed="rId3">
+            <a:extLst>
+              <a:ext uri="{28A0092B-C50C-407E-A947-70E740481C1C}">
+                <a14:useLocalDpi xmlns:a14="http://schemas.microsoft.com/office/drawing/2010/main" val="0"/>
+              </a:ext>
+            </a:extLst>
+          </a:blip>
+          <a:srcRect/>
+          <a:stretch>
+            <a:fillRect/>
+          </a:stretch>
+        </p:blipFill>
+        <p:spPr bwMode="auto">
+          <a:xfrm>
+            <a:off x="1143000" y="3403600"/>
+            <a:ext cx="2124075" cy="1828800"/>
+          </a:xfrm>
+          <a:prstGeom prst="rect">
+            <a:avLst/>
+          </a:prstGeom>
+          <a:noFill/>
+          <a:ln>
+            <a:noFill/>
+          </a:ln>
+          <a:extLst>
+            <a:ext uri="{909E8E84-426E-40DD-AFC4-6F175D3DCCD1}">
+              <a14:hiddenFill xmlns:a14="http://schemas.microsoft.com/office/drawing/2010/main">
+                <a:solidFill>
+                  <a:schemeClr val="accent1"/>
+                </a:solidFill>
+              </a14:hiddenFill>
+            </a:ext>
+            <a:ext uri="{91240B29-F687-4F45-9708-019B960494DF}">
+              <a14:hiddenLine xmlns:a14="http://schemas.microsoft.com/office/drawing/2010/main" w="9525">
+                <a:solidFill>
+                  <a:schemeClr val="tx1"/>
+                </a:solidFill>
+                <a:miter lim="800000"/>
+                <a:headEnd/>
+                <a:tailEnd/>
+              </a14:hiddenLine>
+            </a:ext>
+          </a:extLst>
+        </p:spPr>
+      </p:pic>
     </p:spTree>
     <p:extLst>
       <p:ext uri="{BB962C8B-B14F-4D97-AF65-F5344CB8AC3E}">
-        <p14:creationId xmlns:p14="http://schemas.microsoft.com/office/powerpoint/2010/main" val="2854531547"/>
+        <p14:creationId xmlns:p14="http://schemas.microsoft.com/office/powerpoint/2010/main" val="2313792849"/>
       </p:ext>
     </p:extLst>
   </p:cSld>
@@ -18521,7 +18578,13 @@
       </p:grpSpPr>
       <p:sp>
         <p:nvSpPr>
-          <p:cNvPr id="2" name="Footer Placeholder 1"/>
+          <p:cNvPr id="4" name="Footer Placeholder 3">
+            <a:extLst>
+              <a:ext uri="{FF2B5EF4-FFF2-40B4-BE49-F238E27FC236}">
+                <a16:creationId xmlns:a16="http://schemas.microsoft.com/office/drawing/2014/main" id="{EC46FAB2-42F5-EA47-B9F9-FA24D3A6BABC}"/>
+              </a:ext>
+            </a:extLst>
+          </p:cNvPr>
           <p:cNvSpPr>
             <a:spLocks noGrp="1"/>
           </p:cNvSpPr>
@@ -18543,7 +18606,13 @@
       </p:sp>
       <p:sp>
         <p:nvSpPr>
-          <p:cNvPr id="3" name="Slide Number Placeholder 2"/>
+          <p:cNvPr id="5" name="Slide Number Placeholder 4">
+            <a:extLst>
+              <a:ext uri="{FF2B5EF4-FFF2-40B4-BE49-F238E27FC236}">
+                <a16:creationId xmlns:a16="http://schemas.microsoft.com/office/drawing/2014/main" id="{CF225639-41CB-C84A-A45E-6B54E69D6EA2}"/>
+              </a:ext>
+            </a:extLst>
+          </p:cNvPr>
           <p:cNvSpPr>
             <a:spLocks noGrp="1"/>
           </p:cNvSpPr>
@@ -18564,118 +18633,293 @@
           </a:p>
         </p:txBody>
       </p:sp>
-      <p:pic>
-        <p:nvPicPr>
-          <p:cNvPr id="16386" name="Picture 2"/>
-          <p:cNvPicPr>
-            <a:picLocks noChangeAspect="1" noChangeArrowheads="1"/>
-          </p:cNvPicPr>
-          <p:nvPr/>
-        </p:nvPicPr>
-        <p:blipFill>
-          <a:blip r:embed="rId2">
-            <a:extLst>
-              <a:ext uri="{28A0092B-C50C-407E-A947-70E740481C1C}">
-                <a14:useLocalDpi xmlns:a14="http://schemas.microsoft.com/office/drawing/2010/main" val="0"/>
-              </a:ext>
-            </a:extLst>
-          </a:blip>
-          <a:srcRect/>
-          <a:stretch>
-            <a:fillRect/>
-          </a:stretch>
-        </p:blipFill>
-        <p:spPr bwMode="auto">
-          <a:xfrm>
-            <a:off x="803805" y="838200"/>
-            <a:ext cx="7551737" cy="2790825"/>
+      <p:sp>
+        <p:nvSpPr>
+          <p:cNvPr id="7" name="TextBox 6">
+            <a:extLst>
+              <a:ext uri="{FF2B5EF4-FFF2-40B4-BE49-F238E27FC236}">
+                <a16:creationId xmlns:a16="http://schemas.microsoft.com/office/drawing/2014/main" id="{DE1BB2FB-D147-E247-9CFF-CD1154B9318A}"/>
+              </a:ext>
+            </a:extLst>
+          </p:cNvPr>
+          <p:cNvSpPr txBox="1"/>
+          <p:nvPr/>
+        </p:nvSpPr>
+        <p:spPr>
+          <a:xfrm>
+            <a:off x="5791200" y="304800"/>
+            <a:ext cx="3226011" cy="707886"/>
           </a:xfrm>
           <a:prstGeom prst="rect">
             <a:avLst/>
           </a:prstGeom>
           <a:noFill/>
-          <a:ln>
-            <a:noFill/>
-          </a:ln>
-          <a:extLst>
-            <a:ext uri="{909E8E84-426E-40DD-AFC4-6F175D3DCCD1}">
-              <a14:hiddenFill xmlns:a14="http://schemas.microsoft.com/office/drawing/2010/main">
-                <a:solidFill>
-                  <a:schemeClr val="accent1"/>
-                </a:solidFill>
-              </a14:hiddenFill>
-            </a:ext>
-            <a:ext uri="{91240B29-F687-4F45-9708-019B960494DF}">
-              <a14:hiddenLine xmlns:a14="http://schemas.microsoft.com/office/drawing/2010/main" w="9525">
-                <a:solidFill>
-                  <a:schemeClr val="tx1"/>
-                </a:solidFill>
-                <a:miter lim="800000"/>
-                <a:headEnd/>
-                <a:tailEnd/>
-              </a14:hiddenLine>
-            </a:ext>
-          </a:extLst>
-        </p:spPr>
-      </p:pic>
-      <p:pic>
-        <p:nvPicPr>
-          <p:cNvPr id="16387" name="Picture 3"/>
-          <p:cNvPicPr>
-            <a:picLocks noChangeAspect="1" noChangeArrowheads="1"/>
-          </p:cNvPicPr>
-          <p:nvPr/>
-        </p:nvPicPr>
-        <p:blipFill>
-          <a:blip r:embed="rId3">
-            <a:extLst>
-              <a:ext uri="{28A0092B-C50C-407E-A947-70E740481C1C}">
-                <a14:useLocalDpi xmlns:a14="http://schemas.microsoft.com/office/drawing/2010/main" val="0"/>
-              </a:ext>
-            </a:extLst>
-          </a:blip>
-          <a:srcRect/>
-          <a:stretch>
-            <a:fillRect/>
-          </a:stretch>
-        </p:blipFill>
-        <p:spPr bwMode="auto">
-          <a:xfrm>
-            <a:off x="1143000" y="3403600"/>
-            <a:ext cx="2124075" cy="1828800"/>
+        </p:spPr>
+        <p:txBody>
+          <a:bodyPr wrap="none" rtlCol="0">
+            <a:spAutoFit/>
+          </a:bodyPr>
+          <a:lstStyle/>
+          <a:p>
+            <a:r>
+              <a:rPr lang="en-US" sz="4000" b="1" dirty="0"/>
+              <a:t>Stack memory</a:t>
+            </a:r>
+          </a:p>
+        </p:txBody>
+      </p:sp>
+      <p:sp>
+        <p:nvSpPr>
+          <p:cNvPr id="12" name="TextBox 11">
+            <a:extLst>
+              <a:ext uri="{FF2B5EF4-FFF2-40B4-BE49-F238E27FC236}">
+                <a16:creationId xmlns:a16="http://schemas.microsoft.com/office/drawing/2014/main" id="{B5AB25F5-24D4-6742-91BE-4B8BB68CFAD0}"/>
+              </a:ext>
+            </a:extLst>
+          </p:cNvPr>
+          <p:cNvSpPr txBox="1"/>
+          <p:nvPr/>
+        </p:nvSpPr>
+        <p:spPr>
+          <a:xfrm>
+            <a:off x="98450" y="-788015"/>
+            <a:ext cx="5444882" cy="7417415"/>
           </a:xfrm>
           <a:prstGeom prst="rect">
             <a:avLst/>
           </a:prstGeom>
           <a:noFill/>
-          <a:ln>
-            <a:noFill/>
-          </a:ln>
-          <a:extLst>
-            <a:ext uri="{909E8E84-426E-40DD-AFC4-6F175D3DCCD1}">
-              <a14:hiddenFill xmlns:a14="http://schemas.microsoft.com/office/drawing/2010/main">
-                <a:solidFill>
-                  <a:schemeClr val="accent1"/>
-                </a:solidFill>
-              </a14:hiddenFill>
-            </a:ext>
-            <a:ext uri="{91240B29-F687-4F45-9708-019B960494DF}">
-              <a14:hiddenLine xmlns:a14="http://schemas.microsoft.com/office/drawing/2010/main" w="9525">
-                <a:solidFill>
-                  <a:schemeClr val="tx1"/>
-                </a:solidFill>
-                <a:miter lim="800000"/>
-                <a:headEnd/>
-                <a:tailEnd/>
-              </a14:hiddenLine>
-            </a:ext>
-          </a:extLst>
-        </p:spPr>
-      </p:pic>
+        </p:spPr>
+        <p:txBody>
+          <a:bodyPr wrap="square" lIns="91440" tIns="45720" rIns="91440" bIns="45720" rtlCol="0" anchor="t">
+            <a:spAutoFit/>
+          </a:bodyPr>
+          <a:lstStyle/>
+          <a:p>
+            <a:endParaRPr lang="en-US" sz="2800" b="1" dirty="0"/>
+          </a:p>
+          <a:p>
+            <a:endParaRPr lang="en-US" sz="2800" b="1" dirty="0"/>
+          </a:p>
+          <a:p>
+            <a:r>
+              <a:rPr lang="en-US" sz="2800" dirty="0"/>
+              <a:t>digit* </a:t>
+            </a:r>
+            <a:r>
+              <a:rPr lang="en-US" sz="2800" dirty="0" err="1"/>
+              <a:t>create_new_digit</a:t>
+            </a:r>
+            <a:r>
+              <a:rPr lang="en-US" sz="2800" dirty="0"/>
+              <a:t>(int d) {</a:t>
+            </a:r>
+          </a:p>
+          <a:p>
+            <a:r>
+              <a:rPr lang="en-US" sz="2800" dirty="0"/>
+              <a:t>    digit* new = malloc(</a:t>
+            </a:r>
+            <a:r>
+              <a:rPr lang="en-US" sz="2800" dirty="0" err="1"/>
+              <a:t>sizeof</a:t>
+            </a:r>
+            <a:r>
+              <a:rPr lang="en-US" sz="2800" dirty="0"/>
+              <a:t>(digit));</a:t>
+            </a:r>
+          </a:p>
+          <a:p>
+            <a:r>
+              <a:rPr lang="en-US" sz="2800" dirty="0"/>
+              <a:t>    new-&gt;d = d;</a:t>
+            </a:r>
+          </a:p>
+          <a:p>
+            <a:r>
+              <a:rPr lang="en-US" sz="2800" dirty="0"/>
+              <a:t>    new-&gt;next = NULL;</a:t>
+            </a:r>
+          </a:p>
+          <a:p>
+            <a:r>
+              <a:rPr lang="en-US" sz="2800" dirty="0"/>
+              <a:t>    return(new);</a:t>
+            </a:r>
+          </a:p>
+          <a:p>
+            <a:r>
+              <a:rPr lang="en-US" sz="2800" dirty="0"/>
+              <a:t>}</a:t>
+            </a:r>
+          </a:p>
+          <a:p>
+            <a:endParaRPr lang="en-US" sz="2800" dirty="0"/>
+          </a:p>
+          <a:p>
+            <a:r>
+              <a:rPr lang="en-US" sz="2800" dirty="0"/>
+              <a:t>int main(void) {</a:t>
+            </a:r>
+          </a:p>
+          <a:p>
+            <a:r>
+              <a:rPr lang="en-US" sz="2800" dirty="0"/>
+              <a:t>    digit* head;</a:t>
+            </a:r>
+          </a:p>
+          <a:p>
+            <a:r>
+              <a:rPr lang="en-US" sz="2800" dirty="0"/>
+              <a:t>    head = </a:t>
+            </a:r>
+            <a:r>
+              <a:rPr lang="en-US" sz="2800" dirty="0" err="1"/>
+              <a:t>create_new_digit</a:t>
+            </a:r>
+            <a:r>
+              <a:rPr lang="en-US" sz="2800" dirty="0"/>
+              <a:t>(1);</a:t>
+            </a:r>
+          </a:p>
+          <a:p>
+            <a:r>
+              <a:rPr lang="en-US" sz="2800" dirty="0"/>
+              <a:t>    head-&gt;next =</a:t>
+            </a:r>
+          </a:p>
+          <a:p>
+            <a:r>
+              <a:rPr lang="en-US" sz="2800" dirty="0"/>
+              <a:t>             </a:t>
+            </a:r>
+            <a:r>
+              <a:rPr lang="en-US" sz="2800" dirty="0" err="1"/>
+              <a:t>create_new_digit</a:t>
+            </a:r>
+            <a:r>
+              <a:rPr lang="en-US" sz="2800" dirty="0"/>
+              <a:t>(2);</a:t>
+            </a:r>
+          </a:p>
+          <a:p>
+            <a:r>
+              <a:rPr lang="en-US" sz="2800" dirty="0"/>
+              <a:t>    head-&gt;next-&gt;next =</a:t>
+            </a:r>
+          </a:p>
+          <a:p>
+            <a:r>
+              <a:rPr lang="en-US" sz="2800" dirty="0"/>
+              <a:t>             </a:t>
+            </a:r>
+            <a:r>
+              <a:rPr lang="en-US" sz="2800" dirty="0" err="1"/>
+              <a:t>create_new_digit</a:t>
+            </a:r>
+            <a:r>
+              <a:rPr lang="en-US" sz="2800" dirty="0"/>
+              <a:t>(3);</a:t>
+            </a:r>
+          </a:p>
+          <a:p>
+            <a:r>
+              <a:rPr lang="en-US" sz="2800" dirty="0"/>
+              <a:t>}</a:t>
+            </a:r>
+          </a:p>
+        </p:txBody>
+      </p:sp>
+      <p:sp>
+        <p:nvSpPr>
+          <p:cNvPr id="9" name="TextBox 8">
+            <a:extLst>
+              <a:ext uri="{FF2B5EF4-FFF2-40B4-BE49-F238E27FC236}">
+                <a16:creationId xmlns:a16="http://schemas.microsoft.com/office/drawing/2014/main" id="{161DA280-05E9-E740-AE87-4AEB9A204BA7}"/>
+              </a:ext>
+            </a:extLst>
+          </p:cNvPr>
+          <p:cNvSpPr txBox="1"/>
+          <p:nvPr/>
+        </p:nvSpPr>
+        <p:spPr>
+          <a:xfrm>
+            <a:off x="5406916" y="5692914"/>
+            <a:ext cx="3206968" cy="707886"/>
+          </a:xfrm>
+          <a:prstGeom prst="rect">
+            <a:avLst/>
+          </a:prstGeom>
+          <a:noFill/>
+        </p:spPr>
+        <p:txBody>
+          <a:bodyPr wrap="none" rtlCol="0">
+            <a:spAutoFit/>
+          </a:bodyPr>
+          <a:lstStyle/>
+          <a:p>
+            <a:r>
+              <a:rPr lang="en-US" sz="4000" b="1" dirty="0"/>
+              <a:t>Heap memory</a:t>
+            </a:r>
+          </a:p>
+        </p:txBody>
+      </p:sp>
+      <p:sp>
+        <p:nvSpPr>
+          <p:cNvPr id="15" name="Rectangle 14">
+            <a:extLst>
+              <a:ext uri="{FF2B5EF4-FFF2-40B4-BE49-F238E27FC236}">
+                <a16:creationId xmlns:a16="http://schemas.microsoft.com/office/drawing/2014/main" id="{AFAC4D32-9625-0649-8328-2F35A41C4F84}"/>
+              </a:ext>
+            </a:extLst>
+          </p:cNvPr>
+          <p:cNvSpPr/>
+          <p:nvPr/>
+        </p:nvSpPr>
+        <p:spPr>
+          <a:xfrm>
+            <a:off x="5784632" y="897084"/>
+            <a:ext cx="3206968" cy="2531916"/>
+          </a:xfrm>
+          <a:prstGeom prst="rect">
+            <a:avLst/>
+          </a:prstGeom>
+          <a:solidFill>
+            <a:srgbClr val="3A92FC">
+              <a:alpha val="36863"/>
+            </a:srgbClr>
+          </a:solidFill>
+        </p:spPr>
+        <p:style>
+          <a:lnRef idx="2">
+            <a:schemeClr val="accent1">
+              <a:shade val="50000"/>
+            </a:schemeClr>
+          </a:lnRef>
+          <a:fillRef idx="1">
+            <a:schemeClr val="accent1"/>
+          </a:fillRef>
+          <a:effectRef idx="0">
+            <a:schemeClr val="accent1"/>
+          </a:effectRef>
+          <a:fontRef idx="minor">
+            <a:schemeClr val="lt1"/>
+          </a:fontRef>
+        </p:style>
+        <p:txBody>
+          <a:bodyPr rtlCol="0" anchor="ctr"/>
+          <a:lstStyle/>
+          <a:p>
+            <a:pPr algn="ctr"/>
+            <a:endParaRPr lang="en-US" dirty="0"/>
+          </a:p>
+        </p:txBody>
+      </p:sp>
     </p:spTree>
     <p:extLst>
       <p:ext uri="{BB962C8B-B14F-4D97-AF65-F5344CB8AC3E}">
-        <p14:creationId xmlns:p14="http://schemas.microsoft.com/office/powerpoint/2010/main" val="2313792849"/>
+        <p14:creationId xmlns:p14="http://schemas.microsoft.com/office/powerpoint/2010/main" val="1835197659"/>
       </p:ext>
     </p:extLst>
   </p:cSld>
@@ -18884,7 +19128,7 @@
           </a:p>
           <a:p>
             <a:r>
-              <a:rPr lang="en-US" sz="2800" dirty="0"/>
+              <a:rPr lang="en-US" sz="2800" b="1" dirty="0"/>
               <a:t>int main(void) {</a:t>
             </a:r>
           </a:p>
@@ -19042,10 +19286,64 @@
           </a:p>
         </p:txBody>
       </p:sp>
+      <p:sp>
+        <p:nvSpPr>
+          <p:cNvPr id="19" name="Rectangle 18">
+            <a:extLst>
+              <a:ext uri="{FF2B5EF4-FFF2-40B4-BE49-F238E27FC236}">
+                <a16:creationId xmlns:a16="http://schemas.microsoft.com/office/drawing/2014/main" id="{049BA69B-D0CF-DE43-95B4-4E5E8A11782E}"/>
+              </a:ext>
+            </a:extLst>
+          </p:cNvPr>
+          <p:cNvSpPr/>
+          <p:nvPr/>
+        </p:nvSpPr>
+        <p:spPr>
+          <a:xfrm>
+            <a:off x="5854700" y="951406"/>
+            <a:ext cx="2895600" cy="901562"/>
+          </a:xfrm>
+          <a:prstGeom prst="rect">
+            <a:avLst/>
+          </a:prstGeom>
+        </p:spPr>
+        <p:style>
+          <a:lnRef idx="2">
+            <a:schemeClr val="accent1">
+              <a:shade val="50000"/>
+            </a:schemeClr>
+          </a:lnRef>
+          <a:fillRef idx="1">
+            <a:schemeClr val="accent1"/>
+          </a:fillRef>
+          <a:effectRef idx="0">
+            <a:schemeClr val="accent1"/>
+          </a:effectRef>
+          <a:fontRef idx="minor">
+            <a:schemeClr val="lt1"/>
+          </a:fontRef>
+        </p:style>
+        <p:txBody>
+          <a:bodyPr rtlCol="0" anchor="ctr"/>
+          <a:lstStyle/>
+          <a:p>
+            <a:r>
+              <a:rPr lang="en-US" sz="3200" dirty="0"/>
+              <a:t>main</a:t>
+            </a:r>
+          </a:p>
+          <a:p>
+            <a:r>
+              <a:rPr lang="en-US" sz="3200" dirty="0"/>
+              <a:t>    </a:t>
+            </a:r>
+          </a:p>
+        </p:txBody>
+      </p:sp>
     </p:spTree>
     <p:extLst>
       <p:ext uri="{BB962C8B-B14F-4D97-AF65-F5344CB8AC3E}">
-        <p14:creationId xmlns:p14="http://schemas.microsoft.com/office/powerpoint/2010/main" val="1835197659"/>
+        <p14:creationId xmlns:p14="http://schemas.microsoft.com/office/powerpoint/2010/main" val="22449784"/>
       </p:ext>
     </p:extLst>
   </p:cSld>
@@ -19260,7 +19558,7 @@
           </a:p>
           <a:p>
             <a:r>
-              <a:rPr lang="en-US" sz="2800" dirty="0"/>
+              <a:rPr lang="en-US" sz="2800" b="1" dirty="0"/>
               <a:t>    digit* head;</a:t>
             </a:r>
           </a:p>
@@ -19461,7 +19759,7 @@
           <a:p>
             <a:r>
               <a:rPr lang="en-US" sz="3200" dirty="0"/>
-              <a:t>    </a:t>
+              <a:t>   digit* head: ?? </a:t>
             </a:r>
           </a:p>
         </p:txBody>
@@ -19469,7 +19767,7 @@
     </p:spTree>
     <p:extLst>
       <p:ext uri="{BB962C8B-B14F-4D97-AF65-F5344CB8AC3E}">
-        <p14:creationId xmlns:p14="http://schemas.microsoft.com/office/powerpoint/2010/main" val="22449784"/>
+        <p14:creationId xmlns:p14="http://schemas.microsoft.com/office/powerpoint/2010/main" val="1596839290"/>
       </p:ext>
     </p:extLst>
   </p:cSld>
@@ -19623,15 +19921,15 @@
           </a:p>
           <a:p>
             <a:r>
-              <a:rPr lang="en-US" sz="2800" dirty="0"/>
+              <a:rPr lang="en-US" sz="2800" b="1" dirty="0"/>
               <a:t>digit* </a:t>
             </a:r>
             <a:r>
-              <a:rPr lang="en-US" sz="2800" dirty="0" err="1"/>
+              <a:rPr lang="en-US" sz="2800" b="1" dirty="0" err="1"/>
               <a:t>create_new_digit</a:t>
             </a:r>
             <a:r>
-              <a:rPr lang="en-US" sz="2800" dirty="0"/>
+              <a:rPr lang="en-US" sz="2800" b="1" dirty="0"/>
               <a:t>(int d) {</a:t>
             </a:r>
           </a:p>
@@ -19694,11 +19992,11 @@
               <a:t>    head = </a:t>
             </a:r>
             <a:r>
-              <a:rPr lang="en-US" sz="2800" dirty="0" err="1"/>
+              <a:rPr lang="en-US" sz="2800" b="1" dirty="0" err="1"/>
               <a:t>create_new_digit</a:t>
             </a:r>
             <a:r>
-              <a:rPr lang="en-US" sz="2800" dirty="0"/>
+              <a:rPr lang="en-US" sz="2800" b="1" dirty="0"/>
               <a:t>(1);</a:t>
             </a:r>
           </a:p>
@@ -19890,10 +20188,71 @@
           </a:p>
         </p:txBody>
       </p:sp>
+      <p:sp>
+        <p:nvSpPr>
+          <p:cNvPr id="21" name="Rectangle 20">
+            <a:extLst>
+              <a:ext uri="{FF2B5EF4-FFF2-40B4-BE49-F238E27FC236}">
+                <a16:creationId xmlns:a16="http://schemas.microsoft.com/office/drawing/2014/main" id="{B5739493-B6EC-3541-B7C6-2A734D35AE2B}"/>
+              </a:ext>
+            </a:extLst>
+          </p:cNvPr>
+          <p:cNvSpPr/>
+          <p:nvPr/>
+        </p:nvSpPr>
+        <p:spPr>
+          <a:xfrm>
+            <a:off x="5854700" y="1907290"/>
+            <a:ext cx="3060700" cy="1369310"/>
+          </a:xfrm>
+          <a:prstGeom prst="rect">
+            <a:avLst/>
+          </a:prstGeom>
+        </p:spPr>
+        <p:style>
+          <a:lnRef idx="2">
+            <a:schemeClr val="accent1">
+              <a:shade val="50000"/>
+            </a:schemeClr>
+          </a:lnRef>
+          <a:fillRef idx="1">
+            <a:schemeClr val="accent1"/>
+          </a:fillRef>
+          <a:effectRef idx="0">
+            <a:schemeClr val="accent1"/>
+          </a:effectRef>
+          <a:fontRef idx="minor">
+            <a:schemeClr val="lt1"/>
+          </a:fontRef>
+        </p:style>
+        <p:txBody>
+          <a:bodyPr rtlCol="0" anchor="ctr"/>
+          <a:lstStyle/>
+          <a:p>
+            <a:r>
+              <a:rPr lang="en-US" sz="3200" dirty="0" err="1"/>
+              <a:t>create_new_digit</a:t>
+            </a:r>
+            <a:endParaRPr lang="en-US" sz="3200" dirty="0"/>
+          </a:p>
+          <a:p>
+            <a:r>
+              <a:rPr lang="en-US" sz="3200" dirty="0"/>
+              <a:t>   int d: 1</a:t>
+            </a:r>
+          </a:p>
+          <a:p>
+            <a:r>
+              <a:rPr lang="en-US" sz="3200" dirty="0"/>
+              <a:t>   </a:t>
+            </a:r>
+          </a:p>
+        </p:txBody>
+      </p:sp>
     </p:spTree>
     <p:extLst>
       <p:ext uri="{BB962C8B-B14F-4D97-AF65-F5344CB8AC3E}">
-        <p14:creationId xmlns:p14="http://schemas.microsoft.com/office/powerpoint/2010/main" val="1596839290"/>
+        <p14:creationId xmlns:p14="http://schemas.microsoft.com/office/powerpoint/2010/main" val="1482974613"/>
       </p:ext>
     </p:extLst>
   </p:cSld>
@@ -19972,491 +20331,6 @@
             <a:fld id="{85A8DA42-601D-40A8-83CA-2F2CBDE5F9F0}" type="slidenum">
               <a:rPr lang="en-US" smtClean="0"/>
               <a:t>47</a:t>
-            </a:fld>
-            <a:endParaRPr lang="en-US"/>
-          </a:p>
-        </p:txBody>
-      </p:sp>
-      <p:sp>
-        <p:nvSpPr>
-          <p:cNvPr id="7" name="TextBox 6">
-            <a:extLst>
-              <a:ext uri="{FF2B5EF4-FFF2-40B4-BE49-F238E27FC236}">
-                <a16:creationId xmlns:a16="http://schemas.microsoft.com/office/drawing/2014/main" id="{DE1BB2FB-D147-E247-9CFF-CD1154B9318A}"/>
-              </a:ext>
-            </a:extLst>
-          </p:cNvPr>
-          <p:cNvSpPr txBox="1"/>
-          <p:nvPr/>
-        </p:nvSpPr>
-        <p:spPr>
-          <a:xfrm>
-            <a:off x="5791200" y="304800"/>
-            <a:ext cx="3226011" cy="707886"/>
-          </a:xfrm>
-          <a:prstGeom prst="rect">
-            <a:avLst/>
-          </a:prstGeom>
-          <a:noFill/>
-        </p:spPr>
-        <p:txBody>
-          <a:bodyPr wrap="none" rtlCol="0">
-            <a:spAutoFit/>
-          </a:bodyPr>
-          <a:lstStyle/>
-          <a:p>
-            <a:r>
-              <a:rPr lang="en-US" sz="4000" b="1" dirty="0"/>
-              <a:t>Stack memory</a:t>
-            </a:r>
-          </a:p>
-        </p:txBody>
-      </p:sp>
-      <p:sp>
-        <p:nvSpPr>
-          <p:cNvPr id="12" name="TextBox 11">
-            <a:extLst>
-              <a:ext uri="{FF2B5EF4-FFF2-40B4-BE49-F238E27FC236}">
-                <a16:creationId xmlns:a16="http://schemas.microsoft.com/office/drawing/2014/main" id="{B5AB25F5-24D4-6742-91BE-4B8BB68CFAD0}"/>
-              </a:ext>
-            </a:extLst>
-          </p:cNvPr>
-          <p:cNvSpPr txBox="1"/>
-          <p:nvPr/>
-        </p:nvSpPr>
-        <p:spPr>
-          <a:xfrm>
-            <a:off x="98450" y="-788015"/>
-            <a:ext cx="5444882" cy="7417415"/>
-          </a:xfrm>
-          <a:prstGeom prst="rect">
-            <a:avLst/>
-          </a:prstGeom>
-          <a:noFill/>
-        </p:spPr>
-        <p:txBody>
-          <a:bodyPr wrap="square" lIns="91440" tIns="45720" rIns="91440" bIns="45720" rtlCol="0" anchor="t">
-            <a:spAutoFit/>
-          </a:bodyPr>
-          <a:lstStyle/>
-          <a:p>
-            <a:endParaRPr lang="en-US" sz="2800" b="1" dirty="0"/>
-          </a:p>
-          <a:p>
-            <a:endParaRPr lang="en-US" sz="2800" b="1" dirty="0"/>
-          </a:p>
-          <a:p>
-            <a:r>
-              <a:rPr lang="en-US" sz="2800" b="1" dirty="0"/>
-              <a:t>digit* </a:t>
-            </a:r>
-            <a:r>
-              <a:rPr lang="en-US" sz="2800" b="1" dirty="0" err="1"/>
-              <a:t>create_new_digit</a:t>
-            </a:r>
-            <a:r>
-              <a:rPr lang="en-US" sz="2800" b="1" dirty="0"/>
-              <a:t>(int d) {</a:t>
-            </a:r>
-          </a:p>
-          <a:p>
-            <a:r>
-              <a:rPr lang="en-US" sz="2800" dirty="0"/>
-              <a:t>    digit* new = malloc(</a:t>
-            </a:r>
-            <a:r>
-              <a:rPr lang="en-US" sz="2800" dirty="0" err="1"/>
-              <a:t>sizeof</a:t>
-            </a:r>
-            <a:r>
-              <a:rPr lang="en-US" sz="2800" dirty="0"/>
-              <a:t>(digit));</a:t>
-            </a:r>
-          </a:p>
-          <a:p>
-            <a:r>
-              <a:rPr lang="en-US" sz="2800" dirty="0"/>
-              <a:t>    new-&gt;d = d;</a:t>
-            </a:r>
-          </a:p>
-          <a:p>
-            <a:r>
-              <a:rPr lang="en-US" sz="2800" dirty="0"/>
-              <a:t>    new-&gt;next = NULL;</a:t>
-            </a:r>
-          </a:p>
-          <a:p>
-            <a:r>
-              <a:rPr lang="en-US" sz="2800" dirty="0"/>
-              <a:t>    return(new);</a:t>
-            </a:r>
-          </a:p>
-          <a:p>
-            <a:r>
-              <a:rPr lang="en-US" sz="2800" dirty="0"/>
-              <a:t>}</a:t>
-            </a:r>
-          </a:p>
-          <a:p>
-            <a:endParaRPr lang="en-US" sz="2800" dirty="0"/>
-          </a:p>
-          <a:p>
-            <a:r>
-              <a:rPr lang="en-US" sz="2800" b="1" dirty="0"/>
-              <a:t>int main(void) {</a:t>
-            </a:r>
-          </a:p>
-          <a:p>
-            <a:r>
-              <a:rPr lang="en-US" sz="2800" b="1" dirty="0"/>
-              <a:t>    digit* head;</a:t>
-            </a:r>
-          </a:p>
-          <a:p>
-            <a:r>
-              <a:rPr lang="en-US" sz="2800" dirty="0"/>
-              <a:t>    head = </a:t>
-            </a:r>
-            <a:r>
-              <a:rPr lang="en-US" sz="2800" b="1" dirty="0" err="1"/>
-              <a:t>create_new_digit</a:t>
-            </a:r>
-            <a:r>
-              <a:rPr lang="en-US" sz="2800" b="1" dirty="0"/>
-              <a:t>(1);</a:t>
-            </a:r>
-          </a:p>
-          <a:p>
-            <a:r>
-              <a:rPr lang="en-US" sz="2800" dirty="0"/>
-              <a:t>    head-&gt;next =</a:t>
-            </a:r>
-          </a:p>
-          <a:p>
-            <a:r>
-              <a:rPr lang="en-US" sz="2800" dirty="0"/>
-              <a:t>             </a:t>
-            </a:r>
-            <a:r>
-              <a:rPr lang="en-US" sz="2800" dirty="0" err="1"/>
-              <a:t>create_new_digit</a:t>
-            </a:r>
-            <a:r>
-              <a:rPr lang="en-US" sz="2800" dirty="0"/>
-              <a:t>(2);</a:t>
-            </a:r>
-          </a:p>
-          <a:p>
-            <a:r>
-              <a:rPr lang="en-US" sz="2800" dirty="0"/>
-              <a:t>    head-&gt;next-&gt;next =</a:t>
-            </a:r>
-          </a:p>
-          <a:p>
-            <a:r>
-              <a:rPr lang="en-US" sz="2800" dirty="0"/>
-              <a:t>             </a:t>
-            </a:r>
-            <a:r>
-              <a:rPr lang="en-US" sz="2800" dirty="0" err="1"/>
-              <a:t>create_new_digit</a:t>
-            </a:r>
-            <a:r>
-              <a:rPr lang="en-US" sz="2800" dirty="0"/>
-              <a:t>(3);</a:t>
-            </a:r>
-          </a:p>
-          <a:p>
-            <a:r>
-              <a:rPr lang="en-US" sz="2800" dirty="0"/>
-              <a:t>}</a:t>
-            </a:r>
-          </a:p>
-        </p:txBody>
-      </p:sp>
-      <p:sp>
-        <p:nvSpPr>
-          <p:cNvPr id="9" name="TextBox 8">
-            <a:extLst>
-              <a:ext uri="{FF2B5EF4-FFF2-40B4-BE49-F238E27FC236}">
-                <a16:creationId xmlns:a16="http://schemas.microsoft.com/office/drawing/2014/main" id="{161DA280-05E9-E740-AE87-4AEB9A204BA7}"/>
-              </a:ext>
-            </a:extLst>
-          </p:cNvPr>
-          <p:cNvSpPr txBox="1"/>
-          <p:nvPr/>
-        </p:nvSpPr>
-        <p:spPr>
-          <a:xfrm>
-            <a:off x="5406916" y="5692914"/>
-            <a:ext cx="3206968" cy="707886"/>
-          </a:xfrm>
-          <a:prstGeom prst="rect">
-            <a:avLst/>
-          </a:prstGeom>
-          <a:noFill/>
-        </p:spPr>
-        <p:txBody>
-          <a:bodyPr wrap="none" rtlCol="0">
-            <a:spAutoFit/>
-          </a:bodyPr>
-          <a:lstStyle/>
-          <a:p>
-            <a:r>
-              <a:rPr lang="en-US" sz="4000" b="1" dirty="0"/>
-              <a:t>Heap memory</a:t>
-            </a:r>
-          </a:p>
-        </p:txBody>
-      </p:sp>
-      <p:sp>
-        <p:nvSpPr>
-          <p:cNvPr id="15" name="Rectangle 14">
-            <a:extLst>
-              <a:ext uri="{FF2B5EF4-FFF2-40B4-BE49-F238E27FC236}">
-                <a16:creationId xmlns:a16="http://schemas.microsoft.com/office/drawing/2014/main" id="{AFAC4D32-9625-0649-8328-2F35A41C4F84}"/>
-              </a:ext>
-            </a:extLst>
-          </p:cNvPr>
-          <p:cNvSpPr/>
-          <p:nvPr/>
-        </p:nvSpPr>
-        <p:spPr>
-          <a:xfrm>
-            <a:off x="5784632" y="897084"/>
-            <a:ext cx="3206968" cy="2531916"/>
-          </a:xfrm>
-          <a:prstGeom prst="rect">
-            <a:avLst/>
-          </a:prstGeom>
-          <a:solidFill>
-            <a:srgbClr val="3A92FC">
-              <a:alpha val="36863"/>
-            </a:srgbClr>
-          </a:solidFill>
-        </p:spPr>
-        <p:style>
-          <a:lnRef idx="2">
-            <a:schemeClr val="accent1">
-              <a:shade val="50000"/>
-            </a:schemeClr>
-          </a:lnRef>
-          <a:fillRef idx="1">
-            <a:schemeClr val="accent1"/>
-          </a:fillRef>
-          <a:effectRef idx="0">
-            <a:schemeClr val="accent1"/>
-          </a:effectRef>
-          <a:fontRef idx="minor">
-            <a:schemeClr val="lt1"/>
-          </a:fontRef>
-        </p:style>
-        <p:txBody>
-          <a:bodyPr rtlCol="0" anchor="ctr"/>
-          <a:lstStyle/>
-          <a:p>
-            <a:pPr algn="ctr"/>
-            <a:endParaRPr lang="en-US" dirty="0"/>
-          </a:p>
-        </p:txBody>
-      </p:sp>
-      <p:sp>
-        <p:nvSpPr>
-          <p:cNvPr id="19" name="Rectangle 18">
-            <a:extLst>
-              <a:ext uri="{FF2B5EF4-FFF2-40B4-BE49-F238E27FC236}">
-                <a16:creationId xmlns:a16="http://schemas.microsoft.com/office/drawing/2014/main" id="{049BA69B-D0CF-DE43-95B4-4E5E8A11782E}"/>
-              </a:ext>
-            </a:extLst>
-          </p:cNvPr>
-          <p:cNvSpPr/>
-          <p:nvPr/>
-        </p:nvSpPr>
-        <p:spPr>
-          <a:xfrm>
-            <a:off x="5854700" y="951406"/>
-            <a:ext cx="2895600" cy="901562"/>
-          </a:xfrm>
-          <a:prstGeom prst="rect">
-            <a:avLst/>
-          </a:prstGeom>
-        </p:spPr>
-        <p:style>
-          <a:lnRef idx="2">
-            <a:schemeClr val="accent1">
-              <a:shade val="50000"/>
-            </a:schemeClr>
-          </a:lnRef>
-          <a:fillRef idx="1">
-            <a:schemeClr val="accent1"/>
-          </a:fillRef>
-          <a:effectRef idx="0">
-            <a:schemeClr val="accent1"/>
-          </a:effectRef>
-          <a:fontRef idx="minor">
-            <a:schemeClr val="lt1"/>
-          </a:fontRef>
-        </p:style>
-        <p:txBody>
-          <a:bodyPr rtlCol="0" anchor="ctr"/>
-          <a:lstStyle/>
-          <a:p>
-            <a:r>
-              <a:rPr lang="en-US" sz="3200" dirty="0"/>
-              <a:t>main</a:t>
-            </a:r>
-          </a:p>
-          <a:p>
-            <a:r>
-              <a:rPr lang="en-US" sz="3200" dirty="0"/>
-              <a:t>   digit* head: ?? </a:t>
-            </a:r>
-          </a:p>
-        </p:txBody>
-      </p:sp>
-      <p:sp>
-        <p:nvSpPr>
-          <p:cNvPr id="21" name="Rectangle 20">
-            <a:extLst>
-              <a:ext uri="{FF2B5EF4-FFF2-40B4-BE49-F238E27FC236}">
-                <a16:creationId xmlns:a16="http://schemas.microsoft.com/office/drawing/2014/main" id="{B5739493-B6EC-3541-B7C6-2A734D35AE2B}"/>
-              </a:ext>
-            </a:extLst>
-          </p:cNvPr>
-          <p:cNvSpPr/>
-          <p:nvPr/>
-        </p:nvSpPr>
-        <p:spPr>
-          <a:xfrm>
-            <a:off x="5854700" y="1907290"/>
-            <a:ext cx="3060700" cy="1369310"/>
-          </a:xfrm>
-          <a:prstGeom prst="rect">
-            <a:avLst/>
-          </a:prstGeom>
-        </p:spPr>
-        <p:style>
-          <a:lnRef idx="2">
-            <a:schemeClr val="accent1">
-              <a:shade val="50000"/>
-            </a:schemeClr>
-          </a:lnRef>
-          <a:fillRef idx="1">
-            <a:schemeClr val="accent1"/>
-          </a:fillRef>
-          <a:effectRef idx="0">
-            <a:schemeClr val="accent1"/>
-          </a:effectRef>
-          <a:fontRef idx="minor">
-            <a:schemeClr val="lt1"/>
-          </a:fontRef>
-        </p:style>
-        <p:txBody>
-          <a:bodyPr rtlCol="0" anchor="ctr"/>
-          <a:lstStyle/>
-          <a:p>
-            <a:r>
-              <a:rPr lang="en-US" sz="3200" dirty="0" err="1"/>
-              <a:t>create_new_digit</a:t>
-            </a:r>
-            <a:endParaRPr lang="en-US" sz="3200" dirty="0"/>
-          </a:p>
-          <a:p>
-            <a:r>
-              <a:rPr lang="en-US" sz="3200" dirty="0"/>
-              <a:t>   int d: 1</a:t>
-            </a:r>
-          </a:p>
-          <a:p>
-            <a:r>
-              <a:rPr lang="en-US" sz="3200" dirty="0"/>
-              <a:t>   </a:t>
-            </a:r>
-          </a:p>
-        </p:txBody>
-      </p:sp>
-    </p:spTree>
-    <p:extLst>
-      <p:ext uri="{BB962C8B-B14F-4D97-AF65-F5344CB8AC3E}">
-        <p14:creationId xmlns:p14="http://schemas.microsoft.com/office/powerpoint/2010/main" val="1482974613"/>
-      </p:ext>
-    </p:extLst>
-  </p:cSld>
-  <p:clrMapOvr>
-    <a:masterClrMapping/>
-  </p:clrMapOvr>
-</p:sld>
-</file>
-
-<file path=ppt/slides/slide48.xml><?xml version="1.0" encoding="utf-8"?>
-<p:sld xmlns:a="http://schemas.openxmlformats.org/drawingml/2006/main" xmlns:r="http://schemas.openxmlformats.org/officeDocument/2006/relationships" xmlns:p="http://schemas.openxmlformats.org/presentationml/2006/main">
-  <p:cSld>
-    <p:spTree>
-      <p:nvGrpSpPr>
-        <p:cNvPr id="1" name=""/>
-        <p:cNvGrpSpPr/>
-        <p:nvPr/>
-      </p:nvGrpSpPr>
-      <p:grpSpPr>
-        <a:xfrm>
-          <a:off x="0" y="0"/>
-          <a:ext cx="0" cy="0"/>
-          <a:chOff x="0" y="0"/>
-          <a:chExt cx="0" cy="0"/>
-        </a:xfrm>
-      </p:grpSpPr>
-      <p:sp>
-        <p:nvSpPr>
-          <p:cNvPr id="4" name="Footer Placeholder 3">
-            <a:extLst>
-              <a:ext uri="{FF2B5EF4-FFF2-40B4-BE49-F238E27FC236}">
-                <a16:creationId xmlns:a16="http://schemas.microsoft.com/office/drawing/2014/main" id="{EC46FAB2-42F5-EA47-B9F9-FA24D3A6BABC}"/>
-              </a:ext>
-            </a:extLst>
-          </p:cNvPr>
-          <p:cNvSpPr>
-            <a:spLocks noGrp="1"/>
-          </p:cNvSpPr>
-          <p:nvPr>
-            <p:ph type="ftr" sz="quarter" idx="11"/>
-          </p:nvPr>
-        </p:nvSpPr>
-        <p:spPr/>
-        <p:txBody>
-          <a:bodyPr/>
-          <a:lstStyle/>
-          <a:p>
-            <a:r>
-              <a:rPr lang="en-US"/>
-              <a:t>© 2016 Pearson Education, Inc., Hoboken, NJ.  All rights reserved.</a:t>
-            </a:r>
-          </a:p>
-        </p:txBody>
-      </p:sp>
-      <p:sp>
-        <p:nvSpPr>
-          <p:cNvPr id="5" name="Slide Number Placeholder 4">
-            <a:extLst>
-              <a:ext uri="{FF2B5EF4-FFF2-40B4-BE49-F238E27FC236}">
-                <a16:creationId xmlns:a16="http://schemas.microsoft.com/office/drawing/2014/main" id="{CF225639-41CB-C84A-A45E-6B54E69D6EA2}"/>
-              </a:ext>
-            </a:extLst>
-          </p:cNvPr>
-          <p:cNvSpPr>
-            <a:spLocks noGrp="1"/>
-          </p:cNvSpPr>
-          <p:nvPr>
-            <p:ph type="sldNum" sz="quarter" idx="12"/>
-          </p:nvPr>
-        </p:nvSpPr>
-        <p:spPr/>
-        <p:txBody>
-          <a:bodyPr/>
-          <a:lstStyle/>
-          <a:p>
-            <a:fld id="{85A8DA42-601D-40A8-83CA-2F2CBDE5F9F0}" type="slidenum">
-              <a:rPr lang="en-US" smtClean="0"/>
-              <a:t>48</a:t>
             </a:fld>
             <a:endParaRPr lang="en-US"/>
           </a:p>
@@ -20997,7 +20871,7 @@
 </p:sld>
 </file>
 
-<file path=ppt/slides/slide49.xml><?xml version="1.0" encoding="utf-8"?>
+<file path=ppt/slides/slide48.xml><?xml version="1.0" encoding="utf-8"?>
 <p:sld xmlns:a="http://schemas.openxmlformats.org/drawingml/2006/main" xmlns:r="http://schemas.openxmlformats.org/officeDocument/2006/relationships" xmlns:p="http://schemas.openxmlformats.org/presentationml/2006/main">
   <p:cSld>
     <p:spTree>
@@ -21065,7 +20939,7 @@
           <a:p>
             <a:fld id="{85A8DA42-601D-40A8-83CA-2F2CBDE5F9F0}" type="slidenum">
               <a:rPr lang="en-US" smtClean="0"/>
-              <a:t>49</a:t>
+              <a:t>48</a:t>
             </a:fld>
             <a:endParaRPr lang="en-US"/>
           </a:p>
@@ -21606,7 +21480,7 @@
 </p:sld>
 </file>
 
-<file path=ppt/slides/slide5.xml><?xml version="1.0" encoding="utf-8"?>
+<file path=ppt/slides/slide49.xml><?xml version="1.0" encoding="utf-8"?>
 <p:sld xmlns:a="http://schemas.openxmlformats.org/drawingml/2006/main" xmlns:r="http://schemas.openxmlformats.org/officeDocument/2006/relationships" xmlns:p="http://schemas.openxmlformats.org/presentationml/2006/main">
   <p:cSld>
     <p:spTree>
@@ -21625,42 +21499,6 @@
       </p:grpSpPr>
       <p:sp>
         <p:nvSpPr>
-          <p:cNvPr id="2" name="Title 1">
-            <a:extLst>
-              <a:ext uri="{FF2B5EF4-FFF2-40B4-BE49-F238E27FC236}">
-                <a16:creationId xmlns:a16="http://schemas.microsoft.com/office/drawing/2014/main" id="{5BA53607-33FD-F54D-8702-AE3D19476B4D}"/>
-              </a:ext>
-            </a:extLst>
-          </p:cNvPr>
-          <p:cNvSpPr>
-            <a:spLocks noGrp="1"/>
-          </p:cNvSpPr>
-          <p:nvPr>
-            <p:ph type="title"/>
-          </p:nvPr>
-        </p:nvSpPr>
-        <p:spPr>
-          <a:xfrm>
-            <a:off x="152400" y="228600"/>
-            <a:ext cx="5791200" cy="1143000"/>
-          </a:xfrm>
-        </p:spPr>
-        <p:txBody>
-          <a:bodyPr>
-            <a:normAutofit fontScale="90000"/>
-          </a:bodyPr>
-          <a:lstStyle/>
-          <a:p>
-            <a:pPr algn="l"/>
-            <a:r>
-              <a:rPr lang="en-US" dirty="0"/>
-              <a:t>What happens when we run our executable file?</a:t>
-            </a:r>
-          </a:p>
-        </p:txBody>
-      </p:sp>
-      <p:sp>
-        <p:nvSpPr>
           <p:cNvPr id="4" name="Footer Placeholder 3">
             <a:extLst>
               <a:ext uri="{FF2B5EF4-FFF2-40B4-BE49-F238E27FC236}">
@@ -21710,296 +21548,7 @@
           <a:p>
             <a:fld id="{85A8DA42-601D-40A8-83CA-2F2CBDE5F9F0}" type="slidenum">
               <a:rPr lang="en-US" smtClean="0"/>
-              <a:t>5</a:t>
-            </a:fld>
-            <a:endParaRPr lang="en-US"/>
-          </a:p>
-        </p:txBody>
-      </p:sp>
-      <p:sp>
-        <p:nvSpPr>
-          <p:cNvPr id="6" name="TextBox 5">
-            <a:extLst>
-              <a:ext uri="{FF2B5EF4-FFF2-40B4-BE49-F238E27FC236}">
-                <a16:creationId xmlns:a16="http://schemas.microsoft.com/office/drawing/2014/main" id="{50DC082E-8F94-D042-9C36-A979691D14ED}"/>
-              </a:ext>
-            </a:extLst>
-          </p:cNvPr>
-          <p:cNvSpPr txBox="1"/>
-          <p:nvPr/>
-        </p:nvSpPr>
-        <p:spPr>
-          <a:xfrm>
-            <a:off x="381000" y="1715294"/>
-            <a:ext cx="2487925" cy="4401205"/>
-          </a:xfrm>
-          <a:prstGeom prst="rect">
-            <a:avLst/>
-          </a:prstGeom>
-          <a:noFill/>
-        </p:spPr>
-        <p:txBody>
-          <a:bodyPr wrap="none" lIns="91440" tIns="45720" rIns="91440" bIns="45720" rtlCol="0" anchor="t">
-            <a:spAutoFit/>
-          </a:bodyPr>
-          <a:lstStyle/>
-          <a:p>
-            <a:r>
-              <a:rPr lang="en-US" sz="2800" dirty="0"/>
-              <a:t>func1(int x) {</a:t>
-            </a:r>
-          </a:p>
-          <a:p>
-            <a:r>
-              <a:rPr lang="en-US" sz="2800" dirty="0"/>
-              <a:t>    x += 1;</a:t>
-            </a:r>
-          </a:p>
-          <a:p>
-            <a:r>
-              <a:rPr lang="en-US" sz="2800" dirty="0"/>
-              <a:t>    return(x);</a:t>
-            </a:r>
-          </a:p>
-          <a:p>
-            <a:r>
-              <a:rPr lang="en-US" sz="2800" dirty="0"/>
-              <a:t>}</a:t>
-            </a:r>
-          </a:p>
-          <a:p>
-            <a:endParaRPr lang="en-US" sz="2800" dirty="0"/>
-          </a:p>
-          <a:p>
-            <a:r>
-              <a:rPr lang="en-US" sz="2800" dirty="0"/>
-              <a:t>int main(void) {</a:t>
-            </a:r>
-          </a:p>
-          <a:p>
-            <a:r>
-              <a:rPr lang="en-US" sz="2800" dirty="0"/>
-              <a:t>    int n = 10;</a:t>
-            </a:r>
-          </a:p>
-          <a:p>
-            <a:r>
-              <a:rPr lang="en-US" sz="2800" dirty="0"/>
-              <a:t>    n = func1(n);</a:t>
-            </a:r>
-          </a:p>
-          <a:p>
-            <a:r>
-              <a:rPr lang="en-US" sz="2800" dirty="0"/>
-              <a:t>    return(0);</a:t>
-            </a:r>
-          </a:p>
-          <a:p>
-            <a:r>
-              <a:rPr lang="en-US" sz="2800" dirty="0"/>
-              <a:t>}</a:t>
-            </a:r>
-          </a:p>
-        </p:txBody>
-      </p:sp>
-      <p:sp>
-        <p:nvSpPr>
-          <p:cNvPr id="10" name="TextBox 9">
-            <a:extLst>
-              <a:ext uri="{FF2B5EF4-FFF2-40B4-BE49-F238E27FC236}">
-                <a16:creationId xmlns:a16="http://schemas.microsoft.com/office/drawing/2014/main" id="{3B56C694-A236-ED47-9EFF-95E8E47DAC0D}"/>
-              </a:ext>
-            </a:extLst>
-          </p:cNvPr>
-          <p:cNvSpPr txBox="1"/>
-          <p:nvPr/>
-        </p:nvSpPr>
-        <p:spPr>
-          <a:xfrm>
-            <a:off x="5193556" y="1652232"/>
-            <a:ext cx="3226011" cy="707886"/>
-          </a:xfrm>
-          <a:prstGeom prst="rect">
-            <a:avLst/>
-          </a:prstGeom>
-          <a:noFill/>
-        </p:spPr>
-        <p:txBody>
-          <a:bodyPr wrap="none" rtlCol="0">
-            <a:spAutoFit/>
-          </a:bodyPr>
-          <a:lstStyle/>
-          <a:p>
-            <a:r>
-              <a:rPr lang="en-US" sz="4000" b="1" dirty="0"/>
-              <a:t>Stack memory</a:t>
-            </a:r>
-          </a:p>
-        </p:txBody>
-      </p:sp>
-      <p:pic>
-        <p:nvPicPr>
-          <p:cNvPr id="12" name="Picture 11">
-            <a:extLst>
-              <a:ext uri="{FF2B5EF4-FFF2-40B4-BE49-F238E27FC236}">
-                <a16:creationId xmlns:a16="http://schemas.microsoft.com/office/drawing/2014/main" id="{634D96A3-D02E-2B47-BBA1-85EB85814E6C}"/>
-              </a:ext>
-            </a:extLst>
-          </p:cNvPr>
-          <p:cNvPicPr>
-            <a:picLocks noChangeAspect="1"/>
-          </p:cNvPicPr>
-          <p:nvPr/>
-        </p:nvPicPr>
-        <p:blipFill>
-          <a:blip r:embed="rId2"/>
-          <a:stretch>
-            <a:fillRect/>
-          </a:stretch>
-        </p:blipFill>
-        <p:spPr>
-          <a:xfrm>
-            <a:off x="5410200" y="178341"/>
-            <a:ext cx="3340100" cy="1358900"/>
-          </a:xfrm>
-          <a:prstGeom prst="rect">
-            <a:avLst/>
-          </a:prstGeom>
-        </p:spPr>
-      </p:pic>
-      <p:sp>
-        <p:nvSpPr>
-          <p:cNvPr id="13" name="Rectangle 12">
-            <a:extLst>
-              <a:ext uri="{FF2B5EF4-FFF2-40B4-BE49-F238E27FC236}">
-                <a16:creationId xmlns:a16="http://schemas.microsoft.com/office/drawing/2014/main" id="{129AE26D-6811-D54C-82DF-27CBAF9889CF}"/>
-              </a:ext>
-            </a:extLst>
-          </p:cNvPr>
-          <p:cNvSpPr/>
-          <p:nvPr/>
-        </p:nvSpPr>
-        <p:spPr>
-          <a:xfrm>
-            <a:off x="5410200" y="2286000"/>
-            <a:ext cx="2895600" cy="1981200"/>
-          </a:xfrm>
-          <a:prstGeom prst="rect">
-            <a:avLst/>
-          </a:prstGeom>
-          <a:solidFill>
-            <a:srgbClr val="3A92FC">
-              <a:alpha val="36863"/>
-            </a:srgbClr>
-          </a:solidFill>
-        </p:spPr>
-        <p:style>
-          <a:lnRef idx="2">
-            <a:schemeClr val="accent1">
-              <a:shade val="50000"/>
-            </a:schemeClr>
-          </a:lnRef>
-          <a:fillRef idx="1">
-            <a:schemeClr val="accent1"/>
-          </a:fillRef>
-          <a:effectRef idx="0">
-            <a:schemeClr val="accent1"/>
-          </a:effectRef>
-          <a:fontRef idx="minor">
-            <a:schemeClr val="lt1"/>
-          </a:fontRef>
-        </p:style>
-        <p:txBody>
-          <a:bodyPr rtlCol="0" anchor="ctr"/>
-          <a:lstStyle/>
-          <a:p>
-            <a:pPr algn="ctr"/>
-            <a:endParaRPr lang="en-US"/>
-          </a:p>
-        </p:txBody>
-      </p:sp>
-    </p:spTree>
-    <p:extLst>
-      <p:ext uri="{BB962C8B-B14F-4D97-AF65-F5344CB8AC3E}">
-        <p14:creationId xmlns:p14="http://schemas.microsoft.com/office/powerpoint/2010/main" val="3721387065"/>
-      </p:ext>
-    </p:extLst>
-  </p:cSld>
-  <p:clrMapOvr>
-    <a:masterClrMapping/>
-  </p:clrMapOvr>
-</p:sld>
-</file>
-
-<file path=ppt/slides/slide50.xml><?xml version="1.0" encoding="utf-8"?>
-<p:sld xmlns:a="http://schemas.openxmlformats.org/drawingml/2006/main" xmlns:r="http://schemas.openxmlformats.org/officeDocument/2006/relationships" xmlns:p="http://schemas.openxmlformats.org/presentationml/2006/main">
-  <p:cSld>
-    <p:spTree>
-      <p:nvGrpSpPr>
-        <p:cNvPr id="1" name=""/>
-        <p:cNvGrpSpPr/>
-        <p:nvPr/>
-      </p:nvGrpSpPr>
-      <p:grpSpPr>
-        <a:xfrm>
-          <a:off x="0" y="0"/>
-          <a:ext cx="0" cy="0"/>
-          <a:chOff x="0" y="0"/>
-          <a:chExt cx="0" cy="0"/>
-        </a:xfrm>
-      </p:grpSpPr>
-      <p:sp>
-        <p:nvSpPr>
-          <p:cNvPr id="4" name="Footer Placeholder 3">
-            <a:extLst>
-              <a:ext uri="{FF2B5EF4-FFF2-40B4-BE49-F238E27FC236}">
-                <a16:creationId xmlns:a16="http://schemas.microsoft.com/office/drawing/2014/main" id="{EC46FAB2-42F5-EA47-B9F9-FA24D3A6BABC}"/>
-              </a:ext>
-            </a:extLst>
-          </p:cNvPr>
-          <p:cNvSpPr>
-            <a:spLocks noGrp="1"/>
-          </p:cNvSpPr>
-          <p:nvPr>
-            <p:ph type="ftr" sz="quarter" idx="11"/>
-          </p:nvPr>
-        </p:nvSpPr>
-        <p:spPr/>
-        <p:txBody>
-          <a:bodyPr/>
-          <a:lstStyle/>
-          <a:p>
-            <a:r>
-              <a:rPr lang="en-US"/>
-              <a:t>© 2016 Pearson Education, Inc., Hoboken, NJ.  All rights reserved.</a:t>
-            </a:r>
-          </a:p>
-        </p:txBody>
-      </p:sp>
-      <p:sp>
-        <p:nvSpPr>
-          <p:cNvPr id="5" name="Slide Number Placeholder 4">
-            <a:extLst>
-              <a:ext uri="{FF2B5EF4-FFF2-40B4-BE49-F238E27FC236}">
-                <a16:creationId xmlns:a16="http://schemas.microsoft.com/office/drawing/2014/main" id="{CF225639-41CB-C84A-A45E-6B54E69D6EA2}"/>
-              </a:ext>
-            </a:extLst>
-          </p:cNvPr>
-          <p:cNvSpPr>
-            <a:spLocks noGrp="1"/>
-          </p:cNvSpPr>
-          <p:nvPr>
-            <p:ph type="sldNum" sz="quarter" idx="12"/>
-          </p:nvPr>
-        </p:nvSpPr>
-        <p:spPr/>
-        <p:txBody>
-          <a:bodyPr/>
-          <a:lstStyle/>
-          <a:p>
-            <a:fld id="{85A8DA42-601D-40A8-83CA-2F2CBDE5F9F0}" type="slidenum">
-              <a:rPr lang="en-US" smtClean="0"/>
-              <a:t>50</a:t>
+              <a:t>49</a:t>
             </a:fld>
             <a:endParaRPr lang="en-US"/>
           </a:p>
@@ -22540,7 +22089,7 @@
 </p:sld>
 </file>
 
-<file path=ppt/slides/slide51.xml><?xml version="1.0" encoding="utf-8"?>
+<file path=ppt/slides/slide5.xml><?xml version="1.0" encoding="utf-8"?>
 <p:sld xmlns:a="http://schemas.openxmlformats.org/drawingml/2006/main" xmlns:r="http://schemas.openxmlformats.org/officeDocument/2006/relationships" xmlns:p="http://schemas.openxmlformats.org/presentationml/2006/main">
   <p:cSld>
     <p:spTree>
@@ -22559,6 +22108,42 @@
       </p:grpSpPr>
       <p:sp>
         <p:nvSpPr>
+          <p:cNvPr id="2" name="Title 1">
+            <a:extLst>
+              <a:ext uri="{FF2B5EF4-FFF2-40B4-BE49-F238E27FC236}">
+                <a16:creationId xmlns:a16="http://schemas.microsoft.com/office/drawing/2014/main" id="{5BA53607-33FD-F54D-8702-AE3D19476B4D}"/>
+              </a:ext>
+            </a:extLst>
+          </p:cNvPr>
+          <p:cNvSpPr>
+            <a:spLocks noGrp="1"/>
+          </p:cNvSpPr>
+          <p:nvPr>
+            <p:ph type="title"/>
+          </p:nvPr>
+        </p:nvSpPr>
+        <p:spPr>
+          <a:xfrm>
+            <a:off x="152400" y="228600"/>
+            <a:ext cx="5791200" cy="1143000"/>
+          </a:xfrm>
+        </p:spPr>
+        <p:txBody>
+          <a:bodyPr>
+            <a:normAutofit fontScale="90000"/>
+          </a:bodyPr>
+          <a:lstStyle/>
+          <a:p>
+            <a:pPr algn="l"/>
+            <a:r>
+              <a:rPr lang="en-US" dirty="0"/>
+              <a:t>What happens when we run our executable file?</a:t>
+            </a:r>
+          </a:p>
+        </p:txBody>
+      </p:sp>
+      <p:sp>
+        <p:nvSpPr>
           <p:cNvPr id="4" name="Footer Placeholder 3">
             <a:extLst>
               <a:ext uri="{FF2B5EF4-FFF2-40B4-BE49-F238E27FC236}">
@@ -22608,7 +22193,296 @@
           <a:p>
             <a:fld id="{85A8DA42-601D-40A8-83CA-2F2CBDE5F9F0}" type="slidenum">
               <a:rPr lang="en-US" smtClean="0"/>
-              <a:t>51</a:t>
+              <a:t>5</a:t>
+            </a:fld>
+            <a:endParaRPr lang="en-US"/>
+          </a:p>
+        </p:txBody>
+      </p:sp>
+      <p:sp>
+        <p:nvSpPr>
+          <p:cNvPr id="6" name="TextBox 5">
+            <a:extLst>
+              <a:ext uri="{FF2B5EF4-FFF2-40B4-BE49-F238E27FC236}">
+                <a16:creationId xmlns:a16="http://schemas.microsoft.com/office/drawing/2014/main" id="{50DC082E-8F94-D042-9C36-A979691D14ED}"/>
+              </a:ext>
+            </a:extLst>
+          </p:cNvPr>
+          <p:cNvSpPr txBox="1"/>
+          <p:nvPr/>
+        </p:nvSpPr>
+        <p:spPr>
+          <a:xfrm>
+            <a:off x="381000" y="1715294"/>
+            <a:ext cx="2487925" cy="4401205"/>
+          </a:xfrm>
+          <a:prstGeom prst="rect">
+            <a:avLst/>
+          </a:prstGeom>
+          <a:noFill/>
+        </p:spPr>
+        <p:txBody>
+          <a:bodyPr wrap="none" lIns="91440" tIns="45720" rIns="91440" bIns="45720" rtlCol="0" anchor="t">
+            <a:spAutoFit/>
+          </a:bodyPr>
+          <a:lstStyle/>
+          <a:p>
+            <a:r>
+              <a:rPr lang="en-US" sz="2800" dirty="0"/>
+              <a:t>func1(int x) {</a:t>
+            </a:r>
+          </a:p>
+          <a:p>
+            <a:r>
+              <a:rPr lang="en-US" sz="2800" dirty="0"/>
+              <a:t>    x += 1;</a:t>
+            </a:r>
+          </a:p>
+          <a:p>
+            <a:r>
+              <a:rPr lang="en-US" sz="2800" dirty="0"/>
+              <a:t>    return(x);</a:t>
+            </a:r>
+          </a:p>
+          <a:p>
+            <a:r>
+              <a:rPr lang="en-US" sz="2800" dirty="0"/>
+              <a:t>}</a:t>
+            </a:r>
+          </a:p>
+          <a:p>
+            <a:endParaRPr lang="en-US" sz="2800" dirty="0"/>
+          </a:p>
+          <a:p>
+            <a:r>
+              <a:rPr lang="en-US" sz="2800" dirty="0"/>
+              <a:t>int main(void) {</a:t>
+            </a:r>
+          </a:p>
+          <a:p>
+            <a:r>
+              <a:rPr lang="en-US" sz="2800" dirty="0"/>
+              <a:t>    int n = 10;</a:t>
+            </a:r>
+          </a:p>
+          <a:p>
+            <a:r>
+              <a:rPr lang="en-US" sz="2800" dirty="0"/>
+              <a:t>    n = func1(n);</a:t>
+            </a:r>
+          </a:p>
+          <a:p>
+            <a:r>
+              <a:rPr lang="en-US" sz="2800" dirty="0"/>
+              <a:t>    return(0);</a:t>
+            </a:r>
+          </a:p>
+          <a:p>
+            <a:r>
+              <a:rPr lang="en-US" sz="2800" dirty="0"/>
+              <a:t>}</a:t>
+            </a:r>
+          </a:p>
+        </p:txBody>
+      </p:sp>
+      <p:sp>
+        <p:nvSpPr>
+          <p:cNvPr id="10" name="TextBox 9">
+            <a:extLst>
+              <a:ext uri="{FF2B5EF4-FFF2-40B4-BE49-F238E27FC236}">
+                <a16:creationId xmlns:a16="http://schemas.microsoft.com/office/drawing/2014/main" id="{3B56C694-A236-ED47-9EFF-95E8E47DAC0D}"/>
+              </a:ext>
+            </a:extLst>
+          </p:cNvPr>
+          <p:cNvSpPr txBox="1"/>
+          <p:nvPr/>
+        </p:nvSpPr>
+        <p:spPr>
+          <a:xfrm>
+            <a:off x="5193556" y="1652232"/>
+            <a:ext cx="3226011" cy="707886"/>
+          </a:xfrm>
+          <a:prstGeom prst="rect">
+            <a:avLst/>
+          </a:prstGeom>
+          <a:noFill/>
+        </p:spPr>
+        <p:txBody>
+          <a:bodyPr wrap="none" rtlCol="0">
+            <a:spAutoFit/>
+          </a:bodyPr>
+          <a:lstStyle/>
+          <a:p>
+            <a:r>
+              <a:rPr lang="en-US" sz="4000" b="1" dirty="0"/>
+              <a:t>Stack memory</a:t>
+            </a:r>
+          </a:p>
+        </p:txBody>
+      </p:sp>
+      <p:pic>
+        <p:nvPicPr>
+          <p:cNvPr id="12" name="Picture 11">
+            <a:extLst>
+              <a:ext uri="{FF2B5EF4-FFF2-40B4-BE49-F238E27FC236}">
+                <a16:creationId xmlns:a16="http://schemas.microsoft.com/office/drawing/2014/main" id="{634D96A3-D02E-2B47-BBA1-85EB85814E6C}"/>
+              </a:ext>
+            </a:extLst>
+          </p:cNvPr>
+          <p:cNvPicPr>
+            <a:picLocks noChangeAspect="1"/>
+          </p:cNvPicPr>
+          <p:nvPr/>
+        </p:nvPicPr>
+        <p:blipFill>
+          <a:blip r:embed="rId2"/>
+          <a:stretch>
+            <a:fillRect/>
+          </a:stretch>
+        </p:blipFill>
+        <p:spPr>
+          <a:xfrm>
+            <a:off x="5410200" y="178341"/>
+            <a:ext cx="3340100" cy="1358900"/>
+          </a:xfrm>
+          <a:prstGeom prst="rect">
+            <a:avLst/>
+          </a:prstGeom>
+        </p:spPr>
+      </p:pic>
+      <p:sp>
+        <p:nvSpPr>
+          <p:cNvPr id="13" name="Rectangle 12">
+            <a:extLst>
+              <a:ext uri="{FF2B5EF4-FFF2-40B4-BE49-F238E27FC236}">
+                <a16:creationId xmlns:a16="http://schemas.microsoft.com/office/drawing/2014/main" id="{129AE26D-6811-D54C-82DF-27CBAF9889CF}"/>
+              </a:ext>
+            </a:extLst>
+          </p:cNvPr>
+          <p:cNvSpPr/>
+          <p:nvPr/>
+        </p:nvSpPr>
+        <p:spPr>
+          <a:xfrm>
+            <a:off x="5410200" y="2286000"/>
+            <a:ext cx="2895600" cy="1981200"/>
+          </a:xfrm>
+          <a:prstGeom prst="rect">
+            <a:avLst/>
+          </a:prstGeom>
+          <a:solidFill>
+            <a:srgbClr val="3A92FC">
+              <a:alpha val="36863"/>
+            </a:srgbClr>
+          </a:solidFill>
+        </p:spPr>
+        <p:style>
+          <a:lnRef idx="2">
+            <a:schemeClr val="accent1">
+              <a:shade val="50000"/>
+            </a:schemeClr>
+          </a:lnRef>
+          <a:fillRef idx="1">
+            <a:schemeClr val="accent1"/>
+          </a:fillRef>
+          <a:effectRef idx="0">
+            <a:schemeClr val="accent1"/>
+          </a:effectRef>
+          <a:fontRef idx="minor">
+            <a:schemeClr val="lt1"/>
+          </a:fontRef>
+        </p:style>
+        <p:txBody>
+          <a:bodyPr rtlCol="0" anchor="ctr"/>
+          <a:lstStyle/>
+          <a:p>
+            <a:pPr algn="ctr"/>
+            <a:endParaRPr lang="en-US"/>
+          </a:p>
+        </p:txBody>
+      </p:sp>
+    </p:spTree>
+    <p:extLst>
+      <p:ext uri="{BB962C8B-B14F-4D97-AF65-F5344CB8AC3E}">
+        <p14:creationId xmlns:p14="http://schemas.microsoft.com/office/powerpoint/2010/main" val="3721387065"/>
+      </p:ext>
+    </p:extLst>
+  </p:cSld>
+  <p:clrMapOvr>
+    <a:masterClrMapping/>
+  </p:clrMapOvr>
+</p:sld>
+</file>
+
+<file path=ppt/slides/slide50.xml><?xml version="1.0" encoding="utf-8"?>
+<p:sld xmlns:a="http://schemas.openxmlformats.org/drawingml/2006/main" xmlns:r="http://schemas.openxmlformats.org/officeDocument/2006/relationships" xmlns:p="http://schemas.openxmlformats.org/presentationml/2006/main">
+  <p:cSld>
+    <p:spTree>
+      <p:nvGrpSpPr>
+        <p:cNvPr id="1" name=""/>
+        <p:cNvGrpSpPr/>
+        <p:nvPr/>
+      </p:nvGrpSpPr>
+      <p:grpSpPr>
+        <a:xfrm>
+          <a:off x="0" y="0"/>
+          <a:ext cx="0" cy="0"/>
+          <a:chOff x="0" y="0"/>
+          <a:chExt cx="0" cy="0"/>
+        </a:xfrm>
+      </p:grpSpPr>
+      <p:sp>
+        <p:nvSpPr>
+          <p:cNvPr id="4" name="Footer Placeholder 3">
+            <a:extLst>
+              <a:ext uri="{FF2B5EF4-FFF2-40B4-BE49-F238E27FC236}">
+                <a16:creationId xmlns:a16="http://schemas.microsoft.com/office/drawing/2014/main" id="{EC46FAB2-42F5-EA47-B9F9-FA24D3A6BABC}"/>
+              </a:ext>
+            </a:extLst>
+          </p:cNvPr>
+          <p:cNvSpPr>
+            <a:spLocks noGrp="1"/>
+          </p:cNvSpPr>
+          <p:nvPr>
+            <p:ph type="ftr" sz="quarter" idx="11"/>
+          </p:nvPr>
+        </p:nvSpPr>
+        <p:spPr/>
+        <p:txBody>
+          <a:bodyPr/>
+          <a:lstStyle/>
+          <a:p>
+            <a:r>
+              <a:rPr lang="en-US"/>
+              <a:t>© 2016 Pearson Education, Inc., Hoboken, NJ.  All rights reserved.</a:t>
+            </a:r>
+          </a:p>
+        </p:txBody>
+      </p:sp>
+      <p:sp>
+        <p:nvSpPr>
+          <p:cNvPr id="5" name="Slide Number Placeholder 4">
+            <a:extLst>
+              <a:ext uri="{FF2B5EF4-FFF2-40B4-BE49-F238E27FC236}">
+                <a16:creationId xmlns:a16="http://schemas.microsoft.com/office/drawing/2014/main" id="{CF225639-41CB-C84A-A45E-6B54E69D6EA2}"/>
+              </a:ext>
+            </a:extLst>
+          </p:cNvPr>
+          <p:cNvSpPr>
+            <a:spLocks noGrp="1"/>
+          </p:cNvSpPr>
+          <p:nvPr>
+            <p:ph type="sldNum" sz="quarter" idx="12"/>
+          </p:nvPr>
+        </p:nvSpPr>
+        <p:spPr/>
+        <p:txBody>
+          <a:bodyPr/>
+          <a:lstStyle/>
+          <a:p>
+            <a:fld id="{85A8DA42-601D-40A8-83CA-2F2CBDE5F9F0}" type="slidenum">
+              <a:rPr lang="en-US" smtClean="0"/>
+              <a:t>50</a:t>
             </a:fld>
             <a:endParaRPr lang="en-US"/>
           </a:p>
@@ -23092,7 +22966,7 @@
 </p:sld>
 </file>
 
-<file path=ppt/slides/slide52.xml><?xml version="1.0" encoding="utf-8"?>
+<file path=ppt/slides/slide51.xml><?xml version="1.0" encoding="utf-8"?>
 <p:sld xmlns:a="http://schemas.openxmlformats.org/drawingml/2006/main" xmlns:r="http://schemas.openxmlformats.org/officeDocument/2006/relationships" xmlns:p="http://schemas.openxmlformats.org/presentationml/2006/main">
   <p:cSld>
     <p:spTree>
@@ -23160,7 +23034,7 @@
           <a:p>
             <a:fld id="{85A8DA42-601D-40A8-83CA-2F2CBDE5F9F0}" type="slidenum">
               <a:rPr lang="en-US" smtClean="0"/>
-              <a:t>52</a:t>
+              <a:t>51</a:t>
             </a:fld>
             <a:endParaRPr lang="en-US"/>
           </a:p>
@@ -23705,7 +23579,7 @@
 </p:sld>
 </file>
 
-<file path=ppt/slides/slide53.xml><?xml version="1.0" encoding="utf-8"?>
+<file path=ppt/slides/slide52.xml><?xml version="1.0" encoding="utf-8"?>
 <p:sld xmlns:a="http://schemas.openxmlformats.org/drawingml/2006/main" xmlns:r="http://schemas.openxmlformats.org/officeDocument/2006/relationships" xmlns:p="http://schemas.openxmlformats.org/presentationml/2006/main">
   <p:cSld>
     <p:spTree>
@@ -23773,7 +23647,7 @@
           <a:p>
             <a:fld id="{85A8DA42-601D-40A8-83CA-2F2CBDE5F9F0}" type="slidenum">
               <a:rPr lang="en-US" smtClean="0"/>
-              <a:t>53</a:t>
+              <a:t>52</a:t>
             </a:fld>
             <a:endParaRPr lang="en-US"/>
           </a:p>
@@ -24318,7 +24192,7 @@
 </p:sld>
 </file>
 
-<file path=ppt/slides/slide54.xml><?xml version="1.0" encoding="utf-8"?>
+<file path=ppt/slides/slide53.xml><?xml version="1.0" encoding="utf-8"?>
 <p:sld xmlns:a="http://schemas.openxmlformats.org/drawingml/2006/main" xmlns:r="http://schemas.openxmlformats.org/officeDocument/2006/relationships" xmlns:p="http://schemas.openxmlformats.org/presentationml/2006/main">
   <p:cSld>
     <p:spTree>
@@ -24386,7 +24260,7 @@
           <a:p>
             <a:fld id="{85A8DA42-601D-40A8-83CA-2F2CBDE5F9F0}" type="slidenum">
               <a:rPr lang="en-US" smtClean="0"/>
-              <a:t>54</a:t>
+              <a:t>53</a:t>
             </a:fld>
             <a:endParaRPr lang="en-US"/>
           </a:p>
@@ -25055,7 +24929,7 @@
 </p:sld>
 </file>
 
-<file path=ppt/slides/slide55.xml><?xml version="1.0" encoding="utf-8"?>
+<file path=ppt/slides/slide54.xml><?xml version="1.0" encoding="utf-8"?>
 <p:sld xmlns:a="http://schemas.openxmlformats.org/drawingml/2006/main" xmlns:r="http://schemas.openxmlformats.org/officeDocument/2006/relationships" xmlns:p="http://schemas.openxmlformats.org/presentationml/2006/main">
   <p:cSld>
     <p:spTree>
@@ -25123,7 +24997,7 @@
           <a:p>
             <a:fld id="{85A8DA42-601D-40A8-83CA-2F2CBDE5F9F0}" type="slidenum">
               <a:rPr lang="en-US" smtClean="0"/>
-              <a:t>55</a:t>
+              <a:t>54</a:t>
             </a:fld>
             <a:endParaRPr lang="en-US"/>
           </a:p>
@@ -25783,7 +25657,7 @@
 </p:sld>
 </file>
 
-<file path=ppt/slides/slide56.xml><?xml version="1.0" encoding="utf-8"?>
+<file path=ppt/slides/slide55.xml><?xml version="1.0" encoding="utf-8"?>
 <p:sld xmlns:a="http://schemas.openxmlformats.org/drawingml/2006/main" xmlns:r="http://schemas.openxmlformats.org/officeDocument/2006/relationships" xmlns:p="http://schemas.openxmlformats.org/presentationml/2006/main">
   <p:cSld>
     <p:spTree>
@@ -25851,7 +25725,7 @@
           <a:p>
             <a:fld id="{85A8DA42-601D-40A8-83CA-2F2CBDE5F9F0}" type="slidenum">
               <a:rPr lang="en-US" smtClean="0"/>
-              <a:t>56</a:t>
+              <a:t>55</a:t>
             </a:fld>
             <a:endParaRPr lang="en-US"/>
           </a:p>
@@ -26514,7 +26388,7 @@
 </p:sld>
 </file>
 
-<file path=ppt/slides/slide57.xml><?xml version="1.0" encoding="utf-8"?>
+<file path=ppt/slides/slide56.xml><?xml version="1.0" encoding="utf-8"?>
 <p:sld xmlns:a="http://schemas.openxmlformats.org/drawingml/2006/main" xmlns:r="http://schemas.openxmlformats.org/officeDocument/2006/relationships" xmlns:p="http://schemas.openxmlformats.org/presentationml/2006/main">
   <p:cSld>
     <p:spTree>
@@ -26582,7 +26456,7 @@
           <a:p>
             <a:fld id="{85A8DA42-601D-40A8-83CA-2F2CBDE5F9F0}" type="slidenum">
               <a:rPr lang="en-US" smtClean="0"/>
-              <a:t>57</a:t>
+              <a:t>56</a:t>
             </a:fld>
             <a:endParaRPr lang="en-US"/>
           </a:p>
@@ -27181,7 +27055,7 @@
 </p:sld>
 </file>
 
-<file path=ppt/slides/slide58.xml><?xml version="1.0" encoding="utf-8"?>
+<file path=ppt/slides/slide57.xml><?xml version="1.0" encoding="utf-8"?>
 <p:sld xmlns:a="http://schemas.openxmlformats.org/drawingml/2006/main" xmlns:r="http://schemas.openxmlformats.org/officeDocument/2006/relationships" xmlns:p="http://schemas.openxmlformats.org/presentationml/2006/main">
   <p:cSld>
     <p:spTree>
@@ -27249,7 +27123,7 @@
           <a:p>
             <a:fld id="{85A8DA42-601D-40A8-83CA-2F2CBDE5F9F0}" type="slidenum">
               <a:rPr lang="en-US" smtClean="0"/>
-              <a:t>58</a:t>
+              <a:t>57</a:t>
             </a:fld>
             <a:endParaRPr lang="en-US"/>
           </a:p>
@@ -27963,7 +27837,7 @@
 </p:sld>
 </file>
 
-<file path=ppt/slides/slide59.xml><?xml version="1.0" encoding="utf-8"?>
+<file path=ppt/slides/slide58.xml><?xml version="1.0" encoding="utf-8"?>
 <p:sld xmlns:a="http://schemas.openxmlformats.org/drawingml/2006/main" xmlns:r="http://schemas.openxmlformats.org/officeDocument/2006/relationships" xmlns:p="http://schemas.openxmlformats.org/presentationml/2006/main">
   <p:cSld>
     <p:spTree>
@@ -28059,7 +27933,7 @@
           <a:p>
             <a:fld id="{85A8DA42-601D-40A8-83CA-2F2CBDE5F9F0}" type="slidenum">
               <a:rPr lang="en-US" smtClean="0"/>
-              <a:t>59</a:t>
+              <a:t>58</a:t>
             </a:fld>
             <a:endParaRPr lang="en-US"/>
           </a:p>
@@ -28484,7 +28358,7 @@
 </p:sld>
 </file>
 
-<file path=ppt/slides/slide6.xml><?xml version="1.0" encoding="utf-8"?>
+<file path=ppt/slides/slide59.xml><?xml version="1.0" encoding="utf-8"?>
 <p:sld xmlns:a="http://schemas.openxmlformats.org/drawingml/2006/main" xmlns:r="http://schemas.openxmlformats.org/officeDocument/2006/relationships" xmlns:p="http://schemas.openxmlformats.org/presentationml/2006/main">
   <p:cSld>
     <p:spTree>
@@ -28503,52 +28377,29 @@
       </p:grpSpPr>
       <p:sp>
         <p:nvSpPr>
-          <p:cNvPr id="12" name="Rectangle 11">
-            <a:extLst>
-              <a:ext uri="{FF2B5EF4-FFF2-40B4-BE49-F238E27FC236}">
-                <a16:creationId xmlns:a16="http://schemas.microsoft.com/office/drawing/2014/main" id="{E78ED476-0BDF-9441-AB48-871A06436B8E}"/>
-              </a:ext>
-            </a:extLst>
-          </p:cNvPr>
-          <p:cNvSpPr/>
-          <p:nvPr/>
-        </p:nvSpPr>
-        <p:spPr>
-          <a:xfrm>
-            <a:off x="5410200" y="2286000"/>
-            <a:ext cx="2895600" cy="1981200"/>
-          </a:xfrm>
-          <a:prstGeom prst="rect">
-            <a:avLst/>
-          </a:prstGeom>
-          <a:solidFill>
-            <a:srgbClr val="3A92FC">
-              <a:alpha val="36863"/>
-            </a:srgbClr>
-          </a:solidFill>
-        </p:spPr>
-        <p:style>
-          <a:lnRef idx="2">
-            <a:schemeClr val="accent1">
-              <a:shade val="50000"/>
-            </a:schemeClr>
-          </a:lnRef>
-          <a:fillRef idx="1">
-            <a:schemeClr val="accent1"/>
-          </a:fillRef>
-          <a:effectRef idx="0">
-            <a:schemeClr val="accent1"/>
-          </a:effectRef>
-          <a:fontRef idx="minor">
-            <a:schemeClr val="lt1"/>
-          </a:fontRef>
-        </p:style>
-        <p:txBody>
-          <a:bodyPr rtlCol="0" anchor="ctr"/>
-          <a:lstStyle/>
-          <a:p>
-            <a:pPr algn="ctr"/>
-            <a:endParaRPr lang="en-US"/>
+          <p:cNvPr id="2" name="Title 1">
+            <a:extLst>
+              <a:ext uri="{FF2B5EF4-FFF2-40B4-BE49-F238E27FC236}">
+                <a16:creationId xmlns:a16="http://schemas.microsoft.com/office/drawing/2014/main" id="{97D44BA8-0EA1-0649-BA84-F316A7156668}"/>
+              </a:ext>
+            </a:extLst>
+          </p:cNvPr>
+          <p:cNvSpPr>
+            <a:spLocks noGrp="1"/>
+          </p:cNvSpPr>
+          <p:nvPr>
+            <p:ph type="title"/>
+          </p:nvPr>
+        </p:nvSpPr>
+        <p:spPr/>
+        <p:txBody>
+          <a:bodyPr/>
+          <a:lstStyle/>
+          <a:p>
+            <a:r>
+              <a:rPr lang="en-US" dirty="0"/>
+              <a:t>Inserting a node at end of list</a:t>
+            </a:r>
           </a:p>
         </p:txBody>
       </p:sp>
@@ -28557,7 +28408,7 @@
           <p:cNvPr id="4" name="Footer Placeholder 3">
             <a:extLst>
               <a:ext uri="{FF2B5EF4-FFF2-40B4-BE49-F238E27FC236}">
-                <a16:creationId xmlns:a16="http://schemas.microsoft.com/office/drawing/2014/main" id="{EC46FAB2-42F5-EA47-B9F9-FA24D3A6BABC}"/>
+                <a16:creationId xmlns:a16="http://schemas.microsoft.com/office/drawing/2014/main" id="{D45AC8BD-F43C-FC42-BCF1-5AD79F3119E4}"/>
               </a:ext>
             </a:extLst>
           </p:cNvPr>
@@ -28585,7 +28436,7 @@
           <p:cNvPr id="5" name="Slide Number Placeholder 4">
             <a:extLst>
               <a:ext uri="{FF2B5EF4-FFF2-40B4-BE49-F238E27FC236}">
-                <a16:creationId xmlns:a16="http://schemas.microsoft.com/office/drawing/2014/main" id="{CF225639-41CB-C84A-A45E-6B54E69D6EA2}"/>
+                <a16:creationId xmlns:a16="http://schemas.microsoft.com/office/drawing/2014/main" id="{D839FDA8-3BD9-D547-9295-1E7D975CAA3C}"/>
               </a:ext>
             </a:extLst>
           </p:cNvPr>
@@ -28603,405 +28454,7 @@
           <a:p>
             <a:fld id="{85A8DA42-601D-40A8-83CA-2F2CBDE5F9F0}" type="slidenum">
               <a:rPr lang="en-US" smtClean="0"/>
-              <a:t>6</a:t>
-            </a:fld>
-            <a:endParaRPr lang="en-US"/>
-          </a:p>
-        </p:txBody>
-      </p:sp>
-      <p:sp>
-        <p:nvSpPr>
-          <p:cNvPr id="6" name="TextBox 5">
-            <a:extLst>
-              <a:ext uri="{FF2B5EF4-FFF2-40B4-BE49-F238E27FC236}">
-                <a16:creationId xmlns:a16="http://schemas.microsoft.com/office/drawing/2014/main" id="{50DC082E-8F94-D042-9C36-A979691D14ED}"/>
-              </a:ext>
-            </a:extLst>
-          </p:cNvPr>
-          <p:cNvSpPr txBox="1"/>
-          <p:nvPr/>
-        </p:nvSpPr>
-        <p:spPr>
-          <a:xfrm>
-            <a:off x="381000" y="1715294"/>
-            <a:ext cx="2487925" cy="4401205"/>
-          </a:xfrm>
-          <a:prstGeom prst="rect">
-            <a:avLst/>
-          </a:prstGeom>
-          <a:noFill/>
-        </p:spPr>
-        <p:txBody>
-          <a:bodyPr wrap="none" lIns="91440" tIns="45720" rIns="91440" bIns="45720" rtlCol="0" anchor="t">
-            <a:spAutoFit/>
-          </a:bodyPr>
-          <a:lstStyle/>
-          <a:p>
-            <a:r>
-              <a:rPr lang="en-US" sz="2800" dirty="0"/>
-              <a:t>func1(int x) {</a:t>
-            </a:r>
-          </a:p>
-          <a:p>
-            <a:r>
-              <a:rPr lang="en-US" sz="2800" dirty="0"/>
-              <a:t>    x += 1;</a:t>
-            </a:r>
-          </a:p>
-          <a:p>
-            <a:r>
-              <a:rPr lang="en-US" sz="2800" dirty="0"/>
-              <a:t>    return(x);</a:t>
-            </a:r>
-          </a:p>
-          <a:p>
-            <a:r>
-              <a:rPr lang="en-US" sz="2800" dirty="0"/>
-              <a:t>}</a:t>
-            </a:r>
-          </a:p>
-          <a:p>
-            <a:endParaRPr lang="en-US" sz="2800" dirty="0"/>
-          </a:p>
-          <a:p>
-            <a:r>
-              <a:rPr lang="en-US" sz="2800" b="1" dirty="0"/>
-              <a:t>int main(void) {</a:t>
-            </a:r>
-          </a:p>
-          <a:p>
-            <a:r>
-              <a:rPr lang="en-US" sz="2800" b="1" dirty="0"/>
-              <a:t>    int n = 10;</a:t>
-            </a:r>
-          </a:p>
-          <a:p>
-            <a:r>
-              <a:rPr lang="en-US" sz="2800" dirty="0"/>
-              <a:t>    n = func1(n);</a:t>
-            </a:r>
-          </a:p>
-          <a:p>
-            <a:r>
-              <a:rPr lang="en-US" sz="2800" dirty="0"/>
-              <a:t>    return(0);</a:t>
-            </a:r>
-          </a:p>
-          <a:p>
-            <a:r>
-              <a:rPr lang="en-US" sz="2800" dirty="0"/>
-              <a:t>}</a:t>
-            </a:r>
-          </a:p>
-        </p:txBody>
-      </p:sp>
-      <p:sp>
-        <p:nvSpPr>
-          <p:cNvPr id="7" name="TextBox 6">
-            <a:extLst>
-              <a:ext uri="{FF2B5EF4-FFF2-40B4-BE49-F238E27FC236}">
-                <a16:creationId xmlns:a16="http://schemas.microsoft.com/office/drawing/2014/main" id="{DE1BB2FB-D147-E247-9CFF-CD1154B9318A}"/>
-              </a:ext>
-            </a:extLst>
-          </p:cNvPr>
-          <p:cNvSpPr txBox="1"/>
-          <p:nvPr/>
-        </p:nvSpPr>
-        <p:spPr>
-          <a:xfrm>
-            <a:off x="5193556" y="1652232"/>
-            <a:ext cx="3226011" cy="707886"/>
-          </a:xfrm>
-          <a:prstGeom prst="rect">
-            <a:avLst/>
-          </a:prstGeom>
-          <a:noFill/>
-        </p:spPr>
-        <p:txBody>
-          <a:bodyPr wrap="none" rtlCol="0">
-            <a:spAutoFit/>
-          </a:bodyPr>
-          <a:lstStyle/>
-          <a:p>
-            <a:r>
-              <a:rPr lang="en-US" sz="4000" b="1" dirty="0"/>
-              <a:t>Stack memory</a:t>
-            </a:r>
-          </a:p>
-        </p:txBody>
-      </p:sp>
-      <p:sp>
-        <p:nvSpPr>
-          <p:cNvPr id="8" name="Rectangle 7">
-            <a:extLst>
-              <a:ext uri="{FF2B5EF4-FFF2-40B4-BE49-F238E27FC236}">
-                <a16:creationId xmlns:a16="http://schemas.microsoft.com/office/drawing/2014/main" id="{A966164F-7F0E-6640-8062-EA6E9AA0E122}"/>
-              </a:ext>
-            </a:extLst>
-          </p:cNvPr>
-          <p:cNvSpPr/>
-          <p:nvPr/>
-        </p:nvSpPr>
-        <p:spPr>
-          <a:xfrm>
-            <a:off x="5562600" y="2360118"/>
-            <a:ext cx="2487925" cy="840282"/>
-          </a:xfrm>
-          <a:prstGeom prst="rect">
-            <a:avLst/>
-          </a:prstGeom>
-        </p:spPr>
-        <p:style>
-          <a:lnRef idx="2">
-            <a:schemeClr val="accent1">
-              <a:shade val="50000"/>
-            </a:schemeClr>
-          </a:lnRef>
-          <a:fillRef idx="1">
-            <a:schemeClr val="accent1"/>
-          </a:fillRef>
-          <a:effectRef idx="0">
-            <a:schemeClr val="accent1"/>
-          </a:effectRef>
-          <a:fontRef idx="minor">
-            <a:schemeClr val="lt1"/>
-          </a:fontRef>
-        </p:style>
-        <p:txBody>
-          <a:bodyPr rtlCol="0" anchor="ctr"/>
-          <a:lstStyle/>
-          <a:p>
-            <a:r>
-              <a:rPr lang="en-US" sz="3200" dirty="0"/>
-              <a:t>main</a:t>
-            </a:r>
-          </a:p>
-          <a:p>
-            <a:r>
-              <a:rPr lang="en-US" sz="2800" dirty="0"/>
-              <a:t>   int n: 10</a:t>
-            </a:r>
-          </a:p>
-        </p:txBody>
-      </p:sp>
-      <p:sp>
-        <p:nvSpPr>
-          <p:cNvPr id="9" name="Title 8">
-            <a:extLst>
-              <a:ext uri="{FF2B5EF4-FFF2-40B4-BE49-F238E27FC236}">
-                <a16:creationId xmlns:a16="http://schemas.microsoft.com/office/drawing/2014/main" id="{FE9E6756-6F76-0949-B6C0-458F606BF8DB}"/>
-              </a:ext>
-            </a:extLst>
-          </p:cNvPr>
-          <p:cNvSpPr>
-            <a:spLocks noGrp="1"/>
-          </p:cNvSpPr>
-          <p:nvPr>
-            <p:ph type="title"/>
-          </p:nvPr>
-        </p:nvSpPr>
-        <p:spPr/>
-        <p:txBody>
-          <a:bodyPr/>
-          <a:lstStyle/>
-          <a:p>
-            <a:endParaRPr lang="en-US"/>
-          </a:p>
-        </p:txBody>
-      </p:sp>
-      <p:sp>
-        <p:nvSpPr>
-          <p:cNvPr id="10" name="Title 1">
-            <a:extLst>
-              <a:ext uri="{FF2B5EF4-FFF2-40B4-BE49-F238E27FC236}">
-                <a16:creationId xmlns:a16="http://schemas.microsoft.com/office/drawing/2014/main" id="{A3487ACD-5CCD-AC49-A599-49EF92C5A991}"/>
-              </a:ext>
-            </a:extLst>
-          </p:cNvPr>
-          <p:cNvSpPr txBox="1">
-            <a:spLocks/>
-          </p:cNvSpPr>
-          <p:nvPr/>
-        </p:nvSpPr>
-        <p:spPr>
-          <a:xfrm>
-            <a:off x="152400" y="228600"/>
-            <a:ext cx="5791200" cy="1143000"/>
-          </a:xfrm>
-          <a:prstGeom prst="rect">
-            <a:avLst/>
-          </a:prstGeom>
-        </p:spPr>
-        <p:txBody>
-          <a:bodyPr vert="horz" lIns="91440" tIns="45720" rIns="91440" bIns="45720" rtlCol="0" anchor="ctr">
-            <a:normAutofit fontScale="90000" lnSpcReduction="20000"/>
-          </a:bodyPr>
-          <a:lstStyle>
-            <a:lvl1pPr algn="ctr" defTabSz="914400" rtl="0" eaLnBrk="1" latinLnBrk="0" hangingPunct="1">
-              <a:spcBef>
-                <a:spcPct val="0"/>
-              </a:spcBef>
-              <a:buNone/>
-              <a:defRPr sz="4400" kern="1200">
-                <a:solidFill>
-                  <a:schemeClr val="tx1"/>
-                </a:solidFill>
-                <a:latin typeface="+mj-lt"/>
-                <a:ea typeface="+mj-ea"/>
-                <a:cs typeface="+mj-cs"/>
-              </a:defRPr>
-            </a:lvl1pPr>
-          </a:lstStyle>
-          <a:p>
-            <a:pPr algn="l"/>
-            <a:r>
-              <a:rPr lang="en-US"/>
-              <a:t>What happens when we run our executable file?</a:t>
-            </a:r>
-            <a:endParaRPr lang="en-US" dirty="0"/>
-          </a:p>
-        </p:txBody>
-      </p:sp>
-      <p:pic>
-        <p:nvPicPr>
-          <p:cNvPr id="11" name="Picture 10">
-            <a:extLst>
-              <a:ext uri="{FF2B5EF4-FFF2-40B4-BE49-F238E27FC236}">
-                <a16:creationId xmlns:a16="http://schemas.microsoft.com/office/drawing/2014/main" id="{B625FA71-82FC-0147-9A06-30362108E394}"/>
-              </a:ext>
-            </a:extLst>
-          </p:cNvPr>
-          <p:cNvPicPr>
-            <a:picLocks noChangeAspect="1"/>
-          </p:cNvPicPr>
-          <p:nvPr/>
-        </p:nvPicPr>
-        <p:blipFill>
-          <a:blip r:embed="rId2"/>
-          <a:stretch>
-            <a:fillRect/>
-          </a:stretch>
-        </p:blipFill>
-        <p:spPr>
-          <a:xfrm>
-            <a:off x="5410200" y="178341"/>
-            <a:ext cx="3340100" cy="1358900"/>
-          </a:xfrm>
-          <a:prstGeom prst="rect">
-            <a:avLst/>
-          </a:prstGeom>
-        </p:spPr>
-      </p:pic>
-    </p:spTree>
-    <p:extLst>
-      <p:ext uri="{BB962C8B-B14F-4D97-AF65-F5344CB8AC3E}">
-        <p14:creationId xmlns:p14="http://schemas.microsoft.com/office/powerpoint/2010/main" val="2831176291"/>
-      </p:ext>
-    </p:extLst>
-  </p:cSld>
-  <p:clrMapOvr>
-    <a:masterClrMapping/>
-  </p:clrMapOvr>
-</p:sld>
-</file>
-
-<file path=ppt/slides/slide60.xml><?xml version="1.0" encoding="utf-8"?>
-<p:sld xmlns:a="http://schemas.openxmlformats.org/drawingml/2006/main" xmlns:r="http://schemas.openxmlformats.org/officeDocument/2006/relationships" xmlns:p="http://schemas.openxmlformats.org/presentationml/2006/main">
-  <p:cSld>
-    <p:spTree>
-      <p:nvGrpSpPr>
-        <p:cNvPr id="1" name=""/>
-        <p:cNvGrpSpPr/>
-        <p:nvPr/>
-      </p:nvGrpSpPr>
-      <p:grpSpPr>
-        <a:xfrm>
-          <a:off x="0" y="0"/>
-          <a:ext cx="0" cy="0"/>
-          <a:chOff x="0" y="0"/>
-          <a:chExt cx="0" cy="0"/>
-        </a:xfrm>
-      </p:grpSpPr>
-      <p:sp>
-        <p:nvSpPr>
-          <p:cNvPr id="2" name="Title 1">
-            <a:extLst>
-              <a:ext uri="{FF2B5EF4-FFF2-40B4-BE49-F238E27FC236}">
-                <a16:creationId xmlns:a16="http://schemas.microsoft.com/office/drawing/2014/main" id="{97D44BA8-0EA1-0649-BA84-F316A7156668}"/>
-              </a:ext>
-            </a:extLst>
-          </p:cNvPr>
-          <p:cNvSpPr>
-            <a:spLocks noGrp="1"/>
-          </p:cNvSpPr>
-          <p:nvPr>
-            <p:ph type="title"/>
-          </p:nvPr>
-        </p:nvSpPr>
-        <p:spPr/>
-        <p:txBody>
-          <a:bodyPr/>
-          <a:lstStyle/>
-          <a:p>
-            <a:r>
-              <a:rPr lang="en-US" dirty="0"/>
-              <a:t>Inserting a node at end of list</a:t>
-            </a:r>
-          </a:p>
-        </p:txBody>
-      </p:sp>
-      <p:sp>
-        <p:nvSpPr>
-          <p:cNvPr id="4" name="Footer Placeholder 3">
-            <a:extLst>
-              <a:ext uri="{FF2B5EF4-FFF2-40B4-BE49-F238E27FC236}">
-                <a16:creationId xmlns:a16="http://schemas.microsoft.com/office/drawing/2014/main" id="{D45AC8BD-F43C-FC42-BCF1-5AD79F3119E4}"/>
-              </a:ext>
-            </a:extLst>
-          </p:cNvPr>
-          <p:cNvSpPr>
-            <a:spLocks noGrp="1"/>
-          </p:cNvSpPr>
-          <p:nvPr>
-            <p:ph type="ftr" sz="quarter" idx="11"/>
-          </p:nvPr>
-        </p:nvSpPr>
-        <p:spPr/>
-        <p:txBody>
-          <a:bodyPr/>
-          <a:lstStyle/>
-          <a:p>
-            <a:r>
-              <a:rPr lang="en-US"/>
-              <a:t>© 2016 Pearson Education, Inc., Hoboken, NJ.  All rights reserved.</a:t>
-            </a:r>
-          </a:p>
-        </p:txBody>
-      </p:sp>
-      <p:sp>
-        <p:nvSpPr>
-          <p:cNvPr id="5" name="Slide Number Placeholder 4">
-            <a:extLst>
-              <a:ext uri="{FF2B5EF4-FFF2-40B4-BE49-F238E27FC236}">
-                <a16:creationId xmlns:a16="http://schemas.microsoft.com/office/drawing/2014/main" id="{D839FDA8-3BD9-D547-9295-1E7D975CAA3C}"/>
-              </a:ext>
-            </a:extLst>
-          </p:cNvPr>
-          <p:cNvSpPr>
-            <a:spLocks noGrp="1"/>
-          </p:cNvSpPr>
-          <p:nvPr>
-            <p:ph type="sldNum" sz="quarter" idx="12"/>
-          </p:nvPr>
-        </p:nvSpPr>
-        <p:spPr/>
-        <p:txBody>
-          <a:bodyPr/>
-          <a:lstStyle/>
-          <a:p>
-            <a:fld id="{85A8DA42-601D-40A8-83CA-2F2CBDE5F9F0}" type="slidenum">
-              <a:rPr lang="en-US" smtClean="0"/>
-              <a:t>60</a:t>
+              <a:t>59</a:t>
             </a:fld>
             <a:endParaRPr lang="en-US"/>
           </a:p>
@@ -29547,7 +29000,7 @@
 </p:sld>
 </file>
 
-<file path=ppt/slides/slide61.xml><?xml version="1.0" encoding="utf-8"?>
+<file path=ppt/slides/slide6.xml><?xml version="1.0" encoding="utf-8"?>
 <p:sld xmlns:a="http://schemas.openxmlformats.org/drawingml/2006/main" xmlns:r="http://schemas.openxmlformats.org/officeDocument/2006/relationships" xmlns:p="http://schemas.openxmlformats.org/presentationml/2006/main">
   <p:cSld>
     <p:spTree>
@@ -29566,10 +29019,293 @@
       </p:grpSpPr>
       <p:sp>
         <p:nvSpPr>
-          <p:cNvPr id="2" name="Title 1">
-            <a:extLst>
-              <a:ext uri="{FF2B5EF4-FFF2-40B4-BE49-F238E27FC236}">
-                <a16:creationId xmlns:a16="http://schemas.microsoft.com/office/drawing/2014/main" id="{97D44BA8-0EA1-0649-BA84-F316A7156668}"/>
+          <p:cNvPr id="12" name="Rectangle 11">
+            <a:extLst>
+              <a:ext uri="{FF2B5EF4-FFF2-40B4-BE49-F238E27FC236}">
+                <a16:creationId xmlns:a16="http://schemas.microsoft.com/office/drawing/2014/main" id="{E78ED476-0BDF-9441-AB48-871A06436B8E}"/>
+              </a:ext>
+            </a:extLst>
+          </p:cNvPr>
+          <p:cNvSpPr/>
+          <p:nvPr/>
+        </p:nvSpPr>
+        <p:spPr>
+          <a:xfrm>
+            <a:off x="5410200" y="2286000"/>
+            <a:ext cx="2895600" cy="1981200"/>
+          </a:xfrm>
+          <a:prstGeom prst="rect">
+            <a:avLst/>
+          </a:prstGeom>
+          <a:solidFill>
+            <a:srgbClr val="3A92FC">
+              <a:alpha val="36863"/>
+            </a:srgbClr>
+          </a:solidFill>
+        </p:spPr>
+        <p:style>
+          <a:lnRef idx="2">
+            <a:schemeClr val="accent1">
+              <a:shade val="50000"/>
+            </a:schemeClr>
+          </a:lnRef>
+          <a:fillRef idx="1">
+            <a:schemeClr val="accent1"/>
+          </a:fillRef>
+          <a:effectRef idx="0">
+            <a:schemeClr val="accent1"/>
+          </a:effectRef>
+          <a:fontRef idx="minor">
+            <a:schemeClr val="lt1"/>
+          </a:fontRef>
+        </p:style>
+        <p:txBody>
+          <a:bodyPr rtlCol="0" anchor="ctr"/>
+          <a:lstStyle/>
+          <a:p>
+            <a:pPr algn="ctr"/>
+            <a:endParaRPr lang="en-US"/>
+          </a:p>
+        </p:txBody>
+      </p:sp>
+      <p:sp>
+        <p:nvSpPr>
+          <p:cNvPr id="4" name="Footer Placeholder 3">
+            <a:extLst>
+              <a:ext uri="{FF2B5EF4-FFF2-40B4-BE49-F238E27FC236}">
+                <a16:creationId xmlns:a16="http://schemas.microsoft.com/office/drawing/2014/main" id="{EC46FAB2-42F5-EA47-B9F9-FA24D3A6BABC}"/>
+              </a:ext>
+            </a:extLst>
+          </p:cNvPr>
+          <p:cNvSpPr>
+            <a:spLocks noGrp="1"/>
+          </p:cNvSpPr>
+          <p:nvPr>
+            <p:ph type="ftr" sz="quarter" idx="11"/>
+          </p:nvPr>
+        </p:nvSpPr>
+        <p:spPr/>
+        <p:txBody>
+          <a:bodyPr/>
+          <a:lstStyle/>
+          <a:p>
+            <a:r>
+              <a:rPr lang="en-US"/>
+              <a:t>© 2016 Pearson Education, Inc., Hoboken, NJ.  All rights reserved.</a:t>
+            </a:r>
+          </a:p>
+        </p:txBody>
+      </p:sp>
+      <p:sp>
+        <p:nvSpPr>
+          <p:cNvPr id="5" name="Slide Number Placeholder 4">
+            <a:extLst>
+              <a:ext uri="{FF2B5EF4-FFF2-40B4-BE49-F238E27FC236}">
+                <a16:creationId xmlns:a16="http://schemas.microsoft.com/office/drawing/2014/main" id="{CF225639-41CB-C84A-A45E-6B54E69D6EA2}"/>
+              </a:ext>
+            </a:extLst>
+          </p:cNvPr>
+          <p:cNvSpPr>
+            <a:spLocks noGrp="1"/>
+          </p:cNvSpPr>
+          <p:nvPr>
+            <p:ph type="sldNum" sz="quarter" idx="12"/>
+          </p:nvPr>
+        </p:nvSpPr>
+        <p:spPr/>
+        <p:txBody>
+          <a:bodyPr/>
+          <a:lstStyle/>
+          <a:p>
+            <a:fld id="{85A8DA42-601D-40A8-83CA-2F2CBDE5F9F0}" type="slidenum">
+              <a:rPr lang="en-US" smtClean="0"/>
+              <a:t>6</a:t>
+            </a:fld>
+            <a:endParaRPr lang="en-US"/>
+          </a:p>
+        </p:txBody>
+      </p:sp>
+      <p:sp>
+        <p:nvSpPr>
+          <p:cNvPr id="6" name="TextBox 5">
+            <a:extLst>
+              <a:ext uri="{FF2B5EF4-FFF2-40B4-BE49-F238E27FC236}">
+                <a16:creationId xmlns:a16="http://schemas.microsoft.com/office/drawing/2014/main" id="{50DC082E-8F94-D042-9C36-A979691D14ED}"/>
+              </a:ext>
+            </a:extLst>
+          </p:cNvPr>
+          <p:cNvSpPr txBox="1"/>
+          <p:nvPr/>
+        </p:nvSpPr>
+        <p:spPr>
+          <a:xfrm>
+            <a:off x="381000" y="1715294"/>
+            <a:ext cx="2487925" cy="4401205"/>
+          </a:xfrm>
+          <a:prstGeom prst="rect">
+            <a:avLst/>
+          </a:prstGeom>
+          <a:noFill/>
+        </p:spPr>
+        <p:txBody>
+          <a:bodyPr wrap="none" lIns="91440" tIns="45720" rIns="91440" bIns="45720" rtlCol="0" anchor="t">
+            <a:spAutoFit/>
+          </a:bodyPr>
+          <a:lstStyle/>
+          <a:p>
+            <a:r>
+              <a:rPr lang="en-US" sz="2800" dirty="0"/>
+              <a:t>func1(int x) {</a:t>
+            </a:r>
+          </a:p>
+          <a:p>
+            <a:r>
+              <a:rPr lang="en-US" sz="2800" dirty="0"/>
+              <a:t>    x += 1;</a:t>
+            </a:r>
+          </a:p>
+          <a:p>
+            <a:r>
+              <a:rPr lang="en-US" sz="2800" dirty="0"/>
+              <a:t>    return(x);</a:t>
+            </a:r>
+          </a:p>
+          <a:p>
+            <a:r>
+              <a:rPr lang="en-US" sz="2800" dirty="0"/>
+              <a:t>}</a:t>
+            </a:r>
+          </a:p>
+          <a:p>
+            <a:endParaRPr lang="en-US" sz="2800" dirty="0"/>
+          </a:p>
+          <a:p>
+            <a:r>
+              <a:rPr lang="en-US" sz="2800" b="1" dirty="0"/>
+              <a:t>int main(void) {</a:t>
+            </a:r>
+          </a:p>
+          <a:p>
+            <a:r>
+              <a:rPr lang="en-US" sz="2800" b="1" dirty="0"/>
+              <a:t>    int n = 10;</a:t>
+            </a:r>
+          </a:p>
+          <a:p>
+            <a:r>
+              <a:rPr lang="en-US" sz="2800" dirty="0"/>
+              <a:t>    n = func1(n);</a:t>
+            </a:r>
+          </a:p>
+          <a:p>
+            <a:r>
+              <a:rPr lang="en-US" sz="2800" dirty="0"/>
+              <a:t>    return(0);</a:t>
+            </a:r>
+          </a:p>
+          <a:p>
+            <a:r>
+              <a:rPr lang="en-US" sz="2800" dirty="0"/>
+              <a:t>}</a:t>
+            </a:r>
+          </a:p>
+        </p:txBody>
+      </p:sp>
+      <p:sp>
+        <p:nvSpPr>
+          <p:cNvPr id="7" name="TextBox 6">
+            <a:extLst>
+              <a:ext uri="{FF2B5EF4-FFF2-40B4-BE49-F238E27FC236}">
+                <a16:creationId xmlns:a16="http://schemas.microsoft.com/office/drawing/2014/main" id="{DE1BB2FB-D147-E247-9CFF-CD1154B9318A}"/>
+              </a:ext>
+            </a:extLst>
+          </p:cNvPr>
+          <p:cNvSpPr txBox="1"/>
+          <p:nvPr/>
+        </p:nvSpPr>
+        <p:spPr>
+          <a:xfrm>
+            <a:off x="5193556" y="1652232"/>
+            <a:ext cx="3226011" cy="707886"/>
+          </a:xfrm>
+          <a:prstGeom prst="rect">
+            <a:avLst/>
+          </a:prstGeom>
+          <a:noFill/>
+        </p:spPr>
+        <p:txBody>
+          <a:bodyPr wrap="none" rtlCol="0">
+            <a:spAutoFit/>
+          </a:bodyPr>
+          <a:lstStyle/>
+          <a:p>
+            <a:r>
+              <a:rPr lang="en-US" sz="4000" b="1" dirty="0"/>
+              <a:t>Stack memory</a:t>
+            </a:r>
+          </a:p>
+        </p:txBody>
+      </p:sp>
+      <p:sp>
+        <p:nvSpPr>
+          <p:cNvPr id="8" name="Rectangle 7">
+            <a:extLst>
+              <a:ext uri="{FF2B5EF4-FFF2-40B4-BE49-F238E27FC236}">
+                <a16:creationId xmlns:a16="http://schemas.microsoft.com/office/drawing/2014/main" id="{A966164F-7F0E-6640-8062-EA6E9AA0E122}"/>
+              </a:ext>
+            </a:extLst>
+          </p:cNvPr>
+          <p:cNvSpPr/>
+          <p:nvPr/>
+        </p:nvSpPr>
+        <p:spPr>
+          <a:xfrm>
+            <a:off x="5562600" y="2360118"/>
+            <a:ext cx="2487925" cy="840282"/>
+          </a:xfrm>
+          <a:prstGeom prst="rect">
+            <a:avLst/>
+          </a:prstGeom>
+        </p:spPr>
+        <p:style>
+          <a:lnRef idx="2">
+            <a:schemeClr val="accent1">
+              <a:shade val="50000"/>
+            </a:schemeClr>
+          </a:lnRef>
+          <a:fillRef idx="1">
+            <a:schemeClr val="accent1"/>
+          </a:fillRef>
+          <a:effectRef idx="0">
+            <a:schemeClr val="accent1"/>
+          </a:effectRef>
+          <a:fontRef idx="minor">
+            <a:schemeClr val="lt1"/>
+          </a:fontRef>
+        </p:style>
+        <p:txBody>
+          <a:bodyPr rtlCol="0" anchor="ctr"/>
+          <a:lstStyle/>
+          <a:p>
+            <a:r>
+              <a:rPr lang="en-US" sz="3200" dirty="0"/>
+              <a:t>main</a:t>
+            </a:r>
+          </a:p>
+          <a:p>
+            <a:r>
+              <a:rPr lang="en-US" sz="2800" dirty="0"/>
+              <a:t>   int n: 10</a:t>
+            </a:r>
+          </a:p>
+        </p:txBody>
+      </p:sp>
+      <p:sp>
+        <p:nvSpPr>
+          <p:cNvPr id="9" name="Title 8">
+            <a:extLst>
+              <a:ext uri="{FF2B5EF4-FFF2-40B4-BE49-F238E27FC236}">
+                <a16:creationId xmlns:a16="http://schemas.microsoft.com/office/drawing/2014/main" id="{FE9E6756-6F76-0949-B6C0-458F606BF8DB}"/>
               </a:ext>
             </a:extLst>
           </p:cNvPr>
@@ -29585,6 +29321,144 @@
           <a:bodyPr/>
           <a:lstStyle/>
           <a:p>
+            <a:endParaRPr lang="en-US"/>
+          </a:p>
+        </p:txBody>
+      </p:sp>
+      <p:sp>
+        <p:nvSpPr>
+          <p:cNvPr id="10" name="Title 1">
+            <a:extLst>
+              <a:ext uri="{FF2B5EF4-FFF2-40B4-BE49-F238E27FC236}">
+                <a16:creationId xmlns:a16="http://schemas.microsoft.com/office/drawing/2014/main" id="{A3487ACD-5CCD-AC49-A599-49EF92C5A991}"/>
+              </a:ext>
+            </a:extLst>
+          </p:cNvPr>
+          <p:cNvSpPr txBox="1">
+            <a:spLocks/>
+          </p:cNvSpPr>
+          <p:nvPr/>
+        </p:nvSpPr>
+        <p:spPr>
+          <a:xfrm>
+            <a:off x="152400" y="228600"/>
+            <a:ext cx="5791200" cy="1143000"/>
+          </a:xfrm>
+          <a:prstGeom prst="rect">
+            <a:avLst/>
+          </a:prstGeom>
+        </p:spPr>
+        <p:txBody>
+          <a:bodyPr vert="horz" lIns="91440" tIns="45720" rIns="91440" bIns="45720" rtlCol="0" anchor="ctr">
+            <a:normAutofit fontScale="90000" lnSpcReduction="20000"/>
+          </a:bodyPr>
+          <a:lstStyle>
+            <a:lvl1pPr algn="ctr" defTabSz="914400" rtl="0" eaLnBrk="1" latinLnBrk="0" hangingPunct="1">
+              <a:spcBef>
+                <a:spcPct val="0"/>
+              </a:spcBef>
+              <a:buNone/>
+              <a:defRPr sz="4400" kern="1200">
+                <a:solidFill>
+                  <a:schemeClr val="tx1"/>
+                </a:solidFill>
+                <a:latin typeface="+mj-lt"/>
+                <a:ea typeface="+mj-ea"/>
+                <a:cs typeface="+mj-cs"/>
+              </a:defRPr>
+            </a:lvl1pPr>
+          </a:lstStyle>
+          <a:p>
+            <a:pPr algn="l"/>
+            <a:r>
+              <a:rPr lang="en-US"/>
+              <a:t>What happens when we run our executable file?</a:t>
+            </a:r>
+            <a:endParaRPr lang="en-US" dirty="0"/>
+          </a:p>
+        </p:txBody>
+      </p:sp>
+      <p:pic>
+        <p:nvPicPr>
+          <p:cNvPr id="11" name="Picture 10">
+            <a:extLst>
+              <a:ext uri="{FF2B5EF4-FFF2-40B4-BE49-F238E27FC236}">
+                <a16:creationId xmlns:a16="http://schemas.microsoft.com/office/drawing/2014/main" id="{B625FA71-82FC-0147-9A06-30362108E394}"/>
+              </a:ext>
+            </a:extLst>
+          </p:cNvPr>
+          <p:cNvPicPr>
+            <a:picLocks noChangeAspect="1"/>
+          </p:cNvPicPr>
+          <p:nvPr/>
+        </p:nvPicPr>
+        <p:blipFill>
+          <a:blip r:embed="rId2"/>
+          <a:stretch>
+            <a:fillRect/>
+          </a:stretch>
+        </p:blipFill>
+        <p:spPr>
+          <a:xfrm>
+            <a:off x="5410200" y="178341"/>
+            <a:ext cx="3340100" cy="1358900"/>
+          </a:xfrm>
+          <a:prstGeom prst="rect">
+            <a:avLst/>
+          </a:prstGeom>
+        </p:spPr>
+      </p:pic>
+    </p:spTree>
+    <p:extLst>
+      <p:ext uri="{BB962C8B-B14F-4D97-AF65-F5344CB8AC3E}">
+        <p14:creationId xmlns:p14="http://schemas.microsoft.com/office/powerpoint/2010/main" val="2831176291"/>
+      </p:ext>
+    </p:extLst>
+  </p:cSld>
+  <p:clrMapOvr>
+    <a:masterClrMapping/>
+  </p:clrMapOvr>
+</p:sld>
+</file>
+
+<file path=ppt/slides/slide60.xml><?xml version="1.0" encoding="utf-8"?>
+<p:sld xmlns:a="http://schemas.openxmlformats.org/drawingml/2006/main" xmlns:r="http://schemas.openxmlformats.org/officeDocument/2006/relationships" xmlns:p="http://schemas.openxmlformats.org/presentationml/2006/main">
+  <p:cSld>
+    <p:spTree>
+      <p:nvGrpSpPr>
+        <p:cNvPr id="1" name=""/>
+        <p:cNvGrpSpPr/>
+        <p:nvPr/>
+      </p:nvGrpSpPr>
+      <p:grpSpPr>
+        <a:xfrm>
+          <a:off x="0" y="0"/>
+          <a:ext cx="0" cy="0"/>
+          <a:chOff x="0" y="0"/>
+          <a:chExt cx="0" cy="0"/>
+        </a:xfrm>
+      </p:grpSpPr>
+      <p:sp>
+        <p:nvSpPr>
+          <p:cNvPr id="2" name="Title 1">
+            <a:extLst>
+              <a:ext uri="{FF2B5EF4-FFF2-40B4-BE49-F238E27FC236}">
+                <a16:creationId xmlns:a16="http://schemas.microsoft.com/office/drawing/2014/main" id="{97D44BA8-0EA1-0649-BA84-F316A7156668}"/>
+              </a:ext>
+            </a:extLst>
+          </p:cNvPr>
+          <p:cNvSpPr>
+            <a:spLocks noGrp="1"/>
+          </p:cNvSpPr>
+          <p:nvPr>
+            <p:ph type="title"/>
+          </p:nvPr>
+        </p:nvSpPr>
+        <p:spPr/>
+        <p:txBody>
+          <a:bodyPr/>
+          <a:lstStyle/>
+          <a:p>
             <a:r>
               <a:rPr lang="en-US" dirty="0"/>
               <a:t>Inserting a node at end of list</a:t>
@@ -29643,7 +29517,7 @@
           <a:p>
             <a:fld id="{85A8DA42-601D-40A8-83CA-2F2CBDE5F9F0}" type="slidenum">
               <a:rPr lang="en-US" smtClean="0"/>
-              <a:t>61</a:t>
+              <a:t>60</a:t>
             </a:fld>
             <a:endParaRPr lang="en-US"/>
           </a:p>
@@ -30050,7 +29924,7 @@
 </p:sld>
 </file>
 
-<file path=ppt/slides/slide62.xml><?xml version="1.0" encoding="utf-8"?>
+<file path=ppt/slides/slide61.xml><?xml version="1.0" encoding="utf-8"?>
 <p:sld xmlns:a="http://schemas.openxmlformats.org/drawingml/2006/main" xmlns:r="http://schemas.openxmlformats.org/officeDocument/2006/relationships" xmlns:p="http://schemas.openxmlformats.org/presentationml/2006/main">
   <p:cSld>
     <p:spTree>
@@ -30146,7 +30020,7 @@
           <a:p>
             <a:fld id="{85A8DA42-601D-40A8-83CA-2F2CBDE5F9F0}" type="slidenum">
               <a:rPr lang="en-US" smtClean="0"/>
-              <a:t>62</a:t>
+              <a:t>61</a:t>
             </a:fld>
             <a:endParaRPr lang="en-US"/>
           </a:p>
@@ -30630,7 +30504,7 @@
 </p:sld>
 </file>
 
-<file path=ppt/slides/slide63.xml><?xml version="1.0" encoding="utf-8"?>
+<file path=ppt/slides/slide62.xml><?xml version="1.0" encoding="utf-8"?>
 <p:sld xmlns:a="http://schemas.openxmlformats.org/drawingml/2006/main" xmlns:r="http://schemas.openxmlformats.org/officeDocument/2006/relationships" xmlns:p="http://schemas.openxmlformats.org/presentationml/2006/main">
   <p:cSld>
     <p:spTree>
@@ -30726,7 +30600,7 @@
           <a:p>
             <a:fld id="{85A8DA42-601D-40A8-83CA-2F2CBDE5F9F0}" type="slidenum">
               <a:rPr lang="en-US" smtClean="0"/>
-              <a:t>63</a:t>
+              <a:t>62</a:t>
             </a:fld>
             <a:endParaRPr lang="en-US"/>
           </a:p>
@@ -31245,7 +31119,7 @@
 </p:sld>
 </file>
 
-<file path=ppt/slides/slide64.xml><?xml version="1.0" encoding="utf-8"?>
+<file path=ppt/slides/slide63.xml><?xml version="1.0" encoding="utf-8"?>
 <p:sld xmlns:a="http://schemas.openxmlformats.org/drawingml/2006/main" xmlns:r="http://schemas.openxmlformats.org/officeDocument/2006/relationships" xmlns:p="http://schemas.openxmlformats.org/presentationml/2006/main">
   <p:cSld>
     <p:spTree>
@@ -31341,7 +31215,7 @@
           <a:p>
             <a:fld id="{85A8DA42-601D-40A8-83CA-2F2CBDE5F9F0}" type="slidenum">
               <a:rPr lang="en-US" smtClean="0"/>
-              <a:t>64</a:t>
+              <a:t>63</a:t>
             </a:fld>
             <a:endParaRPr lang="en-US"/>
           </a:p>
@@ -31860,7 +31734,7 @@
 </p:sld>
 </file>
 
-<file path=ppt/slides/slide65.xml><?xml version="1.0" encoding="utf-8"?>
+<file path=ppt/slides/slide64.xml><?xml version="1.0" encoding="utf-8"?>
 <p:sld xmlns:a="http://schemas.openxmlformats.org/drawingml/2006/main" xmlns:r="http://schemas.openxmlformats.org/officeDocument/2006/relationships" xmlns:p="http://schemas.openxmlformats.org/presentationml/2006/main">
   <p:cSld>
     <p:spTree>
@@ -31956,7 +31830,7 @@
           <a:p>
             <a:fld id="{85A8DA42-601D-40A8-83CA-2F2CBDE5F9F0}" type="slidenum">
               <a:rPr lang="en-US" smtClean="0"/>
-              <a:t>65</a:t>
+              <a:t>64</a:t>
             </a:fld>
             <a:endParaRPr lang="en-US"/>
           </a:p>
@@ -32475,7 +32349,7 @@
 </p:sld>
 </file>
 
-<file path=ppt/slides/slide66.xml><?xml version="1.0" encoding="utf-8"?>
+<file path=ppt/slides/slide65.xml><?xml version="1.0" encoding="utf-8"?>
 <p:sld xmlns:a="http://schemas.openxmlformats.org/drawingml/2006/main" xmlns:r="http://schemas.openxmlformats.org/officeDocument/2006/relationships" xmlns:p="http://schemas.openxmlformats.org/presentationml/2006/main">
   <p:cSld>
     <p:spTree>
@@ -32571,7 +32445,7 @@
           <a:p>
             <a:fld id="{85A8DA42-601D-40A8-83CA-2F2CBDE5F9F0}" type="slidenum">
               <a:rPr lang="en-US" smtClean="0"/>
-              <a:t>66</a:t>
+              <a:t>65</a:t>
             </a:fld>
             <a:endParaRPr lang="en-US"/>
           </a:p>
@@ -33207,7 +33081,7 @@
 </p:sld>
 </file>
 
-<file path=ppt/slides/slide67.xml><?xml version="1.0" encoding="utf-8"?>
+<file path=ppt/slides/slide66.xml><?xml version="1.0" encoding="utf-8"?>
 <p:sld xmlns:a="http://schemas.openxmlformats.org/drawingml/2006/main" xmlns:r="http://schemas.openxmlformats.org/officeDocument/2006/relationships" xmlns:p="http://schemas.openxmlformats.org/presentationml/2006/main">
   <p:cSld>
     <p:spTree>
@@ -33303,7 +33177,7 @@
           <a:p>
             <a:fld id="{85A8DA42-601D-40A8-83CA-2F2CBDE5F9F0}" type="slidenum">
               <a:rPr lang="en-US" smtClean="0"/>
-              <a:t>67</a:t>
+              <a:t>66</a:t>
             </a:fld>
             <a:endParaRPr lang="en-US"/>
           </a:p>
@@ -33825,7 +33699,7 @@
 </p:sld>
 </file>
 
-<file path=ppt/slides/slide68.xml><?xml version="1.0" encoding="utf-8"?>
+<file path=ppt/slides/slide67.xml><?xml version="1.0" encoding="utf-8"?>
 <p:sld xmlns:a="http://schemas.openxmlformats.org/drawingml/2006/main" xmlns:r="http://schemas.openxmlformats.org/officeDocument/2006/relationships" xmlns:p="http://schemas.openxmlformats.org/presentationml/2006/main">
   <p:cSld>
     <p:spTree>
@@ -33921,7 +33795,7 @@
           <a:p>
             <a:fld id="{85A8DA42-601D-40A8-83CA-2F2CBDE5F9F0}" type="slidenum">
               <a:rPr lang="en-US" smtClean="0"/>
-              <a:t>68</a:t>
+              <a:t>67</a:t>
             </a:fld>
             <a:endParaRPr lang="en-US"/>
           </a:p>
@@ -34328,7 +34202,7 @@
 </p:sld>
 </file>
 
-<file path=ppt/slides/slide69.xml><?xml version="1.0" encoding="utf-8"?>
+<file path=ppt/slides/slide68.xml><?xml version="1.0" encoding="utf-8"?>
 <p:sld xmlns:a="http://schemas.openxmlformats.org/drawingml/2006/main" xmlns:r="http://schemas.openxmlformats.org/officeDocument/2006/relationships" xmlns:p="http://schemas.openxmlformats.org/presentationml/2006/main">
   <p:cSld>
     <p:spTree>
@@ -34424,7 +34298,7 @@
           <a:p>
             <a:fld id="{85A8DA42-601D-40A8-83CA-2F2CBDE5F9F0}" type="slidenum">
               <a:rPr lang="en-US" smtClean="0"/>
-              <a:t>69</a:t>
+              <a:t>68</a:t>
             </a:fld>
             <a:endParaRPr lang="en-US"/>
           </a:p>
@@ -35058,7 +34932,7 @@
 </p:sld>
 </file>
 
-<file path=ppt/slides/slide7.xml><?xml version="1.0" encoding="utf-8"?>
+<file path=ppt/slides/slide69.xml><?xml version="1.0" encoding="utf-8"?>
 <p:sld xmlns:a="http://schemas.openxmlformats.org/drawingml/2006/main" xmlns:r="http://schemas.openxmlformats.org/officeDocument/2006/relationships" xmlns:p="http://schemas.openxmlformats.org/presentationml/2006/main">
   <p:cSld>
     <p:spTree>
@@ -35077,52 +34951,29 @@
       </p:grpSpPr>
       <p:sp>
         <p:nvSpPr>
-          <p:cNvPr id="13" name="Rectangle 12">
-            <a:extLst>
-              <a:ext uri="{FF2B5EF4-FFF2-40B4-BE49-F238E27FC236}">
-                <a16:creationId xmlns:a16="http://schemas.microsoft.com/office/drawing/2014/main" id="{0491BA3E-25D7-DE4F-817F-01EA22E1DEC6}"/>
-              </a:ext>
-            </a:extLst>
-          </p:cNvPr>
-          <p:cNvSpPr/>
-          <p:nvPr/>
-        </p:nvSpPr>
-        <p:spPr>
-          <a:xfrm>
-            <a:off x="5410200" y="2286000"/>
-            <a:ext cx="2895600" cy="1981200"/>
-          </a:xfrm>
-          <a:prstGeom prst="rect">
-            <a:avLst/>
-          </a:prstGeom>
-          <a:solidFill>
-            <a:srgbClr val="3A92FC">
-              <a:alpha val="36863"/>
-            </a:srgbClr>
-          </a:solidFill>
-        </p:spPr>
-        <p:style>
-          <a:lnRef idx="2">
-            <a:schemeClr val="accent1">
-              <a:shade val="50000"/>
-            </a:schemeClr>
-          </a:lnRef>
-          <a:fillRef idx="1">
-            <a:schemeClr val="accent1"/>
-          </a:fillRef>
-          <a:effectRef idx="0">
-            <a:schemeClr val="accent1"/>
-          </a:effectRef>
-          <a:fontRef idx="minor">
-            <a:schemeClr val="lt1"/>
-          </a:fontRef>
-        </p:style>
-        <p:txBody>
-          <a:bodyPr rtlCol="0" anchor="ctr"/>
-          <a:lstStyle/>
-          <a:p>
-            <a:pPr algn="ctr"/>
-            <a:endParaRPr lang="en-US"/>
+          <p:cNvPr id="2" name="Title 1">
+            <a:extLst>
+              <a:ext uri="{FF2B5EF4-FFF2-40B4-BE49-F238E27FC236}">
+                <a16:creationId xmlns:a16="http://schemas.microsoft.com/office/drawing/2014/main" id="{97D44BA8-0EA1-0649-BA84-F316A7156668}"/>
+              </a:ext>
+            </a:extLst>
+          </p:cNvPr>
+          <p:cNvSpPr>
+            <a:spLocks noGrp="1"/>
+          </p:cNvSpPr>
+          <p:nvPr>
+            <p:ph type="title"/>
+          </p:nvPr>
+        </p:nvSpPr>
+        <p:spPr/>
+        <p:txBody>
+          <a:bodyPr/>
+          <a:lstStyle/>
+          <a:p>
+            <a:r>
+              <a:rPr lang="en-US" dirty="0"/>
+              <a:t>Deleting a node at end of list</a:t>
+            </a:r>
           </a:p>
         </p:txBody>
       </p:sp>
@@ -35131,7 +34982,7 @@
           <p:cNvPr id="4" name="Footer Placeholder 3">
             <a:extLst>
               <a:ext uri="{FF2B5EF4-FFF2-40B4-BE49-F238E27FC236}">
-                <a16:creationId xmlns:a16="http://schemas.microsoft.com/office/drawing/2014/main" id="{EC46FAB2-42F5-EA47-B9F9-FA24D3A6BABC}"/>
+                <a16:creationId xmlns:a16="http://schemas.microsoft.com/office/drawing/2014/main" id="{D45AC8BD-F43C-FC42-BCF1-5AD79F3119E4}"/>
               </a:ext>
             </a:extLst>
           </p:cNvPr>
@@ -35159,7 +35010,7 @@
           <p:cNvPr id="5" name="Slide Number Placeholder 4">
             <a:extLst>
               <a:ext uri="{FF2B5EF4-FFF2-40B4-BE49-F238E27FC236}">
-                <a16:creationId xmlns:a16="http://schemas.microsoft.com/office/drawing/2014/main" id="{CF225639-41CB-C84A-A45E-6B54E69D6EA2}"/>
+                <a16:creationId xmlns:a16="http://schemas.microsoft.com/office/drawing/2014/main" id="{D839FDA8-3BD9-D547-9295-1E7D975CAA3C}"/>
               </a:ext>
             </a:extLst>
           </p:cNvPr>
@@ -35177,463 +35028,7 @@
           <a:p>
             <a:fld id="{85A8DA42-601D-40A8-83CA-2F2CBDE5F9F0}" type="slidenum">
               <a:rPr lang="en-US" smtClean="0"/>
-              <a:t>7</a:t>
-            </a:fld>
-            <a:endParaRPr lang="en-US"/>
-          </a:p>
-        </p:txBody>
-      </p:sp>
-      <p:sp>
-        <p:nvSpPr>
-          <p:cNvPr id="6" name="TextBox 5">
-            <a:extLst>
-              <a:ext uri="{FF2B5EF4-FFF2-40B4-BE49-F238E27FC236}">
-                <a16:creationId xmlns:a16="http://schemas.microsoft.com/office/drawing/2014/main" id="{50DC082E-8F94-D042-9C36-A979691D14ED}"/>
-              </a:ext>
-            </a:extLst>
-          </p:cNvPr>
-          <p:cNvSpPr txBox="1"/>
-          <p:nvPr/>
-        </p:nvSpPr>
-        <p:spPr>
-          <a:xfrm>
-            <a:off x="381000" y="1715294"/>
-            <a:ext cx="2487925" cy="4401205"/>
-          </a:xfrm>
-          <a:prstGeom prst="rect">
-            <a:avLst/>
-          </a:prstGeom>
-          <a:noFill/>
-        </p:spPr>
-        <p:txBody>
-          <a:bodyPr wrap="none" lIns="91440" tIns="45720" rIns="91440" bIns="45720" rtlCol="0" anchor="t">
-            <a:spAutoFit/>
-          </a:bodyPr>
-          <a:lstStyle/>
-          <a:p>
-            <a:r>
-              <a:rPr lang="en-US" sz="2800" dirty="0"/>
-              <a:t>func1(int x) {</a:t>
-            </a:r>
-          </a:p>
-          <a:p>
-            <a:r>
-              <a:rPr lang="en-US" sz="2800" b="1" dirty="0"/>
-              <a:t>    </a:t>
-            </a:r>
-            <a:r>
-              <a:rPr lang="en-US" sz="2800" dirty="0"/>
-              <a:t>x += 1;</a:t>
-            </a:r>
-          </a:p>
-          <a:p>
-            <a:r>
-              <a:rPr lang="en-US" sz="2800" dirty="0"/>
-              <a:t>    return(x);</a:t>
-            </a:r>
-          </a:p>
-          <a:p>
-            <a:r>
-              <a:rPr lang="en-US" sz="2800" dirty="0"/>
-              <a:t>}</a:t>
-            </a:r>
-          </a:p>
-          <a:p>
-            <a:endParaRPr lang="en-US" sz="2800" dirty="0"/>
-          </a:p>
-          <a:p>
-            <a:r>
-              <a:rPr lang="en-US" sz="2800" b="1" dirty="0"/>
-              <a:t>int main(void) {</a:t>
-            </a:r>
-          </a:p>
-          <a:p>
-            <a:r>
-              <a:rPr lang="en-US" sz="2800" b="1" dirty="0"/>
-              <a:t>    int n = 10;</a:t>
-            </a:r>
-          </a:p>
-          <a:p>
-            <a:r>
-              <a:rPr lang="en-US" sz="2800" b="1" dirty="0"/>
-              <a:t>    n = func1(n);</a:t>
-            </a:r>
-          </a:p>
-          <a:p>
-            <a:r>
-              <a:rPr lang="en-US" sz="2800" dirty="0"/>
-              <a:t>    return(0);</a:t>
-            </a:r>
-          </a:p>
-          <a:p>
-            <a:r>
-              <a:rPr lang="en-US" sz="2800" dirty="0"/>
-              <a:t>}</a:t>
-            </a:r>
-          </a:p>
-        </p:txBody>
-      </p:sp>
-      <p:sp>
-        <p:nvSpPr>
-          <p:cNvPr id="7" name="TextBox 6">
-            <a:extLst>
-              <a:ext uri="{FF2B5EF4-FFF2-40B4-BE49-F238E27FC236}">
-                <a16:creationId xmlns:a16="http://schemas.microsoft.com/office/drawing/2014/main" id="{DE1BB2FB-D147-E247-9CFF-CD1154B9318A}"/>
-              </a:ext>
-            </a:extLst>
-          </p:cNvPr>
-          <p:cNvSpPr txBox="1"/>
-          <p:nvPr/>
-        </p:nvSpPr>
-        <p:spPr>
-          <a:xfrm>
-            <a:off x="5193556" y="1652232"/>
-            <a:ext cx="3226011" cy="707886"/>
-          </a:xfrm>
-          <a:prstGeom prst="rect">
-            <a:avLst/>
-          </a:prstGeom>
-          <a:noFill/>
-        </p:spPr>
-        <p:txBody>
-          <a:bodyPr wrap="none" rtlCol="0">
-            <a:spAutoFit/>
-          </a:bodyPr>
-          <a:lstStyle/>
-          <a:p>
-            <a:r>
-              <a:rPr lang="en-US" sz="4000" b="1" dirty="0"/>
-              <a:t>Stack memory</a:t>
-            </a:r>
-          </a:p>
-        </p:txBody>
-      </p:sp>
-      <p:sp>
-        <p:nvSpPr>
-          <p:cNvPr id="8" name="Rectangle 7">
-            <a:extLst>
-              <a:ext uri="{FF2B5EF4-FFF2-40B4-BE49-F238E27FC236}">
-                <a16:creationId xmlns:a16="http://schemas.microsoft.com/office/drawing/2014/main" id="{A966164F-7F0E-6640-8062-EA6E9AA0E122}"/>
-              </a:ext>
-            </a:extLst>
-          </p:cNvPr>
-          <p:cNvSpPr/>
-          <p:nvPr/>
-        </p:nvSpPr>
-        <p:spPr>
-          <a:xfrm>
-            <a:off x="5562600" y="2360118"/>
-            <a:ext cx="2487925" cy="840282"/>
-          </a:xfrm>
-          <a:prstGeom prst="rect">
-            <a:avLst/>
-          </a:prstGeom>
-        </p:spPr>
-        <p:style>
-          <a:lnRef idx="2">
-            <a:schemeClr val="accent1">
-              <a:shade val="50000"/>
-            </a:schemeClr>
-          </a:lnRef>
-          <a:fillRef idx="1">
-            <a:schemeClr val="accent1"/>
-          </a:fillRef>
-          <a:effectRef idx="0">
-            <a:schemeClr val="accent1"/>
-          </a:effectRef>
-          <a:fontRef idx="minor">
-            <a:schemeClr val="lt1"/>
-          </a:fontRef>
-        </p:style>
-        <p:txBody>
-          <a:bodyPr rtlCol="0" anchor="ctr"/>
-          <a:lstStyle/>
-          <a:p>
-            <a:r>
-              <a:rPr lang="en-US" sz="3200" dirty="0"/>
-              <a:t>main</a:t>
-            </a:r>
-          </a:p>
-          <a:p>
-            <a:r>
-              <a:rPr lang="en-US" sz="2800" dirty="0"/>
-              <a:t>   int n: 10</a:t>
-            </a:r>
-          </a:p>
-        </p:txBody>
-      </p:sp>
-      <p:sp>
-        <p:nvSpPr>
-          <p:cNvPr id="9" name="Rectangle 8">
-            <a:extLst>
-              <a:ext uri="{FF2B5EF4-FFF2-40B4-BE49-F238E27FC236}">
-                <a16:creationId xmlns:a16="http://schemas.microsoft.com/office/drawing/2014/main" id="{2FEE26BC-0E16-1E44-A35A-D8C2E84AD450}"/>
-              </a:ext>
-            </a:extLst>
-          </p:cNvPr>
-          <p:cNvSpPr/>
-          <p:nvPr/>
-        </p:nvSpPr>
-        <p:spPr>
-          <a:xfrm>
-            <a:off x="5557345" y="3259540"/>
-            <a:ext cx="2487925" cy="840282"/>
-          </a:xfrm>
-          <a:prstGeom prst="rect">
-            <a:avLst/>
-          </a:prstGeom>
-        </p:spPr>
-        <p:style>
-          <a:lnRef idx="2">
-            <a:schemeClr val="accent1">
-              <a:shade val="50000"/>
-            </a:schemeClr>
-          </a:lnRef>
-          <a:fillRef idx="1">
-            <a:schemeClr val="accent1"/>
-          </a:fillRef>
-          <a:effectRef idx="0">
-            <a:schemeClr val="accent1"/>
-          </a:effectRef>
-          <a:fontRef idx="minor">
-            <a:schemeClr val="lt1"/>
-          </a:fontRef>
-        </p:style>
-        <p:txBody>
-          <a:bodyPr rtlCol="0" anchor="ctr"/>
-          <a:lstStyle/>
-          <a:p>
-            <a:r>
-              <a:rPr lang="en-US" sz="3200" dirty="0"/>
-              <a:t>func1</a:t>
-            </a:r>
-          </a:p>
-          <a:p>
-            <a:r>
-              <a:rPr lang="en-US" sz="2800" dirty="0"/>
-              <a:t>   int x: 10</a:t>
-            </a:r>
-          </a:p>
-        </p:txBody>
-      </p:sp>
-      <p:sp>
-        <p:nvSpPr>
-          <p:cNvPr id="10" name="Title 9">
-            <a:extLst>
-              <a:ext uri="{FF2B5EF4-FFF2-40B4-BE49-F238E27FC236}">
-                <a16:creationId xmlns:a16="http://schemas.microsoft.com/office/drawing/2014/main" id="{9A64130A-151A-F646-873B-FC6DF813AD1E}"/>
-              </a:ext>
-            </a:extLst>
-          </p:cNvPr>
-          <p:cNvSpPr>
-            <a:spLocks noGrp="1"/>
-          </p:cNvSpPr>
-          <p:nvPr>
-            <p:ph type="title"/>
-          </p:nvPr>
-        </p:nvSpPr>
-        <p:spPr/>
-        <p:txBody>
-          <a:bodyPr/>
-          <a:lstStyle/>
-          <a:p>
-            <a:endParaRPr lang="en-US"/>
-          </a:p>
-        </p:txBody>
-      </p:sp>
-      <p:sp>
-        <p:nvSpPr>
-          <p:cNvPr id="11" name="Title 1">
-            <a:extLst>
-              <a:ext uri="{FF2B5EF4-FFF2-40B4-BE49-F238E27FC236}">
-                <a16:creationId xmlns:a16="http://schemas.microsoft.com/office/drawing/2014/main" id="{F707818E-E787-AE42-9B81-AED9B8031724}"/>
-              </a:ext>
-            </a:extLst>
-          </p:cNvPr>
-          <p:cNvSpPr txBox="1">
-            <a:spLocks/>
-          </p:cNvSpPr>
-          <p:nvPr/>
-        </p:nvSpPr>
-        <p:spPr>
-          <a:xfrm>
-            <a:off x="152400" y="228600"/>
-            <a:ext cx="5791200" cy="1143000"/>
-          </a:xfrm>
-          <a:prstGeom prst="rect">
-            <a:avLst/>
-          </a:prstGeom>
-        </p:spPr>
-        <p:txBody>
-          <a:bodyPr vert="horz" lIns="91440" tIns="45720" rIns="91440" bIns="45720" rtlCol="0" anchor="ctr">
-            <a:normAutofit fontScale="90000" lnSpcReduction="20000"/>
-          </a:bodyPr>
-          <a:lstStyle>
-            <a:lvl1pPr algn="ctr" defTabSz="914400" rtl="0" eaLnBrk="1" latinLnBrk="0" hangingPunct="1">
-              <a:spcBef>
-                <a:spcPct val="0"/>
-              </a:spcBef>
-              <a:buNone/>
-              <a:defRPr sz="4400" kern="1200">
-                <a:solidFill>
-                  <a:schemeClr val="tx1"/>
-                </a:solidFill>
-                <a:latin typeface="+mj-lt"/>
-                <a:ea typeface="+mj-ea"/>
-                <a:cs typeface="+mj-cs"/>
-              </a:defRPr>
-            </a:lvl1pPr>
-          </a:lstStyle>
-          <a:p>
-            <a:pPr algn="l"/>
-            <a:r>
-              <a:rPr lang="en-US"/>
-              <a:t>What happens when we run our executable file?</a:t>
-            </a:r>
-            <a:endParaRPr lang="en-US" dirty="0"/>
-          </a:p>
-        </p:txBody>
-      </p:sp>
-      <p:pic>
-        <p:nvPicPr>
-          <p:cNvPr id="12" name="Picture 11">
-            <a:extLst>
-              <a:ext uri="{FF2B5EF4-FFF2-40B4-BE49-F238E27FC236}">
-                <a16:creationId xmlns:a16="http://schemas.microsoft.com/office/drawing/2014/main" id="{8D908D09-9DD3-B749-80D1-2ACB7A7E6FD1}"/>
-              </a:ext>
-            </a:extLst>
-          </p:cNvPr>
-          <p:cNvPicPr>
-            <a:picLocks noChangeAspect="1"/>
-          </p:cNvPicPr>
-          <p:nvPr/>
-        </p:nvPicPr>
-        <p:blipFill>
-          <a:blip r:embed="rId2"/>
-          <a:stretch>
-            <a:fillRect/>
-          </a:stretch>
-        </p:blipFill>
-        <p:spPr>
-          <a:xfrm>
-            <a:off x="5410200" y="178341"/>
-            <a:ext cx="3340100" cy="1358900"/>
-          </a:xfrm>
-          <a:prstGeom prst="rect">
-            <a:avLst/>
-          </a:prstGeom>
-        </p:spPr>
-      </p:pic>
-    </p:spTree>
-    <p:extLst>
-      <p:ext uri="{BB962C8B-B14F-4D97-AF65-F5344CB8AC3E}">
-        <p14:creationId xmlns:p14="http://schemas.microsoft.com/office/powerpoint/2010/main" val="3330580683"/>
-      </p:ext>
-    </p:extLst>
-  </p:cSld>
-  <p:clrMapOvr>
-    <a:masterClrMapping/>
-  </p:clrMapOvr>
-</p:sld>
-</file>
-
-<file path=ppt/slides/slide70.xml><?xml version="1.0" encoding="utf-8"?>
-<p:sld xmlns:a="http://schemas.openxmlformats.org/drawingml/2006/main" xmlns:r="http://schemas.openxmlformats.org/officeDocument/2006/relationships" xmlns:p="http://schemas.openxmlformats.org/presentationml/2006/main">
-  <p:cSld>
-    <p:spTree>
-      <p:nvGrpSpPr>
-        <p:cNvPr id="1" name=""/>
-        <p:cNvGrpSpPr/>
-        <p:nvPr/>
-      </p:nvGrpSpPr>
-      <p:grpSpPr>
-        <a:xfrm>
-          <a:off x="0" y="0"/>
-          <a:ext cx="0" cy="0"/>
-          <a:chOff x="0" y="0"/>
-          <a:chExt cx="0" cy="0"/>
-        </a:xfrm>
-      </p:grpSpPr>
-      <p:sp>
-        <p:nvSpPr>
-          <p:cNvPr id="2" name="Title 1">
-            <a:extLst>
-              <a:ext uri="{FF2B5EF4-FFF2-40B4-BE49-F238E27FC236}">
-                <a16:creationId xmlns:a16="http://schemas.microsoft.com/office/drawing/2014/main" id="{97D44BA8-0EA1-0649-BA84-F316A7156668}"/>
-              </a:ext>
-            </a:extLst>
-          </p:cNvPr>
-          <p:cNvSpPr>
-            <a:spLocks noGrp="1"/>
-          </p:cNvSpPr>
-          <p:nvPr>
-            <p:ph type="title"/>
-          </p:nvPr>
-        </p:nvSpPr>
-        <p:spPr/>
-        <p:txBody>
-          <a:bodyPr/>
-          <a:lstStyle/>
-          <a:p>
-            <a:r>
-              <a:rPr lang="en-US" dirty="0"/>
-              <a:t>Deleting a node at end of list</a:t>
-            </a:r>
-          </a:p>
-        </p:txBody>
-      </p:sp>
-      <p:sp>
-        <p:nvSpPr>
-          <p:cNvPr id="4" name="Footer Placeholder 3">
-            <a:extLst>
-              <a:ext uri="{FF2B5EF4-FFF2-40B4-BE49-F238E27FC236}">
-                <a16:creationId xmlns:a16="http://schemas.microsoft.com/office/drawing/2014/main" id="{D45AC8BD-F43C-FC42-BCF1-5AD79F3119E4}"/>
-              </a:ext>
-            </a:extLst>
-          </p:cNvPr>
-          <p:cNvSpPr>
-            <a:spLocks noGrp="1"/>
-          </p:cNvSpPr>
-          <p:nvPr>
-            <p:ph type="ftr" sz="quarter" idx="11"/>
-          </p:nvPr>
-        </p:nvSpPr>
-        <p:spPr/>
-        <p:txBody>
-          <a:bodyPr/>
-          <a:lstStyle/>
-          <a:p>
-            <a:r>
-              <a:rPr lang="en-US"/>
-              <a:t>© 2016 Pearson Education, Inc., Hoboken, NJ.  All rights reserved.</a:t>
-            </a:r>
-          </a:p>
-        </p:txBody>
-      </p:sp>
-      <p:sp>
-        <p:nvSpPr>
-          <p:cNvPr id="5" name="Slide Number Placeholder 4">
-            <a:extLst>
-              <a:ext uri="{FF2B5EF4-FFF2-40B4-BE49-F238E27FC236}">
-                <a16:creationId xmlns:a16="http://schemas.microsoft.com/office/drawing/2014/main" id="{D839FDA8-3BD9-D547-9295-1E7D975CAA3C}"/>
-              </a:ext>
-            </a:extLst>
-          </p:cNvPr>
-          <p:cNvSpPr>
-            <a:spLocks noGrp="1"/>
-          </p:cNvSpPr>
-          <p:nvPr>
-            <p:ph type="sldNum" sz="quarter" idx="12"/>
-          </p:nvPr>
-        </p:nvSpPr>
-        <p:spPr/>
-        <p:txBody>
-          <a:bodyPr/>
-          <a:lstStyle/>
-          <a:p>
-            <a:fld id="{85A8DA42-601D-40A8-83CA-2F2CBDE5F9F0}" type="slidenum">
-              <a:rPr lang="en-US" smtClean="0"/>
-              <a:t>70</a:t>
+              <a:t>69</a:t>
             </a:fld>
             <a:endParaRPr lang="en-US"/>
           </a:p>
@@ -36273,7 +35668,7 @@
 </p:sld>
 </file>
 
-<file path=ppt/slides/slide71.xml><?xml version="1.0" encoding="utf-8"?>
+<file path=ppt/slides/slide7.xml><?xml version="1.0" encoding="utf-8"?>
 <p:sld xmlns:a="http://schemas.openxmlformats.org/drawingml/2006/main" xmlns:r="http://schemas.openxmlformats.org/officeDocument/2006/relationships" xmlns:p="http://schemas.openxmlformats.org/presentationml/2006/main">
   <p:cSld>
     <p:spTree>
@@ -36292,10 +35687,351 @@
       </p:grpSpPr>
       <p:sp>
         <p:nvSpPr>
-          <p:cNvPr id="2" name="Title 1">
-            <a:extLst>
-              <a:ext uri="{FF2B5EF4-FFF2-40B4-BE49-F238E27FC236}">
-                <a16:creationId xmlns:a16="http://schemas.microsoft.com/office/drawing/2014/main" id="{97D44BA8-0EA1-0649-BA84-F316A7156668}"/>
+          <p:cNvPr id="13" name="Rectangle 12">
+            <a:extLst>
+              <a:ext uri="{FF2B5EF4-FFF2-40B4-BE49-F238E27FC236}">
+                <a16:creationId xmlns:a16="http://schemas.microsoft.com/office/drawing/2014/main" id="{0491BA3E-25D7-DE4F-817F-01EA22E1DEC6}"/>
+              </a:ext>
+            </a:extLst>
+          </p:cNvPr>
+          <p:cNvSpPr/>
+          <p:nvPr/>
+        </p:nvSpPr>
+        <p:spPr>
+          <a:xfrm>
+            <a:off x="5410200" y="2286000"/>
+            <a:ext cx="2895600" cy="1981200"/>
+          </a:xfrm>
+          <a:prstGeom prst="rect">
+            <a:avLst/>
+          </a:prstGeom>
+          <a:solidFill>
+            <a:srgbClr val="3A92FC">
+              <a:alpha val="36863"/>
+            </a:srgbClr>
+          </a:solidFill>
+        </p:spPr>
+        <p:style>
+          <a:lnRef idx="2">
+            <a:schemeClr val="accent1">
+              <a:shade val="50000"/>
+            </a:schemeClr>
+          </a:lnRef>
+          <a:fillRef idx="1">
+            <a:schemeClr val="accent1"/>
+          </a:fillRef>
+          <a:effectRef idx="0">
+            <a:schemeClr val="accent1"/>
+          </a:effectRef>
+          <a:fontRef idx="minor">
+            <a:schemeClr val="lt1"/>
+          </a:fontRef>
+        </p:style>
+        <p:txBody>
+          <a:bodyPr rtlCol="0" anchor="ctr"/>
+          <a:lstStyle/>
+          <a:p>
+            <a:pPr algn="ctr"/>
+            <a:endParaRPr lang="en-US"/>
+          </a:p>
+        </p:txBody>
+      </p:sp>
+      <p:sp>
+        <p:nvSpPr>
+          <p:cNvPr id="4" name="Footer Placeholder 3">
+            <a:extLst>
+              <a:ext uri="{FF2B5EF4-FFF2-40B4-BE49-F238E27FC236}">
+                <a16:creationId xmlns:a16="http://schemas.microsoft.com/office/drawing/2014/main" id="{EC46FAB2-42F5-EA47-B9F9-FA24D3A6BABC}"/>
+              </a:ext>
+            </a:extLst>
+          </p:cNvPr>
+          <p:cNvSpPr>
+            <a:spLocks noGrp="1"/>
+          </p:cNvSpPr>
+          <p:nvPr>
+            <p:ph type="ftr" sz="quarter" idx="11"/>
+          </p:nvPr>
+        </p:nvSpPr>
+        <p:spPr/>
+        <p:txBody>
+          <a:bodyPr/>
+          <a:lstStyle/>
+          <a:p>
+            <a:r>
+              <a:rPr lang="en-US"/>
+              <a:t>© 2016 Pearson Education, Inc., Hoboken, NJ.  All rights reserved.</a:t>
+            </a:r>
+          </a:p>
+        </p:txBody>
+      </p:sp>
+      <p:sp>
+        <p:nvSpPr>
+          <p:cNvPr id="5" name="Slide Number Placeholder 4">
+            <a:extLst>
+              <a:ext uri="{FF2B5EF4-FFF2-40B4-BE49-F238E27FC236}">
+                <a16:creationId xmlns:a16="http://schemas.microsoft.com/office/drawing/2014/main" id="{CF225639-41CB-C84A-A45E-6B54E69D6EA2}"/>
+              </a:ext>
+            </a:extLst>
+          </p:cNvPr>
+          <p:cNvSpPr>
+            <a:spLocks noGrp="1"/>
+          </p:cNvSpPr>
+          <p:nvPr>
+            <p:ph type="sldNum" sz="quarter" idx="12"/>
+          </p:nvPr>
+        </p:nvSpPr>
+        <p:spPr/>
+        <p:txBody>
+          <a:bodyPr/>
+          <a:lstStyle/>
+          <a:p>
+            <a:fld id="{85A8DA42-601D-40A8-83CA-2F2CBDE5F9F0}" type="slidenum">
+              <a:rPr lang="en-US" smtClean="0"/>
+              <a:t>7</a:t>
+            </a:fld>
+            <a:endParaRPr lang="en-US"/>
+          </a:p>
+        </p:txBody>
+      </p:sp>
+      <p:sp>
+        <p:nvSpPr>
+          <p:cNvPr id="6" name="TextBox 5">
+            <a:extLst>
+              <a:ext uri="{FF2B5EF4-FFF2-40B4-BE49-F238E27FC236}">
+                <a16:creationId xmlns:a16="http://schemas.microsoft.com/office/drawing/2014/main" id="{50DC082E-8F94-D042-9C36-A979691D14ED}"/>
+              </a:ext>
+            </a:extLst>
+          </p:cNvPr>
+          <p:cNvSpPr txBox="1"/>
+          <p:nvPr/>
+        </p:nvSpPr>
+        <p:spPr>
+          <a:xfrm>
+            <a:off x="381000" y="1715294"/>
+            <a:ext cx="2487925" cy="4401205"/>
+          </a:xfrm>
+          <a:prstGeom prst="rect">
+            <a:avLst/>
+          </a:prstGeom>
+          <a:noFill/>
+        </p:spPr>
+        <p:txBody>
+          <a:bodyPr wrap="none" lIns="91440" tIns="45720" rIns="91440" bIns="45720" rtlCol="0" anchor="t">
+            <a:spAutoFit/>
+          </a:bodyPr>
+          <a:lstStyle/>
+          <a:p>
+            <a:r>
+              <a:rPr lang="en-US" sz="2800" dirty="0"/>
+              <a:t>func1(int x) {</a:t>
+            </a:r>
+          </a:p>
+          <a:p>
+            <a:r>
+              <a:rPr lang="en-US" sz="2800" b="1" dirty="0"/>
+              <a:t>    </a:t>
+            </a:r>
+            <a:r>
+              <a:rPr lang="en-US" sz="2800" dirty="0"/>
+              <a:t>x += 1;</a:t>
+            </a:r>
+          </a:p>
+          <a:p>
+            <a:r>
+              <a:rPr lang="en-US" sz="2800" dirty="0"/>
+              <a:t>    return(x);</a:t>
+            </a:r>
+          </a:p>
+          <a:p>
+            <a:r>
+              <a:rPr lang="en-US" sz="2800" dirty="0"/>
+              <a:t>}</a:t>
+            </a:r>
+          </a:p>
+          <a:p>
+            <a:endParaRPr lang="en-US" sz="2800" dirty="0"/>
+          </a:p>
+          <a:p>
+            <a:r>
+              <a:rPr lang="en-US" sz="2800" b="1" dirty="0"/>
+              <a:t>int main(void) {</a:t>
+            </a:r>
+          </a:p>
+          <a:p>
+            <a:r>
+              <a:rPr lang="en-US" sz="2800" b="1" dirty="0"/>
+              <a:t>    int n = 10;</a:t>
+            </a:r>
+          </a:p>
+          <a:p>
+            <a:r>
+              <a:rPr lang="en-US" sz="2800" b="1" dirty="0"/>
+              <a:t>    n = func1(n);</a:t>
+            </a:r>
+          </a:p>
+          <a:p>
+            <a:r>
+              <a:rPr lang="en-US" sz="2800" dirty="0"/>
+              <a:t>    return(0);</a:t>
+            </a:r>
+          </a:p>
+          <a:p>
+            <a:r>
+              <a:rPr lang="en-US" sz="2800" dirty="0"/>
+              <a:t>}</a:t>
+            </a:r>
+          </a:p>
+        </p:txBody>
+      </p:sp>
+      <p:sp>
+        <p:nvSpPr>
+          <p:cNvPr id="7" name="TextBox 6">
+            <a:extLst>
+              <a:ext uri="{FF2B5EF4-FFF2-40B4-BE49-F238E27FC236}">
+                <a16:creationId xmlns:a16="http://schemas.microsoft.com/office/drawing/2014/main" id="{DE1BB2FB-D147-E247-9CFF-CD1154B9318A}"/>
+              </a:ext>
+            </a:extLst>
+          </p:cNvPr>
+          <p:cNvSpPr txBox="1"/>
+          <p:nvPr/>
+        </p:nvSpPr>
+        <p:spPr>
+          <a:xfrm>
+            <a:off x="5193556" y="1652232"/>
+            <a:ext cx="3226011" cy="707886"/>
+          </a:xfrm>
+          <a:prstGeom prst="rect">
+            <a:avLst/>
+          </a:prstGeom>
+          <a:noFill/>
+        </p:spPr>
+        <p:txBody>
+          <a:bodyPr wrap="none" rtlCol="0">
+            <a:spAutoFit/>
+          </a:bodyPr>
+          <a:lstStyle/>
+          <a:p>
+            <a:r>
+              <a:rPr lang="en-US" sz="4000" b="1" dirty="0"/>
+              <a:t>Stack memory</a:t>
+            </a:r>
+          </a:p>
+        </p:txBody>
+      </p:sp>
+      <p:sp>
+        <p:nvSpPr>
+          <p:cNvPr id="8" name="Rectangle 7">
+            <a:extLst>
+              <a:ext uri="{FF2B5EF4-FFF2-40B4-BE49-F238E27FC236}">
+                <a16:creationId xmlns:a16="http://schemas.microsoft.com/office/drawing/2014/main" id="{A966164F-7F0E-6640-8062-EA6E9AA0E122}"/>
+              </a:ext>
+            </a:extLst>
+          </p:cNvPr>
+          <p:cNvSpPr/>
+          <p:nvPr/>
+        </p:nvSpPr>
+        <p:spPr>
+          <a:xfrm>
+            <a:off x="5562600" y="2360118"/>
+            <a:ext cx="2487925" cy="840282"/>
+          </a:xfrm>
+          <a:prstGeom prst="rect">
+            <a:avLst/>
+          </a:prstGeom>
+        </p:spPr>
+        <p:style>
+          <a:lnRef idx="2">
+            <a:schemeClr val="accent1">
+              <a:shade val="50000"/>
+            </a:schemeClr>
+          </a:lnRef>
+          <a:fillRef idx="1">
+            <a:schemeClr val="accent1"/>
+          </a:fillRef>
+          <a:effectRef idx="0">
+            <a:schemeClr val="accent1"/>
+          </a:effectRef>
+          <a:fontRef idx="minor">
+            <a:schemeClr val="lt1"/>
+          </a:fontRef>
+        </p:style>
+        <p:txBody>
+          <a:bodyPr rtlCol="0" anchor="ctr"/>
+          <a:lstStyle/>
+          <a:p>
+            <a:r>
+              <a:rPr lang="en-US" sz="3200" dirty="0"/>
+              <a:t>main</a:t>
+            </a:r>
+          </a:p>
+          <a:p>
+            <a:r>
+              <a:rPr lang="en-US" sz="2800" dirty="0"/>
+              <a:t>   int n: 10</a:t>
+            </a:r>
+          </a:p>
+        </p:txBody>
+      </p:sp>
+      <p:sp>
+        <p:nvSpPr>
+          <p:cNvPr id="9" name="Rectangle 8">
+            <a:extLst>
+              <a:ext uri="{FF2B5EF4-FFF2-40B4-BE49-F238E27FC236}">
+                <a16:creationId xmlns:a16="http://schemas.microsoft.com/office/drawing/2014/main" id="{2FEE26BC-0E16-1E44-A35A-D8C2E84AD450}"/>
+              </a:ext>
+            </a:extLst>
+          </p:cNvPr>
+          <p:cNvSpPr/>
+          <p:nvPr/>
+        </p:nvSpPr>
+        <p:spPr>
+          <a:xfrm>
+            <a:off x="5557345" y="3259540"/>
+            <a:ext cx="2487925" cy="840282"/>
+          </a:xfrm>
+          <a:prstGeom prst="rect">
+            <a:avLst/>
+          </a:prstGeom>
+        </p:spPr>
+        <p:style>
+          <a:lnRef idx="2">
+            <a:schemeClr val="accent1">
+              <a:shade val="50000"/>
+            </a:schemeClr>
+          </a:lnRef>
+          <a:fillRef idx="1">
+            <a:schemeClr val="accent1"/>
+          </a:fillRef>
+          <a:effectRef idx="0">
+            <a:schemeClr val="accent1"/>
+          </a:effectRef>
+          <a:fontRef idx="minor">
+            <a:schemeClr val="lt1"/>
+          </a:fontRef>
+        </p:style>
+        <p:txBody>
+          <a:bodyPr rtlCol="0" anchor="ctr"/>
+          <a:lstStyle/>
+          <a:p>
+            <a:r>
+              <a:rPr lang="en-US" sz="3200" dirty="0"/>
+              <a:t>func1</a:t>
+            </a:r>
+          </a:p>
+          <a:p>
+            <a:r>
+              <a:rPr lang="en-US" sz="2800" dirty="0"/>
+              <a:t>   int x: 10</a:t>
+            </a:r>
+          </a:p>
+        </p:txBody>
+      </p:sp>
+      <p:sp>
+        <p:nvSpPr>
+          <p:cNvPr id="10" name="Title 9">
+            <a:extLst>
+              <a:ext uri="{FF2B5EF4-FFF2-40B4-BE49-F238E27FC236}">
+                <a16:creationId xmlns:a16="http://schemas.microsoft.com/office/drawing/2014/main" id="{9A64130A-151A-F646-873B-FC6DF813AD1E}"/>
               </a:ext>
             </a:extLst>
           </p:cNvPr>
@@ -36311,6 +36047,144 @@
           <a:bodyPr/>
           <a:lstStyle/>
           <a:p>
+            <a:endParaRPr lang="en-US"/>
+          </a:p>
+        </p:txBody>
+      </p:sp>
+      <p:sp>
+        <p:nvSpPr>
+          <p:cNvPr id="11" name="Title 1">
+            <a:extLst>
+              <a:ext uri="{FF2B5EF4-FFF2-40B4-BE49-F238E27FC236}">
+                <a16:creationId xmlns:a16="http://schemas.microsoft.com/office/drawing/2014/main" id="{F707818E-E787-AE42-9B81-AED9B8031724}"/>
+              </a:ext>
+            </a:extLst>
+          </p:cNvPr>
+          <p:cNvSpPr txBox="1">
+            <a:spLocks/>
+          </p:cNvSpPr>
+          <p:nvPr/>
+        </p:nvSpPr>
+        <p:spPr>
+          <a:xfrm>
+            <a:off x="152400" y="228600"/>
+            <a:ext cx="5791200" cy="1143000"/>
+          </a:xfrm>
+          <a:prstGeom prst="rect">
+            <a:avLst/>
+          </a:prstGeom>
+        </p:spPr>
+        <p:txBody>
+          <a:bodyPr vert="horz" lIns="91440" tIns="45720" rIns="91440" bIns="45720" rtlCol="0" anchor="ctr">
+            <a:normAutofit fontScale="90000" lnSpcReduction="20000"/>
+          </a:bodyPr>
+          <a:lstStyle>
+            <a:lvl1pPr algn="ctr" defTabSz="914400" rtl="0" eaLnBrk="1" latinLnBrk="0" hangingPunct="1">
+              <a:spcBef>
+                <a:spcPct val="0"/>
+              </a:spcBef>
+              <a:buNone/>
+              <a:defRPr sz="4400" kern="1200">
+                <a:solidFill>
+                  <a:schemeClr val="tx1"/>
+                </a:solidFill>
+                <a:latin typeface="+mj-lt"/>
+                <a:ea typeface="+mj-ea"/>
+                <a:cs typeface="+mj-cs"/>
+              </a:defRPr>
+            </a:lvl1pPr>
+          </a:lstStyle>
+          <a:p>
+            <a:pPr algn="l"/>
+            <a:r>
+              <a:rPr lang="en-US"/>
+              <a:t>What happens when we run our executable file?</a:t>
+            </a:r>
+            <a:endParaRPr lang="en-US" dirty="0"/>
+          </a:p>
+        </p:txBody>
+      </p:sp>
+      <p:pic>
+        <p:nvPicPr>
+          <p:cNvPr id="12" name="Picture 11">
+            <a:extLst>
+              <a:ext uri="{FF2B5EF4-FFF2-40B4-BE49-F238E27FC236}">
+                <a16:creationId xmlns:a16="http://schemas.microsoft.com/office/drawing/2014/main" id="{8D908D09-9DD3-B749-80D1-2ACB7A7E6FD1}"/>
+              </a:ext>
+            </a:extLst>
+          </p:cNvPr>
+          <p:cNvPicPr>
+            <a:picLocks noChangeAspect="1"/>
+          </p:cNvPicPr>
+          <p:nvPr/>
+        </p:nvPicPr>
+        <p:blipFill>
+          <a:blip r:embed="rId2"/>
+          <a:stretch>
+            <a:fillRect/>
+          </a:stretch>
+        </p:blipFill>
+        <p:spPr>
+          <a:xfrm>
+            <a:off x="5410200" y="178341"/>
+            <a:ext cx="3340100" cy="1358900"/>
+          </a:xfrm>
+          <a:prstGeom prst="rect">
+            <a:avLst/>
+          </a:prstGeom>
+        </p:spPr>
+      </p:pic>
+    </p:spTree>
+    <p:extLst>
+      <p:ext uri="{BB962C8B-B14F-4D97-AF65-F5344CB8AC3E}">
+        <p14:creationId xmlns:p14="http://schemas.microsoft.com/office/powerpoint/2010/main" val="3330580683"/>
+      </p:ext>
+    </p:extLst>
+  </p:cSld>
+  <p:clrMapOvr>
+    <a:masterClrMapping/>
+  </p:clrMapOvr>
+</p:sld>
+</file>
+
+<file path=ppt/slides/slide70.xml><?xml version="1.0" encoding="utf-8"?>
+<p:sld xmlns:a="http://schemas.openxmlformats.org/drawingml/2006/main" xmlns:r="http://schemas.openxmlformats.org/officeDocument/2006/relationships" xmlns:p="http://schemas.openxmlformats.org/presentationml/2006/main">
+  <p:cSld>
+    <p:spTree>
+      <p:nvGrpSpPr>
+        <p:cNvPr id="1" name=""/>
+        <p:cNvGrpSpPr/>
+        <p:nvPr/>
+      </p:nvGrpSpPr>
+      <p:grpSpPr>
+        <a:xfrm>
+          <a:off x="0" y="0"/>
+          <a:ext cx="0" cy="0"/>
+          <a:chOff x="0" y="0"/>
+          <a:chExt cx="0" cy="0"/>
+        </a:xfrm>
+      </p:grpSpPr>
+      <p:sp>
+        <p:nvSpPr>
+          <p:cNvPr id="2" name="Title 1">
+            <a:extLst>
+              <a:ext uri="{FF2B5EF4-FFF2-40B4-BE49-F238E27FC236}">
+                <a16:creationId xmlns:a16="http://schemas.microsoft.com/office/drawing/2014/main" id="{97D44BA8-0EA1-0649-BA84-F316A7156668}"/>
+              </a:ext>
+            </a:extLst>
+          </p:cNvPr>
+          <p:cNvSpPr>
+            <a:spLocks noGrp="1"/>
+          </p:cNvSpPr>
+          <p:nvPr>
+            <p:ph type="title"/>
+          </p:nvPr>
+        </p:nvSpPr>
+        <p:spPr/>
+        <p:txBody>
+          <a:bodyPr/>
+          <a:lstStyle/>
+          <a:p>
             <a:r>
               <a:rPr lang="en-US" dirty="0"/>
               <a:t>Deleting a node at end of list</a:t>
@@ -36369,7 +36243,7 @@
           <a:p>
             <a:fld id="{85A8DA42-601D-40A8-83CA-2F2CBDE5F9F0}" type="slidenum">
               <a:rPr lang="en-US" smtClean="0"/>
-              <a:t>71</a:t>
+              <a:t>70</a:t>
             </a:fld>
             <a:endParaRPr lang="en-US"/>
           </a:p>
@@ -37003,7 +36877,7 @@
 </p:sld>
 </file>
 
-<file path=ppt/slides/slide72.xml><?xml version="1.0" encoding="utf-8"?>
+<file path=ppt/slides/slide71.xml><?xml version="1.0" encoding="utf-8"?>
 <p:sld xmlns:a="http://schemas.openxmlformats.org/drawingml/2006/main" xmlns:r="http://schemas.openxmlformats.org/officeDocument/2006/relationships" xmlns:p="http://schemas.openxmlformats.org/presentationml/2006/main">
   <p:cSld>
     <p:spTree>
@@ -37099,7 +36973,7 @@
           <a:p>
             <a:fld id="{85A8DA42-601D-40A8-83CA-2F2CBDE5F9F0}" type="slidenum">
               <a:rPr lang="en-US" smtClean="0"/>
-              <a:t>72</a:t>
+              <a:t>71</a:t>
             </a:fld>
             <a:endParaRPr lang="en-US"/>
           </a:p>
@@ -37739,7 +37613,7 @@
 </p:sld>
 </file>
 
-<file path=ppt/slides/slide73.xml><?xml version="1.0" encoding="utf-8"?>
+<file path=ppt/slides/slide72.xml><?xml version="1.0" encoding="utf-8"?>
 <p:sld xmlns:a="http://schemas.openxmlformats.org/drawingml/2006/main" xmlns:r="http://schemas.openxmlformats.org/officeDocument/2006/relationships" xmlns:p="http://schemas.openxmlformats.org/presentationml/2006/main">
   <p:cSld>
     <p:spTree>
@@ -37835,7 +37709,7 @@
           <a:p>
             <a:fld id="{85A8DA42-601D-40A8-83CA-2F2CBDE5F9F0}" type="slidenum">
               <a:rPr lang="en-US" smtClean="0"/>
-              <a:t>73</a:t>
+              <a:t>72</a:t>
             </a:fld>
             <a:endParaRPr lang="en-US"/>
           </a:p>
@@ -38385,7 +38259,7 @@
 </p:sld>
 </file>
 
-<file path=ppt/slides/slide74.xml><?xml version="1.0" encoding="utf-8"?>
+<file path=ppt/slides/slide73.xml><?xml version="1.0" encoding="utf-8"?>
 <p:sld xmlns:a="http://schemas.openxmlformats.org/drawingml/2006/main" xmlns:r="http://schemas.openxmlformats.org/officeDocument/2006/relationships" xmlns:p="http://schemas.openxmlformats.org/presentationml/2006/main">
   <p:cSld>
     <p:spTree>
@@ -38481,7 +38355,7 @@
           <a:p>
             <a:fld id="{85A8DA42-601D-40A8-83CA-2F2CBDE5F9F0}" type="slidenum">
               <a:rPr lang="en-US" smtClean="0"/>
-              <a:t>74</a:t>
+              <a:t>73</a:t>
             </a:fld>
             <a:endParaRPr lang="en-US"/>
           </a:p>
@@ -38733,7 +38607,7 @@
 </p:sld>
 </file>
 
-<file path=ppt/slides/slide75.xml><?xml version="1.0" encoding="utf-8"?>
+<file path=ppt/slides/slide74.xml><?xml version="1.0" encoding="utf-8"?>
 <p:sld xmlns:a="http://schemas.openxmlformats.org/drawingml/2006/main" xmlns:r="http://schemas.openxmlformats.org/officeDocument/2006/relationships" xmlns:p="http://schemas.openxmlformats.org/presentationml/2006/main">
   <p:cSld>
     <p:spTree>
@@ -38867,7 +38741,7 @@
           <a:p>
             <a:fld id="{85A8DA42-601D-40A8-83CA-2F2CBDE5F9F0}" type="slidenum">
               <a:rPr lang="en-US" smtClean="0"/>
-              <a:t>75</a:t>
+              <a:t>74</a:t>
             </a:fld>
             <a:endParaRPr lang="en-US"/>
           </a:p>
@@ -39109,7 +38983,7 @@
 </p:sld>
 </file>
 
-<file path=ppt/slides/slide76.xml><?xml version="1.0" encoding="utf-8"?>
+<file path=ppt/slides/slide75.xml><?xml version="1.0" encoding="utf-8"?>
 <p:sld xmlns:a="http://schemas.openxmlformats.org/drawingml/2006/main" xmlns:r="http://schemas.openxmlformats.org/officeDocument/2006/relationships" xmlns:p="http://schemas.openxmlformats.org/presentationml/2006/main">
   <p:cSld>
     <p:spTree>
@@ -39258,7 +39132,7 @@
           <a:p>
             <a:fld id="{85A8DA42-601D-40A8-83CA-2F2CBDE5F9F0}" type="slidenum">
               <a:rPr lang="en-US" smtClean="0"/>
-              <a:t>76</a:t>
+              <a:t>75</a:t>
             </a:fld>
             <a:endParaRPr lang="en-US"/>
           </a:p>

--- a/_teaching/csci112-fall-2023/lectures/ppts/Chapter13.pptx
+++ b/_teaching/csci112-fall-2023/lectures/ppts/Chapter13.pptx
@@ -5,7 +5,7 @@
     <p:sldMasterId id="2147483696" r:id="rId1"/>
   </p:sldMasterIdLst>
   <p:notesMasterIdLst>
-    <p:notesMasterId r:id="rId77"/>
+    <p:notesMasterId r:id="rId71"/>
   </p:notesMasterIdLst>
   <p:sldIdLst>
     <p:sldId id="256" r:id="rId2"/>
@@ -73,16 +73,10 @@
     <p:sldId id="355" r:id="rId64"/>
     <p:sldId id="356" r:id="rId65"/>
     <p:sldId id="357" r:id="rId66"/>
-    <p:sldId id="360" r:id="rId67"/>
-    <p:sldId id="361" r:id="rId68"/>
-    <p:sldId id="362" r:id="rId69"/>
-    <p:sldId id="363" r:id="rId70"/>
-    <p:sldId id="364" r:id="rId71"/>
-    <p:sldId id="365" r:id="rId72"/>
-    <p:sldId id="366" r:id="rId73"/>
-    <p:sldId id="367" r:id="rId74"/>
-    <p:sldId id="299" r:id="rId75"/>
-    <p:sldId id="368" r:id="rId76"/>
+    <p:sldId id="374" r:id="rId67"/>
+    <p:sldId id="360" r:id="rId68"/>
+    <p:sldId id="363" r:id="rId69"/>
+    <p:sldId id="365" r:id="rId70"/>
   </p:sldIdLst>
   <p:sldSz cx="9144000" cy="6858000" type="screen4x3"/>
   <p:notesSz cx="6858000" cy="9144000"/>
@@ -16653,12 +16647,8 @@
           </a:p>
           <a:p>
             <a:r>
-              <a:rPr lang="en-US"/>
-              <a:t>If time, </a:t>
-            </a:r>
-            <a:r>
               <a:rPr lang="en-US" dirty="0"/>
-              <a:t>we’ll see a program (</a:t>
+              <a:t>If time, we’ll see a program (</a:t>
             </a:r>
             <a:r>
               <a:rPr lang="en-US" dirty="0" err="1"/>
@@ -33121,7 +33111,7 @@
           <a:p>
             <a:r>
               <a:rPr lang="en-US" dirty="0"/>
-              <a:t>Deleting a node at end of list</a:t>
+              <a:t>What if list is empty?</a:t>
             </a:r>
           </a:p>
         </p:txBody>
@@ -33178,6 +33168,232 @@
             <a:fld id="{85A8DA42-601D-40A8-83CA-2F2CBDE5F9F0}" type="slidenum">
               <a:rPr lang="en-US" smtClean="0"/>
               <a:t>66</a:t>
+            </a:fld>
+            <a:endParaRPr lang="en-US"/>
+          </a:p>
+        </p:txBody>
+      </p:sp>
+      <p:sp>
+        <p:nvSpPr>
+          <p:cNvPr id="13" name="TextBox 12">
+            <a:extLst>
+              <a:ext uri="{FF2B5EF4-FFF2-40B4-BE49-F238E27FC236}">
+                <a16:creationId xmlns:a16="http://schemas.microsoft.com/office/drawing/2014/main" id="{503E285E-0A36-6244-BEDE-643E50F7C2E7}"/>
+              </a:ext>
+            </a:extLst>
+          </p:cNvPr>
+          <p:cNvSpPr txBox="1"/>
+          <p:nvPr/>
+        </p:nvSpPr>
+        <p:spPr>
+          <a:xfrm>
+            <a:off x="76200" y="1558527"/>
+            <a:ext cx="1119217" cy="646331"/>
+          </a:xfrm>
+          <a:prstGeom prst="rect">
+            <a:avLst/>
+          </a:prstGeom>
+          <a:noFill/>
+        </p:spPr>
+        <p:txBody>
+          <a:bodyPr wrap="none" rtlCol="0">
+            <a:spAutoFit/>
+          </a:bodyPr>
+          <a:lstStyle/>
+          <a:p>
+            <a:r>
+              <a:rPr lang="en-US" sz="3600" dirty="0"/>
+              <a:t>head</a:t>
+            </a:r>
+          </a:p>
+        </p:txBody>
+      </p:sp>
+      <p:cxnSp>
+        <p:nvCxnSpPr>
+          <p:cNvPr id="14" name="Straight Arrow Connector 13">
+            <a:extLst>
+              <a:ext uri="{FF2B5EF4-FFF2-40B4-BE49-F238E27FC236}">
+                <a16:creationId xmlns:a16="http://schemas.microsoft.com/office/drawing/2014/main" id="{13622754-A352-464B-84B9-D03821B63CCA}"/>
+              </a:ext>
+            </a:extLst>
+          </p:cNvPr>
+          <p:cNvCxnSpPr>
+            <a:cxnSpLocks/>
+          </p:cNvCxnSpPr>
+          <p:nvPr/>
+        </p:nvCxnSpPr>
+        <p:spPr>
+          <a:xfrm>
+            <a:off x="228600" y="2133600"/>
+            <a:ext cx="457201" cy="841549"/>
+          </a:xfrm>
+          <a:prstGeom prst="straightConnector1">
+            <a:avLst/>
+          </a:prstGeom>
+          <a:ln w="47625">
+            <a:tailEnd type="triangle"/>
+          </a:ln>
+        </p:spPr>
+        <p:style>
+          <a:lnRef idx="1">
+            <a:schemeClr val="dk1"/>
+          </a:lnRef>
+          <a:fillRef idx="0">
+            <a:schemeClr val="dk1"/>
+          </a:fillRef>
+          <a:effectRef idx="0">
+            <a:schemeClr val="dk1"/>
+          </a:effectRef>
+          <a:fontRef idx="minor">
+            <a:schemeClr val="tx1"/>
+          </a:fontRef>
+        </p:style>
+      </p:cxnSp>
+      <p:sp>
+        <p:nvSpPr>
+          <p:cNvPr id="17" name="TextBox 16">
+            <a:extLst>
+              <a:ext uri="{FF2B5EF4-FFF2-40B4-BE49-F238E27FC236}">
+                <a16:creationId xmlns:a16="http://schemas.microsoft.com/office/drawing/2014/main" id="{B52C6163-CD4D-9840-A69A-ABCB55B1C79D}"/>
+              </a:ext>
+            </a:extLst>
+          </p:cNvPr>
+          <p:cNvSpPr txBox="1"/>
+          <p:nvPr/>
+        </p:nvSpPr>
+        <p:spPr>
+          <a:xfrm>
+            <a:off x="707572" y="2771783"/>
+            <a:ext cx="1167307" cy="646331"/>
+          </a:xfrm>
+          <a:prstGeom prst="rect">
+            <a:avLst/>
+          </a:prstGeom>
+          <a:noFill/>
+        </p:spPr>
+        <p:txBody>
+          <a:bodyPr wrap="none" rtlCol="0">
+            <a:spAutoFit/>
+          </a:bodyPr>
+          <a:lstStyle/>
+          <a:p>
+            <a:r>
+              <a:rPr lang="en-US" sz="3600" dirty="0"/>
+              <a:t>NULL</a:t>
+            </a:r>
+          </a:p>
+        </p:txBody>
+      </p:sp>
+    </p:spTree>
+    <p:extLst>
+      <p:ext uri="{BB962C8B-B14F-4D97-AF65-F5344CB8AC3E}">
+        <p14:creationId xmlns:p14="http://schemas.microsoft.com/office/powerpoint/2010/main" val="842685711"/>
+      </p:ext>
+    </p:extLst>
+  </p:cSld>
+  <p:clrMapOvr>
+    <a:masterClrMapping/>
+  </p:clrMapOvr>
+</p:sld>
+</file>
+
+<file path=ppt/slides/slide67.xml><?xml version="1.0" encoding="utf-8"?>
+<p:sld xmlns:a="http://schemas.openxmlformats.org/drawingml/2006/main" xmlns:r="http://schemas.openxmlformats.org/officeDocument/2006/relationships" xmlns:p="http://schemas.openxmlformats.org/presentationml/2006/main">
+  <p:cSld>
+    <p:spTree>
+      <p:nvGrpSpPr>
+        <p:cNvPr id="1" name=""/>
+        <p:cNvGrpSpPr/>
+        <p:nvPr/>
+      </p:nvGrpSpPr>
+      <p:grpSpPr>
+        <a:xfrm>
+          <a:off x="0" y="0"/>
+          <a:ext cx="0" cy="0"/>
+          <a:chOff x="0" y="0"/>
+          <a:chExt cx="0" cy="0"/>
+        </a:xfrm>
+      </p:grpSpPr>
+      <p:sp>
+        <p:nvSpPr>
+          <p:cNvPr id="2" name="Title 1">
+            <a:extLst>
+              <a:ext uri="{FF2B5EF4-FFF2-40B4-BE49-F238E27FC236}">
+                <a16:creationId xmlns:a16="http://schemas.microsoft.com/office/drawing/2014/main" id="{97D44BA8-0EA1-0649-BA84-F316A7156668}"/>
+              </a:ext>
+            </a:extLst>
+          </p:cNvPr>
+          <p:cNvSpPr>
+            <a:spLocks noGrp="1"/>
+          </p:cNvSpPr>
+          <p:nvPr>
+            <p:ph type="title"/>
+          </p:nvPr>
+        </p:nvSpPr>
+        <p:spPr/>
+        <p:txBody>
+          <a:bodyPr/>
+          <a:lstStyle/>
+          <a:p>
+            <a:r>
+              <a:rPr lang="en-US" dirty="0"/>
+              <a:t>Deleting a node at end of list</a:t>
+            </a:r>
+          </a:p>
+        </p:txBody>
+      </p:sp>
+      <p:sp>
+        <p:nvSpPr>
+          <p:cNvPr id="4" name="Footer Placeholder 3">
+            <a:extLst>
+              <a:ext uri="{FF2B5EF4-FFF2-40B4-BE49-F238E27FC236}">
+                <a16:creationId xmlns:a16="http://schemas.microsoft.com/office/drawing/2014/main" id="{D45AC8BD-F43C-FC42-BCF1-5AD79F3119E4}"/>
+              </a:ext>
+            </a:extLst>
+          </p:cNvPr>
+          <p:cNvSpPr>
+            <a:spLocks noGrp="1"/>
+          </p:cNvSpPr>
+          <p:nvPr>
+            <p:ph type="ftr" sz="quarter" idx="11"/>
+          </p:nvPr>
+        </p:nvSpPr>
+        <p:spPr/>
+        <p:txBody>
+          <a:bodyPr/>
+          <a:lstStyle/>
+          <a:p>
+            <a:r>
+              <a:rPr lang="en-US"/>
+              <a:t>© 2016 Pearson Education, Inc., Hoboken, NJ.  All rights reserved.</a:t>
+            </a:r>
+          </a:p>
+        </p:txBody>
+      </p:sp>
+      <p:sp>
+        <p:nvSpPr>
+          <p:cNvPr id="5" name="Slide Number Placeholder 4">
+            <a:extLst>
+              <a:ext uri="{FF2B5EF4-FFF2-40B4-BE49-F238E27FC236}">
+                <a16:creationId xmlns:a16="http://schemas.microsoft.com/office/drawing/2014/main" id="{D839FDA8-3BD9-D547-9295-1E7D975CAA3C}"/>
+              </a:ext>
+            </a:extLst>
+          </p:cNvPr>
+          <p:cNvSpPr>
+            <a:spLocks noGrp="1"/>
+          </p:cNvSpPr>
+          <p:nvPr>
+            <p:ph type="sldNum" sz="quarter" idx="12"/>
+          </p:nvPr>
+        </p:nvSpPr>
+        <p:spPr/>
+        <p:txBody>
+          <a:bodyPr/>
+          <a:lstStyle/>
+          <a:p>
+            <a:fld id="{85A8DA42-601D-40A8-83CA-2F2CBDE5F9F0}" type="slidenum">
+              <a:rPr lang="en-US" smtClean="0"/>
+              <a:t>67</a:t>
             </a:fld>
             <a:endParaRPr lang="en-US"/>
           </a:p>
@@ -33699,509 +33915,6 @@
 </p:sld>
 </file>
 
-<file path=ppt/slides/slide67.xml><?xml version="1.0" encoding="utf-8"?>
-<p:sld xmlns:a="http://schemas.openxmlformats.org/drawingml/2006/main" xmlns:r="http://schemas.openxmlformats.org/officeDocument/2006/relationships" xmlns:p="http://schemas.openxmlformats.org/presentationml/2006/main">
-  <p:cSld>
-    <p:spTree>
-      <p:nvGrpSpPr>
-        <p:cNvPr id="1" name=""/>
-        <p:cNvGrpSpPr/>
-        <p:nvPr/>
-      </p:nvGrpSpPr>
-      <p:grpSpPr>
-        <a:xfrm>
-          <a:off x="0" y="0"/>
-          <a:ext cx="0" cy="0"/>
-          <a:chOff x="0" y="0"/>
-          <a:chExt cx="0" cy="0"/>
-        </a:xfrm>
-      </p:grpSpPr>
-      <p:sp>
-        <p:nvSpPr>
-          <p:cNvPr id="2" name="Title 1">
-            <a:extLst>
-              <a:ext uri="{FF2B5EF4-FFF2-40B4-BE49-F238E27FC236}">
-                <a16:creationId xmlns:a16="http://schemas.microsoft.com/office/drawing/2014/main" id="{97D44BA8-0EA1-0649-BA84-F316A7156668}"/>
-              </a:ext>
-            </a:extLst>
-          </p:cNvPr>
-          <p:cNvSpPr>
-            <a:spLocks noGrp="1"/>
-          </p:cNvSpPr>
-          <p:nvPr>
-            <p:ph type="title"/>
-          </p:nvPr>
-        </p:nvSpPr>
-        <p:spPr/>
-        <p:txBody>
-          <a:bodyPr/>
-          <a:lstStyle/>
-          <a:p>
-            <a:r>
-              <a:rPr lang="en-US" dirty="0"/>
-              <a:t>Deleting a node at end of list</a:t>
-            </a:r>
-          </a:p>
-        </p:txBody>
-      </p:sp>
-      <p:sp>
-        <p:nvSpPr>
-          <p:cNvPr id="4" name="Footer Placeholder 3">
-            <a:extLst>
-              <a:ext uri="{FF2B5EF4-FFF2-40B4-BE49-F238E27FC236}">
-                <a16:creationId xmlns:a16="http://schemas.microsoft.com/office/drawing/2014/main" id="{D45AC8BD-F43C-FC42-BCF1-5AD79F3119E4}"/>
-              </a:ext>
-            </a:extLst>
-          </p:cNvPr>
-          <p:cNvSpPr>
-            <a:spLocks noGrp="1"/>
-          </p:cNvSpPr>
-          <p:nvPr>
-            <p:ph type="ftr" sz="quarter" idx="11"/>
-          </p:nvPr>
-        </p:nvSpPr>
-        <p:spPr/>
-        <p:txBody>
-          <a:bodyPr/>
-          <a:lstStyle/>
-          <a:p>
-            <a:r>
-              <a:rPr lang="en-US"/>
-              <a:t>© 2016 Pearson Education, Inc., Hoboken, NJ.  All rights reserved.</a:t>
-            </a:r>
-          </a:p>
-        </p:txBody>
-      </p:sp>
-      <p:sp>
-        <p:nvSpPr>
-          <p:cNvPr id="5" name="Slide Number Placeholder 4">
-            <a:extLst>
-              <a:ext uri="{FF2B5EF4-FFF2-40B4-BE49-F238E27FC236}">
-                <a16:creationId xmlns:a16="http://schemas.microsoft.com/office/drawing/2014/main" id="{D839FDA8-3BD9-D547-9295-1E7D975CAA3C}"/>
-              </a:ext>
-            </a:extLst>
-          </p:cNvPr>
-          <p:cNvSpPr>
-            <a:spLocks noGrp="1"/>
-          </p:cNvSpPr>
-          <p:nvPr>
-            <p:ph type="sldNum" sz="quarter" idx="12"/>
-          </p:nvPr>
-        </p:nvSpPr>
-        <p:spPr/>
-        <p:txBody>
-          <a:bodyPr/>
-          <a:lstStyle/>
-          <a:p>
-            <a:fld id="{85A8DA42-601D-40A8-83CA-2F2CBDE5F9F0}" type="slidenum">
-              <a:rPr lang="en-US" smtClean="0"/>
-              <a:t>67</a:t>
-            </a:fld>
-            <a:endParaRPr lang="en-US"/>
-          </a:p>
-        </p:txBody>
-      </p:sp>
-      <p:graphicFrame>
-        <p:nvGraphicFramePr>
-          <p:cNvPr id="6" name="Table 5">
-            <a:extLst>
-              <a:ext uri="{FF2B5EF4-FFF2-40B4-BE49-F238E27FC236}">
-                <a16:creationId xmlns:a16="http://schemas.microsoft.com/office/drawing/2014/main" id="{F363D275-C312-1140-B2AC-C571D0EB0E26}"/>
-              </a:ext>
-            </a:extLst>
-          </p:cNvPr>
-          <p:cNvGraphicFramePr>
-            <a:graphicFrameLocks noGrp="1"/>
-          </p:cNvGraphicFramePr>
-          <p:nvPr/>
-        </p:nvGraphicFramePr>
-        <p:xfrm>
-          <a:off x="762001" y="2624629"/>
-          <a:ext cx="1600200" cy="701040"/>
-        </p:xfrm>
-        <a:graphic>
-          <a:graphicData uri="http://schemas.openxmlformats.org/drawingml/2006/table">
-            <a:tbl>
-              <a:tblPr firstRow="1" bandRow="1">
-                <a:tableStyleId>{00A15C55-8517-42AA-B614-E9B94910E393}</a:tableStyleId>
-              </a:tblPr>
-              <a:tblGrid>
-                <a:gridCol w="800100">
-                  <a:extLst>
-                    <a:ext uri="{9D8B030D-6E8A-4147-A177-3AD203B41FA5}">
-                      <a16:colId xmlns:a16="http://schemas.microsoft.com/office/drawing/2014/main" val="466696394"/>
-                    </a:ext>
-                  </a:extLst>
-                </a:gridCol>
-                <a:gridCol w="800100">
-                  <a:extLst>
-                    <a:ext uri="{9D8B030D-6E8A-4147-A177-3AD203B41FA5}">
-                      <a16:colId xmlns:a16="http://schemas.microsoft.com/office/drawing/2014/main" val="4031276115"/>
-                    </a:ext>
-                  </a:extLst>
-                </a:gridCol>
-              </a:tblGrid>
-              <a:tr h="575772">
-                <a:tc>
-                  <a:txBody>
-                    <a:bodyPr/>
-                    <a:lstStyle/>
-                    <a:p>
-                      <a:pPr algn="ctr"/>
-                      <a:r>
-                        <a:rPr lang="en-US" sz="4000" dirty="0"/>
-                        <a:t>1</a:t>
-                      </a:r>
-                    </a:p>
-                  </a:txBody>
-                  <a:tcPr/>
-                </a:tc>
-                <a:tc>
-                  <a:txBody>
-                    <a:bodyPr/>
-                    <a:lstStyle/>
-                    <a:p>
-                      <a:endParaRPr lang="en-US" dirty="0"/>
-                    </a:p>
-                  </a:txBody>
-                  <a:tcPr/>
-                </a:tc>
-                <a:extLst>
-                  <a:ext uri="{0D108BD9-81ED-4DB2-BD59-A6C34878D82A}">
-                    <a16:rowId xmlns:a16="http://schemas.microsoft.com/office/drawing/2014/main" val="454230743"/>
-                  </a:ext>
-                </a:extLst>
-              </a:tr>
-            </a:tbl>
-          </a:graphicData>
-        </a:graphic>
-      </p:graphicFrame>
-      <p:graphicFrame>
-        <p:nvGraphicFramePr>
-          <p:cNvPr id="7" name="Table 6">
-            <a:extLst>
-              <a:ext uri="{FF2B5EF4-FFF2-40B4-BE49-F238E27FC236}">
-                <a16:creationId xmlns:a16="http://schemas.microsoft.com/office/drawing/2014/main" id="{4635C32E-953C-464F-83B3-7EEA11313602}"/>
-              </a:ext>
-            </a:extLst>
-          </p:cNvPr>
-          <p:cNvGraphicFramePr>
-            <a:graphicFrameLocks noGrp="1"/>
-          </p:cNvGraphicFramePr>
-          <p:nvPr/>
-        </p:nvGraphicFramePr>
-        <p:xfrm>
-          <a:off x="2895601" y="2631356"/>
-          <a:ext cx="1404260" cy="721446"/>
-        </p:xfrm>
-        <a:graphic>
-          <a:graphicData uri="http://schemas.openxmlformats.org/drawingml/2006/table">
-            <a:tbl>
-              <a:tblPr firstRow="1" bandRow="1">
-                <a:tableStyleId>{00A15C55-8517-42AA-B614-E9B94910E393}</a:tableStyleId>
-              </a:tblPr>
-              <a:tblGrid>
-                <a:gridCol w="702130">
-                  <a:extLst>
-                    <a:ext uri="{9D8B030D-6E8A-4147-A177-3AD203B41FA5}">
-                      <a16:colId xmlns:a16="http://schemas.microsoft.com/office/drawing/2014/main" val="466696394"/>
-                    </a:ext>
-                  </a:extLst>
-                </a:gridCol>
-                <a:gridCol w="702130">
-                  <a:extLst>
-                    <a:ext uri="{9D8B030D-6E8A-4147-A177-3AD203B41FA5}">
-                      <a16:colId xmlns:a16="http://schemas.microsoft.com/office/drawing/2014/main" val="4031276115"/>
-                    </a:ext>
-                  </a:extLst>
-                </a:gridCol>
-              </a:tblGrid>
-              <a:tr h="721446">
-                <a:tc>
-                  <a:txBody>
-                    <a:bodyPr/>
-                    <a:lstStyle/>
-                    <a:p>
-                      <a:pPr algn="ctr"/>
-                      <a:r>
-                        <a:rPr lang="en-US" sz="4000" dirty="0"/>
-                        <a:t>2</a:t>
-                      </a:r>
-                    </a:p>
-                  </a:txBody>
-                  <a:tcPr/>
-                </a:tc>
-                <a:tc>
-                  <a:txBody>
-                    <a:bodyPr/>
-                    <a:lstStyle/>
-                    <a:p>
-                      <a:endParaRPr lang="en-US" dirty="0"/>
-                    </a:p>
-                  </a:txBody>
-                  <a:tcPr/>
-                </a:tc>
-                <a:extLst>
-                  <a:ext uri="{0D108BD9-81ED-4DB2-BD59-A6C34878D82A}">
-                    <a16:rowId xmlns:a16="http://schemas.microsoft.com/office/drawing/2014/main" val="454230743"/>
-                  </a:ext>
-                </a:extLst>
-              </a:tr>
-            </a:tbl>
-          </a:graphicData>
-        </a:graphic>
-      </p:graphicFrame>
-      <p:cxnSp>
-        <p:nvCxnSpPr>
-          <p:cNvPr id="9" name="Straight Arrow Connector 8">
-            <a:extLst>
-              <a:ext uri="{FF2B5EF4-FFF2-40B4-BE49-F238E27FC236}">
-                <a16:creationId xmlns:a16="http://schemas.microsoft.com/office/drawing/2014/main" id="{BA193E28-091B-B749-A496-6A24E5038B6E}"/>
-              </a:ext>
-            </a:extLst>
-          </p:cNvPr>
-          <p:cNvCxnSpPr>
-            <a:cxnSpLocks/>
-            <a:endCxn id="7" idx="1"/>
-          </p:cNvCxnSpPr>
-          <p:nvPr/>
-        </p:nvCxnSpPr>
-        <p:spPr>
-          <a:xfrm>
-            <a:off x="1905001" y="2992079"/>
-            <a:ext cx="990600" cy="0"/>
-          </a:xfrm>
-          <a:prstGeom prst="straightConnector1">
-            <a:avLst/>
-          </a:prstGeom>
-          <a:ln w="47625">
-            <a:tailEnd type="triangle"/>
-          </a:ln>
-        </p:spPr>
-        <p:style>
-          <a:lnRef idx="1">
-            <a:schemeClr val="dk1"/>
-          </a:lnRef>
-          <a:fillRef idx="0">
-            <a:schemeClr val="dk1"/>
-          </a:fillRef>
-          <a:effectRef idx="0">
-            <a:schemeClr val="dk1"/>
-          </a:effectRef>
-          <a:fontRef idx="minor">
-            <a:schemeClr val="tx1"/>
-          </a:fontRef>
-        </p:style>
-      </p:cxnSp>
-      <p:cxnSp>
-        <p:nvCxnSpPr>
-          <p:cNvPr id="12" name="Straight Arrow Connector 11">
-            <a:extLst>
-              <a:ext uri="{FF2B5EF4-FFF2-40B4-BE49-F238E27FC236}">
-                <a16:creationId xmlns:a16="http://schemas.microsoft.com/office/drawing/2014/main" id="{1442314D-0494-8A48-A01A-338575C1963E}"/>
-              </a:ext>
-            </a:extLst>
-          </p:cNvPr>
-          <p:cNvCxnSpPr>
-            <a:cxnSpLocks/>
-          </p:cNvCxnSpPr>
-          <p:nvPr/>
-        </p:nvCxnSpPr>
-        <p:spPr>
-          <a:xfrm>
-            <a:off x="3886201" y="2992079"/>
-            <a:ext cx="990600" cy="0"/>
-          </a:xfrm>
-          <a:prstGeom prst="straightConnector1">
-            <a:avLst/>
-          </a:prstGeom>
-          <a:ln w="47625">
-            <a:tailEnd type="triangle"/>
-          </a:ln>
-        </p:spPr>
-        <p:style>
-          <a:lnRef idx="1">
-            <a:schemeClr val="dk1"/>
-          </a:lnRef>
-          <a:fillRef idx="0">
-            <a:schemeClr val="dk1"/>
-          </a:fillRef>
-          <a:effectRef idx="0">
-            <a:schemeClr val="dk1"/>
-          </a:effectRef>
-          <a:fontRef idx="minor">
-            <a:schemeClr val="tx1"/>
-          </a:fontRef>
-        </p:style>
-      </p:cxnSp>
-      <p:graphicFrame>
-        <p:nvGraphicFramePr>
-          <p:cNvPr id="28" name="Table 27">
-            <a:extLst>
-              <a:ext uri="{FF2B5EF4-FFF2-40B4-BE49-F238E27FC236}">
-                <a16:creationId xmlns:a16="http://schemas.microsoft.com/office/drawing/2014/main" id="{2D123401-48D5-C747-82CE-95B10A999D30}"/>
-              </a:ext>
-            </a:extLst>
-          </p:cNvPr>
-          <p:cNvGraphicFramePr>
-            <a:graphicFrameLocks noGrp="1"/>
-          </p:cNvGraphicFramePr>
-          <p:nvPr/>
-        </p:nvGraphicFramePr>
-        <p:xfrm>
-          <a:off x="4876800" y="2601236"/>
-          <a:ext cx="2133600" cy="721446"/>
-        </p:xfrm>
-        <a:graphic>
-          <a:graphicData uri="http://schemas.openxmlformats.org/drawingml/2006/table">
-            <a:tbl>
-              <a:tblPr firstRow="1" bandRow="1">
-                <a:tableStyleId>{00A15C55-8517-42AA-B614-E9B94910E393}</a:tableStyleId>
-              </a:tblPr>
-              <a:tblGrid>
-                <a:gridCol w="751115">
-                  <a:extLst>
-                    <a:ext uri="{9D8B030D-6E8A-4147-A177-3AD203B41FA5}">
-                      <a16:colId xmlns:a16="http://schemas.microsoft.com/office/drawing/2014/main" val="466696394"/>
-                    </a:ext>
-                  </a:extLst>
-                </a:gridCol>
-                <a:gridCol w="1382485">
-                  <a:extLst>
-                    <a:ext uri="{9D8B030D-6E8A-4147-A177-3AD203B41FA5}">
-                      <a16:colId xmlns:a16="http://schemas.microsoft.com/office/drawing/2014/main" val="4031276115"/>
-                    </a:ext>
-                  </a:extLst>
-                </a:gridCol>
-              </a:tblGrid>
-              <a:tr h="721446">
-                <a:tc>
-                  <a:txBody>
-                    <a:bodyPr/>
-                    <a:lstStyle/>
-                    <a:p>
-                      <a:pPr algn="ctr"/>
-                      <a:r>
-                        <a:rPr lang="en-US" sz="4000" dirty="0"/>
-                        <a:t>3</a:t>
-                      </a:r>
-                    </a:p>
-                  </a:txBody>
-                  <a:tcPr/>
-                </a:tc>
-                <a:tc>
-                  <a:txBody>
-                    <a:bodyPr/>
-                    <a:lstStyle/>
-                    <a:p>
-                      <a:r>
-                        <a:rPr lang="en-US" sz="3200" dirty="0"/>
-                        <a:t>NULL</a:t>
-                      </a:r>
-                    </a:p>
-                  </a:txBody>
-                  <a:tcPr/>
-                </a:tc>
-                <a:extLst>
-                  <a:ext uri="{0D108BD9-81ED-4DB2-BD59-A6C34878D82A}">
-                    <a16:rowId xmlns:a16="http://schemas.microsoft.com/office/drawing/2014/main" val="454230743"/>
-                  </a:ext>
-                </a:extLst>
-              </a:tr>
-            </a:tbl>
-          </a:graphicData>
-        </a:graphic>
-      </p:graphicFrame>
-      <p:sp>
-        <p:nvSpPr>
-          <p:cNvPr id="30" name="TextBox 29">
-            <a:extLst>
-              <a:ext uri="{FF2B5EF4-FFF2-40B4-BE49-F238E27FC236}">
-                <a16:creationId xmlns:a16="http://schemas.microsoft.com/office/drawing/2014/main" id="{8EA53345-A181-8647-8CF8-A2874B78E085}"/>
-              </a:ext>
-            </a:extLst>
-          </p:cNvPr>
-          <p:cNvSpPr txBox="1"/>
-          <p:nvPr/>
-        </p:nvSpPr>
-        <p:spPr>
-          <a:xfrm>
-            <a:off x="76200" y="1558527"/>
-            <a:ext cx="1119217" cy="646331"/>
-          </a:xfrm>
-          <a:prstGeom prst="rect">
-            <a:avLst/>
-          </a:prstGeom>
-          <a:noFill/>
-        </p:spPr>
-        <p:txBody>
-          <a:bodyPr wrap="none" rtlCol="0">
-            <a:spAutoFit/>
-          </a:bodyPr>
-          <a:lstStyle/>
-          <a:p>
-            <a:r>
-              <a:rPr lang="en-US" sz="3600" dirty="0"/>
-              <a:t>head</a:t>
-            </a:r>
-          </a:p>
-        </p:txBody>
-      </p:sp>
-      <p:cxnSp>
-        <p:nvCxnSpPr>
-          <p:cNvPr id="34" name="Straight Arrow Connector 33">
-            <a:extLst>
-              <a:ext uri="{FF2B5EF4-FFF2-40B4-BE49-F238E27FC236}">
-                <a16:creationId xmlns:a16="http://schemas.microsoft.com/office/drawing/2014/main" id="{4C6FDD85-C28A-0145-B68B-E9D6BB105A29}"/>
-              </a:ext>
-            </a:extLst>
-          </p:cNvPr>
-          <p:cNvCxnSpPr>
-            <a:cxnSpLocks/>
-            <a:endCxn id="6" idx="1"/>
-          </p:cNvCxnSpPr>
-          <p:nvPr/>
-        </p:nvCxnSpPr>
-        <p:spPr>
-          <a:xfrm>
-            <a:off x="228600" y="2133600"/>
-            <a:ext cx="533401" cy="841549"/>
-          </a:xfrm>
-          <a:prstGeom prst="straightConnector1">
-            <a:avLst/>
-          </a:prstGeom>
-          <a:ln w="47625">
-            <a:tailEnd type="triangle"/>
-          </a:ln>
-        </p:spPr>
-        <p:style>
-          <a:lnRef idx="1">
-            <a:schemeClr val="dk1"/>
-          </a:lnRef>
-          <a:fillRef idx="0">
-            <a:schemeClr val="dk1"/>
-          </a:fillRef>
-          <a:effectRef idx="0">
-            <a:schemeClr val="dk1"/>
-          </a:effectRef>
-          <a:fontRef idx="minor">
-            <a:schemeClr val="tx1"/>
-          </a:fontRef>
-        </p:style>
-      </p:cxnSp>
-    </p:spTree>
-    <p:extLst>
-      <p:ext uri="{BB962C8B-B14F-4D97-AF65-F5344CB8AC3E}">
-        <p14:creationId xmlns:p14="http://schemas.microsoft.com/office/powerpoint/2010/main" val="2972109029"/>
-      </p:ext>
-    </p:extLst>
-  </p:cSld>
-  <p:clrMapOvr>
-    <a:masterClrMapping/>
-  </p:clrMapOvr>
-</p:sld>
-</file>
-
 <file path=ppt/slides/slide68.xml><?xml version="1.0" encoding="utf-8"?>
 <p:sld xmlns:a="http://schemas.openxmlformats.org/drawingml/2006/main" xmlns:r="http://schemas.openxmlformats.org/officeDocument/2006/relationships" xmlns:p="http://schemas.openxmlformats.org/presentationml/2006/main">
   <p:cSld>
@@ -34899,7 +34612,7 @@
         <p:spPr>
           <a:xfrm>
             <a:off x="3630388" y="4637739"/>
-            <a:ext cx="4383188" cy="646331"/>
+            <a:ext cx="5401992" cy="1200329"/>
           </a:xfrm>
           <a:prstGeom prst="rect">
             <a:avLst/>
@@ -34917,12 +34630,18 @@
               <a:t>current-&gt;next == NULL</a:t>
             </a:r>
           </a:p>
+          <a:p>
+            <a:r>
+              <a:rPr lang="en-US" sz="3600" dirty="0"/>
+              <a:t>??? how do we set 3’s next?</a:t>
+            </a:r>
+          </a:p>
         </p:txBody>
       </p:sp>
     </p:spTree>
     <p:extLst>
       <p:ext uri="{BB962C8B-B14F-4D97-AF65-F5344CB8AC3E}">
-        <p14:creationId xmlns:p14="http://schemas.microsoft.com/office/powerpoint/2010/main" val="455443840"/>
+        <p14:creationId xmlns:p14="http://schemas.microsoft.com/office/powerpoint/2010/main" val="3350045965"/>
       </p:ext>
     </p:extLst>
   </p:cSld>
@@ -35583,14 +35302,14 @@
           </p:cNvPr>
           <p:cNvCxnSpPr>
             <a:cxnSpLocks/>
-            <a:endCxn id="8" idx="1"/>
+            <a:endCxn id="28" idx="1"/>
           </p:cNvCxnSpPr>
           <p:nvPr/>
         </p:nvCxnSpPr>
         <p:spPr>
           <a:xfrm flipV="1">
             <a:off x="321336" y="2961959"/>
-            <a:ext cx="6699950" cy="1424986"/>
+            <a:ext cx="4566350" cy="1424986"/>
           </a:xfrm>
           <a:prstGeom prst="straightConnector1">
             <a:avLst/>
@@ -35629,7 +35348,7 @@
         <p:spPr>
           <a:xfrm>
             <a:off x="3630388" y="4637739"/>
-            <a:ext cx="5401992" cy="1200329"/>
+            <a:ext cx="5559214" cy="1200329"/>
           </a:xfrm>
           <a:prstGeom prst="rect">
             <a:avLst/>
@@ -35644,13 +35363,13 @@
           <a:p>
             <a:r>
               <a:rPr lang="en-US" sz="3600" dirty="0"/>
-              <a:t>current-&gt;next == NULL</a:t>
+              <a:t>current-&gt;next-&gt;next == NULL</a:t>
             </a:r>
           </a:p>
           <a:p>
             <a:r>
               <a:rPr lang="en-US" sz="3600" dirty="0"/>
-              <a:t>??? how do we set 3’s next?</a:t>
+              <a:t>current-&gt;next = NULL</a:t>
             </a:r>
           </a:p>
         </p:txBody>
@@ -35658,7 +35377,7 @@
     </p:spTree>
     <p:extLst>
       <p:ext uri="{BB962C8B-B14F-4D97-AF65-F5344CB8AC3E}">
-        <p14:creationId xmlns:p14="http://schemas.microsoft.com/office/powerpoint/2010/main" val="3350045965"/>
+        <p14:creationId xmlns:p14="http://schemas.microsoft.com/office/powerpoint/2010/main" val="3125078138"/>
       </p:ext>
     </p:extLst>
   </p:cSld>
@@ -36138,3010 +35857,6 @@
     <p:extLst>
       <p:ext uri="{BB962C8B-B14F-4D97-AF65-F5344CB8AC3E}">
         <p14:creationId xmlns:p14="http://schemas.microsoft.com/office/powerpoint/2010/main" val="3330580683"/>
-      </p:ext>
-    </p:extLst>
-  </p:cSld>
-  <p:clrMapOvr>
-    <a:masterClrMapping/>
-  </p:clrMapOvr>
-</p:sld>
-</file>
-
-<file path=ppt/slides/slide70.xml><?xml version="1.0" encoding="utf-8"?>
-<p:sld xmlns:a="http://schemas.openxmlformats.org/drawingml/2006/main" xmlns:r="http://schemas.openxmlformats.org/officeDocument/2006/relationships" xmlns:p="http://schemas.openxmlformats.org/presentationml/2006/main">
-  <p:cSld>
-    <p:spTree>
-      <p:nvGrpSpPr>
-        <p:cNvPr id="1" name=""/>
-        <p:cNvGrpSpPr/>
-        <p:nvPr/>
-      </p:nvGrpSpPr>
-      <p:grpSpPr>
-        <a:xfrm>
-          <a:off x="0" y="0"/>
-          <a:ext cx="0" cy="0"/>
-          <a:chOff x="0" y="0"/>
-          <a:chExt cx="0" cy="0"/>
-        </a:xfrm>
-      </p:grpSpPr>
-      <p:sp>
-        <p:nvSpPr>
-          <p:cNvPr id="2" name="Title 1">
-            <a:extLst>
-              <a:ext uri="{FF2B5EF4-FFF2-40B4-BE49-F238E27FC236}">
-                <a16:creationId xmlns:a16="http://schemas.microsoft.com/office/drawing/2014/main" id="{97D44BA8-0EA1-0649-BA84-F316A7156668}"/>
-              </a:ext>
-            </a:extLst>
-          </p:cNvPr>
-          <p:cNvSpPr>
-            <a:spLocks noGrp="1"/>
-          </p:cNvSpPr>
-          <p:nvPr>
-            <p:ph type="title"/>
-          </p:nvPr>
-        </p:nvSpPr>
-        <p:spPr/>
-        <p:txBody>
-          <a:bodyPr/>
-          <a:lstStyle/>
-          <a:p>
-            <a:r>
-              <a:rPr lang="en-US" dirty="0"/>
-              <a:t>Deleting a node at end of list</a:t>
-            </a:r>
-          </a:p>
-        </p:txBody>
-      </p:sp>
-      <p:sp>
-        <p:nvSpPr>
-          <p:cNvPr id="4" name="Footer Placeholder 3">
-            <a:extLst>
-              <a:ext uri="{FF2B5EF4-FFF2-40B4-BE49-F238E27FC236}">
-                <a16:creationId xmlns:a16="http://schemas.microsoft.com/office/drawing/2014/main" id="{D45AC8BD-F43C-FC42-BCF1-5AD79F3119E4}"/>
-              </a:ext>
-            </a:extLst>
-          </p:cNvPr>
-          <p:cNvSpPr>
-            <a:spLocks noGrp="1"/>
-          </p:cNvSpPr>
-          <p:nvPr>
-            <p:ph type="ftr" sz="quarter" idx="11"/>
-          </p:nvPr>
-        </p:nvSpPr>
-        <p:spPr/>
-        <p:txBody>
-          <a:bodyPr/>
-          <a:lstStyle/>
-          <a:p>
-            <a:r>
-              <a:rPr lang="en-US"/>
-              <a:t>© 2016 Pearson Education, Inc., Hoboken, NJ.  All rights reserved.</a:t>
-            </a:r>
-          </a:p>
-        </p:txBody>
-      </p:sp>
-      <p:sp>
-        <p:nvSpPr>
-          <p:cNvPr id="5" name="Slide Number Placeholder 4">
-            <a:extLst>
-              <a:ext uri="{FF2B5EF4-FFF2-40B4-BE49-F238E27FC236}">
-                <a16:creationId xmlns:a16="http://schemas.microsoft.com/office/drawing/2014/main" id="{D839FDA8-3BD9-D547-9295-1E7D975CAA3C}"/>
-              </a:ext>
-            </a:extLst>
-          </p:cNvPr>
-          <p:cNvSpPr>
-            <a:spLocks noGrp="1"/>
-          </p:cNvSpPr>
-          <p:nvPr>
-            <p:ph type="sldNum" sz="quarter" idx="12"/>
-          </p:nvPr>
-        </p:nvSpPr>
-        <p:spPr/>
-        <p:txBody>
-          <a:bodyPr/>
-          <a:lstStyle/>
-          <a:p>
-            <a:fld id="{85A8DA42-601D-40A8-83CA-2F2CBDE5F9F0}" type="slidenum">
-              <a:rPr lang="en-US" smtClean="0"/>
-              <a:t>70</a:t>
-            </a:fld>
-            <a:endParaRPr lang="en-US"/>
-          </a:p>
-        </p:txBody>
-      </p:sp>
-      <p:graphicFrame>
-        <p:nvGraphicFramePr>
-          <p:cNvPr id="6" name="Table 5">
-            <a:extLst>
-              <a:ext uri="{FF2B5EF4-FFF2-40B4-BE49-F238E27FC236}">
-                <a16:creationId xmlns:a16="http://schemas.microsoft.com/office/drawing/2014/main" id="{F363D275-C312-1140-B2AC-C571D0EB0E26}"/>
-              </a:ext>
-            </a:extLst>
-          </p:cNvPr>
-          <p:cNvGraphicFramePr>
-            <a:graphicFrameLocks noGrp="1"/>
-          </p:cNvGraphicFramePr>
-          <p:nvPr/>
-        </p:nvGraphicFramePr>
-        <p:xfrm>
-          <a:off x="772886" y="2624629"/>
-          <a:ext cx="1600200" cy="701040"/>
-        </p:xfrm>
-        <a:graphic>
-          <a:graphicData uri="http://schemas.openxmlformats.org/drawingml/2006/table">
-            <a:tbl>
-              <a:tblPr firstRow="1" bandRow="1">
-                <a:tableStyleId>{00A15C55-8517-42AA-B614-E9B94910E393}</a:tableStyleId>
-              </a:tblPr>
-              <a:tblGrid>
-                <a:gridCol w="800100">
-                  <a:extLst>
-                    <a:ext uri="{9D8B030D-6E8A-4147-A177-3AD203B41FA5}">
-                      <a16:colId xmlns:a16="http://schemas.microsoft.com/office/drawing/2014/main" val="466696394"/>
-                    </a:ext>
-                  </a:extLst>
-                </a:gridCol>
-                <a:gridCol w="800100">
-                  <a:extLst>
-                    <a:ext uri="{9D8B030D-6E8A-4147-A177-3AD203B41FA5}">
-                      <a16:colId xmlns:a16="http://schemas.microsoft.com/office/drawing/2014/main" val="4031276115"/>
-                    </a:ext>
-                  </a:extLst>
-                </a:gridCol>
-              </a:tblGrid>
-              <a:tr h="575772">
-                <a:tc>
-                  <a:txBody>
-                    <a:bodyPr/>
-                    <a:lstStyle/>
-                    <a:p>
-                      <a:pPr algn="ctr"/>
-                      <a:r>
-                        <a:rPr lang="en-US" sz="4000" dirty="0"/>
-                        <a:t>1</a:t>
-                      </a:r>
-                    </a:p>
-                  </a:txBody>
-                  <a:tcPr/>
-                </a:tc>
-                <a:tc>
-                  <a:txBody>
-                    <a:bodyPr/>
-                    <a:lstStyle/>
-                    <a:p>
-                      <a:endParaRPr lang="en-US" dirty="0"/>
-                    </a:p>
-                  </a:txBody>
-                  <a:tcPr/>
-                </a:tc>
-                <a:extLst>
-                  <a:ext uri="{0D108BD9-81ED-4DB2-BD59-A6C34878D82A}">
-                    <a16:rowId xmlns:a16="http://schemas.microsoft.com/office/drawing/2014/main" val="454230743"/>
-                  </a:ext>
-                </a:extLst>
-              </a:tr>
-            </a:tbl>
-          </a:graphicData>
-        </a:graphic>
-      </p:graphicFrame>
-      <p:graphicFrame>
-        <p:nvGraphicFramePr>
-          <p:cNvPr id="7" name="Table 6">
-            <a:extLst>
-              <a:ext uri="{FF2B5EF4-FFF2-40B4-BE49-F238E27FC236}">
-                <a16:creationId xmlns:a16="http://schemas.microsoft.com/office/drawing/2014/main" id="{4635C32E-953C-464F-83B3-7EEA11313602}"/>
-              </a:ext>
-            </a:extLst>
-          </p:cNvPr>
-          <p:cNvGraphicFramePr>
-            <a:graphicFrameLocks noGrp="1"/>
-          </p:cNvGraphicFramePr>
-          <p:nvPr/>
-        </p:nvGraphicFramePr>
-        <p:xfrm>
-          <a:off x="2906486" y="2631356"/>
-          <a:ext cx="1404260" cy="721446"/>
-        </p:xfrm>
-        <a:graphic>
-          <a:graphicData uri="http://schemas.openxmlformats.org/drawingml/2006/table">
-            <a:tbl>
-              <a:tblPr firstRow="1" bandRow="1">
-                <a:tableStyleId>{00A15C55-8517-42AA-B614-E9B94910E393}</a:tableStyleId>
-              </a:tblPr>
-              <a:tblGrid>
-                <a:gridCol w="702130">
-                  <a:extLst>
-                    <a:ext uri="{9D8B030D-6E8A-4147-A177-3AD203B41FA5}">
-                      <a16:colId xmlns:a16="http://schemas.microsoft.com/office/drawing/2014/main" val="466696394"/>
-                    </a:ext>
-                  </a:extLst>
-                </a:gridCol>
-                <a:gridCol w="702130">
-                  <a:extLst>
-                    <a:ext uri="{9D8B030D-6E8A-4147-A177-3AD203B41FA5}">
-                      <a16:colId xmlns:a16="http://schemas.microsoft.com/office/drawing/2014/main" val="4031276115"/>
-                    </a:ext>
-                  </a:extLst>
-                </a:gridCol>
-              </a:tblGrid>
-              <a:tr h="721446">
-                <a:tc>
-                  <a:txBody>
-                    <a:bodyPr/>
-                    <a:lstStyle/>
-                    <a:p>
-                      <a:pPr algn="ctr"/>
-                      <a:r>
-                        <a:rPr lang="en-US" sz="4000" dirty="0"/>
-                        <a:t>2</a:t>
-                      </a:r>
-                    </a:p>
-                  </a:txBody>
-                  <a:tcPr/>
-                </a:tc>
-                <a:tc>
-                  <a:txBody>
-                    <a:bodyPr/>
-                    <a:lstStyle/>
-                    <a:p>
-                      <a:endParaRPr lang="en-US" dirty="0"/>
-                    </a:p>
-                  </a:txBody>
-                  <a:tcPr/>
-                </a:tc>
-                <a:extLst>
-                  <a:ext uri="{0D108BD9-81ED-4DB2-BD59-A6C34878D82A}">
-                    <a16:rowId xmlns:a16="http://schemas.microsoft.com/office/drawing/2014/main" val="454230743"/>
-                  </a:ext>
-                </a:extLst>
-              </a:tr>
-            </a:tbl>
-          </a:graphicData>
-        </a:graphic>
-      </p:graphicFrame>
-      <p:graphicFrame>
-        <p:nvGraphicFramePr>
-          <p:cNvPr id="8" name="Table 7">
-            <a:extLst>
-              <a:ext uri="{FF2B5EF4-FFF2-40B4-BE49-F238E27FC236}">
-                <a16:creationId xmlns:a16="http://schemas.microsoft.com/office/drawing/2014/main" id="{7C0AEBB9-ABFE-4541-BABB-32110F5A3335}"/>
-              </a:ext>
-            </a:extLst>
-          </p:cNvPr>
-          <p:cNvGraphicFramePr>
-            <a:graphicFrameLocks noGrp="1"/>
-          </p:cNvGraphicFramePr>
-          <p:nvPr/>
-        </p:nvGraphicFramePr>
-        <p:xfrm>
-          <a:off x="7021286" y="2601236"/>
-          <a:ext cx="1894114" cy="721446"/>
-        </p:xfrm>
-        <a:graphic>
-          <a:graphicData uri="http://schemas.openxmlformats.org/drawingml/2006/table">
-            <a:tbl>
-              <a:tblPr firstRow="1" bandRow="1">
-                <a:tableStyleId>{00A15C55-8517-42AA-B614-E9B94910E393}</a:tableStyleId>
-              </a:tblPr>
-              <a:tblGrid>
-                <a:gridCol w="672105">
-                  <a:extLst>
-                    <a:ext uri="{9D8B030D-6E8A-4147-A177-3AD203B41FA5}">
-                      <a16:colId xmlns:a16="http://schemas.microsoft.com/office/drawing/2014/main" val="466696394"/>
-                    </a:ext>
-                  </a:extLst>
-                </a:gridCol>
-                <a:gridCol w="1222009">
-                  <a:extLst>
-                    <a:ext uri="{9D8B030D-6E8A-4147-A177-3AD203B41FA5}">
-                      <a16:colId xmlns:a16="http://schemas.microsoft.com/office/drawing/2014/main" val="4031276115"/>
-                    </a:ext>
-                  </a:extLst>
-                </a:gridCol>
-              </a:tblGrid>
-              <a:tr h="721446">
-                <a:tc>
-                  <a:txBody>
-                    <a:bodyPr/>
-                    <a:lstStyle/>
-                    <a:p>
-                      <a:pPr algn="ctr"/>
-                      <a:r>
-                        <a:rPr lang="en-US" sz="4000" dirty="0"/>
-                        <a:t>4</a:t>
-                      </a:r>
-                    </a:p>
-                  </a:txBody>
-                  <a:tcPr/>
-                </a:tc>
-                <a:tc>
-                  <a:txBody>
-                    <a:bodyPr/>
-                    <a:lstStyle/>
-                    <a:p>
-                      <a:r>
-                        <a:rPr lang="en-US" sz="3200" dirty="0"/>
-                        <a:t>NULL</a:t>
-                      </a:r>
-                    </a:p>
-                  </a:txBody>
-                  <a:tcPr/>
-                </a:tc>
-                <a:extLst>
-                  <a:ext uri="{0D108BD9-81ED-4DB2-BD59-A6C34878D82A}">
-                    <a16:rowId xmlns:a16="http://schemas.microsoft.com/office/drawing/2014/main" val="454230743"/>
-                  </a:ext>
-                </a:extLst>
-              </a:tr>
-            </a:tbl>
-          </a:graphicData>
-        </a:graphic>
-      </p:graphicFrame>
-      <p:cxnSp>
-        <p:nvCxnSpPr>
-          <p:cNvPr id="9" name="Straight Arrow Connector 8">
-            <a:extLst>
-              <a:ext uri="{FF2B5EF4-FFF2-40B4-BE49-F238E27FC236}">
-                <a16:creationId xmlns:a16="http://schemas.microsoft.com/office/drawing/2014/main" id="{BA193E28-091B-B749-A496-6A24E5038B6E}"/>
-              </a:ext>
-            </a:extLst>
-          </p:cNvPr>
-          <p:cNvCxnSpPr>
-            <a:cxnSpLocks/>
-            <a:endCxn id="7" idx="1"/>
-          </p:cNvCxnSpPr>
-          <p:nvPr/>
-        </p:nvCxnSpPr>
-        <p:spPr>
-          <a:xfrm>
-            <a:off x="1915886" y="2992079"/>
-            <a:ext cx="990600" cy="0"/>
-          </a:xfrm>
-          <a:prstGeom prst="straightConnector1">
-            <a:avLst/>
-          </a:prstGeom>
-          <a:ln w="47625">
-            <a:tailEnd type="triangle"/>
-          </a:ln>
-        </p:spPr>
-        <p:style>
-          <a:lnRef idx="1">
-            <a:schemeClr val="dk1"/>
-          </a:lnRef>
-          <a:fillRef idx="0">
-            <a:schemeClr val="dk1"/>
-          </a:fillRef>
-          <a:effectRef idx="0">
-            <a:schemeClr val="dk1"/>
-          </a:effectRef>
-          <a:fontRef idx="minor">
-            <a:schemeClr val="tx1"/>
-          </a:fontRef>
-        </p:style>
-      </p:cxnSp>
-      <p:cxnSp>
-        <p:nvCxnSpPr>
-          <p:cNvPr id="12" name="Straight Arrow Connector 11">
-            <a:extLst>
-              <a:ext uri="{FF2B5EF4-FFF2-40B4-BE49-F238E27FC236}">
-                <a16:creationId xmlns:a16="http://schemas.microsoft.com/office/drawing/2014/main" id="{1442314D-0494-8A48-A01A-338575C1963E}"/>
-              </a:ext>
-            </a:extLst>
-          </p:cNvPr>
-          <p:cNvCxnSpPr>
-            <a:cxnSpLocks/>
-          </p:cNvCxnSpPr>
-          <p:nvPr/>
-        </p:nvCxnSpPr>
-        <p:spPr>
-          <a:xfrm>
-            <a:off x="3897086" y="2992079"/>
-            <a:ext cx="990600" cy="0"/>
-          </a:xfrm>
-          <a:prstGeom prst="straightConnector1">
-            <a:avLst/>
-          </a:prstGeom>
-          <a:ln w="47625">
-            <a:tailEnd type="triangle"/>
-          </a:ln>
-        </p:spPr>
-        <p:style>
-          <a:lnRef idx="1">
-            <a:schemeClr val="dk1"/>
-          </a:lnRef>
-          <a:fillRef idx="0">
-            <a:schemeClr val="dk1"/>
-          </a:fillRef>
-          <a:effectRef idx="0">
-            <a:schemeClr val="dk1"/>
-          </a:effectRef>
-          <a:fontRef idx="minor">
-            <a:schemeClr val="tx1"/>
-          </a:fontRef>
-        </p:style>
-      </p:cxnSp>
-      <p:graphicFrame>
-        <p:nvGraphicFramePr>
-          <p:cNvPr id="28" name="Table 27">
-            <a:extLst>
-              <a:ext uri="{FF2B5EF4-FFF2-40B4-BE49-F238E27FC236}">
-                <a16:creationId xmlns:a16="http://schemas.microsoft.com/office/drawing/2014/main" id="{2D123401-48D5-C747-82CE-95B10A999D30}"/>
-              </a:ext>
-            </a:extLst>
-          </p:cNvPr>
-          <p:cNvGraphicFramePr>
-            <a:graphicFrameLocks noGrp="1"/>
-          </p:cNvGraphicFramePr>
-          <p:nvPr/>
-        </p:nvGraphicFramePr>
-        <p:xfrm>
-          <a:off x="4887686" y="2601236"/>
-          <a:ext cx="1404260" cy="721446"/>
-        </p:xfrm>
-        <a:graphic>
-          <a:graphicData uri="http://schemas.openxmlformats.org/drawingml/2006/table">
-            <a:tbl>
-              <a:tblPr firstRow="1" bandRow="1">
-                <a:tableStyleId>{00A15C55-8517-42AA-B614-E9B94910E393}</a:tableStyleId>
-              </a:tblPr>
-              <a:tblGrid>
-                <a:gridCol w="702130">
-                  <a:extLst>
-                    <a:ext uri="{9D8B030D-6E8A-4147-A177-3AD203B41FA5}">
-                      <a16:colId xmlns:a16="http://schemas.microsoft.com/office/drawing/2014/main" val="466696394"/>
-                    </a:ext>
-                  </a:extLst>
-                </a:gridCol>
-                <a:gridCol w="702130">
-                  <a:extLst>
-                    <a:ext uri="{9D8B030D-6E8A-4147-A177-3AD203B41FA5}">
-                      <a16:colId xmlns:a16="http://schemas.microsoft.com/office/drawing/2014/main" val="4031276115"/>
-                    </a:ext>
-                  </a:extLst>
-                </a:gridCol>
-              </a:tblGrid>
-              <a:tr h="721446">
-                <a:tc>
-                  <a:txBody>
-                    <a:bodyPr/>
-                    <a:lstStyle/>
-                    <a:p>
-                      <a:pPr algn="ctr"/>
-                      <a:r>
-                        <a:rPr lang="en-US" sz="4000" dirty="0"/>
-                        <a:t>3</a:t>
-                      </a:r>
-                    </a:p>
-                  </a:txBody>
-                  <a:tcPr/>
-                </a:tc>
-                <a:tc>
-                  <a:txBody>
-                    <a:bodyPr/>
-                    <a:lstStyle/>
-                    <a:p>
-                      <a:endParaRPr lang="en-US" dirty="0"/>
-                    </a:p>
-                  </a:txBody>
-                  <a:tcPr/>
-                </a:tc>
-                <a:extLst>
-                  <a:ext uri="{0D108BD9-81ED-4DB2-BD59-A6C34878D82A}">
-                    <a16:rowId xmlns:a16="http://schemas.microsoft.com/office/drawing/2014/main" val="454230743"/>
-                  </a:ext>
-                </a:extLst>
-              </a:tr>
-            </a:tbl>
-          </a:graphicData>
-        </a:graphic>
-      </p:graphicFrame>
-      <p:cxnSp>
-        <p:nvCxnSpPr>
-          <p:cNvPr id="29" name="Straight Arrow Connector 28">
-            <a:extLst>
-              <a:ext uri="{FF2B5EF4-FFF2-40B4-BE49-F238E27FC236}">
-                <a16:creationId xmlns:a16="http://schemas.microsoft.com/office/drawing/2014/main" id="{FB49592C-425B-6143-8211-69C523381CFD}"/>
-              </a:ext>
-            </a:extLst>
-          </p:cNvPr>
-          <p:cNvCxnSpPr>
-            <a:cxnSpLocks/>
-          </p:cNvCxnSpPr>
-          <p:nvPr/>
-        </p:nvCxnSpPr>
-        <p:spPr>
-          <a:xfrm>
-            <a:off x="6030686" y="2992079"/>
-            <a:ext cx="990600" cy="0"/>
-          </a:xfrm>
-          <a:prstGeom prst="straightConnector1">
-            <a:avLst/>
-          </a:prstGeom>
-          <a:ln w="47625">
-            <a:tailEnd type="triangle"/>
-          </a:ln>
-        </p:spPr>
-        <p:style>
-          <a:lnRef idx="1">
-            <a:schemeClr val="dk1"/>
-          </a:lnRef>
-          <a:fillRef idx="0">
-            <a:schemeClr val="dk1"/>
-          </a:fillRef>
-          <a:effectRef idx="0">
-            <a:schemeClr val="dk1"/>
-          </a:effectRef>
-          <a:fontRef idx="minor">
-            <a:schemeClr val="tx1"/>
-          </a:fontRef>
-        </p:style>
-      </p:cxnSp>
-      <p:sp>
-        <p:nvSpPr>
-          <p:cNvPr id="13" name="TextBox 12">
-            <a:extLst>
-              <a:ext uri="{FF2B5EF4-FFF2-40B4-BE49-F238E27FC236}">
-                <a16:creationId xmlns:a16="http://schemas.microsoft.com/office/drawing/2014/main" id="{503E285E-0A36-6244-BEDE-643E50F7C2E7}"/>
-              </a:ext>
-            </a:extLst>
-          </p:cNvPr>
-          <p:cNvSpPr txBox="1"/>
-          <p:nvPr/>
-        </p:nvSpPr>
-        <p:spPr>
-          <a:xfrm>
-            <a:off x="76200" y="1558527"/>
-            <a:ext cx="1119217" cy="646331"/>
-          </a:xfrm>
-          <a:prstGeom prst="rect">
-            <a:avLst/>
-          </a:prstGeom>
-          <a:noFill/>
-        </p:spPr>
-        <p:txBody>
-          <a:bodyPr wrap="none" rtlCol="0">
-            <a:spAutoFit/>
-          </a:bodyPr>
-          <a:lstStyle/>
-          <a:p>
-            <a:r>
-              <a:rPr lang="en-US" sz="3600" dirty="0"/>
-              <a:t>head</a:t>
-            </a:r>
-          </a:p>
-        </p:txBody>
-      </p:sp>
-      <p:cxnSp>
-        <p:nvCxnSpPr>
-          <p:cNvPr id="14" name="Straight Arrow Connector 13">
-            <a:extLst>
-              <a:ext uri="{FF2B5EF4-FFF2-40B4-BE49-F238E27FC236}">
-                <a16:creationId xmlns:a16="http://schemas.microsoft.com/office/drawing/2014/main" id="{13622754-A352-464B-84B9-D03821B63CCA}"/>
-              </a:ext>
-            </a:extLst>
-          </p:cNvPr>
-          <p:cNvCxnSpPr>
-            <a:cxnSpLocks/>
-          </p:cNvCxnSpPr>
-          <p:nvPr/>
-        </p:nvCxnSpPr>
-        <p:spPr>
-          <a:xfrm>
-            <a:off x="228600" y="2133600"/>
-            <a:ext cx="457201" cy="841549"/>
-          </a:xfrm>
-          <a:prstGeom prst="straightConnector1">
-            <a:avLst/>
-          </a:prstGeom>
-          <a:ln w="47625">
-            <a:tailEnd type="triangle"/>
-          </a:ln>
-        </p:spPr>
-        <p:style>
-          <a:lnRef idx="1">
-            <a:schemeClr val="dk1"/>
-          </a:lnRef>
-          <a:fillRef idx="0">
-            <a:schemeClr val="dk1"/>
-          </a:fillRef>
-          <a:effectRef idx="0">
-            <a:schemeClr val="dk1"/>
-          </a:effectRef>
-          <a:fontRef idx="minor">
-            <a:schemeClr val="tx1"/>
-          </a:fontRef>
-        </p:style>
-      </p:cxnSp>
-      <p:sp>
-        <p:nvSpPr>
-          <p:cNvPr id="15" name="TextBox 14">
-            <a:extLst>
-              <a:ext uri="{FF2B5EF4-FFF2-40B4-BE49-F238E27FC236}">
-                <a16:creationId xmlns:a16="http://schemas.microsoft.com/office/drawing/2014/main" id="{A08E1BAC-D064-C949-812F-8B642D248603}"/>
-              </a:ext>
-            </a:extLst>
-          </p:cNvPr>
-          <p:cNvSpPr txBox="1"/>
-          <p:nvPr/>
-        </p:nvSpPr>
-        <p:spPr>
-          <a:xfrm>
-            <a:off x="0" y="4182140"/>
-            <a:ext cx="1557671" cy="646331"/>
-          </a:xfrm>
-          <a:prstGeom prst="rect">
-            <a:avLst/>
-          </a:prstGeom>
-          <a:noFill/>
-        </p:spPr>
-        <p:txBody>
-          <a:bodyPr wrap="none" rtlCol="0">
-            <a:spAutoFit/>
-          </a:bodyPr>
-          <a:lstStyle/>
-          <a:p>
-            <a:r>
-              <a:rPr lang="en-US" sz="3600" dirty="0"/>
-              <a:t>current</a:t>
-            </a:r>
-          </a:p>
-        </p:txBody>
-      </p:sp>
-      <p:cxnSp>
-        <p:nvCxnSpPr>
-          <p:cNvPr id="16" name="Straight Arrow Connector 15">
-            <a:extLst>
-              <a:ext uri="{FF2B5EF4-FFF2-40B4-BE49-F238E27FC236}">
-                <a16:creationId xmlns:a16="http://schemas.microsoft.com/office/drawing/2014/main" id="{6275210B-13D3-464F-A06F-78E100411711}"/>
-              </a:ext>
-            </a:extLst>
-          </p:cNvPr>
-          <p:cNvCxnSpPr>
-            <a:cxnSpLocks/>
-            <a:endCxn id="28" idx="1"/>
-          </p:cNvCxnSpPr>
-          <p:nvPr/>
-        </p:nvCxnSpPr>
-        <p:spPr>
-          <a:xfrm flipV="1">
-            <a:off x="321336" y="2961959"/>
-            <a:ext cx="4566350" cy="1424986"/>
-          </a:xfrm>
-          <a:prstGeom prst="straightConnector1">
-            <a:avLst/>
-          </a:prstGeom>
-          <a:ln w="47625">
-            <a:tailEnd type="triangle"/>
-          </a:ln>
-        </p:spPr>
-        <p:style>
-          <a:lnRef idx="1">
-            <a:schemeClr val="dk1"/>
-          </a:lnRef>
-          <a:fillRef idx="0">
-            <a:schemeClr val="dk1"/>
-          </a:fillRef>
-          <a:effectRef idx="0">
-            <a:schemeClr val="dk1"/>
-          </a:effectRef>
-          <a:fontRef idx="minor">
-            <a:schemeClr val="tx1"/>
-          </a:fontRef>
-        </p:style>
-      </p:cxnSp>
-      <p:sp>
-        <p:nvSpPr>
-          <p:cNvPr id="17" name="TextBox 16">
-            <a:extLst>
-              <a:ext uri="{FF2B5EF4-FFF2-40B4-BE49-F238E27FC236}">
-                <a16:creationId xmlns:a16="http://schemas.microsoft.com/office/drawing/2014/main" id="{0FDBDC9E-6718-2D41-BC11-A19F997B3E2F}"/>
-              </a:ext>
-            </a:extLst>
-          </p:cNvPr>
-          <p:cNvSpPr txBox="1"/>
-          <p:nvPr/>
-        </p:nvSpPr>
-        <p:spPr>
-          <a:xfrm>
-            <a:off x="3630388" y="4637739"/>
-            <a:ext cx="5559214" cy="646331"/>
-          </a:xfrm>
-          <a:prstGeom prst="rect">
-            <a:avLst/>
-          </a:prstGeom>
-          <a:noFill/>
-        </p:spPr>
-        <p:txBody>
-          <a:bodyPr wrap="none" rtlCol="0">
-            <a:spAutoFit/>
-          </a:bodyPr>
-          <a:lstStyle/>
-          <a:p>
-            <a:r>
-              <a:rPr lang="en-US" sz="3600" dirty="0"/>
-              <a:t>current-&gt;next-&gt;next == NULL</a:t>
-            </a:r>
-          </a:p>
-        </p:txBody>
-      </p:sp>
-    </p:spTree>
-    <p:extLst>
-      <p:ext uri="{BB962C8B-B14F-4D97-AF65-F5344CB8AC3E}">
-        <p14:creationId xmlns:p14="http://schemas.microsoft.com/office/powerpoint/2010/main" val="61024919"/>
-      </p:ext>
-    </p:extLst>
-  </p:cSld>
-  <p:clrMapOvr>
-    <a:masterClrMapping/>
-  </p:clrMapOvr>
-</p:sld>
-</file>
-
-<file path=ppt/slides/slide71.xml><?xml version="1.0" encoding="utf-8"?>
-<p:sld xmlns:a="http://schemas.openxmlformats.org/drawingml/2006/main" xmlns:r="http://schemas.openxmlformats.org/officeDocument/2006/relationships" xmlns:p="http://schemas.openxmlformats.org/presentationml/2006/main">
-  <p:cSld>
-    <p:spTree>
-      <p:nvGrpSpPr>
-        <p:cNvPr id="1" name=""/>
-        <p:cNvGrpSpPr/>
-        <p:nvPr/>
-      </p:nvGrpSpPr>
-      <p:grpSpPr>
-        <a:xfrm>
-          <a:off x="0" y="0"/>
-          <a:ext cx="0" cy="0"/>
-          <a:chOff x="0" y="0"/>
-          <a:chExt cx="0" cy="0"/>
-        </a:xfrm>
-      </p:grpSpPr>
-      <p:sp>
-        <p:nvSpPr>
-          <p:cNvPr id="2" name="Title 1">
-            <a:extLst>
-              <a:ext uri="{FF2B5EF4-FFF2-40B4-BE49-F238E27FC236}">
-                <a16:creationId xmlns:a16="http://schemas.microsoft.com/office/drawing/2014/main" id="{97D44BA8-0EA1-0649-BA84-F316A7156668}"/>
-              </a:ext>
-            </a:extLst>
-          </p:cNvPr>
-          <p:cNvSpPr>
-            <a:spLocks noGrp="1"/>
-          </p:cNvSpPr>
-          <p:nvPr>
-            <p:ph type="title"/>
-          </p:nvPr>
-        </p:nvSpPr>
-        <p:spPr/>
-        <p:txBody>
-          <a:bodyPr/>
-          <a:lstStyle/>
-          <a:p>
-            <a:r>
-              <a:rPr lang="en-US" dirty="0"/>
-              <a:t>Deleting a node at end of list</a:t>
-            </a:r>
-          </a:p>
-        </p:txBody>
-      </p:sp>
-      <p:sp>
-        <p:nvSpPr>
-          <p:cNvPr id="4" name="Footer Placeholder 3">
-            <a:extLst>
-              <a:ext uri="{FF2B5EF4-FFF2-40B4-BE49-F238E27FC236}">
-                <a16:creationId xmlns:a16="http://schemas.microsoft.com/office/drawing/2014/main" id="{D45AC8BD-F43C-FC42-BCF1-5AD79F3119E4}"/>
-              </a:ext>
-            </a:extLst>
-          </p:cNvPr>
-          <p:cNvSpPr>
-            <a:spLocks noGrp="1"/>
-          </p:cNvSpPr>
-          <p:nvPr>
-            <p:ph type="ftr" sz="quarter" idx="11"/>
-          </p:nvPr>
-        </p:nvSpPr>
-        <p:spPr/>
-        <p:txBody>
-          <a:bodyPr/>
-          <a:lstStyle/>
-          <a:p>
-            <a:r>
-              <a:rPr lang="en-US"/>
-              <a:t>© 2016 Pearson Education, Inc., Hoboken, NJ.  All rights reserved.</a:t>
-            </a:r>
-          </a:p>
-        </p:txBody>
-      </p:sp>
-      <p:sp>
-        <p:nvSpPr>
-          <p:cNvPr id="5" name="Slide Number Placeholder 4">
-            <a:extLst>
-              <a:ext uri="{FF2B5EF4-FFF2-40B4-BE49-F238E27FC236}">
-                <a16:creationId xmlns:a16="http://schemas.microsoft.com/office/drawing/2014/main" id="{D839FDA8-3BD9-D547-9295-1E7D975CAA3C}"/>
-              </a:ext>
-            </a:extLst>
-          </p:cNvPr>
-          <p:cNvSpPr>
-            <a:spLocks noGrp="1"/>
-          </p:cNvSpPr>
-          <p:nvPr>
-            <p:ph type="sldNum" sz="quarter" idx="12"/>
-          </p:nvPr>
-        </p:nvSpPr>
-        <p:spPr/>
-        <p:txBody>
-          <a:bodyPr/>
-          <a:lstStyle/>
-          <a:p>
-            <a:fld id="{85A8DA42-601D-40A8-83CA-2F2CBDE5F9F0}" type="slidenum">
-              <a:rPr lang="en-US" smtClean="0"/>
-              <a:t>71</a:t>
-            </a:fld>
-            <a:endParaRPr lang="en-US"/>
-          </a:p>
-        </p:txBody>
-      </p:sp>
-      <p:graphicFrame>
-        <p:nvGraphicFramePr>
-          <p:cNvPr id="6" name="Table 5">
-            <a:extLst>
-              <a:ext uri="{FF2B5EF4-FFF2-40B4-BE49-F238E27FC236}">
-                <a16:creationId xmlns:a16="http://schemas.microsoft.com/office/drawing/2014/main" id="{F363D275-C312-1140-B2AC-C571D0EB0E26}"/>
-              </a:ext>
-            </a:extLst>
-          </p:cNvPr>
-          <p:cNvGraphicFramePr>
-            <a:graphicFrameLocks noGrp="1"/>
-          </p:cNvGraphicFramePr>
-          <p:nvPr/>
-        </p:nvGraphicFramePr>
-        <p:xfrm>
-          <a:off x="772886" y="2624629"/>
-          <a:ext cx="1600200" cy="701040"/>
-        </p:xfrm>
-        <a:graphic>
-          <a:graphicData uri="http://schemas.openxmlformats.org/drawingml/2006/table">
-            <a:tbl>
-              <a:tblPr firstRow="1" bandRow="1">
-                <a:tableStyleId>{00A15C55-8517-42AA-B614-E9B94910E393}</a:tableStyleId>
-              </a:tblPr>
-              <a:tblGrid>
-                <a:gridCol w="800100">
-                  <a:extLst>
-                    <a:ext uri="{9D8B030D-6E8A-4147-A177-3AD203B41FA5}">
-                      <a16:colId xmlns:a16="http://schemas.microsoft.com/office/drawing/2014/main" val="466696394"/>
-                    </a:ext>
-                  </a:extLst>
-                </a:gridCol>
-                <a:gridCol w="800100">
-                  <a:extLst>
-                    <a:ext uri="{9D8B030D-6E8A-4147-A177-3AD203B41FA5}">
-                      <a16:colId xmlns:a16="http://schemas.microsoft.com/office/drawing/2014/main" val="4031276115"/>
-                    </a:ext>
-                  </a:extLst>
-                </a:gridCol>
-              </a:tblGrid>
-              <a:tr h="575772">
-                <a:tc>
-                  <a:txBody>
-                    <a:bodyPr/>
-                    <a:lstStyle/>
-                    <a:p>
-                      <a:pPr algn="ctr"/>
-                      <a:r>
-                        <a:rPr lang="en-US" sz="4000" dirty="0"/>
-                        <a:t>1</a:t>
-                      </a:r>
-                    </a:p>
-                  </a:txBody>
-                  <a:tcPr/>
-                </a:tc>
-                <a:tc>
-                  <a:txBody>
-                    <a:bodyPr/>
-                    <a:lstStyle/>
-                    <a:p>
-                      <a:endParaRPr lang="en-US" dirty="0"/>
-                    </a:p>
-                  </a:txBody>
-                  <a:tcPr/>
-                </a:tc>
-                <a:extLst>
-                  <a:ext uri="{0D108BD9-81ED-4DB2-BD59-A6C34878D82A}">
-                    <a16:rowId xmlns:a16="http://schemas.microsoft.com/office/drawing/2014/main" val="454230743"/>
-                  </a:ext>
-                </a:extLst>
-              </a:tr>
-            </a:tbl>
-          </a:graphicData>
-        </a:graphic>
-      </p:graphicFrame>
-      <p:graphicFrame>
-        <p:nvGraphicFramePr>
-          <p:cNvPr id="7" name="Table 6">
-            <a:extLst>
-              <a:ext uri="{FF2B5EF4-FFF2-40B4-BE49-F238E27FC236}">
-                <a16:creationId xmlns:a16="http://schemas.microsoft.com/office/drawing/2014/main" id="{4635C32E-953C-464F-83B3-7EEA11313602}"/>
-              </a:ext>
-            </a:extLst>
-          </p:cNvPr>
-          <p:cNvGraphicFramePr>
-            <a:graphicFrameLocks noGrp="1"/>
-          </p:cNvGraphicFramePr>
-          <p:nvPr/>
-        </p:nvGraphicFramePr>
-        <p:xfrm>
-          <a:off x="2906486" y="2631356"/>
-          <a:ext cx="1404260" cy="721446"/>
-        </p:xfrm>
-        <a:graphic>
-          <a:graphicData uri="http://schemas.openxmlformats.org/drawingml/2006/table">
-            <a:tbl>
-              <a:tblPr firstRow="1" bandRow="1">
-                <a:tableStyleId>{00A15C55-8517-42AA-B614-E9B94910E393}</a:tableStyleId>
-              </a:tblPr>
-              <a:tblGrid>
-                <a:gridCol w="702130">
-                  <a:extLst>
-                    <a:ext uri="{9D8B030D-6E8A-4147-A177-3AD203B41FA5}">
-                      <a16:colId xmlns:a16="http://schemas.microsoft.com/office/drawing/2014/main" val="466696394"/>
-                    </a:ext>
-                  </a:extLst>
-                </a:gridCol>
-                <a:gridCol w="702130">
-                  <a:extLst>
-                    <a:ext uri="{9D8B030D-6E8A-4147-A177-3AD203B41FA5}">
-                      <a16:colId xmlns:a16="http://schemas.microsoft.com/office/drawing/2014/main" val="4031276115"/>
-                    </a:ext>
-                  </a:extLst>
-                </a:gridCol>
-              </a:tblGrid>
-              <a:tr h="721446">
-                <a:tc>
-                  <a:txBody>
-                    <a:bodyPr/>
-                    <a:lstStyle/>
-                    <a:p>
-                      <a:pPr algn="ctr"/>
-                      <a:r>
-                        <a:rPr lang="en-US" sz="4000" dirty="0"/>
-                        <a:t>2</a:t>
-                      </a:r>
-                    </a:p>
-                  </a:txBody>
-                  <a:tcPr/>
-                </a:tc>
-                <a:tc>
-                  <a:txBody>
-                    <a:bodyPr/>
-                    <a:lstStyle/>
-                    <a:p>
-                      <a:endParaRPr lang="en-US" dirty="0"/>
-                    </a:p>
-                  </a:txBody>
-                  <a:tcPr/>
-                </a:tc>
-                <a:extLst>
-                  <a:ext uri="{0D108BD9-81ED-4DB2-BD59-A6C34878D82A}">
-                    <a16:rowId xmlns:a16="http://schemas.microsoft.com/office/drawing/2014/main" val="454230743"/>
-                  </a:ext>
-                </a:extLst>
-              </a:tr>
-            </a:tbl>
-          </a:graphicData>
-        </a:graphic>
-      </p:graphicFrame>
-      <p:graphicFrame>
-        <p:nvGraphicFramePr>
-          <p:cNvPr id="8" name="Table 7">
-            <a:extLst>
-              <a:ext uri="{FF2B5EF4-FFF2-40B4-BE49-F238E27FC236}">
-                <a16:creationId xmlns:a16="http://schemas.microsoft.com/office/drawing/2014/main" id="{7C0AEBB9-ABFE-4541-BABB-32110F5A3335}"/>
-              </a:ext>
-            </a:extLst>
-          </p:cNvPr>
-          <p:cNvGraphicFramePr>
-            <a:graphicFrameLocks noGrp="1"/>
-          </p:cNvGraphicFramePr>
-          <p:nvPr/>
-        </p:nvGraphicFramePr>
-        <p:xfrm>
-          <a:off x="7021286" y="2601236"/>
-          <a:ext cx="1894114" cy="721446"/>
-        </p:xfrm>
-        <a:graphic>
-          <a:graphicData uri="http://schemas.openxmlformats.org/drawingml/2006/table">
-            <a:tbl>
-              <a:tblPr firstRow="1" bandRow="1">
-                <a:tableStyleId>{00A15C55-8517-42AA-B614-E9B94910E393}</a:tableStyleId>
-              </a:tblPr>
-              <a:tblGrid>
-                <a:gridCol w="672105">
-                  <a:extLst>
-                    <a:ext uri="{9D8B030D-6E8A-4147-A177-3AD203B41FA5}">
-                      <a16:colId xmlns:a16="http://schemas.microsoft.com/office/drawing/2014/main" val="466696394"/>
-                    </a:ext>
-                  </a:extLst>
-                </a:gridCol>
-                <a:gridCol w="1222009">
-                  <a:extLst>
-                    <a:ext uri="{9D8B030D-6E8A-4147-A177-3AD203B41FA5}">
-                      <a16:colId xmlns:a16="http://schemas.microsoft.com/office/drawing/2014/main" val="4031276115"/>
-                    </a:ext>
-                  </a:extLst>
-                </a:gridCol>
-              </a:tblGrid>
-              <a:tr h="721446">
-                <a:tc>
-                  <a:txBody>
-                    <a:bodyPr/>
-                    <a:lstStyle/>
-                    <a:p>
-                      <a:pPr algn="ctr"/>
-                      <a:r>
-                        <a:rPr lang="en-US" sz="4000" dirty="0"/>
-                        <a:t>4</a:t>
-                      </a:r>
-                    </a:p>
-                  </a:txBody>
-                  <a:tcPr/>
-                </a:tc>
-                <a:tc>
-                  <a:txBody>
-                    <a:bodyPr/>
-                    <a:lstStyle/>
-                    <a:p>
-                      <a:r>
-                        <a:rPr lang="en-US" sz="3200" dirty="0"/>
-                        <a:t>NULL</a:t>
-                      </a:r>
-                    </a:p>
-                  </a:txBody>
-                  <a:tcPr/>
-                </a:tc>
-                <a:extLst>
-                  <a:ext uri="{0D108BD9-81ED-4DB2-BD59-A6C34878D82A}">
-                    <a16:rowId xmlns:a16="http://schemas.microsoft.com/office/drawing/2014/main" val="454230743"/>
-                  </a:ext>
-                </a:extLst>
-              </a:tr>
-            </a:tbl>
-          </a:graphicData>
-        </a:graphic>
-      </p:graphicFrame>
-      <p:cxnSp>
-        <p:nvCxnSpPr>
-          <p:cNvPr id="9" name="Straight Arrow Connector 8">
-            <a:extLst>
-              <a:ext uri="{FF2B5EF4-FFF2-40B4-BE49-F238E27FC236}">
-                <a16:creationId xmlns:a16="http://schemas.microsoft.com/office/drawing/2014/main" id="{BA193E28-091B-B749-A496-6A24E5038B6E}"/>
-              </a:ext>
-            </a:extLst>
-          </p:cNvPr>
-          <p:cNvCxnSpPr>
-            <a:cxnSpLocks/>
-            <a:endCxn id="7" idx="1"/>
-          </p:cNvCxnSpPr>
-          <p:nvPr/>
-        </p:nvCxnSpPr>
-        <p:spPr>
-          <a:xfrm>
-            <a:off x="1915886" y="2992079"/>
-            <a:ext cx="990600" cy="0"/>
-          </a:xfrm>
-          <a:prstGeom prst="straightConnector1">
-            <a:avLst/>
-          </a:prstGeom>
-          <a:ln w="47625">
-            <a:tailEnd type="triangle"/>
-          </a:ln>
-        </p:spPr>
-        <p:style>
-          <a:lnRef idx="1">
-            <a:schemeClr val="dk1"/>
-          </a:lnRef>
-          <a:fillRef idx="0">
-            <a:schemeClr val="dk1"/>
-          </a:fillRef>
-          <a:effectRef idx="0">
-            <a:schemeClr val="dk1"/>
-          </a:effectRef>
-          <a:fontRef idx="minor">
-            <a:schemeClr val="tx1"/>
-          </a:fontRef>
-        </p:style>
-      </p:cxnSp>
-      <p:cxnSp>
-        <p:nvCxnSpPr>
-          <p:cNvPr id="12" name="Straight Arrow Connector 11">
-            <a:extLst>
-              <a:ext uri="{FF2B5EF4-FFF2-40B4-BE49-F238E27FC236}">
-                <a16:creationId xmlns:a16="http://schemas.microsoft.com/office/drawing/2014/main" id="{1442314D-0494-8A48-A01A-338575C1963E}"/>
-              </a:ext>
-            </a:extLst>
-          </p:cNvPr>
-          <p:cNvCxnSpPr>
-            <a:cxnSpLocks/>
-          </p:cNvCxnSpPr>
-          <p:nvPr/>
-        </p:nvCxnSpPr>
-        <p:spPr>
-          <a:xfrm>
-            <a:off x="3897086" y="2992079"/>
-            <a:ext cx="990600" cy="0"/>
-          </a:xfrm>
-          <a:prstGeom prst="straightConnector1">
-            <a:avLst/>
-          </a:prstGeom>
-          <a:ln w="47625">
-            <a:tailEnd type="triangle"/>
-          </a:ln>
-        </p:spPr>
-        <p:style>
-          <a:lnRef idx="1">
-            <a:schemeClr val="dk1"/>
-          </a:lnRef>
-          <a:fillRef idx="0">
-            <a:schemeClr val="dk1"/>
-          </a:fillRef>
-          <a:effectRef idx="0">
-            <a:schemeClr val="dk1"/>
-          </a:effectRef>
-          <a:fontRef idx="minor">
-            <a:schemeClr val="tx1"/>
-          </a:fontRef>
-        </p:style>
-      </p:cxnSp>
-      <p:graphicFrame>
-        <p:nvGraphicFramePr>
-          <p:cNvPr id="28" name="Table 27">
-            <a:extLst>
-              <a:ext uri="{FF2B5EF4-FFF2-40B4-BE49-F238E27FC236}">
-                <a16:creationId xmlns:a16="http://schemas.microsoft.com/office/drawing/2014/main" id="{2D123401-48D5-C747-82CE-95B10A999D30}"/>
-              </a:ext>
-            </a:extLst>
-          </p:cNvPr>
-          <p:cNvGraphicFramePr>
-            <a:graphicFrameLocks noGrp="1"/>
-          </p:cNvGraphicFramePr>
-          <p:nvPr/>
-        </p:nvGraphicFramePr>
-        <p:xfrm>
-          <a:off x="4887686" y="2601236"/>
-          <a:ext cx="1404260" cy="721446"/>
-        </p:xfrm>
-        <a:graphic>
-          <a:graphicData uri="http://schemas.openxmlformats.org/drawingml/2006/table">
-            <a:tbl>
-              <a:tblPr firstRow="1" bandRow="1">
-                <a:tableStyleId>{00A15C55-8517-42AA-B614-E9B94910E393}</a:tableStyleId>
-              </a:tblPr>
-              <a:tblGrid>
-                <a:gridCol w="702130">
-                  <a:extLst>
-                    <a:ext uri="{9D8B030D-6E8A-4147-A177-3AD203B41FA5}">
-                      <a16:colId xmlns:a16="http://schemas.microsoft.com/office/drawing/2014/main" val="466696394"/>
-                    </a:ext>
-                  </a:extLst>
-                </a:gridCol>
-                <a:gridCol w="702130">
-                  <a:extLst>
-                    <a:ext uri="{9D8B030D-6E8A-4147-A177-3AD203B41FA5}">
-                      <a16:colId xmlns:a16="http://schemas.microsoft.com/office/drawing/2014/main" val="4031276115"/>
-                    </a:ext>
-                  </a:extLst>
-                </a:gridCol>
-              </a:tblGrid>
-              <a:tr h="721446">
-                <a:tc>
-                  <a:txBody>
-                    <a:bodyPr/>
-                    <a:lstStyle/>
-                    <a:p>
-                      <a:pPr algn="ctr"/>
-                      <a:r>
-                        <a:rPr lang="en-US" sz="4000" dirty="0"/>
-                        <a:t>3</a:t>
-                      </a:r>
-                    </a:p>
-                  </a:txBody>
-                  <a:tcPr/>
-                </a:tc>
-                <a:tc>
-                  <a:txBody>
-                    <a:bodyPr/>
-                    <a:lstStyle/>
-                    <a:p>
-                      <a:endParaRPr lang="en-US" dirty="0"/>
-                    </a:p>
-                  </a:txBody>
-                  <a:tcPr/>
-                </a:tc>
-                <a:extLst>
-                  <a:ext uri="{0D108BD9-81ED-4DB2-BD59-A6C34878D82A}">
-                    <a16:rowId xmlns:a16="http://schemas.microsoft.com/office/drawing/2014/main" val="454230743"/>
-                  </a:ext>
-                </a:extLst>
-              </a:tr>
-            </a:tbl>
-          </a:graphicData>
-        </a:graphic>
-      </p:graphicFrame>
-      <p:cxnSp>
-        <p:nvCxnSpPr>
-          <p:cNvPr id="29" name="Straight Arrow Connector 28">
-            <a:extLst>
-              <a:ext uri="{FF2B5EF4-FFF2-40B4-BE49-F238E27FC236}">
-                <a16:creationId xmlns:a16="http://schemas.microsoft.com/office/drawing/2014/main" id="{FB49592C-425B-6143-8211-69C523381CFD}"/>
-              </a:ext>
-            </a:extLst>
-          </p:cNvPr>
-          <p:cNvCxnSpPr>
-            <a:cxnSpLocks/>
-          </p:cNvCxnSpPr>
-          <p:nvPr/>
-        </p:nvCxnSpPr>
-        <p:spPr>
-          <a:xfrm>
-            <a:off x="6030686" y="2992079"/>
-            <a:ext cx="990600" cy="0"/>
-          </a:xfrm>
-          <a:prstGeom prst="straightConnector1">
-            <a:avLst/>
-          </a:prstGeom>
-          <a:ln w="47625">
-            <a:tailEnd type="triangle"/>
-          </a:ln>
-        </p:spPr>
-        <p:style>
-          <a:lnRef idx="1">
-            <a:schemeClr val="dk1"/>
-          </a:lnRef>
-          <a:fillRef idx="0">
-            <a:schemeClr val="dk1"/>
-          </a:fillRef>
-          <a:effectRef idx="0">
-            <a:schemeClr val="dk1"/>
-          </a:effectRef>
-          <a:fontRef idx="minor">
-            <a:schemeClr val="tx1"/>
-          </a:fontRef>
-        </p:style>
-      </p:cxnSp>
-      <p:sp>
-        <p:nvSpPr>
-          <p:cNvPr id="13" name="TextBox 12">
-            <a:extLst>
-              <a:ext uri="{FF2B5EF4-FFF2-40B4-BE49-F238E27FC236}">
-                <a16:creationId xmlns:a16="http://schemas.microsoft.com/office/drawing/2014/main" id="{503E285E-0A36-6244-BEDE-643E50F7C2E7}"/>
-              </a:ext>
-            </a:extLst>
-          </p:cNvPr>
-          <p:cNvSpPr txBox="1"/>
-          <p:nvPr/>
-        </p:nvSpPr>
-        <p:spPr>
-          <a:xfrm>
-            <a:off x="76200" y="1558527"/>
-            <a:ext cx="1119217" cy="646331"/>
-          </a:xfrm>
-          <a:prstGeom prst="rect">
-            <a:avLst/>
-          </a:prstGeom>
-          <a:noFill/>
-        </p:spPr>
-        <p:txBody>
-          <a:bodyPr wrap="none" rtlCol="0">
-            <a:spAutoFit/>
-          </a:bodyPr>
-          <a:lstStyle/>
-          <a:p>
-            <a:r>
-              <a:rPr lang="en-US" sz="3600" dirty="0"/>
-              <a:t>head</a:t>
-            </a:r>
-          </a:p>
-        </p:txBody>
-      </p:sp>
-      <p:cxnSp>
-        <p:nvCxnSpPr>
-          <p:cNvPr id="14" name="Straight Arrow Connector 13">
-            <a:extLst>
-              <a:ext uri="{FF2B5EF4-FFF2-40B4-BE49-F238E27FC236}">
-                <a16:creationId xmlns:a16="http://schemas.microsoft.com/office/drawing/2014/main" id="{13622754-A352-464B-84B9-D03821B63CCA}"/>
-              </a:ext>
-            </a:extLst>
-          </p:cNvPr>
-          <p:cNvCxnSpPr>
-            <a:cxnSpLocks/>
-          </p:cNvCxnSpPr>
-          <p:nvPr/>
-        </p:nvCxnSpPr>
-        <p:spPr>
-          <a:xfrm>
-            <a:off x="228600" y="2133600"/>
-            <a:ext cx="457201" cy="841549"/>
-          </a:xfrm>
-          <a:prstGeom prst="straightConnector1">
-            <a:avLst/>
-          </a:prstGeom>
-          <a:ln w="47625">
-            <a:tailEnd type="triangle"/>
-          </a:ln>
-        </p:spPr>
-        <p:style>
-          <a:lnRef idx="1">
-            <a:schemeClr val="dk1"/>
-          </a:lnRef>
-          <a:fillRef idx="0">
-            <a:schemeClr val="dk1"/>
-          </a:fillRef>
-          <a:effectRef idx="0">
-            <a:schemeClr val="dk1"/>
-          </a:effectRef>
-          <a:fontRef idx="minor">
-            <a:schemeClr val="tx1"/>
-          </a:fontRef>
-        </p:style>
-      </p:cxnSp>
-      <p:sp>
-        <p:nvSpPr>
-          <p:cNvPr id="15" name="TextBox 14">
-            <a:extLst>
-              <a:ext uri="{FF2B5EF4-FFF2-40B4-BE49-F238E27FC236}">
-                <a16:creationId xmlns:a16="http://schemas.microsoft.com/office/drawing/2014/main" id="{A08E1BAC-D064-C949-812F-8B642D248603}"/>
-              </a:ext>
-            </a:extLst>
-          </p:cNvPr>
-          <p:cNvSpPr txBox="1"/>
-          <p:nvPr/>
-        </p:nvSpPr>
-        <p:spPr>
-          <a:xfrm>
-            <a:off x="0" y="4182140"/>
-            <a:ext cx="1557671" cy="646331"/>
-          </a:xfrm>
-          <a:prstGeom prst="rect">
-            <a:avLst/>
-          </a:prstGeom>
-          <a:noFill/>
-        </p:spPr>
-        <p:txBody>
-          <a:bodyPr wrap="none" rtlCol="0">
-            <a:spAutoFit/>
-          </a:bodyPr>
-          <a:lstStyle/>
-          <a:p>
-            <a:r>
-              <a:rPr lang="en-US" sz="3600" dirty="0"/>
-              <a:t>current</a:t>
-            </a:r>
-          </a:p>
-        </p:txBody>
-      </p:sp>
-      <p:cxnSp>
-        <p:nvCxnSpPr>
-          <p:cNvPr id="16" name="Straight Arrow Connector 15">
-            <a:extLst>
-              <a:ext uri="{FF2B5EF4-FFF2-40B4-BE49-F238E27FC236}">
-                <a16:creationId xmlns:a16="http://schemas.microsoft.com/office/drawing/2014/main" id="{6275210B-13D3-464F-A06F-78E100411711}"/>
-              </a:ext>
-            </a:extLst>
-          </p:cNvPr>
-          <p:cNvCxnSpPr>
-            <a:cxnSpLocks/>
-            <a:endCxn id="28" idx="1"/>
-          </p:cNvCxnSpPr>
-          <p:nvPr/>
-        </p:nvCxnSpPr>
-        <p:spPr>
-          <a:xfrm flipV="1">
-            <a:off x="321336" y="2961959"/>
-            <a:ext cx="4566350" cy="1424986"/>
-          </a:xfrm>
-          <a:prstGeom prst="straightConnector1">
-            <a:avLst/>
-          </a:prstGeom>
-          <a:ln w="47625">
-            <a:tailEnd type="triangle"/>
-          </a:ln>
-        </p:spPr>
-        <p:style>
-          <a:lnRef idx="1">
-            <a:schemeClr val="dk1"/>
-          </a:lnRef>
-          <a:fillRef idx="0">
-            <a:schemeClr val="dk1"/>
-          </a:fillRef>
-          <a:effectRef idx="0">
-            <a:schemeClr val="dk1"/>
-          </a:effectRef>
-          <a:fontRef idx="minor">
-            <a:schemeClr val="tx1"/>
-          </a:fontRef>
-        </p:style>
-      </p:cxnSp>
-      <p:sp>
-        <p:nvSpPr>
-          <p:cNvPr id="17" name="TextBox 16">
-            <a:extLst>
-              <a:ext uri="{FF2B5EF4-FFF2-40B4-BE49-F238E27FC236}">
-                <a16:creationId xmlns:a16="http://schemas.microsoft.com/office/drawing/2014/main" id="{0FDBDC9E-6718-2D41-BC11-A19F997B3E2F}"/>
-              </a:ext>
-            </a:extLst>
-          </p:cNvPr>
-          <p:cNvSpPr txBox="1"/>
-          <p:nvPr/>
-        </p:nvSpPr>
-        <p:spPr>
-          <a:xfrm>
-            <a:off x="3630388" y="4637739"/>
-            <a:ext cx="5559214" cy="1200329"/>
-          </a:xfrm>
-          <a:prstGeom prst="rect">
-            <a:avLst/>
-          </a:prstGeom>
-          <a:noFill/>
-        </p:spPr>
-        <p:txBody>
-          <a:bodyPr wrap="none" rtlCol="0">
-            <a:spAutoFit/>
-          </a:bodyPr>
-          <a:lstStyle/>
-          <a:p>
-            <a:r>
-              <a:rPr lang="en-US" sz="3600" dirty="0"/>
-              <a:t>current-&gt;next-&gt;next == NULL</a:t>
-            </a:r>
-          </a:p>
-          <a:p>
-            <a:r>
-              <a:rPr lang="en-US" sz="3600" dirty="0"/>
-              <a:t>current-&gt;next = NULL</a:t>
-            </a:r>
-          </a:p>
-        </p:txBody>
-      </p:sp>
-    </p:spTree>
-    <p:extLst>
-      <p:ext uri="{BB962C8B-B14F-4D97-AF65-F5344CB8AC3E}">
-        <p14:creationId xmlns:p14="http://schemas.microsoft.com/office/powerpoint/2010/main" val="3125078138"/>
-      </p:ext>
-    </p:extLst>
-  </p:cSld>
-  <p:clrMapOvr>
-    <a:masterClrMapping/>
-  </p:clrMapOvr>
-</p:sld>
-</file>
-
-<file path=ppt/slides/slide72.xml><?xml version="1.0" encoding="utf-8"?>
-<p:sld xmlns:a="http://schemas.openxmlformats.org/drawingml/2006/main" xmlns:r="http://schemas.openxmlformats.org/officeDocument/2006/relationships" xmlns:p="http://schemas.openxmlformats.org/presentationml/2006/main">
-  <p:cSld>
-    <p:spTree>
-      <p:nvGrpSpPr>
-        <p:cNvPr id="1" name=""/>
-        <p:cNvGrpSpPr/>
-        <p:nvPr/>
-      </p:nvGrpSpPr>
-      <p:grpSpPr>
-        <a:xfrm>
-          <a:off x="0" y="0"/>
-          <a:ext cx="0" cy="0"/>
-          <a:chOff x="0" y="0"/>
-          <a:chExt cx="0" cy="0"/>
-        </a:xfrm>
-      </p:grpSpPr>
-      <p:sp>
-        <p:nvSpPr>
-          <p:cNvPr id="2" name="Title 1">
-            <a:extLst>
-              <a:ext uri="{FF2B5EF4-FFF2-40B4-BE49-F238E27FC236}">
-                <a16:creationId xmlns:a16="http://schemas.microsoft.com/office/drawing/2014/main" id="{97D44BA8-0EA1-0649-BA84-F316A7156668}"/>
-              </a:ext>
-            </a:extLst>
-          </p:cNvPr>
-          <p:cNvSpPr>
-            <a:spLocks noGrp="1"/>
-          </p:cNvSpPr>
-          <p:nvPr>
-            <p:ph type="title"/>
-          </p:nvPr>
-        </p:nvSpPr>
-        <p:spPr/>
-        <p:txBody>
-          <a:bodyPr/>
-          <a:lstStyle/>
-          <a:p>
-            <a:r>
-              <a:rPr lang="en-US" dirty="0"/>
-              <a:t>Deleting a node at end of list</a:t>
-            </a:r>
-          </a:p>
-        </p:txBody>
-      </p:sp>
-      <p:sp>
-        <p:nvSpPr>
-          <p:cNvPr id="4" name="Footer Placeholder 3">
-            <a:extLst>
-              <a:ext uri="{FF2B5EF4-FFF2-40B4-BE49-F238E27FC236}">
-                <a16:creationId xmlns:a16="http://schemas.microsoft.com/office/drawing/2014/main" id="{D45AC8BD-F43C-FC42-BCF1-5AD79F3119E4}"/>
-              </a:ext>
-            </a:extLst>
-          </p:cNvPr>
-          <p:cNvSpPr>
-            <a:spLocks noGrp="1"/>
-          </p:cNvSpPr>
-          <p:nvPr>
-            <p:ph type="ftr" sz="quarter" idx="11"/>
-          </p:nvPr>
-        </p:nvSpPr>
-        <p:spPr/>
-        <p:txBody>
-          <a:bodyPr/>
-          <a:lstStyle/>
-          <a:p>
-            <a:r>
-              <a:rPr lang="en-US"/>
-              <a:t>© 2016 Pearson Education, Inc., Hoboken, NJ.  All rights reserved.</a:t>
-            </a:r>
-          </a:p>
-        </p:txBody>
-      </p:sp>
-      <p:sp>
-        <p:nvSpPr>
-          <p:cNvPr id="5" name="Slide Number Placeholder 4">
-            <a:extLst>
-              <a:ext uri="{FF2B5EF4-FFF2-40B4-BE49-F238E27FC236}">
-                <a16:creationId xmlns:a16="http://schemas.microsoft.com/office/drawing/2014/main" id="{D839FDA8-3BD9-D547-9295-1E7D975CAA3C}"/>
-              </a:ext>
-            </a:extLst>
-          </p:cNvPr>
-          <p:cNvSpPr>
-            <a:spLocks noGrp="1"/>
-          </p:cNvSpPr>
-          <p:nvPr>
-            <p:ph type="sldNum" sz="quarter" idx="12"/>
-          </p:nvPr>
-        </p:nvSpPr>
-        <p:spPr/>
-        <p:txBody>
-          <a:bodyPr/>
-          <a:lstStyle/>
-          <a:p>
-            <a:fld id="{85A8DA42-601D-40A8-83CA-2F2CBDE5F9F0}" type="slidenum">
-              <a:rPr lang="en-US" smtClean="0"/>
-              <a:t>72</a:t>
-            </a:fld>
-            <a:endParaRPr lang="en-US"/>
-          </a:p>
-        </p:txBody>
-      </p:sp>
-      <p:graphicFrame>
-        <p:nvGraphicFramePr>
-          <p:cNvPr id="6" name="Table 5">
-            <a:extLst>
-              <a:ext uri="{FF2B5EF4-FFF2-40B4-BE49-F238E27FC236}">
-                <a16:creationId xmlns:a16="http://schemas.microsoft.com/office/drawing/2014/main" id="{F363D275-C312-1140-B2AC-C571D0EB0E26}"/>
-              </a:ext>
-            </a:extLst>
-          </p:cNvPr>
-          <p:cNvGraphicFramePr>
-            <a:graphicFrameLocks noGrp="1"/>
-          </p:cNvGraphicFramePr>
-          <p:nvPr/>
-        </p:nvGraphicFramePr>
-        <p:xfrm>
-          <a:off x="772886" y="2624629"/>
-          <a:ext cx="1600200" cy="701040"/>
-        </p:xfrm>
-        <a:graphic>
-          <a:graphicData uri="http://schemas.openxmlformats.org/drawingml/2006/table">
-            <a:tbl>
-              <a:tblPr firstRow="1" bandRow="1">
-                <a:tableStyleId>{00A15C55-8517-42AA-B614-E9B94910E393}</a:tableStyleId>
-              </a:tblPr>
-              <a:tblGrid>
-                <a:gridCol w="800100">
-                  <a:extLst>
-                    <a:ext uri="{9D8B030D-6E8A-4147-A177-3AD203B41FA5}">
-                      <a16:colId xmlns:a16="http://schemas.microsoft.com/office/drawing/2014/main" val="466696394"/>
-                    </a:ext>
-                  </a:extLst>
-                </a:gridCol>
-                <a:gridCol w="800100">
-                  <a:extLst>
-                    <a:ext uri="{9D8B030D-6E8A-4147-A177-3AD203B41FA5}">
-                      <a16:colId xmlns:a16="http://schemas.microsoft.com/office/drawing/2014/main" val="4031276115"/>
-                    </a:ext>
-                  </a:extLst>
-                </a:gridCol>
-              </a:tblGrid>
-              <a:tr h="575772">
-                <a:tc>
-                  <a:txBody>
-                    <a:bodyPr/>
-                    <a:lstStyle/>
-                    <a:p>
-                      <a:pPr algn="ctr"/>
-                      <a:r>
-                        <a:rPr lang="en-US" sz="4000" dirty="0"/>
-                        <a:t>1</a:t>
-                      </a:r>
-                    </a:p>
-                  </a:txBody>
-                  <a:tcPr/>
-                </a:tc>
-                <a:tc>
-                  <a:txBody>
-                    <a:bodyPr/>
-                    <a:lstStyle/>
-                    <a:p>
-                      <a:endParaRPr lang="en-US" dirty="0"/>
-                    </a:p>
-                  </a:txBody>
-                  <a:tcPr/>
-                </a:tc>
-                <a:extLst>
-                  <a:ext uri="{0D108BD9-81ED-4DB2-BD59-A6C34878D82A}">
-                    <a16:rowId xmlns:a16="http://schemas.microsoft.com/office/drawing/2014/main" val="454230743"/>
-                  </a:ext>
-                </a:extLst>
-              </a:tr>
-            </a:tbl>
-          </a:graphicData>
-        </a:graphic>
-      </p:graphicFrame>
-      <p:graphicFrame>
-        <p:nvGraphicFramePr>
-          <p:cNvPr id="7" name="Table 6">
-            <a:extLst>
-              <a:ext uri="{FF2B5EF4-FFF2-40B4-BE49-F238E27FC236}">
-                <a16:creationId xmlns:a16="http://schemas.microsoft.com/office/drawing/2014/main" id="{4635C32E-953C-464F-83B3-7EEA11313602}"/>
-              </a:ext>
-            </a:extLst>
-          </p:cNvPr>
-          <p:cNvGraphicFramePr>
-            <a:graphicFrameLocks noGrp="1"/>
-          </p:cNvGraphicFramePr>
-          <p:nvPr/>
-        </p:nvGraphicFramePr>
-        <p:xfrm>
-          <a:off x="2906486" y="2631356"/>
-          <a:ext cx="1404260" cy="721446"/>
-        </p:xfrm>
-        <a:graphic>
-          <a:graphicData uri="http://schemas.openxmlformats.org/drawingml/2006/table">
-            <a:tbl>
-              <a:tblPr firstRow="1" bandRow="1">
-                <a:tableStyleId>{00A15C55-8517-42AA-B614-E9B94910E393}</a:tableStyleId>
-              </a:tblPr>
-              <a:tblGrid>
-                <a:gridCol w="702130">
-                  <a:extLst>
-                    <a:ext uri="{9D8B030D-6E8A-4147-A177-3AD203B41FA5}">
-                      <a16:colId xmlns:a16="http://schemas.microsoft.com/office/drawing/2014/main" val="466696394"/>
-                    </a:ext>
-                  </a:extLst>
-                </a:gridCol>
-                <a:gridCol w="702130">
-                  <a:extLst>
-                    <a:ext uri="{9D8B030D-6E8A-4147-A177-3AD203B41FA5}">
-                      <a16:colId xmlns:a16="http://schemas.microsoft.com/office/drawing/2014/main" val="4031276115"/>
-                    </a:ext>
-                  </a:extLst>
-                </a:gridCol>
-              </a:tblGrid>
-              <a:tr h="721446">
-                <a:tc>
-                  <a:txBody>
-                    <a:bodyPr/>
-                    <a:lstStyle/>
-                    <a:p>
-                      <a:pPr algn="ctr"/>
-                      <a:r>
-                        <a:rPr lang="en-US" sz="4000" dirty="0"/>
-                        <a:t>2</a:t>
-                      </a:r>
-                    </a:p>
-                  </a:txBody>
-                  <a:tcPr/>
-                </a:tc>
-                <a:tc>
-                  <a:txBody>
-                    <a:bodyPr/>
-                    <a:lstStyle/>
-                    <a:p>
-                      <a:endParaRPr lang="en-US" dirty="0"/>
-                    </a:p>
-                  </a:txBody>
-                  <a:tcPr/>
-                </a:tc>
-                <a:extLst>
-                  <a:ext uri="{0D108BD9-81ED-4DB2-BD59-A6C34878D82A}">
-                    <a16:rowId xmlns:a16="http://schemas.microsoft.com/office/drawing/2014/main" val="454230743"/>
-                  </a:ext>
-                </a:extLst>
-              </a:tr>
-            </a:tbl>
-          </a:graphicData>
-        </a:graphic>
-      </p:graphicFrame>
-      <p:cxnSp>
-        <p:nvCxnSpPr>
-          <p:cNvPr id="9" name="Straight Arrow Connector 8">
-            <a:extLst>
-              <a:ext uri="{FF2B5EF4-FFF2-40B4-BE49-F238E27FC236}">
-                <a16:creationId xmlns:a16="http://schemas.microsoft.com/office/drawing/2014/main" id="{BA193E28-091B-B749-A496-6A24E5038B6E}"/>
-              </a:ext>
-            </a:extLst>
-          </p:cNvPr>
-          <p:cNvCxnSpPr>
-            <a:cxnSpLocks/>
-            <a:endCxn id="7" idx="1"/>
-          </p:cNvCxnSpPr>
-          <p:nvPr/>
-        </p:nvCxnSpPr>
-        <p:spPr>
-          <a:xfrm>
-            <a:off x="1915886" y="2992079"/>
-            <a:ext cx="990600" cy="0"/>
-          </a:xfrm>
-          <a:prstGeom prst="straightConnector1">
-            <a:avLst/>
-          </a:prstGeom>
-          <a:ln w="47625">
-            <a:tailEnd type="triangle"/>
-          </a:ln>
-        </p:spPr>
-        <p:style>
-          <a:lnRef idx="1">
-            <a:schemeClr val="dk1"/>
-          </a:lnRef>
-          <a:fillRef idx="0">
-            <a:schemeClr val="dk1"/>
-          </a:fillRef>
-          <a:effectRef idx="0">
-            <a:schemeClr val="dk1"/>
-          </a:effectRef>
-          <a:fontRef idx="minor">
-            <a:schemeClr val="tx1"/>
-          </a:fontRef>
-        </p:style>
-      </p:cxnSp>
-      <p:cxnSp>
-        <p:nvCxnSpPr>
-          <p:cNvPr id="12" name="Straight Arrow Connector 11">
-            <a:extLst>
-              <a:ext uri="{FF2B5EF4-FFF2-40B4-BE49-F238E27FC236}">
-                <a16:creationId xmlns:a16="http://schemas.microsoft.com/office/drawing/2014/main" id="{1442314D-0494-8A48-A01A-338575C1963E}"/>
-              </a:ext>
-            </a:extLst>
-          </p:cNvPr>
-          <p:cNvCxnSpPr>
-            <a:cxnSpLocks/>
-          </p:cNvCxnSpPr>
-          <p:nvPr/>
-        </p:nvCxnSpPr>
-        <p:spPr>
-          <a:xfrm>
-            <a:off x="3897086" y="2992079"/>
-            <a:ext cx="990600" cy="0"/>
-          </a:xfrm>
-          <a:prstGeom prst="straightConnector1">
-            <a:avLst/>
-          </a:prstGeom>
-          <a:ln w="47625">
-            <a:tailEnd type="triangle"/>
-          </a:ln>
-        </p:spPr>
-        <p:style>
-          <a:lnRef idx="1">
-            <a:schemeClr val="dk1"/>
-          </a:lnRef>
-          <a:fillRef idx="0">
-            <a:schemeClr val="dk1"/>
-          </a:fillRef>
-          <a:effectRef idx="0">
-            <a:schemeClr val="dk1"/>
-          </a:effectRef>
-          <a:fontRef idx="minor">
-            <a:schemeClr val="tx1"/>
-          </a:fontRef>
-        </p:style>
-      </p:cxnSp>
-      <p:graphicFrame>
-        <p:nvGraphicFramePr>
-          <p:cNvPr id="28" name="Table 27">
-            <a:extLst>
-              <a:ext uri="{FF2B5EF4-FFF2-40B4-BE49-F238E27FC236}">
-                <a16:creationId xmlns:a16="http://schemas.microsoft.com/office/drawing/2014/main" id="{2D123401-48D5-C747-82CE-95B10A999D30}"/>
-              </a:ext>
-            </a:extLst>
-          </p:cNvPr>
-          <p:cNvGraphicFramePr>
-            <a:graphicFrameLocks noGrp="1"/>
-          </p:cNvGraphicFramePr>
-          <p:nvPr>
-            <p:extLst>
-              <p:ext uri="{D42A27DB-BD31-4B8C-83A1-F6EECF244321}">
-                <p14:modId xmlns:p14="http://schemas.microsoft.com/office/powerpoint/2010/main" val="3984686510"/>
-              </p:ext>
-            </p:extLst>
-          </p:nvPr>
-        </p:nvGraphicFramePr>
-        <p:xfrm>
-          <a:off x="4887686" y="2601236"/>
-          <a:ext cx="1970314" cy="853440"/>
-        </p:xfrm>
-        <a:graphic>
-          <a:graphicData uri="http://schemas.openxmlformats.org/drawingml/2006/table">
-            <a:tbl>
-              <a:tblPr firstRow="1" bandRow="1">
-                <a:tableStyleId>{00A15C55-8517-42AA-B614-E9B94910E393}</a:tableStyleId>
-              </a:tblPr>
-              <a:tblGrid>
-                <a:gridCol w="827314">
-                  <a:extLst>
-                    <a:ext uri="{9D8B030D-6E8A-4147-A177-3AD203B41FA5}">
-                      <a16:colId xmlns:a16="http://schemas.microsoft.com/office/drawing/2014/main" val="466696394"/>
-                    </a:ext>
-                  </a:extLst>
-                </a:gridCol>
-                <a:gridCol w="1143000">
-                  <a:extLst>
-                    <a:ext uri="{9D8B030D-6E8A-4147-A177-3AD203B41FA5}">
-                      <a16:colId xmlns:a16="http://schemas.microsoft.com/office/drawing/2014/main" val="4031276115"/>
-                    </a:ext>
-                  </a:extLst>
-                </a:gridCol>
-              </a:tblGrid>
-              <a:tr h="721446">
-                <a:tc>
-                  <a:txBody>
-                    <a:bodyPr/>
-                    <a:lstStyle/>
-                    <a:p>
-                      <a:pPr algn="ctr"/>
-                      <a:r>
-                        <a:rPr lang="en-US" sz="4000" dirty="0"/>
-                        <a:t>3</a:t>
-                      </a:r>
-                    </a:p>
-                  </a:txBody>
-                  <a:tcPr/>
-                </a:tc>
-                <a:tc>
-                  <a:txBody>
-                    <a:bodyPr/>
-                    <a:lstStyle/>
-                    <a:p>
-                      <a:pPr marL="0" marR="0" lvl="0" indent="0" algn="l" defTabSz="914400" rtl="0" eaLnBrk="1" fontAlgn="auto" latinLnBrk="0" hangingPunct="1">
-                        <a:lnSpc>
-                          <a:spcPct val="100000"/>
-                        </a:lnSpc>
-                        <a:spcBef>
-                          <a:spcPts val="0"/>
-                        </a:spcBef>
-                        <a:spcAft>
-                          <a:spcPts val="0"/>
-                        </a:spcAft>
-                        <a:buClrTx/>
-                        <a:buSzTx/>
-                        <a:buFontTx/>
-                        <a:buNone/>
-                        <a:tabLst/>
-                        <a:defRPr/>
-                      </a:pPr>
-                      <a:r>
-                        <a:rPr lang="en-US" sz="3200" dirty="0"/>
-                        <a:t>NULL</a:t>
-                      </a:r>
-                    </a:p>
-                    <a:p>
-                      <a:endParaRPr lang="en-US" dirty="0"/>
-                    </a:p>
-                  </a:txBody>
-                  <a:tcPr/>
-                </a:tc>
-                <a:extLst>
-                  <a:ext uri="{0D108BD9-81ED-4DB2-BD59-A6C34878D82A}">
-                    <a16:rowId xmlns:a16="http://schemas.microsoft.com/office/drawing/2014/main" val="454230743"/>
-                  </a:ext>
-                </a:extLst>
-              </a:tr>
-            </a:tbl>
-          </a:graphicData>
-        </a:graphic>
-      </p:graphicFrame>
-      <p:sp>
-        <p:nvSpPr>
-          <p:cNvPr id="13" name="TextBox 12">
-            <a:extLst>
-              <a:ext uri="{FF2B5EF4-FFF2-40B4-BE49-F238E27FC236}">
-                <a16:creationId xmlns:a16="http://schemas.microsoft.com/office/drawing/2014/main" id="{503E285E-0A36-6244-BEDE-643E50F7C2E7}"/>
-              </a:ext>
-            </a:extLst>
-          </p:cNvPr>
-          <p:cNvSpPr txBox="1"/>
-          <p:nvPr/>
-        </p:nvSpPr>
-        <p:spPr>
-          <a:xfrm>
-            <a:off x="76200" y="1558527"/>
-            <a:ext cx="1119217" cy="646331"/>
-          </a:xfrm>
-          <a:prstGeom prst="rect">
-            <a:avLst/>
-          </a:prstGeom>
-          <a:noFill/>
-        </p:spPr>
-        <p:txBody>
-          <a:bodyPr wrap="none" rtlCol="0">
-            <a:spAutoFit/>
-          </a:bodyPr>
-          <a:lstStyle/>
-          <a:p>
-            <a:r>
-              <a:rPr lang="en-US" sz="3600" dirty="0"/>
-              <a:t>head</a:t>
-            </a:r>
-          </a:p>
-        </p:txBody>
-      </p:sp>
-      <p:cxnSp>
-        <p:nvCxnSpPr>
-          <p:cNvPr id="14" name="Straight Arrow Connector 13">
-            <a:extLst>
-              <a:ext uri="{FF2B5EF4-FFF2-40B4-BE49-F238E27FC236}">
-                <a16:creationId xmlns:a16="http://schemas.microsoft.com/office/drawing/2014/main" id="{13622754-A352-464B-84B9-D03821B63CCA}"/>
-              </a:ext>
-            </a:extLst>
-          </p:cNvPr>
-          <p:cNvCxnSpPr>
-            <a:cxnSpLocks/>
-          </p:cNvCxnSpPr>
-          <p:nvPr/>
-        </p:nvCxnSpPr>
-        <p:spPr>
-          <a:xfrm>
-            <a:off x="228600" y="2133600"/>
-            <a:ext cx="457201" cy="841549"/>
-          </a:xfrm>
-          <a:prstGeom prst="straightConnector1">
-            <a:avLst/>
-          </a:prstGeom>
-          <a:ln w="47625">
-            <a:tailEnd type="triangle"/>
-          </a:ln>
-        </p:spPr>
-        <p:style>
-          <a:lnRef idx="1">
-            <a:schemeClr val="dk1"/>
-          </a:lnRef>
-          <a:fillRef idx="0">
-            <a:schemeClr val="dk1"/>
-          </a:fillRef>
-          <a:effectRef idx="0">
-            <a:schemeClr val="dk1"/>
-          </a:effectRef>
-          <a:fontRef idx="minor">
-            <a:schemeClr val="tx1"/>
-          </a:fontRef>
-        </p:style>
-      </p:cxnSp>
-      <p:sp>
-        <p:nvSpPr>
-          <p:cNvPr id="15" name="TextBox 14">
-            <a:extLst>
-              <a:ext uri="{FF2B5EF4-FFF2-40B4-BE49-F238E27FC236}">
-                <a16:creationId xmlns:a16="http://schemas.microsoft.com/office/drawing/2014/main" id="{A08E1BAC-D064-C949-812F-8B642D248603}"/>
-              </a:ext>
-            </a:extLst>
-          </p:cNvPr>
-          <p:cNvSpPr txBox="1"/>
-          <p:nvPr/>
-        </p:nvSpPr>
-        <p:spPr>
-          <a:xfrm>
-            <a:off x="0" y="4182140"/>
-            <a:ext cx="1557671" cy="646331"/>
-          </a:xfrm>
-          <a:prstGeom prst="rect">
-            <a:avLst/>
-          </a:prstGeom>
-          <a:noFill/>
-        </p:spPr>
-        <p:txBody>
-          <a:bodyPr wrap="none" rtlCol="0">
-            <a:spAutoFit/>
-          </a:bodyPr>
-          <a:lstStyle/>
-          <a:p>
-            <a:r>
-              <a:rPr lang="en-US" sz="3600" dirty="0"/>
-              <a:t>current</a:t>
-            </a:r>
-          </a:p>
-        </p:txBody>
-      </p:sp>
-      <p:cxnSp>
-        <p:nvCxnSpPr>
-          <p:cNvPr id="16" name="Straight Arrow Connector 15">
-            <a:extLst>
-              <a:ext uri="{FF2B5EF4-FFF2-40B4-BE49-F238E27FC236}">
-                <a16:creationId xmlns:a16="http://schemas.microsoft.com/office/drawing/2014/main" id="{6275210B-13D3-464F-A06F-78E100411711}"/>
-              </a:ext>
-            </a:extLst>
-          </p:cNvPr>
-          <p:cNvCxnSpPr>
-            <a:cxnSpLocks/>
-            <a:endCxn id="28" idx="1"/>
-          </p:cNvCxnSpPr>
-          <p:nvPr/>
-        </p:nvCxnSpPr>
-        <p:spPr>
-          <a:xfrm flipV="1">
-            <a:off x="321336" y="3027956"/>
-            <a:ext cx="4566350" cy="1358990"/>
-          </a:xfrm>
-          <a:prstGeom prst="straightConnector1">
-            <a:avLst/>
-          </a:prstGeom>
-          <a:ln w="47625">
-            <a:tailEnd type="triangle"/>
-          </a:ln>
-        </p:spPr>
-        <p:style>
-          <a:lnRef idx="1">
-            <a:schemeClr val="dk1"/>
-          </a:lnRef>
-          <a:fillRef idx="0">
-            <a:schemeClr val="dk1"/>
-          </a:fillRef>
-          <a:effectRef idx="0">
-            <a:schemeClr val="dk1"/>
-          </a:effectRef>
-          <a:fontRef idx="minor">
-            <a:schemeClr val="tx1"/>
-          </a:fontRef>
-        </p:style>
-      </p:cxnSp>
-      <p:sp>
-        <p:nvSpPr>
-          <p:cNvPr id="17" name="TextBox 16">
-            <a:extLst>
-              <a:ext uri="{FF2B5EF4-FFF2-40B4-BE49-F238E27FC236}">
-                <a16:creationId xmlns:a16="http://schemas.microsoft.com/office/drawing/2014/main" id="{0FDBDC9E-6718-2D41-BC11-A19F997B3E2F}"/>
-              </a:ext>
-            </a:extLst>
-          </p:cNvPr>
-          <p:cNvSpPr txBox="1"/>
-          <p:nvPr/>
-        </p:nvSpPr>
-        <p:spPr>
-          <a:xfrm>
-            <a:off x="3630388" y="4637739"/>
-            <a:ext cx="5559214" cy="1200329"/>
-          </a:xfrm>
-          <a:prstGeom prst="rect">
-            <a:avLst/>
-          </a:prstGeom>
-          <a:noFill/>
-        </p:spPr>
-        <p:txBody>
-          <a:bodyPr wrap="none" rtlCol="0">
-            <a:spAutoFit/>
-          </a:bodyPr>
-          <a:lstStyle/>
-          <a:p>
-            <a:r>
-              <a:rPr lang="en-US" sz="3600" dirty="0"/>
-              <a:t>current-&gt;next-&gt;next == NULL</a:t>
-            </a:r>
-          </a:p>
-          <a:p>
-            <a:r>
-              <a:rPr lang="en-US" sz="3600" dirty="0"/>
-              <a:t>current-&gt;next = NULL</a:t>
-            </a:r>
-          </a:p>
-        </p:txBody>
-      </p:sp>
-    </p:spTree>
-    <p:extLst>
-      <p:ext uri="{BB962C8B-B14F-4D97-AF65-F5344CB8AC3E}">
-        <p14:creationId xmlns:p14="http://schemas.microsoft.com/office/powerpoint/2010/main" val="1274876904"/>
-      </p:ext>
-    </p:extLst>
-  </p:cSld>
-  <p:clrMapOvr>
-    <a:masterClrMapping/>
-  </p:clrMapOvr>
-</p:sld>
-</file>
-
-<file path=ppt/slides/slide73.xml><?xml version="1.0" encoding="utf-8"?>
-<p:sld xmlns:a="http://schemas.openxmlformats.org/drawingml/2006/main" xmlns:r="http://schemas.openxmlformats.org/officeDocument/2006/relationships" xmlns:p="http://schemas.openxmlformats.org/presentationml/2006/main">
-  <p:cSld>
-    <p:spTree>
-      <p:nvGrpSpPr>
-        <p:cNvPr id="1" name=""/>
-        <p:cNvGrpSpPr/>
-        <p:nvPr/>
-      </p:nvGrpSpPr>
-      <p:grpSpPr>
-        <a:xfrm>
-          <a:off x="0" y="0"/>
-          <a:ext cx="0" cy="0"/>
-          <a:chOff x="0" y="0"/>
-          <a:chExt cx="0" cy="0"/>
-        </a:xfrm>
-      </p:grpSpPr>
-      <p:sp>
-        <p:nvSpPr>
-          <p:cNvPr id="2" name="Title 1">
-            <a:extLst>
-              <a:ext uri="{FF2B5EF4-FFF2-40B4-BE49-F238E27FC236}">
-                <a16:creationId xmlns:a16="http://schemas.microsoft.com/office/drawing/2014/main" id="{97D44BA8-0EA1-0649-BA84-F316A7156668}"/>
-              </a:ext>
-            </a:extLst>
-          </p:cNvPr>
-          <p:cNvSpPr>
-            <a:spLocks noGrp="1"/>
-          </p:cNvSpPr>
-          <p:nvPr>
-            <p:ph type="title"/>
-          </p:nvPr>
-        </p:nvSpPr>
-        <p:spPr/>
-        <p:txBody>
-          <a:bodyPr/>
-          <a:lstStyle/>
-          <a:p>
-            <a:r>
-              <a:rPr lang="en-US" dirty="0"/>
-              <a:t>Deleting a node at end of list</a:t>
-            </a:r>
-          </a:p>
-        </p:txBody>
-      </p:sp>
-      <p:sp>
-        <p:nvSpPr>
-          <p:cNvPr id="4" name="Footer Placeholder 3">
-            <a:extLst>
-              <a:ext uri="{FF2B5EF4-FFF2-40B4-BE49-F238E27FC236}">
-                <a16:creationId xmlns:a16="http://schemas.microsoft.com/office/drawing/2014/main" id="{D45AC8BD-F43C-FC42-BCF1-5AD79F3119E4}"/>
-              </a:ext>
-            </a:extLst>
-          </p:cNvPr>
-          <p:cNvSpPr>
-            <a:spLocks noGrp="1"/>
-          </p:cNvSpPr>
-          <p:nvPr>
-            <p:ph type="ftr" sz="quarter" idx="11"/>
-          </p:nvPr>
-        </p:nvSpPr>
-        <p:spPr/>
-        <p:txBody>
-          <a:bodyPr/>
-          <a:lstStyle/>
-          <a:p>
-            <a:r>
-              <a:rPr lang="en-US"/>
-              <a:t>© 2016 Pearson Education, Inc., Hoboken, NJ.  All rights reserved.</a:t>
-            </a:r>
-          </a:p>
-        </p:txBody>
-      </p:sp>
-      <p:sp>
-        <p:nvSpPr>
-          <p:cNvPr id="5" name="Slide Number Placeholder 4">
-            <a:extLst>
-              <a:ext uri="{FF2B5EF4-FFF2-40B4-BE49-F238E27FC236}">
-                <a16:creationId xmlns:a16="http://schemas.microsoft.com/office/drawing/2014/main" id="{D839FDA8-3BD9-D547-9295-1E7D975CAA3C}"/>
-              </a:ext>
-            </a:extLst>
-          </p:cNvPr>
-          <p:cNvSpPr>
-            <a:spLocks noGrp="1"/>
-          </p:cNvSpPr>
-          <p:nvPr>
-            <p:ph type="sldNum" sz="quarter" idx="12"/>
-          </p:nvPr>
-        </p:nvSpPr>
-        <p:spPr/>
-        <p:txBody>
-          <a:bodyPr/>
-          <a:lstStyle/>
-          <a:p>
-            <a:fld id="{85A8DA42-601D-40A8-83CA-2F2CBDE5F9F0}" type="slidenum">
-              <a:rPr lang="en-US" smtClean="0"/>
-              <a:t>73</a:t>
-            </a:fld>
-            <a:endParaRPr lang="en-US"/>
-          </a:p>
-        </p:txBody>
-      </p:sp>
-      <p:graphicFrame>
-        <p:nvGraphicFramePr>
-          <p:cNvPr id="28" name="Table 27">
-            <a:extLst>
-              <a:ext uri="{FF2B5EF4-FFF2-40B4-BE49-F238E27FC236}">
-                <a16:creationId xmlns:a16="http://schemas.microsoft.com/office/drawing/2014/main" id="{2D123401-48D5-C747-82CE-95B10A999D30}"/>
-              </a:ext>
-            </a:extLst>
-          </p:cNvPr>
-          <p:cNvGraphicFramePr>
-            <a:graphicFrameLocks noGrp="1"/>
-          </p:cNvGraphicFramePr>
-          <p:nvPr>
-            <p:extLst>
-              <p:ext uri="{D42A27DB-BD31-4B8C-83A1-F6EECF244321}">
-                <p14:modId xmlns:p14="http://schemas.microsoft.com/office/powerpoint/2010/main" val="203655137"/>
-              </p:ext>
-            </p:extLst>
-          </p:nvPr>
-        </p:nvGraphicFramePr>
-        <p:xfrm>
-          <a:off x="685801" y="2543488"/>
-          <a:ext cx="1970314" cy="853440"/>
-        </p:xfrm>
-        <a:graphic>
-          <a:graphicData uri="http://schemas.openxmlformats.org/drawingml/2006/table">
-            <a:tbl>
-              <a:tblPr firstRow="1" bandRow="1">
-                <a:tableStyleId>{00A15C55-8517-42AA-B614-E9B94910E393}</a:tableStyleId>
-              </a:tblPr>
-              <a:tblGrid>
-                <a:gridCol w="827314">
-                  <a:extLst>
-                    <a:ext uri="{9D8B030D-6E8A-4147-A177-3AD203B41FA5}">
-                      <a16:colId xmlns:a16="http://schemas.microsoft.com/office/drawing/2014/main" val="466696394"/>
-                    </a:ext>
-                  </a:extLst>
-                </a:gridCol>
-                <a:gridCol w="1143000">
-                  <a:extLst>
-                    <a:ext uri="{9D8B030D-6E8A-4147-A177-3AD203B41FA5}">
-                      <a16:colId xmlns:a16="http://schemas.microsoft.com/office/drawing/2014/main" val="4031276115"/>
-                    </a:ext>
-                  </a:extLst>
-                </a:gridCol>
-              </a:tblGrid>
-              <a:tr h="721446">
-                <a:tc>
-                  <a:txBody>
-                    <a:bodyPr/>
-                    <a:lstStyle/>
-                    <a:p>
-                      <a:pPr algn="ctr"/>
-                      <a:r>
-                        <a:rPr lang="en-US" sz="4000" dirty="0"/>
-                        <a:t>3</a:t>
-                      </a:r>
-                    </a:p>
-                  </a:txBody>
-                  <a:tcPr/>
-                </a:tc>
-                <a:tc>
-                  <a:txBody>
-                    <a:bodyPr/>
-                    <a:lstStyle/>
-                    <a:p>
-                      <a:pPr marL="0" marR="0" lvl="0" indent="0" algn="l" defTabSz="914400" rtl="0" eaLnBrk="1" fontAlgn="auto" latinLnBrk="0" hangingPunct="1">
-                        <a:lnSpc>
-                          <a:spcPct val="100000"/>
-                        </a:lnSpc>
-                        <a:spcBef>
-                          <a:spcPts val="0"/>
-                        </a:spcBef>
-                        <a:spcAft>
-                          <a:spcPts val="0"/>
-                        </a:spcAft>
-                        <a:buClrTx/>
-                        <a:buSzTx/>
-                        <a:buFontTx/>
-                        <a:buNone/>
-                        <a:tabLst/>
-                        <a:defRPr/>
-                      </a:pPr>
-                      <a:r>
-                        <a:rPr lang="en-US" sz="3200" dirty="0"/>
-                        <a:t>NULL</a:t>
-                      </a:r>
-                    </a:p>
-                    <a:p>
-                      <a:endParaRPr lang="en-US" dirty="0"/>
-                    </a:p>
-                  </a:txBody>
-                  <a:tcPr/>
-                </a:tc>
-                <a:extLst>
-                  <a:ext uri="{0D108BD9-81ED-4DB2-BD59-A6C34878D82A}">
-                    <a16:rowId xmlns:a16="http://schemas.microsoft.com/office/drawing/2014/main" val="454230743"/>
-                  </a:ext>
-                </a:extLst>
-              </a:tr>
-            </a:tbl>
-          </a:graphicData>
-        </a:graphic>
-      </p:graphicFrame>
-      <p:sp>
-        <p:nvSpPr>
-          <p:cNvPr id="13" name="TextBox 12">
-            <a:extLst>
-              <a:ext uri="{FF2B5EF4-FFF2-40B4-BE49-F238E27FC236}">
-                <a16:creationId xmlns:a16="http://schemas.microsoft.com/office/drawing/2014/main" id="{503E285E-0A36-6244-BEDE-643E50F7C2E7}"/>
-              </a:ext>
-            </a:extLst>
-          </p:cNvPr>
-          <p:cNvSpPr txBox="1"/>
-          <p:nvPr/>
-        </p:nvSpPr>
-        <p:spPr>
-          <a:xfrm>
-            <a:off x="76200" y="1558527"/>
-            <a:ext cx="1119217" cy="646331"/>
-          </a:xfrm>
-          <a:prstGeom prst="rect">
-            <a:avLst/>
-          </a:prstGeom>
-          <a:noFill/>
-        </p:spPr>
-        <p:txBody>
-          <a:bodyPr wrap="none" rtlCol="0">
-            <a:spAutoFit/>
-          </a:bodyPr>
-          <a:lstStyle/>
-          <a:p>
-            <a:r>
-              <a:rPr lang="en-US" sz="3600" dirty="0"/>
-              <a:t>head</a:t>
-            </a:r>
-          </a:p>
-        </p:txBody>
-      </p:sp>
-      <p:cxnSp>
-        <p:nvCxnSpPr>
-          <p:cNvPr id="14" name="Straight Arrow Connector 13">
-            <a:extLst>
-              <a:ext uri="{FF2B5EF4-FFF2-40B4-BE49-F238E27FC236}">
-                <a16:creationId xmlns:a16="http://schemas.microsoft.com/office/drawing/2014/main" id="{13622754-A352-464B-84B9-D03821B63CCA}"/>
-              </a:ext>
-            </a:extLst>
-          </p:cNvPr>
-          <p:cNvCxnSpPr>
-            <a:cxnSpLocks/>
-          </p:cNvCxnSpPr>
-          <p:nvPr/>
-        </p:nvCxnSpPr>
-        <p:spPr>
-          <a:xfrm>
-            <a:off x="228600" y="2133600"/>
-            <a:ext cx="457201" cy="841549"/>
-          </a:xfrm>
-          <a:prstGeom prst="straightConnector1">
-            <a:avLst/>
-          </a:prstGeom>
-          <a:ln w="47625">
-            <a:tailEnd type="triangle"/>
-          </a:ln>
-        </p:spPr>
-        <p:style>
-          <a:lnRef idx="1">
-            <a:schemeClr val="dk1"/>
-          </a:lnRef>
-          <a:fillRef idx="0">
-            <a:schemeClr val="dk1"/>
-          </a:fillRef>
-          <a:effectRef idx="0">
-            <a:schemeClr val="dk1"/>
-          </a:effectRef>
-          <a:fontRef idx="minor">
-            <a:schemeClr val="tx1"/>
-          </a:fontRef>
-        </p:style>
-      </p:cxnSp>
-      <p:sp>
-        <p:nvSpPr>
-          <p:cNvPr id="17" name="TextBox 16">
-            <a:extLst>
-              <a:ext uri="{FF2B5EF4-FFF2-40B4-BE49-F238E27FC236}">
-                <a16:creationId xmlns:a16="http://schemas.microsoft.com/office/drawing/2014/main" id="{0FDBDC9E-6718-2D41-BC11-A19F997B3E2F}"/>
-              </a:ext>
-            </a:extLst>
-          </p:cNvPr>
-          <p:cNvSpPr txBox="1"/>
-          <p:nvPr/>
-        </p:nvSpPr>
-        <p:spPr>
-          <a:xfrm>
-            <a:off x="3318084" y="2587031"/>
-            <a:ext cx="5608202" cy="2862322"/>
-          </a:xfrm>
-          <a:prstGeom prst="rect">
-            <a:avLst/>
-          </a:prstGeom>
-          <a:noFill/>
-        </p:spPr>
-        <p:txBody>
-          <a:bodyPr wrap="square" rtlCol="0">
-            <a:spAutoFit/>
-          </a:bodyPr>
-          <a:lstStyle/>
-          <a:p>
-            <a:r>
-              <a:rPr lang="en-US" sz="3600" dirty="0"/>
-              <a:t>What happens when we do </a:t>
-            </a:r>
-          </a:p>
-          <a:p>
-            <a:endParaRPr lang="en-US" sz="3600" dirty="0"/>
-          </a:p>
-          <a:p>
-            <a:r>
-              <a:rPr lang="en-US" sz="3600" i="1" dirty="0"/>
-              <a:t>current-&gt;next-&gt;next == NULL</a:t>
-            </a:r>
-          </a:p>
-          <a:p>
-            <a:endParaRPr lang="en-US" sz="3600" dirty="0"/>
-          </a:p>
-          <a:p>
-            <a:r>
-              <a:rPr lang="en-US" sz="3600" dirty="0"/>
-              <a:t>?</a:t>
-            </a:r>
-          </a:p>
-        </p:txBody>
-      </p:sp>
-    </p:spTree>
-    <p:extLst>
-      <p:ext uri="{BB962C8B-B14F-4D97-AF65-F5344CB8AC3E}">
-        <p14:creationId xmlns:p14="http://schemas.microsoft.com/office/powerpoint/2010/main" val="3180509149"/>
-      </p:ext>
-    </p:extLst>
-  </p:cSld>
-  <p:clrMapOvr>
-    <a:masterClrMapping/>
-  </p:clrMapOvr>
-</p:sld>
-</file>
-
-<file path=ppt/slides/slide74.xml><?xml version="1.0" encoding="utf-8"?>
-<p:sld xmlns:a="http://schemas.openxmlformats.org/drawingml/2006/main" xmlns:r="http://schemas.openxmlformats.org/officeDocument/2006/relationships" xmlns:p="http://schemas.openxmlformats.org/presentationml/2006/main">
-  <p:cSld>
-    <p:spTree>
-      <p:nvGrpSpPr>
-        <p:cNvPr id="1" name=""/>
-        <p:cNvGrpSpPr/>
-        <p:nvPr/>
-      </p:nvGrpSpPr>
-      <p:grpSpPr>
-        <a:xfrm>
-          <a:off x="0" y="0"/>
-          <a:ext cx="0" cy="0"/>
-          <a:chOff x="0" y="0"/>
-          <a:chExt cx="0" cy="0"/>
-        </a:xfrm>
-      </p:grpSpPr>
-      <p:sp>
-        <p:nvSpPr>
-          <p:cNvPr id="2" name="Title 1">
-            <a:extLst>
-              <a:ext uri="{FF2B5EF4-FFF2-40B4-BE49-F238E27FC236}">
-                <a16:creationId xmlns:a16="http://schemas.microsoft.com/office/drawing/2014/main" id="{3C13476C-07B4-FA48-AFE4-CB44D3C4BAEB}"/>
-              </a:ext>
-            </a:extLst>
-          </p:cNvPr>
-          <p:cNvSpPr>
-            <a:spLocks noGrp="1"/>
-          </p:cNvSpPr>
-          <p:nvPr>
-            <p:ph type="title"/>
-          </p:nvPr>
-        </p:nvSpPr>
-        <p:spPr/>
-        <p:txBody>
-          <a:bodyPr/>
-          <a:lstStyle/>
-          <a:p>
-            <a:r>
-              <a:rPr lang="en-US" dirty="0"/>
-              <a:t>Appendix A: More about pointers</a:t>
-            </a:r>
-          </a:p>
-        </p:txBody>
-      </p:sp>
-      <p:sp>
-        <p:nvSpPr>
-          <p:cNvPr id="3" name="Content Placeholder 2">
-            <a:extLst>
-              <a:ext uri="{FF2B5EF4-FFF2-40B4-BE49-F238E27FC236}">
-                <a16:creationId xmlns:a16="http://schemas.microsoft.com/office/drawing/2014/main" id="{FDEAAD69-AE96-B241-B601-161967017541}"/>
-              </a:ext>
-            </a:extLst>
-          </p:cNvPr>
-          <p:cNvSpPr>
-            <a:spLocks noGrp="1"/>
-          </p:cNvSpPr>
-          <p:nvPr>
-            <p:ph idx="1"/>
-          </p:nvPr>
-        </p:nvSpPr>
-        <p:spPr>
-          <a:xfrm>
-            <a:off x="457200" y="1600201"/>
-            <a:ext cx="7391400" cy="533400"/>
-          </a:xfrm>
-        </p:spPr>
-        <p:txBody>
-          <a:bodyPr>
-            <a:normAutofit lnSpcReduction="10000"/>
-          </a:bodyPr>
-          <a:lstStyle/>
-          <a:p>
-            <a:pPr marL="0" indent="0">
-              <a:buNone/>
-            </a:pPr>
-            <a:r>
-              <a:rPr lang="en-US" dirty="0"/>
-              <a:t>Pointer arithmetic:</a:t>
-            </a:r>
-          </a:p>
-        </p:txBody>
-      </p:sp>
-      <p:sp>
-        <p:nvSpPr>
-          <p:cNvPr id="4" name="Footer Placeholder 3">
-            <a:extLst>
-              <a:ext uri="{FF2B5EF4-FFF2-40B4-BE49-F238E27FC236}">
-                <a16:creationId xmlns:a16="http://schemas.microsoft.com/office/drawing/2014/main" id="{3492D804-8AA5-DC4D-88CC-1CDCB87372F6}"/>
-              </a:ext>
-            </a:extLst>
-          </p:cNvPr>
-          <p:cNvSpPr>
-            <a:spLocks noGrp="1"/>
-          </p:cNvSpPr>
-          <p:nvPr>
-            <p:ph type="ftr" sz="quarter" idx="11"/>
-          </p:nvPr>
-        </p:nvSpPr>
-        <p:spPr/>
-        <p:txBody>
-          <a:bodyPr/>
-          <a:lstStyle/>
-          <a:p>
-            <a:r>
-              <a:rPr lang="en-US"/>
-              <a:t>© 2016 Pearson Education, Inc., Hoboken, NJ.  All rights reserved.</a:t>
-            </a:r>
-          </a:p>
-        </p:txBody>
-      </p:sp>
-      <p:sp>
-        <p:nvSpPr>
-          <p:cNvPr id="5" name="Slide Number Placeholder 4">
-            <a:extLst>
-              <a:ext uri="{FF2B5EF4-FFF2-40B4-BE49-F238E27FC236}">
-                <a16:creationId xmlns:a16="http://schemas.microsoft.com/office/drawing/2014/main" id="{1C9FB2C5-4292-5C48-A2B2-92FD83617595}"/>
-              </a:ext>
-            </a:extLst>
-          </p:cNvPr>
-          <p:cNvSpPr>
-            <a:spLocks noGrp="1"/>
-          </p:cNvSpPr>
-          <p:nvPr>
-            <p:ph type="sldNum" sz="quarter" idx="12"/>
-          </p:nvPr>
-        </p:nvSpPr>
-        <p:spPr/>
-        <p:txBody>
-          <a:bodyPr/>
-          <a:lstStyle/>
-          <a:p>
-            <a:fld id="{85A8DA42-601D-40A8-83CA-2F2CBDE5F9F0}" type="slidenum">
-              <a:rPr lang="en-US" smtClean="0"/>
-              <a:t>74</a:t>
-            </a:fld>
-            <a:endParaRPr lang="en-US"/>
-          </a:p>
-        </p:txBody>
-      </p:sp>
-      <p:sp>
-        <p:nvSpPr>
-          <p:cNvPr id="6" name="TextBox 5">
-            <a:extLst>
-              <a:ext uri="{FF2B5EF4-FFF2-40B4-BE49-F238E27FC236}">
-                <a16:creationId xmlns:a16="http://schemas.microsoft.com/office/drawing/2014/main" id="{0D1D844D-39E8-5B4B-838A-FF3589D147B7}"/>
-              </a:ext>
-            </a:extLst>
-          </p:cNvPr>
-          <p:cNvSpPr txBox="1"/>
-          <p:nvPr/>
-        </p:nvSpPr>
-        <p:spPr>
-          <a:xfrm>
-            <a:off x="609600" y="2440356"/>
-            <a:ext cx="1244251" cy="923330"/>
-          </a:xfrm>
-          <a:prstGeom prst="rect">
-            <a:avLst/>
-          </a:prstGeom>
-          <a:noFill/>
-        </p:spPr>
-        <p:txBody>
-          <a:bodyPr wrap="none" rtlCol="0">
-            <a:spAutoFit/>
-          </a:bodyPr>
-          <a:lstStyle/>
-          <a:p>
-            <a:r>
-              <a:rPr lang="en-US" sz="5400" dirty="0">
-                <a:solidFill>
-                  <a:srgbClr val="7030A0"/>
-                </a:solidFill>
-              </a:rPr>
-              <a:t>p+1</a:t>
-            </a:r>
-          </a:p>
-        </p:txBody>
-      </p:sp>
-      <p:sp>
-        <p:nvSpPr>
-          <p:cNvPr id="7" name="Content Placeholder 2">
-            <a:extLst>
-              <a:ext uri="{FF2B5EF4-FFF2-40B4-BE49-F238E27FC236}">
-                <a16:creationId xmlns:a16="http://schemas.microsoft.com/office/drawing/2014/main" id="{66FFAFDE-68A2-FD4A-AA89-4474D880ADD7}"/>
-              </a:ext>
-            </a:extLst>
-          </p:cNvPr>
-          <p:cNvSpPr txBox="1">
-            <a:spLocks/>
-          </p:cNvSpPr>
-          <p:nvPr/>
-        </p:nvSpPr>
-        <p:spPr>
-          <a:xfrm>
-            <a:off x="478971" y="3719199"/>
-            <a:ext cx="7391400" cy="533400"/>
-          </a:xfrm>
-          <a:prstGeom prst="rect">
-            <a:avLst/>
-          </a:prstGeom>
-        </p:spPr>
-        <p:txBody>
-          <a:bodyPr vert="horz" lIns="91440" tIns="45720" rIns="91440" bIns="45720" rtlCol="0">
-            <a:noAutofit/>
-          </a:bodyPr>
-          <a:lstStyle>
-            <a:lvl1pPr marL="342900" indent="-342900" algn="l" defTabSz="914400" rtl="0" eaLnBrk="1" latinLnBrk="0" hangingPunct="1">
-              <a:spcBef>
-                <a:spcPct val="20000"/>
-              </a:spcBef>
-              <a:buFont typeface="Arial" panose="020B0604020202020204" pitchFamily="34" charset="0"/>
-              <a:buChar char="•"/>
-              <a:defRPr sz="3200" kern="1200">
-                <a:solidFill>
-                  <a:schemeClr val="tx1"/>
-                </a:solidFill>
-                <a:latin typeface="+mn-lt"/>
-                <a:ea typeface="+mn-ea"/>
-                <a:cs typeface="+mn-cs"/>
-              </a:defRPr>
-            </a:lvl1pPr>
-            <a:lvl2pPr marL="742950" indent="-285750" algn="l" defTabSz="914400" rtl="0" eaLnBrk="1" latinLnBrk="0" hangingPunct="1">
-              <a:spcBef>
-                <a:spcPct val="20000"/>
-              </a:spcBef>
-              <a:buFont typeface="Arial" panose="020B0604020202020204" pitchFamily="34" charset="0"/>
-              <a:buChar char="–"/>
-              <a:defRPr sz="2800" kern="1200">
-                <a:solidFill>
-                  <a:schemeClr val="tx1"/>
-                </a:solidFill>
-                <a:latin typeface="+mn-lt"/>
-                <a:ea typeface="+mn-ea"/>
-                <a:cs typeface="+mn-cs"/>
-              </a:defRPr>
-            </a:lvl2pPr>
-            <a:lvl3pPr marL="1143000" indent="-228600" algn="l" defTabSz="914400" rtl="0" eaLnBrk="1" latinLnBrk="0" hangingPunct="1">
-              <a:spcBef>
-                <a:spcPct val="20000"/>
-              </a:spcBef>
-              <a:buFont typeface="Arial" panose="020B0604020202020204" pitchFamily="34" charset="0"/>
-              <a:buChar char="•"/>
-              <a:defRPr sz="2400" kern="1200">
-                <a:solidFill>
-                  <a:schemeClr val="tx1"/>
-                </a:solidFill>
-                <a:latin typeface="+mn-lt"/>
-                <a:ea typeface="+mn-ea"/>
-                <a:cs typeface="+mn-cs"/>
-              </a:defRPr>
-            </a:lvl3pPr>
-            <a:lvl4pPr marL="1600200" indent="-228600" algn="l" defTabSz="914400" rtl="0" eaLnBrk="1" latinLnBrk="0" hangingPunct="1">
-              <a:spcBef>
-                <a:spcPct val="20000"/>
-              </a:spcBef>
-              <a:buFont typeface="Arial" panose="020B0604020202020204" pitchFamily="34" charset="0"/>
-              <a:buChar char="–"/>
-              <a:defRPr sz="2000" kern="1200">
-                <a:solidFill>
-                  <a:schemeClr val="tx1"/>
-                </a:solidFill>
-                <a:latin typeface="+mn-lt"/>
-                <a:ea typeface="+mn-ea"/>
-                <a:cs typeface="+mn-cs"/>
-              </a:defRPr>
-            </a:lvl4pPr>
-            <a:lvl5pPr marL="2057400" indent="-228600" algn="l" defTabSz="914400" rtl="0" eaLnBrk="1" latinLnBrk="0" hangingPunct="1">
-              <a:spcBef>
-                <a:spcPct val="20000"/>
-              </a:spcBef>
-              <a:buFont typeface="Arial" panose="020B0604020202020204" pitchFamily="34" charset="0"/>
-              <a:buChar char="»"/>
-              <a:defRPr sz="2000" kern="1200">
-                <a:solidFill>
-                  <a:schemeClr val="tx1"/>
-                </a:solidFill>
-                <a:latin typeface="+mn-lt"/>
-                <a:ea typeface="+mn-ea"/>
-                <a:cs typeface="+mn-cs"/>
-              </a:defRPr>
-            </a:lvl5pPr>
-            <a:lvl6pPr marL="2514600" indent="-228600" algn="l" defTabSz="914400" rtl="0" eaLnBrk="1" latinLnBrk="0" hangingPunct="1">
-              <a:spcBef>
-                <a:spcPct val="20000"/>
-              </a:spcBef>
-              <a:buFont typeface="Arial" panose="020B0604020202020204" pitchFamily="34" charset="0"/>
-              <a:buChar char="•"/>
-              <a:defRPr sz="2000" kern="1200">
-                <a:solidFill>
-                  <a:schemeClr val="tx1"/>
-                </a:solidFill>
-                <a:latin typeface="+mn-lt"/>
-                <a:ea typeface="+mn-ea"/>
-                <a:cs typeface="+mn-cs"/>
-              </a:defRPr>
-            </a:lvl6pPr>
-            <a:lvl7pPr marL="2971800" indent="-228600" algn="l" defTabSz="914400" rtl="0" eaLnBrk="1" latinLnBrk="0" hangingPunct="1">
-              <a:spcBef>
-                <a:spcPct val="20000"/>
-              </a:spcBef>
-              <a:buFont typeface="Arial" panose="020B0604020202020204" pitchFamily="34" charset="0"/>
-              <a:buChar char="•"/>
-              <a:defRPr sz="2000" kern="1200">
-                <a:solidFill>
-                  <a:schemeClr val="tx1"/>
-                </a:solidFill>
-                <a:latin typeface="+mn-lt"/>
-                <a:ea typeface="+mn-ea"/>
-                <a:cs typeface="+mn-cs"/>
-              </a:defRPr>
-            </a:lvl7pPr>
-            <a:lvl8pPr marL="3429000" indent="-228600" algn="l" defTabSz="914400" rtl="0" eaLnBrk="1" latinLnBrk="0" hangingPunct="1">
-              <a:spcBef>
-                <a:spcPct val="20000"/>
-              </a:spcBef>
-              <a:buFont typeface="Arial" panose="020B0604020202020204" pitchFamily="34" charset="0"/>
-              <a:buChar char="•"/>
-              <a:defRPr sz="2000" kern="1200">
-                <a:solidFill>
-                  <a:schemeClr val="tx1"/>
-                </a:solidFill>
-                <a:latin typeface="+mn-lt"/>
-                <a:ea typeface="+mn-ea"/>
-                <a:cs typeface="+mn-cs"/>
-              </a:defRPr>
-            </a:lvl8pPr>
-            <a:lvl9pPr marL="3886200" indent="-228600" algn="l" defTabSz="914400" rtl="0" eaLnBrk="1" latinLnBrk="0" hangingPunct="1">
-              <a:spcBef>
-                <a:spcPct val="20000"/>
-              </a:spcBef>
-              <a:buFont typeface="Arial" panose="020B0604020202020204" pitchFamily="34" charset="0"/>
-              <a:buChar char="•"/>
-              <a:defRPr sz="2000" kern="1200">
-                <a:solidFill>
-                  <a:schemeClr val="tx1"/>
-                </a:solidFill>
-                <a:latin typeface="+mn-lt"/>
-                <a:ea typeface="+mn-ea"/>
-                <a:cs typeface="+mn-cs"/>
-              </a:defRPr>
-            </a:lvl9pPr>
-          </a:lstStyle>
-          <a:p>
-            <a:pPr marL="0" indent="0">
-              <a:buFont typeface="Arial" panose="020B0604020202020204" pitchFamily="34" charset="0"/>
-              <a:buNone/>
-            </a:pPr>
-            <a:r>
-              <a:rPr lang="en-US" dirty="0"/>
-              <a:t>moves p forward to the next memory block of </a:t>
-            </a:r>
-            <a:r>
-              <a:rPr lang="en-US" dirty="0" err="1"/>
-              <a:t>sizeof</a:t>
-            </a:r>
-            <a:r>
-              <a:rPr lang="en-US" dirty="0"/>
-              <a:t>(*p)</a:t>
-            </a:r>
-          </a:p>
-        </p:txBody>
-      </p:sp>
-    </p:spTree>
-    <p:extLst>
-      <p:ext uri="{BB962C8B-B14F-4D97-AF65-F5344CB8AC3E}">
-        <p14:creationId xmlns:p14="http://schemas.microsoft.com/office/powerpoint/2010/main" val="2209279815"/>
-      </p:ext>
-    </p:extLst>
-  </p:cSld>
-  <p:clrMapOvr>
-    <a:masterClrMapping/>
-  </p:clrMapOvr>
-</p:sld>
-</file>
-
-<file path=ppt/slides/slide75.xml><?xml version="1.0" encoding="utf-8"?>
-<p:sld xmlns:a="http://schemas.openxmlformats.org/drawingml/2006/main" xmlns:r="http://schemas.openxmlformats.org/officeDocument/2006/relationships" xmlns:p="http://schemas.openxmlformats.org/presentationml/2006/main">
-  <p:cSld>
-    <p:spTree>
-      <p:nvGrpSpPr>
-        <p:cNvPr id="1" name=""/>
-        <p:cNvGrpSpPr/>
-        <p:nvPr/>
-      </p:nvGrpSpPr>
-      <p:grpSpPr>
-        <a:xfrm>
-          <a:off x="0" y="0"/>
-          <a:ext cx="0" cy="0"/>
-          <a:chOff x="0" y="0"/>
-          <a:chExt cx="0" cy="0"/>
-        </a:xfrm>
-      </p:grpSpPr>
-      <p:sp>
-        <p:nvSpPr>
-          <p:cNvPr id="2" name="Title 1">
-            <a:extLst>
-              <a:ext uri="{FF2B5EF4-FFF2-40B4-BE49-F238E27FC236}">
-                <a16:creationId xmlns:a16="http://schemas.microsoft.com/office/drawing/2014/main" id="{469C5CA0-888C-5942-8C5E-4825FE6117F2}"/>
-              </a:ext>
-            </a:extLst>
-          </p:cNvPr>
-          <p:cNvSpPr>
-            <a:spLocks noGrp="1"/>
-          </p:cNvSpPr>
-          <p:nvPr>
-            <p:ph type="title"/>
-          </p:nvPr>
-        </p:nvSpPr>
-        <p:spPr/>
-        <p:txBody>
-          <a:bodyPr/>
-          <a:lstStyle/>
-          <a:p>
-            <a:r>
-              <a:rPr lang="en-US" dirty="0"/>
-              <a:t>A dynamic array in C?</a:t>
-            </a:r>
-          </a:p>
-        </p:txBody>
-      </p:sp>
-      <p:sp>
-        <p:nvSpPr>
-          <p:cNvPr id="3" name="Content Placeholder 2">
-            <a:extLst>
-              <a:ext uri="{FF2B5EF4-FFF2-40B4-BE49-F238E27FC236}">
-                <a16:creationId xmlns:a16="http://schemas.microsoft.com/office/drawing/2014/main" id="{624A8CC2-1019-F64E-AA18-D7080C906BB2}"/>
-              </a:ext>
-            </a:extLst>
-          </p:cNvPr>
-          <p:cNvSpPr>
-            <a:spLocks noGrp="1"/>
-          </p:cNvSpPr>
-          <p:nvPr>
-            <p:ph idx="1"/>
-          </p:nvPr>
-        </p:nvSpPr>
-        <p:spPr/>
-        <p:txBody>
-          <a:bodyPr/>
-          <a:lstStyle/>
-          <a:p>
-            <a:r>
-              <a:rPr lang="en-US" dirty="0"/>
-              <a:t>We can use </a:t>
-            </a:r>
-            <a:r>
-              <a:rPr lang="en-US" dirty="0" err="1"/>
-              <a:t>realloc</a:t>
-            </a:r>
-            <a:endParaRPr lang="en-US" dirty="0"/>
-          </a:p>
-          <a:p>
-            <a:endParaRPr lang="en-US" dirty="0"/>
-          </a:p>
-          <a:p>
-            <a:pPr marL="0" indent="0">
-              <a:buNone/>
-            </a:pPr>
-            <a:r>
-              <a:rPr lang="en-US" dirty="0" err="1"/>
-              <a:t>realloc</a:t>
-            </a:r>
-            <a:r>
-              <a:rPr lang="en-US" dirty="0"/>
-              <a:t>(&lt;pointer to allocated memory&gt;, </a:t>
-            </a:r>
-            <a:r>
-              <a:rPr lang="en-US"/>
-              <a:t>&lt;size)</a:t>
-            </a:r>
-          </a:p>
-        </p:txBody>
-      </p:sp>
-      <p:sp>
-        <p:nvSpPr>
-          <p:cNvPr id="4" name="Footer Placeholder 3">
-            <a:extLst>
-              <a:ext uri="{FF2B5EF4-FFF2-40B4-BE49-F238E27FC236}">
-                <a16:creationId xmlns:a16="http://schemas.microsoft.com/office/drawing/2014/main" id="{DE8A63F7-C3A3-EB49-8515-1C2F30A451F5}"/>
-              </a:ext>
-            </a:extLst>
-          </p:cNvPr>
-          <p:cNvSpPr>
-            <a:spLocks noGrp="1"/>
-          </p:cNvSpPr>
-          <p:nvPr>
-            <p:ph type="ftr" sz="quarter" idx="11"/>
-          </p:nvPr>
-        </p:nvSpPr>
-        <p:spPr/>
-        <p:txBody>
-          <a:bodyPr/>
-          <a:lstStyle/>
-          <a:p>
-            <a:r>
-              <a:rPr lang="en-US"/>
-              <a:t>© 2016 Pearson Education, Inc., Hoboken, NJ.  All rights reserved.</a:t>
-            </a:r>
-          </a:p>
-        </p:txBody>
-      </p:sp>
-      <p:sp>
-        <p:nvSpPr>
-          <p:cNvPr id="5" name="Slide Number Placeholder 4">
-            <a:extLst>
-              <a:ext uri="{FF2B5EF4-FFF2-40B4-BE49-F238E27FC236}">
-                <a16:creationId xmlns:a16="http://schemas.microsoft.com/office/drawing/2014/main" id="{32131E0E-10C8-F948-8C83-8B190CDA70CF}"/>
-              </a:ext>
-            </a:extLst>
-          </p:cNvPr>
-          <p:cNvSpPr>
-            <a:spLocks noGrp="1"/>
-          </p:cNvSpPr>
-          <p:nvPr>
-            <p:ph type="sldNum" sz="quarter" idx="12"/>
-          </p:nvPr>
-        </p:nvSpPr>
-        <p:spPr/>
-        <p:txBody>
-          <a:bodyPr/>
-          <a:lstStyle/>
-          <a:p>
-            <a:fld id="{85A8DA42-601D-40A8-83CA-2F2CBDE5F9F0}" type="slidenum">
-              <a:rPr lang="en-US" smtClean="0"/>
-              <a:t>75</a:t>
-            </a:fld>
-            <a:endParaRPr lang="en-US"/>
-          </a:p>
-        </p:txBody>
-      </p:sp>
-    </p:spTree>
-    <p:extLst>
-      <p:ext uri="{BB962C8B-B14F-4D97-AF65-F5344CB8AC3E}">
-        <p14:creationId xmlns:p14="http://schemas.microsoft.com/office/powerpoint/2010/main" val="4003756331"/>
       </p:ext>
     </p:extLst>
   </p:cSld>

--- a/_teaching/csci112-fall-2023/lectures/ppts/Chapter13.pptx
+++ b/_teaching/csci112-fall-2023/lectures/ppts/Chapter13.pptx
@@ -5,7 +5,7 @@
     <p:sldMasterId id="2147483696" r:id="rId1"/>
   </p:sldMasterIdLst>
   <p:notesMasterIdLst>
-    <p:notesMasterId r:id="rId71"/>
+    <p:notesMasterId r:id="rId73"/>
   </p:notesMasterIdLst>
   <p:sldIdLst>
     <p:sldId id="256" r:id="rId2"/>
@@ -77,6 +77,8 @@
     <p:sldId id="360" r:id="rId68"/>
     <p:sldId id="363" r:id="rId69"/>
     <p:sldId id="365" r:id="rId70"/>
+    <p:sldId id="375" r:id="rId71"/>
+    <p:sldId id="376" r:id="rId72"/>
   </p:sldIdLst>
   <p:sldSz cx="9144000" cy="6858000" type="screen4x3"/>
   <p:notesSz cx="6858000" cy="9144000"/>
@@ -357,7 +359,7 @@
           <a:p>
             <a:fld id="{E98CB7A6-F9BD-49C3-9ECF-4DAF095CBB1C}" type="datetimeFigureOut">
               <a:rPr lang="en-US" smtClean="0"/>
-              <a:t>11/7/23</a:t>
+              <a:t>11/23/23</a:t>
             </a:fld>
             <a:endParaRPr lang="en-US"/>
           </a:p>
@@ -803,7 +805,7 @@
           <a:p>
             <a:fld id="{E3D5AC34-6369-47AD-9227-C94D863A9CC0}" type="datetime1">
               <a:rPr lang="en-US" smtClean="0"/>
-              <a:t>11/7/23</a:t>
+              <a:t>11/23/23</a:t>
             </a:fld>
             <a:endParaRPr lang="en-US"/>
           </a:p>
@@ -974,7 +976,7 @@
           <a:p>
             <a:fld id="{072AE9C9-84B0-4CCC-8BB5-D31EF955DABF}" type="datetime1">
               <a:rPr lang="en-US" smtClean="0"/>
-              <a:t>11/7/23</a:t>
+              <a:t>11/23/23</a:t>
             </a:fld>
             <a:endParaRPr lang="en-US"/>
           </a:p>
@@ -1155,7 +1157,7 @@
           <a:p>
             <a:fld id="{418459C9-6810-46A7-8E27-73A52524CA34}" type="datetime1">
               <a:rPr lang="en-US" smtClean="0"/>
-              <a:t>11/7/23</a:t>
+              <a:t>11/23/23</a:t>
             </a:fld>
             <a:endParaRPr lang="en-US"/>
           </a:p>
@@ -1326,7 +1328,7 @@
           <a:p>
             <a:fld id="{F7BCA306-D31B-4E3C-AD40-EA3294957AA6}" type="datetime1">
               <a:rPr lang="en-US" smtClean="0"/>
-              <a:t>11/7/23</a:t>
+              <a:t>11/23/23</a:t>
             </a:fld>
             <a:endParaRPr lang="en-US"/>
           </a:p>
@@ -1574,7 +1576,7 @@
           <a:p>
             <a:fld id="{5C41660C-86E2-43CF-B22A-29E62815AB7D}" type="datetime1">
               <a:rPr lang="en-US" smtClean="0"/>
-              <a:t>11/7/23</a:t>
+              <a:t>11/23/23</a:t>
             </a:fld>
             <a:endParaRPr lang="en-US"/>
           </a:p>
@@ -1862,7 +1864,7 @@
           <a:p>
             <a:fld id="{94543629-6BC7-4BF9-A2A1-981038F36C55}" type="datetime1">
               <a:rPr lang="en-US" smtClean="0"/>
-              <a:t>11/7/23</a:t>
+              <a:t>11/23/23</a:t>
             </a:fld>
             <a:endParaRPr lang="en-US"/>
           </a:p>
@@ -2284,7 +2286,7 @@
           <a:p>
             <a:fld id="{EB5B99CF-F104-4BC6-A098-3ABC219C8A7D}" type="datetime1">
               <a:rPr lang="en-US" smtClean="0"/>
-              <a:t>11/7/23</a:t>
+              <a:t>11/23/23</a:t>
             </a:fld>
             <a:endParaRPr lang="en-US"/>
           </a:p>
@@ -2404,7 +2406,7 @@
           <a:p>
             <a:fld id="{C07800F5-980D-47D4-9F20-E5F458E76937}" type="datetime1">
               <a:rPr lang="en-US" smtClean="0"/>
-              <a:t>11/7/23</a:t>
+              <a:t>11/23/23</a:t>
             </a:fld>
             <a:endParaRPr lang="en-US"/>
           </a:p>
@@ -2502,7 +2504,7 @@
           <a:p>
             <a:fld id="{913B0C59-39A1-4E7B-8276-56A7060F0A3E}" type="datetime1">
               <a:rPr lang="en-US" smtClean="0"/>
-              <a:t>11/7/23</a:t>
+              <a:t>11/23/23</a:t>
             </a:fld>
             <a:endParaRPr lang="en-US"/>
           </a:p>
@@ -2780,7 +2782,7 @@
           <a:p>
             <a:fld id="{C453B8A8-F829-4B10-8A5D-952BBAE5F11B}" type="datetime1">
               <a:rPr lang="en-US" smtClean="0"/>
-              <a:t>11/7/23</a:t>
+              <a:t>11/23/23</a:t>
             </a:fld>
             <a:endParaRPr lang="en-US"/>
           </a:p>
@@ -3035,7 +3037,7 @@
           <a:p>
             <a:fld id="{805C8FAD-01C2-4C81-8B26-770D72A95E71}" type="datetime1">
               <a:rPr lang="en-US" smtClean="0"/>
-              <a:t>11/7/23</a:t>
+              <a:t>11/23/23</a:t>
             </a:fld>
             <a:endParaRPr lang="en-US"/>
           </a:p>
@@ -3249,7 +3251,7 @@
           <a:p>
             <a:fld id="{3E62D69C-6875-48F7-B20D-CB317DFF406B}" type="datetime1">
               <a:rPr lang="en-US" smtClean="0"/>
-              <a:t>11/7/23</a:t>
+              <a:t>11/23/23</a:t>
             </a:fld>
             <a:endParaRPr lang="en-US"/>
           </a:p>
@@ -16976,8 +16978,8 @@
           </a:extLst>
         </p:spPr>
       </p:pic>
-      <mc:AlternateContent xmlns:mc="http://schemas.openxmlformats.org/markup-compatibility/2006">
-        <mc:Choice xmlns:p14="http://schemas.microsoft.com/office/powerpoint/2010/main" Requires="p14">
+      <mc:AlternateContent xmlns:mc="http://schemas.openxmlformats.org/markup-compatibility/2006" xmlns:p14="http://schemas.microsoft.com/office/powerpoint/2010/main">
+        <mc:Choice Requires="p14">
           <p:contentPart p14:bwMode="auto" r:id="rId5">
             <p14:nvContentPartPr>
               <p14:cNvPr id="5" name="Ink 4">
@@ -16996,7 +16998,7 @@
             </p14:xfrm>
           </p:contentPart>
         </mc:Choice>
-        <mc:Fallback>
+        <mc:Fallback xmlns="">
           <p:pic>
             <p:nvPicPr>
               <p:cNvPr id="5" name="Ink 4">
@@ -17667,8 +17669,8 @@
           </a:extLst>
         </p:spPr>
       </p:pic>
-      <mc:AlternateContent xmlns:mc="http://schemas.openxmlformats.org/markup-compatibility/2006">
-        <mc:Choice xmlns:p14="http://schemas.microsoft.com/office/powerpoint/2010/main" Requires="p14">
+      <mc:AlternateContent xmlns:mc="http://schemas.openxmlformats.org/markup-compatibility/2006" xmlns:p14="http://schemas.microsoft.com/office/powerpoint/2010/main">
+        <mc:Choice Requires="p14">
           <p:contentPart p14:bwMode="auto" r:id="rId6">
             <p14:nvContentPartPr>
               <p14:cNvPr id="4" name="Ink 3">
@@ -17687,7 +17689,7 @@
             </p14:xfrm>
           </p:contentPart>
         </mc:Choice>
-        <mc:Fallback>
+        <mc:Fallback xmlns="">
           <p:pic>
             <p:nvPicPr>
               <p:cNvPr id="4" name="Ink 3">
@@ -17718,8 +17720,8 @@
           </p:pic>
         </mc:Fallback>
       </mc:AlternateContent>
-      <mc:AlternateContent xmlns:mc="http://schemas.openxmlformats.org/markup-compatibility/2006">
-        <mc:Choice xmlns:p14="http://schemas.microsoft.com/office/powerpoint/2010/main" Requires="p14">
+      <mc:AlternateContent xmlns:mc="http://schemas.openxmlformats.org/markup-compatibility/2006" xmlns:p14="http://schemas.microsoft.com/office/powerpoint/2010/main">
+        <mc:Choice Requires="p14">
           <p:contentPart p14:bwMode="auto" r:id="rId8">
             <p14:nvContentPartPr>
               <p14:cNvPr id="6" name="Ink 5">
@@ -17738,7 +17740,7 @@
             </p14:xfrm>
           </p:contentPart>
         </mc:Choice>
-        <mc:Fallback>
+        <mc:Fallback xmlns="">
           <p:pic>
             <p:nvPicPr>
               <p:cNvPr id="6" name="Ink 5">
@@ -35857,6 +35859,289 @@
     <p:extLst>
       <p:ext uri="{BB962C8B-B14F-4D97-AF65-F5344CB8AC3E}">
         <p14:creationId xmlns:p14="http://schemas.microsoft.com/office/powerpoint/2010/main" val="3330580683"/>
+      </p:ext>
+    </p:extLst>
+  </p:cSld>
+  <p:clrMapOvr>
+    <a:masterClrMapping/>
+  </p:clrMapOvr>
+</p:sld>
+</file>
+
+<file path=ppt/slides/slide70.xml><?xml version="1.0" encoding="utf-8"?>
+<p:sld xmlns:a="http://schemas.openxmlformats.org/drawingml/2006/main" xmlns:r="http://schemas.openxmlformats.org/officeDocument/2006/relationships" xmlns:p="http://schemas.openxmlformats.org/presentationml/2006/main">
+  <p:cSld>
+    <p:spTree>
+      <p:nvGrpSpPr>
+        <p:cNvPr id="1" name=""/>
+        <p:cNvGrpSpPr/>
+        <p:nvPr/>
+      </p:nvGrpSpPr>
+      <p:grpSpPr>
+        <a:xfrm>
+          <a:off x="0" y="0"/>
+          <a:ext cx="0" cy="0"/>
+          <a:chOff x="0" y="0"/>
+          <a:chExt cx="0" cy="0"/>
+        </a:xfrm>
+      </p:grpSpPr>
+      <p:sp>
+        <p:nvSpPr>
+          <p:cNvPr id="2" name="Title 1"/>
+          <p:cNvSpPr>
+            <a:spLocks noGrp="1"/>
+          </p:cNvSpPr>
+          <p:nvPr>
+            <p:ph type="title"/>
+          </p:nvPr>
+        </p:nvSpPr>
+        <p:spPr/>
+        <p:txBody>
+          <a:bodyPr/>
+          <a:lstStyle/>
+          <a:p>
+            <a:r>
+              <a:rPr lang="en-US" dirty="0" err="1"/>
+              <a:t>Realloc</a:t>
+            </a:r>
+            <a:endParaRPr lang="en-US" dirty="0"/>
+          </a:p>
+        </p:txBody>
+      </p:sp>
+      <p:sp>
+        <p:nvSpPr>
+          <p:cNvPr id="3" name="Content Placeholder 2"/>
+          <p:cNvSpPr>
+            <a:spLocks noGrp="1"/>
+          </p:cNvSpPr>
+          <p:nvPr>
+            <p:ph idx="1"/>
+          </p:nvPr>
+        </p:nvSpPr>
+        <p:spPr>
+          <a:xfrm>
+            <a:off x="457200" y="1447800"/>
+            <a:ext cx="8229600" cy="4525963"/>
+          </a:xfrm>
+        </p:spPr>
+        <p:txBody>
+          <a:bodyPr>
+            <a:normAutofit/>
+          </a:bodyPr>
+          <a:lstStyle/>
+          <a:p>
+            <a:r>
+              <a:rPr lang="en-US" dirty="0"/>
+              <a:t>reallocates heap memory</a:t>
+            </a:r>
+          </a:p>
+          <a:p>
+            <a:r>
+              <a:rPr lang="en-US" dirty="0" err="1"/>
+              <a:t>realloc</a:t>
+            </a:r>
+            <a:r>
+              <a:rPr lang="en-US" dirty="0"/>
+              <a:t>(</a:t>
+            </a:r>
+            <a:r>
+              <a:rPr lang="en-US" dirty="0" err="1"/>
+              <a:t>ptr</a:t>
+            </a:r>
+            <a:r>
+              <a:rPr lang="en-US" dirty="0"/>
+              <a:t>, </a:t>
+            </a:r>
+            <a:r>
+              <a:rPr lang="en-US" dirty="0" err="1"/>
+              <a:t>new_size</a:t>
+            </a:r>
+            <a:r>
+              <a:rPr lang="en-US" dirty="0"/>
+              <a:t>) returns a pointer to a block of memory of </a:t>
+            </a:r>
+            <a:r>
+              <a:rPr lang="en-US" dirty="0" err="1"/>
+              <a:t>new_size</a:t>
+            </a:r>
+            <a:r>
+              <a:rPr lang="en-US" dirty="0"/>
+              <a:t> with data from </a:t>
+            </a:r>
+            <a:r>
+              <a:rPr lang="en-US" dirty="0" err="1"/>
+              <a:t>ptr</a:t>
+            </a:r>
+            <a:r>
+              <a:rPr lang="en-US" dirty="0"/>
+              <a:t> copied over, and frees old memory (if needed)</a:t>
+            </a:r>
+          </a:p>
+          <a:p>
+            <a:r>
+              <a:rPr lang="en-US" dirty="0"/>
+              <a:t>careful in case </a:t>
+            </a:r>
+            <a:r>
+              <a:rPr lang="en-US" dirty="0" err="1"/>
+              <a:t>realloc</a:t>
+            </a:r>
+            <a:r>
+              <a:rPr lang="en-US" dirty="0"/>
+              <a:t> is unsuccessful</a:t>
+            </a:r>
+          </a:p>
+          <a:p>
+            <a:pPr marL="0" indent="0">
+              <a:buNone/>
+            </a:pPr>
+            <a:endParaRPr lang="en-US" dirty="0"/>
+          </a:p>
+        </p:txBody>
+      </p:sp>
+      <p:sp>
+        <p:nvSpPr>
+          <p:cNvPr id="4" name="Footer Placeholder 3"/>
+          <p:cNvSpPr>
+            <a:spLocks noGrp="1"/>
+          </p:cNvSpPr>
+          <p:nvPr>
+            <p:ph type="ftr" sz="quarter" idx="11"/>
+          </p:nvPr>
+        </p:nvSpPr>
+        <p:spPr/>
+        <p:txBody>
+          <a:bodyPr/>
+          <a:lstStyle/>
+          <a:p>
+            <a:r>
+              <a:rPr lang="en-US"/>
+              <a:t>© 2016 Pearson Education, Inc., Hoboken, NJ.  All rights reserved.</a:t>
+            </a:r>
+          </a:p>
+        </p:txBody>
+      </p:sp>
+      <p:sp>
+        <p:nvSpPr>
+          <p:cNvPr id="5" name="Slide Number Placeholder 4"/>
+          <p:cNvSpPr>
+            <a:spLocks noGrp="1"/>
+          </p:cNvSpPr>
+          <p:nvPr>
+            <p:ph type="sldNum" sz="quarter" idx="12"/>
+          </p:nvPr>
+        </p:nvSpPr>
+        <p:spPr/>
+        <p:txBody>
+          <a:bodyPr/>
+          <a:lstStyle/>
+          <a:p>
+            <a:fld id="{85A8DA42-601D-40A8-83CA-2F2CBDE5F9F0}" type="slidenum">
+              <a:rPr lang="en-US" smtClean="0"/>
+              <a:t>70</a:t>
+            </a:fld>
+            <a:endParaRPr lang="en-US"/>
+          </a:p>
+        </p:txBody>
+      </p:sp>
+    </p:spTree>
+    <p:extLst>
+      <p:ext uri="{BB962C8B-B14F-4D97-AF65-F5344CB8AC3E}">
+        <p14:creationId xmlns:p14="http://schemas.microsoft.com/office/powerpoint/2010/main" val="130444977"/>
+      </p:ext>
+    </p:extLst>
+  </p:cSld>
+  <p:clrMapOvr>
+    <a:masterClrMapping/>
+  </p:clrMapOvr>
+</p:sld>
+</file>
+
+<file path=ppt/slides/slide71.xml><?xml version="1.0" encoding="utf-8"?>
+<p:sld xmlns:a="http://schemas.openxmlformats.org/drawingml/2006/main" xmlns:r="http://schemas.openxmlformats.org/officeDocument/2006/relationships" xmlns:p="http://schemas.openxmlformats.org/presentationml/2006/main">
+  <p:cSld>
+    <p:spTree>
+      <p:nvGrpSpPr>
+        <p:cNvPr id="1" name=""/>
+        <p:cNvGrpSpPr/>
+        <p:nvPr/>
+      </p:nvGrpSpPr>
+      <p:grpSpPr>
+        <a:xfrm>
+          <a:off x="0" y="0"/>
+          <a:ext cx="0" cy="0"/>
+          <a:chOff x="0" y="0"/>
+          <a:chExt cx="0" cy="0"/>
+        </a:xfrm>
+      </p:grpSpPr>
+      <p:pic>
+        <p:nvPicPr>
+          <p:cNvPr id="7" name="Content Placeholder 6" descr="A graph paper with writing on it&#10;&#10;Description automatically generated">
+            <a:extLst>
+              <a:ext uri="{FF2B5EF4-FFF2-40B4-BE49-F238E27FC236}">
+                <a16:creationId xmlns:a16="http://schemas.microsoft.com/office/drawing/2014/main" id="{4DA7C230-519D-014D-B9EA-FF97276BCA74}"/>
+              </a:ext>
+            </a:extLst>
+          </p:cNvPr>
+          <p:cNvPicPr>
+            <a:picLocks noGrp="1" noChangeAspect="1"/>
+          </p:cNvPicPr>
+          <p:nvPr>
+            <p:ph idx="1"/>
+          </p:nvPr>
+        </p:nvPicPr>
+        <p:blipFill>
+          <a:blip r:embed="rId2">
+            <a:extLst>
+              <a:ext uri="{28A0092B-C50C-407E-A947-70E740481C1C}">
+                <a14:useLocalDpi xmlns:a14="http://schemas.microsoft.com/office/drawing/2010/main" val="0"/>
+              </a:ext>
+            </a:extLst>
+          </a:blip>
+          <a:stretch>
+            <a:fillRect/>
+          </a:stretch>
+        </p:blipFill>
+        <p:spPr>
+          <a:xfrm>
+            <a:off x="694663" y="-32656"/>
+            <a:ext cx="7687337" cy="6934798"/>
+          </a:xfrm>
+        </p:spPr>
+      </p:pic>
+      <p:sp>
+        <p:nvSpPr>
+          <p:cNvPr id="5" name="Slide Number Placeholder 4">
+            <a:extLst>
+              <a:ext uri="{FF2B5EF4-FFF2-40B4-BE49-F238E27FC236}">
+                <a16:creationId xmlns:a16="http://schemas.microsoft.com/office/drawing/2014/main" id="{C33CBB84-4205-4F48-9692-2953784EA490}"/>
+              </a:ext>
+            </a:extLst>
+          </p:cNvPr>
+          <p:cNvSpPr>
+            <a:spLocks noGrp="1"/>
+          </p:cNvSpPr>
+          <p:nvPr>
+            <p:ph type="sldNum" sz="quarter" idx="12"/>
+          </p:nvPr>
+        </p:nvSpPr>
+        <p:spPr/>
+        <p:txBody>
+          <a:bodyPr/>
+          <a:lstStyle/>
+          <a:p>
+            <a:fld id="{85A8DA42-601D-40A8-83CA-2F2CBDE5F9F0}" type="slidenum">
+              <a:rPr lang="en-US" smtClean="0"/>
+              <a:t>71</a:t>
+            </a:fld>
+            <a:endParaRPr lang="en-US"/>
+          </a:p>
+        </p:txBody>
+      </p:sp>
+    </p:spTree>
+    <p:extLst>
+      <p:ext uri="{BB962C8B-B14F-4D97-AF65-F5344CB8AC3E}">
+        <p14:creationId xmlns:p14="http://schemas.microsoft.com/office/powerpoint/2010/main" val="2098874849"/>
       </p:ext>
     </p:extLst>
   </p:cSld>

--- a/_teaching/csci112-fall-2023/lectures/ppts/Chapter13.pptx
+++ b/_teaching/csci112-fall-2023/lectures/ppts/Chapter13.pptx
@@ -5,7 +5,7 @@
     <p:sldMasterId id="2147483696" r:id="rId1"/>
   </p:sldMasterIdLst>
   <p:notesMasterIdLst>
-    <p:notesMasterId r:id="rId73"/>
+    <p:notesMasterId r:id="rId74"/>
   </p:notesMasterIdLst>
   <p:sldIdLst>
     <p:sldId id="256" r:id="rId2"/>
@@ -79,6 +79,7 @@
     <p:sldId id="365" r:id="rId70"/>
     <p:sldId id="375" r:id="rId71"/>
     <p:sldId id="376" r:id="rId72"/>
+    <p:sldId id="377" r:id="rId73"/>
   </p:sldIdLst>
   <p:sldSz cx="9144000" cy="6858000" type="screen4x3"/>
   <p:notesSz cx="6858000" cy="9144000"/>
@@ -359,7 +360,7 @@
           <a:p>
             <a:fld id="{E98CB7A6-F9BD-49C3-9ECF-4DAF095CBB1C}" type="datetimeFigureOut">
               <a:rPr lang="en-US" smtClean="0"/>
-              <a:t>11/23/23</a:t>
+              <a:t>11/29/23</a:t>
             </a:fld>
             <a:endParaRPr lang="en-US"/>
           </a:p>
@@ -805,7 +806,7 @@
           <a:p>
             <a:fld id="{E3D5AC34-6369-47AD-9227-C94D863A9CC0}" type="datetime1">
               <a:rPr lang="en-US" smtClean="0"/>
-              <a:t>11/23/23</a:t>
+              <a:t>11/29/23</a:t>
             </a:fld>
             <a:endParaRPr lang="en-US"/>
           </a:p>
@@ -976,7 +977,7 @@
           <a:p>
             <a:fld id="{072AE9C9-84B0-4CCC-8BB5-D31EF955DABF}" type="datetime1">
               <a:rPr lang="en-US" smtClean="0"/>
-              <a:t>11/23/23</a:t>
+              <a:t>11/29/23</a:t>
             </a:fld>
             <a:endParaRPr lang="en-US"/>
           </a:p>
@@ -1157,7 +1158,7 @@
           <a:p>
             <a:fld id="{418459C9-6810-46A7-8E27-73A52524CA34}" type="datetime1">
               <a:rPr lang="en-US" smtClean="0"/>
-              <a:t>11/23/23</a:t>
+              <a:t>11/29/23</a:t>
             </a:fld>
             <a:endParaRPr lang="en-US"/>
           </a:p>
@@ -1328,7 +1329,7 @@
           <a:p>
             <a:fld id="{F7BCA306-D31B-4E3C-AD40-EA3294957AA6}" type="datetime1">
               <a:rPr lang="en-US" smtClean="0"/>
-              <a:t>11/23/23</a:t>
+              <a:t>11/29/23</a:t>
             </a:fld>
             <a:endParaRPr lang="en-US"/>
           </a:p>
@@ -1576,7 +1577,7 @@
           <a:p>
             <a:fld id="{5C41660C-86E2-43CF-B22A-29E62815AB7D}" type="datetime1">
               <a:rPr lang="en-US" smtClean="0"/>
-              <a:t>11/23/23</a:t>
+              <a:t>11/29/23</a:t>
             </a:fld>
             <a:endParaRPr lang="en-US"/>
           </a:p>
@@ -1864,7 +1865,7 @@
           <a:p>
             <a:fld id="{94543629-6BC7-4BF9-A2A1-981038F36C55}" type="datetime1">
               <a:rPr lang="en-US" smtClean="0"/>
-              <a:t>11/23/23</a:t>
+              <a:t>11/29/23</a:t>
             </a:fld>
             <a:endParaRPr lang="en-US"/>
           </a:p>
@@ -2286,7 +2287,7 @@
           <a:p>
             <a:fld id="{EB5B99CF-F104-4BC6-A098-3ABC219C8A7D}" type="datetime1">
               <a:rPr lang="en-US" smtClean="0"/>
-              <a:t>11/23/23</a:t>
+              <a:t>11/29/23</a:t>
             </a:fld>
             <a:endParaRPr lang="en-US"/>
           </a:p>
@@ -2406,7 +2407,7 @@
           <a:p>
             <a:fld id="{C07800F5-980D-47D4-9F20-E5F458E76937}" type="datetime1">
               <a:rPr lang="en-US" smtClean="0"/>
-              <a:t>11/23/23</a:t>
+              <a:t>11/29/23</a:t>
             </a:fld>
             <a:endParaRPr lang="en-US"/>
           </a:p>
@@ -2504,7 +2505,7 @@
           <a:p>
             <a:fld id="{913B0C59-39A1-4E7B-8276-56A7060F0A3E}" type="datetime1">
               <a:rPr lang="en-US" smtClean="0"/>
-              <a:t>11/23/23</a:t>
+              <a:t>11/29/23</a:t>
             </a:fld>
             <a:endParaRPr lang="en-US"/>
           </a:p>
@@ -2782,7 +2783,7 @@
           <a:p>
             <a:fld id="{C453B8A8-F829-4B10-8A5D-952BBAE5F11B}" type="datetime1">
               <a:rPr lang="en-US" smtClean="0"/>
-              <a:t>11/23/23</a:t>
+              <a:t>11/29/23</a:t>
             </a:fld>
             <a:endParaRPr lang="en-US"/>
           </a:p>
@@ -3037,7 +3038,7 @@
           <a:p>
             <a:fld id="{805C8FAD-01C2-4C81-8B26-770D72A95E71}" type="datetime1">
               <a:rPr lang="en-US" smtClean="0"/>
-              <a:t>11/23/23</a:t>
+              <a:t>11/29/23</a:t>
             </a:fld>
             <a:endParaRPr lang="en-US"/>
           </a:p>
@@ -3251,7 +3252,7 @@
           <a:p>
             <a:fld id="{3E62D69C-6875-48F7-B20D-CB317DFF406B}" type="datetime1">
               <a:rPr lang="en-US" smtClean="0"/>
-              <a:t>11/23/23</a:t>
+              <a:t>11/29/23</a:t>
             </a:fld>
             <a:endParaRPr lang="en-US"/>
           </a:p>
@@ -36142,6 +36143,154 @@
     <p:extLst>
       <p:ext uri="{BB962C8B-B14F-4D97-AF65-F5344CB8AC3E}">
         <p14:creationId xmlns:p14="http://schemas.microsoft.com/office/powerpoint/2010/main" val="2098874849"/>
+      </p:ext>
+    </p:extLst>
+  </p:cSld>
+  <p:clrMapOvr>
+    <a:masterClrMapping/>
+  </p:clrMapOvr>
+</p:sld>
+</file>
+
+<file path=ppt/slides/slide72.xml><?xml version="1.0" encoding="utf-8"?>
+<p:sld xmlns:a="http://schemas.openxmlformats.org/drawingml/2006/main" xmlns:r="http://schemas.openxmlformats.org/officeDocument/2006/relationships" xmlns:p="http://schemas.openxmlformats.org/presentationml/2006/main">
+  <p:cSld>
+    <p:spTree>
+      <p:nvGrpSpPr>
+        <p:cNvPr id="1" name=""/>
+        <p:cNvGrpSpPr/>
+        <p:nvPr/>
+      </p:nvGrpSpPr>
+      <p:grpSpPr>
+        <a:xfrm>
+          <a:off x="0" y="0"/>
+          <a:ext cx="0" cy="0"/>
+          <a:chOff x="0" y="0"/>
+          <a:chExt cx="0" cy="0"/>
+        </a:xfrm>
+      </p:grpSpPr>
+      <p:sp>
+        <p:nvSpPr>
+          <p:cNvPr id="2" name="Title 1">
+            <a:extLst>
+              <a:ext uri="{FF2B5EF4-FFF2-40B4-BE49-F238E27FC236}">
+                <a16:creationId xmlns:a16="http://schemas.microsoft.com/office/drawing/2014/main" id="{821F051F-E914-C840-AAB4-D4C992EA1086}"/>
+              </a:ext>
+            </a:extLst>
+          </p:cNvPr>
+          <p:cNvSpPr>
+            <a:spLocks noGrp="1"/>
+          </p:cNvSpPr>
+          <p:nvPr>
+            <p:ph type="title"/>
+          </p:nvPr>
+        </p:nvSpPr>
+        <p:spPr/>
+        <p:txBody>
+          <a:bodyPr/>
+          <a:lstStyle/>
+          <a:p>
+            <a:r>
+              <a:rPr lang="en-US" dirty="0" err="1"/>
+              <a:t>Valgrind</a:t>
+            </a:r>
+            <a:endParaRPr lang="en-US" dirty="0"/>
+          </a:p>
+        </p:txBody>
+      </p:sp>
+      <p:sp>
+        <p:nvSpPr>
+          <p:cNvPr id="3" name="Content Placeholder 2">
+            <a:extLst>
+              <a:ext uri="{FF2B5EF4-FFF2-40B4-BE49-F238E27FC236}">
+                <a16:creationId xmlns:a16="http://schemas.microsoft.com/office/drawing/2014/main" id="{96AA0E5D-B2BB-8143-9A7F-24B8B53569B3}"/>
+              </a:ext>
+            </a:extLst>
+          </p:cNvPr>
+          <p:cNvSpPr>
+            <a:spLocks noGrp="1"/>
+          </p:cNvSpPr>
+          <p:nvPr>
+            <p:ph idx="1"/>
+          </p:nvPr>
+        </p:nvSpPr>
+        <p:spPr/>
+        <p:txBody>
+          <a:bodyPr/>
+          <a:lstStyle/>
+          <a:p>
+            <a:r>
+              <a:rPr lang="en-US" dirty="0"/>
+              <a:t>Runs your program, </a:t>
+            </a:r>
+            <a:r>
+              <a:rPr lang="en-US"/>
+              <a:t>but tracks heap memory use</a:t>
+            </a:r>
+          </a:p>
+        </p:txBody>
+      </p:sp>
+      <p:sp>
+        <p:nvSpPr>
+          <p:cNvPr id="4" name="Footer Placeholder 3">
+            <a:extLst>
+              <a:ext uri="{FF2B5EF4-FFF2-40B4-BE49-F238E27FC236}">
+                <a16:creationId xmlns:a16="http://schemas.microsoft.com/office/drawing/2014/main" id="{9850D1CB-70CE-9F46-B716-F23F93CADF98}"/>
+              </a:ext>
+            </a:extLst>
+          </p:cNvPr>
+          <p:cNvSpPr>
+            <a:spLocks noGrp="1"/>
+          </p:cNvSpPr>
+          <p:nvPr>
+            <p:ph type="ftr" sz="quarter" idx="11"/>
+          </p:nvPr>
+        </p:nvSpPr>
+        <p:spPr/>
+        <p:txBody>
+          <a:bodyPr/>
+          <a:lstStyle/>
+          <a:p>
+            <a:r>
+              <a:rPr lang="en-US"/>
+              <a:t>© 2016 Pearson Education, Inc., Hoboken, NJ.  All rights reserved.</a:t>
+            </a:r>
+          </a:p>
+        </p:txBody>
+      </p:sp>
+      <p:sp>
+        <p:nvSpPr>
+          <p:cNvPr id="5" name="Slide Number Placeholder 4">
+            <a:extLst>
+              <a:ext uri="{FF2B5EF4-FFF2-40B4-BE49-F238E27FC236}">
+                <a16:creationId xmlns:a16="http://schemas.microsoft.com/office/drawing/2014/main" id="{69F197C0-10BC-2C40-8D90-9A6F97F87302}"/>
+              </a:ext>
+            </a:extLst>
+          </p:cNvPr>
+          <p:cNvSpPr>
+            <a:spLocks noGrp="1"/>
+          </p:cNvSpPr>
+          <p:nvPr>
+            <p:ph type="sldNum" sz="quarter" idx="12"/>
+          </p:nvPr>
+        </p:nvSpPr>
+        <p:spPr/>
+        <p:txBody>
+          <a:bodyPr/>
+          <a:lstStyle/>
+          <a:p>
+            <a:fld id="{85A8DA42-601D-40A8-83CA-2F2CBDE5F9F0}" type="slidenum">
+              <a:rPr lang="en-US" smtClean="0"/>
+              <a:t>72</a:t>
+            </a:fld>
+            <a:endParaRPr lang="en-US"/>
+          </a:p>
+        </p:txBody>
+      </p:sp>
+    </p:spTree>
+    <p:extLst>
+      <p:ext uri="{BB962C8B-B14F-4D97-AF65-F5344CB8AC3E}">
+        <p14:creationId xmlns:p14="http://schemas.microsoft.com/office/powerpoint/2010/main" val="1887806940"/>
       </p:ext>
     </p:extLst>
   </p:cSld>
